--- a/Utterance_Clustering_Pipeline.pptx
+++ b/Utterance_Clustering_Pipeline.pptx
@@ -17,12 +17,16 @@
     <p:sldId id="262" r:id="rId8"/>
     <p:sldId id="263" r:id="rId9"/>
     <p:sldId id="264" r:id="rId10"/>
+    <p:sldId id="272" r:id="rId23"/>
+    <p:sldId id="273" r:id="rId24"/>
     <p:sldId id="265" r:id="rId11"/>
     <p:sldId id="266" r:id="rId12"/>
     <p:sldId id="267" r:id="rId13"/>
     <p:sldId id="268" r:id="rId14"/>
     <p:sldId id="269" r:id="rId15"/>
     <p:sldId id="270" r:id="rId16"/>
+    <p:sldId id="274" r:id="rId25"/>
+    <p:sldId id="275" r:id="rId26"/>
     <p:sldId id="271" r:id="rId17"/>
   </p:sldIdLst>
   <p:sldSz cx="9144000" cy="5143500" type="screen16x9"/>
@@ -5524,7 +5528,7 @@
                 <a:ea typeface="Calibri" pitchFamily="34" charset="-122"/>
                 <a:cs typeface="Calibri" pitchFamily="34" charset="-120"/>
               </a:rPr>
-              <a:t>HDBSCAN finds natural groups without specifying k; handles noise</a:t>
+              <a:t>HDBSCAN + DBCV-based parameter sweep; ≤30 cluster constraint</a:t>
             </a:r>
             <a:endParaRPr lang="en-US" sz="1300" dirty="0"/>
           </a:p>
@@ -5702,7 +5706,7 @@
                 <a:ea typeface="Calibri" pitchFamily="34" charset="-122"/>
                 <a:cs typeface="Calibri" pitchFamily="34" charset="-120"/>
               </a:rPr>
-              <a:t>ARI &amp; NMI measure quality vs ground-truth labels; score &gt; 0.8 = excellent</a:t>
+              <a:t>DBCV (internal) + ARI/NMI on full dataset via approximate_predict</a:t>
             </a:r>
             <a:endParaRPr lang="en-US" sz="1300" dirty="0"/>
           </a:p>
@@ -6058,7 +6062,7 @@
                 <a:ea typeface="Calibri" pitchFamily="34" charset="-122"/>
                 <a:cs typeface="Calibri" pitchFamily="34" charset="-120"/>
               </a:rPr>
-              <a:t>MNR Loss + in-batch negatives to adapt embeddings to your domain</a:t>
+              <a:t>MNR Loss + per-model DBCV sweep; fairer base vs fine-tuned comparison</a:t>
             </a:r>
             <a:endParaRPr lang="en-US" sz="1300" dirty="0"/>
           </a:p>
@@ -6141,6 +6145,2372 @@
               <a:t>Upload your dataset and we can run the full pipeline — embedding, fine-tuning, clustering, and visualization.</a:t>
             </a:r>
             <a:endParaRPr lang="en-US" sz="1400" dirty="0"/>
+          </a:p>
+        </p:txBody>
+      </p:sp>
+    </p:spTree>
+  </p:cSld>
+  <p:clrMapOvr>
+    <a:masterClrMapping/>
+  </p:clrMapOvr>
+</p:sld>
+</file>
+
+<file path=ppt/slides/slide17.xml><?xml version="1.0" encoding="utf-8"?>
+<p:sld xmlns:a="http://schemas.openxmlformats.org/drawingml/2006/main" xmlns:p="http://schemas.openxmlformats.org/presentationml/2006/main" xmlns:r="http://schemas.openxmlformats.org/officeDocument/2006/relationships">
+  <p:cSld>
+    <p:bg>
+      <p:bgPr>
+        <a:solidFill>
+          <a:srgbClr val="0F172A"/>
+        </a:solidFill>
+        <a:effectLst/>
+      </p:bgPr>
+    </p:bg>
+    <p:spTree>
+      <p:nvGrpSpPr>
+        <p:cNvPr id="1" name=""/>
+        <p:cNvGrpSpPr/>
+        <p:nvPr/>
+      </p:nvGrpSpPr>
+      <p:grpSpPr/>
+      <p:sp>
+        <p:nvSpPr>
+          <p:cNvPr id="2" name="Rectangle 1"/>
+          <p:cNvSpPr/>
+          <p:nvPr/>
+        </p:nvSpPr>
+        <p:spPr>
+          <a:xfrm>
+            <a:off x="0" y="0"/>
+            <a:ext cx="9144000" cy="54864"/>
+          </a:xfrm>
+          <a:prstGeom prst="rect">
+            <a:avLst/>
+          </a:prstGeom>
+          <a:solidFill>
+            <a:srgbClr val="7C3AED"/>
+          </a:solidFill>
+          <a:ln>
+            <a:noFill/>
+          </a:ln>
+        </p:spPr>
+        <p:style>
+          <a:lnRef idx="1">
+            <a:schemeClr val="accent1"/>
+          </a:lnRef>
+          <a:fillRef idx="3">
+            <a:schemeClr val="accent1"/>
+          </a:fillRef>
+          <a:effectRef idx="2">
+            <a:schemeClr val="accent1"/>
+          </a:effectRef>
+          <a:fontRef idx="minor">
+            <a:schemeClr val="lt1"/>
+          </a:fontRef>
+        </p:style>
+        <p:txBody>
+          <a:bodyPr rtlCol="0" anchor="ctr"/>
+          <a:lstStyle/>
+          <a:p>
+            <a:pPr algn="ctr"/>
+          </a:p>
+        </p:txBody>
+      </p:sp>
+      <p:sp>
+        <p:nvSpPr>
+          <p:cNvPr id="3" name="Rounded Rectangle 2"/>
+          <p:cNvSpPr/>
+          <p:nvPr/>
+        </p:nvSpPr>
+        <p:spPr>
+          <a:xfrm>
+            <a:off x="457200" y="182880"/>
+            <a:ext cx="640080" cy="457200"/>
+          </a:xfrm>
+          <a:prstGeom prst="roundRect">
+            <a:avLst/>
+          </a:prstGeom>
+          <a:solidFill>
+            <a:srgbClr val="7C3AED"/>
+          </a:solidFill>
+          <a:ln>
+            <a:noFill/>
+          </a:ln>
+        </p:spPr>
+        <p:style>
+          <a:lnRef idx="1">
+            <a:schemeClr val="accent1"/>
+          </a:lnRef>
+          <a:fillRef idx="3">
+            <a:schemeClr val="accent1"/>
+          </a:fillRef>
+          <a:effectRef idx="2">
+            <a:schemeClr val="accent1"/>
+          </a:effectRef>
+          <a:fontRef idx="minor">
+            <a:schemeClr val="lt1"/>
+          </a:fontRef>
+        </p:style>
+        <p:txBody>
+          <a:bodyPr rtlCol="0" anchor="ctr" wrap="square"/>
+          <a:lstStyle/>
+          <a:p>
+            <a:pPr algn="ctr"/>
+            <a:r>
+              <a:rPr sz="2000">
+                <a:solidFill>
+                  <a:srgbClr val="FFFFFF"/>
+                </a:solidFill>
+                <a:latin typeface="Arial Black"/>
+              </a:rPr>
+              <a:t>V2</a:t>
+            </a:r>
+          </a:p>
+        </p:txBody>
+      </p:sp>
+      <p:sp>
+        <p:nvSpPr>
+          <p:cNvPr id="4" name="TextBox 3"/>
+          <p:cNvSpPr txBox="1"/>
+          <p:nvPr/>
+        </p:nvSpPr>
+        <p:spPr>
+          <a:xfrm>
+            <a:off x="1280160" y="182880"/>
+            <a:ext cx="7315200" cy="457200"/>
+          </a:xfrm>
+          <a:prstGeom prst="rect">
+            <a:avLst/>
+          </a:prstGeom>
+          <a:noFill/>
+        </p:spPr>
+        <p:txBody>
+          <a:bodyPr wrap="square">
+            <a:spAutoFit/>
+          </a:bodyPr>
+          <a:lstStyle/>
+          <a:p>
+            <a:r>
+              <a:rPr sz="2800" b="0">
+                <a:solidFill>
+                  <a:srgbClr val="FFFFFF"/>
+                </a:solidFill>
+                <a:latin typeface="Arial Black"/>
+              </a:rPr>
+              <a:t>v2 Pipeline Improvements</a:t>
+            </a:r>
+          </a:p>
+        </p:txBody>
+      </p:sp>
+      <p:sp>
+        <p:nvSpPr>
+          <p:cNvPr id="5" name="TextBox 4"/>
+          <p:cNvSpPr txBox="1"/>
+          <p:nvPr/>
+        </p:nvSpPr>
+        <p:spPr>
+          <a:xfrm>
+            <a:off x="1280160" y="640080"/>
+            <a:ext cx="7315200" cy="320040"/>
+          </a:xfrm>
+          <a:prstGeom prst="rect">
+            <a:avLst/>
+          </a:prstGeom>
+          <a:noFill/>
+        </p:spPr>
+        <p:txBody>
+          <a:bodyPr wrap="square">
+            <a:spAutoFit/>
+          </a:bodyPr>
+          <a:lstStyle/>
+          <a:p>
+            <a:r>
+              <a:rPr sz="1300">
+                <a:solidFill>
+                  <a:srgbClr val="94A3B8"/>
+                </a:solidFill>
+                <a:latin typeface="Calibri"/>
+              </a:rPr>
+              <a:t>Key methodological and performance improvements over the baseline clustering pipeline</a:t>
+            </a:r>
+          </a:p>
+        </p:txBody>
+      </p:sp>
+      <p:sp>
+        <p:nvSpPr>
+          <p:cNvPr id="6" name="Rounded Rectangle 5"/>
+          <p:cNvSpPr/>
+          <p:nvPr/>
+        </p:nvSpPr>
+        <p:spPr>
+          <a:xfrm>
+            <a:off x="274320" y="1051560"/>
+            <a:ext cx="4023360" cy="1280160"/>
+          </a:xfrm>
+          <a:prstGeom prst="roundRect">
+            <a:avLst/>
+          </a:prstGeom>
+          <a:solidFill>
+            <a:srgbClr val="1E293B"/>
+          </a:solidFill>
+          <a:ln>
+            <a:noFill/>
+          </a:ln>
+        </p:spPr>
+        <p:style>
+          <a:lnRef idx="1">
+            <a:schemeClr val="accent1"/>
+          </a:lnRef>
+          <a:fillRef idx="3">
+            <a:schemeClr val="accent1"/>
+          </a:fillRef>
+          <a:effectRef idx="2">
+            <a:schemeClr val="accent1"/>
+          </a:effectRef>
+          <a:fontRef idx="minor">
+            <a:schemeClr val="lt1"/>
+          </a:fontRef>
+        </p:style>
+        <p:txBody>
+          <a:bodyPr rtlCol="0" anchor="ctr"/>
+          <a:lstStyle/>
+          <a:p>
+            <a:pPr algn="ctr"/>
+          </a:p>
+        </p:txBody>
+      </p:sp>
+      <p:sp>
+        <p:nvSpPr>
+          <p:cNvPr id="7" name="TextBox 6"/>
+          <p:cNvSpPr txBox="1"/>
+          <p:nvPr/>
+        </p:nvSpPr>
+        <p:spPr>
+          <a:xfrm>
+            <a:off x="365760" y="1120140"/>
+            <a:ext cx="3840480" cy="228600"/>
+          </a:xfrm>
+          <a:prstGeom prst="rect">
+            <a:avLst/>
+          </a:prstGeom>
+          <a:noFill/>
+        </p:spPr>
+        <p:txBody>
+          <a:bodyPr wrap="square">
+            <a:spAutoFit/>
+          </a:bodyPr>
+          <a:lstStyle/>
+          <a:p>
+            <a:r>
+              <a:rPr sz="1400" b="0">
+                <a:solidFill>
+                  <a:srgbClr val="7C3AED"/>
+                </a:solidFill>
+                <a:latin typeface="Arial Black"/>
+              </a:rPr>
+              <a:t>DBCV-Based Selection</a:t>
+            </a:r>
+          </a:p>
+        </p:txBody>
+      </p:sp>
+      <p:sp>
+        <p:nvSpPr>
+          <p:cNvPr id="8" name="TextBox 7"/>
+          <p:cNvSpPr txBox="1"/>
+          <p:nvPr/>
+        </p:nvSpPr>
+        <p:spPr>
+          <a:xfrm>
+            <a:off x="365760" y="1325880"/>
+            <a:ext cx="3840480" cy="937260"/>
+          </a:xfrm>
+          <a:prstGeom prst="rect">
+            <a:avLst/>
+          </a:prstGeom>
+          <a:noFill/>
+        </p:spPr>
+        <p:txBody>
+          <a:bodyPr wrap="square">
+            <a:spAutoFit/>
+          </a:bodyPr>
+          <a:lstStyle/>
+          <a:p>
+            <a:r>
+              <a:rPr sz="1100">
+                <a:solidFill>
+                  <a:srgbClr val="CADCFC"/>
+                </a:solidFill>
+                <a:latin typeface="Calibri"/>
+              </a:rPr>
+              <a:t>Replaced ARI (circular, uses labels) with DBCV — an internal validity metric that evaluates clustering quality from data geometry alone, with no label leakage.</a:t>
+            </a:r>
+          </a:p>
+        </p:txBody>
+      </p:sp>
+      <p:sp>
+        <p:nvSpPr>
+          <p:cNvPr id="9" name="Rounded Rectangle 8"/>
+          <p:cNvSpPr/>
+          <p:nvPr/>
+        </p:nvSpPr>
+        <p:spPr>
+          <a:xfrm>
+            <a:off x="4480560" y="1051560"/>
+            <a:ext cx="4023360" cy="1280160"/>
+          </a:xfrm>
+          <a:prstGeom prst="roundRect">
+            <a:avLst/>
+          </a:prstGeom>
+          <a:solidFill>
+            <a:srgbClr val="1E293B"/>
+          </a:solidFill>
+          <a:ln>
+            <a:noFill/>
+          </a:ln>
+        </p:spPr>
+        <p:style>
+          <a:lnRef idx="1">
+            <a:schemeClr val="accent1"/>
+          </a:lnRef>
+          <a:fillRef idx="3">
+            <a:schemeClr val="accent1"/>
+          </a:fillRef>
+          <a:effectRef idx="2">
+            <a:schemeClr val="accent1"/>
+          </a:effectRef>
+          <a:fontRef idx="minor">
+            <a:schemeClr val="lt1"/>
+          </a:fontRef>
+        </p:style>
+        <p:txBody>
+          <a:bodyPr rtlCol="0" anchor="ctr"/>
+          <a:lstStyle/>
+          <a:p>
+            <a:pPr algn="ctr"/>
+          </a:p>
+        </p:txBody>
+      </p:sp>
+      <p:sp>
+        <p:nvSpPr>
+          <p:cNvPr id="10" name="TextBox 9"/>
+          <p:cNvSpPr txBox="1"/>
+          <p:nvPr/>
+        </p:nvSpPr>
+        <p:spPr>
+          <a:xfrm>
+            <a:off x="4572000" y="1120140"/>
+            <a:ext cx="3840480" cy="228600"/>
+          </a:xfrm>
+          <a:prstGeom prst="rect">
+            <a:avLst/>
+          </a:prstGeom>
+          <a:noFill/>
+        </p:spPr>
+        <p:txBody>
+          <a:bodyPr wrap="square">
+            <a:spAutoFit/>
+          </a:bodyPr>
+          <a:lstStyle/>
+          <a:p>
+            <a:r>
+              <a:rPr sz="1400" b="0">
+                <a:solidFill>
+                  <a:srgbClr val="14B8A6"/>
+                </a:solidFill>
+                <a:latin typeface="Arial Black"/>
+              </a:rPr>
+              <a:t>3D Parameter Sweep</a:t>
+            </a:r>
+          </a:p>
+        </p:txBody>
+      </p:sp>
+      <p:sp>
+        <p:nvSpPr>
+          <p:cNvPr id="11" name="TextBox 10"/>
+          <p:cNvSpPr txBox="1"/>
+          <p:nvPr/>
+        </p:nvSpPr>
+        <p:spPr>
+          <a:xfrm>
+            <a:off x="4572000" y="1325880"/>
+            <a:ext cx="3840480" cy="937260"/>
+          </a:xfrm>
+          <a:prstGeom prst="rect">
+            <a:avLst/>
+          </a:prstGeom>
+          <a:noFill/>
+        </p:spPr>
+        <p:txBody>
+          <a:bodyPr wrap="square">
+            <a:spAutoFit/>
+          </a:bodyPr>
+          <a:lstStyle/>
+          <a:p>
+            <a:r>
+              <a:rPr sz="1100">
+                <a:solidFill>
+                  <a:srgbClr val="CADCFC"/>
+                </a:solidFill>
+                <a:latin typeface="Calibri"/>
+              </a:rPr>
+              <a:t>Expanded from 5 configs (min_cluster_size only) to 64 configs (min_cluster_size x min_samples x epsilon). Constrained to &lt;= 30 clusters.</a:t>
+            </a:r>
+          </a:p>
+        </p:txBody>
+      </p:sp>
+      <p:sp>
+        <p:nvSpPr>
+          <p:cNvPr id="12" name="Rounded Rectangle 11"/>
+          <p:cNvSpPr/>
+          <p:nvPr/>
+        </p:nvSpPr>
+        <p:spPr>
+          <a:xfrm>
+            <a:off x="274320" y="2514600"/>
+            <a:ext cx="4023360" cy="1280160"/>
+          </a:xfrm>
+          <a:prstGeom prst="roundRect">
+            <a:avLst/>
+          </a:prstGeom>
+          <a:solidFill>
+            <a:srgbClr val="1E293B"/>
+          </a:solidFill>
+          <a:ln>
+            <a:noFill/>
+          </a:ln>
+        </p:spPr>
+        <p:style>
+          <a:lnRef idx="1">
+            <a:schemeClr val="accent1"/>
+          </a:lnRef>
+          <a:fillRef idx="3">
+            <a:schemeClr val="accent1"/>
+          </a:fillRef>
+          <a:effectRef idx="2">
+            <a:schemeClr val="accent1"/>
+          </a:effectRef>
+          <a:fontRef idx="minor">
+            <a:schemeClr val="lt1"/>
+          </a:fontRef>
+        </p:style>
+        <p:txBody>
+          <a:bodyPr rtlCol="0" anchor="ctr"/>
+          <a:lstStyle/>
+          <a:p>
+            <a:pPr algn="ctr"/>
+          </a:p>
+        </p:txBody>
+      </p:sp>
+      <p:sp>
+        <p:nvSpPr>
+          <p:cNvPr id="13" name="TextBox 12"/>
+          <p:cNvSpPr txBox="1"/>
+          <p:nvPr/>
+        </p:nvSpPr>
+        <p:spPr>
+          <a:xfrm>
+            <a:off x="365760" y="2583180"/>
+            <a:ext cx="3840480" cy="228600"/>
+          </a:xfrm>
+          <a:prstGeom prst="rect">
+            <a:avLst/>
+          </a:prstGeom>
+          <a:noFill/>
+        </p:spPr>
+        <p:txBody>
+          <a:bodyPr wrap="square">
+            <a:spAutoFit/>
+          </a:bodyPr>
+          <a:lstStyle/>
+          <a:p>
+            <a:r>
+              <a:rPr sz="1400" b="0">
+                <a:solidFill>
+                  <a:srgbClr val="EC4899"/>
+                </a:solidFill>
+                <a:latin typeface="Arial Black"/>
+              </a:rPr>
+              <a:t>Full-Dataset Evaluation</a:t>
+            </a:r>
+          </a:p>
+        </p:txBody>
+      </p:sp>
+      <p:sp>
+        <p:nvSpPr>
+          <p:cNvPr id="14" name="TextBox 13"/>
+          <p:cNvSpPr txBox="1"/>
+          <p:nvPr/>
+        </p:nvSpPr>
+        <p:spPr>
+          <a:xfrm>
+            <a:off x="365760" y="2788920"/>
+            <a:ext cx="3840480" cy="937260"/>
+          </a:xfrm>
+          <a:prstGeom prst="rect">
+            <a:avLst/>
+          </a:prstGeom>
+          <a:noFill/>
+        </p:spPr>
+        <p:txBody>
+          <a:bodyPr wrap="square">
+            <a:spAutoFit/>
+          </a:bodyPr>
+          <a:lstStyle/>
+          <a:p>
+            <a:r>
+              <a:rPr sz="1100">
+                <a:solidFill>
+                  <a:srgbClr val="CADCFC"/>
+                </a:solidFill>
+                <a:latin typeface="Calibri"/>
+              </a:rPr>
+              <a:t>Noise points assigned via approximate_predict before scoring. Reports both excl-noise and full-dataset ARI/NMI for honest comparison.</a:t>
+            </a:r>
+          </a:p>
+        </p:txBody>
+      </p:sp>
+      <p:sp>
+        <p:nvSpPr>
+          <p:cNvPr id="15" name="Rounded Rectangle 14"/>
+          <p:cNvSpPr/>
+          <p:nvPr/>
+        </p:nvSpPr>
+        <p:spPr>
+          <a:xfrm>
+            <a:off x="4480560" y="2514600"/>
+            <a:ext cx="4023360" cy="1280160"/>
+          </a:xfrm>
+          <a:prstGeom prst="roundRect">
+            <a:avLst/>
+          </a:prstGeom>
+          <a:solidFill>
+            <a:srgbClr val="1E293B"/>
+          </a:solidFill>
+          <a:ln>
+            <a:noFill/>
+          </a:ln>
+        </p:spPr>
+        <p:style>
+          <a:lnRef idx="1">
+            <a:schemeClr val="accent1"/>
+          </a:lnRef>
+          <a:fillRef idx="3">
+            <a:schemeClr val="accent1"/>
+          </a:fillRef>
+          <a:effectRef idx="2">
+            <a:schemeClr val="accent1"/>
+          </a:effectRef>
+          <a:fontRef idx="minor">
+            <a:schemeClr val="lt1"/>
+          </a:fontRef>
+        </p:style>
+        <p:txBody>
+          <a:bodyPr rtlCol="0" anchor="ctr"/>
+          <a:lstStyle/>
+          <a:p>
+            <a:pPr algn="ctr"/>
+          </a:p>
+        </p:txBody>
+      </p:sp>
+      <p:sp>
+        <p:nvSpPr>
+          <p:cNvPr id="16" name="TextBox 15"/>
+          <p:cNvSpPr txBox="1"/>
+          <p:nvPr/>
+        </p:nvSpPr>
+        <p:spPr>
+          <a:xfrm>
+            <a:off x="4572000" y="2583180"/>
+            <a:ext cx="3840480" cy="228600"/>
+          </a:xfrm>
+          <a:prstGeom prst="rect">
+            <a:avLst/>
+          </a:prstGeom>
+          <a:noFill/>
+        </p:spPr>
+        <p:txBody>
+          <a:bodyPr wrap="square">
+            <a:spAutoFit/>
+          </a:bodyPr>
+          <a:lstStyle/>
+          <a:p>
+            <a:r>
+              <a:rPr sz="1400" b="0">
+                <a:solidFill>
+                  <a:srgbClr val="22C55E"/>
+                </a:solidFill>
+                <a:latin typeface="Arial Black"/>
+              </a:rPr>
+              <a:t>Precomputed NN Graph</a:t>
+            </a:r>
+          </a:p>
+        </p:txBody>
+      </p:sp>
+      <p:sp>
+        <p:nvSpPr>
+          <p:cNvPr id="17" name="TextBox 16"/>
+          <p:cNvSpPr txBox="1"/>
+          <p:nvPr/>
+        </p:nvSpPr>
+        <p:spPr>
+          <a:xfrm>
+            <a:off x="4572000" y="2788920"/>
+            <a:ext cx="3840480" cy="937260"/>
+          </a:xfrm>
+          <a:prstGeom prst="rect">
+            <a:avLst/>
+          </a:prstGeom>
+          <a:noFill/>
+        </p:spPr>
+        <p:txBody>
+          <a:bodyPr wrap="square">
+            <a:spAutoFit/>
+          </a:bodyPr>
+          <a:lstStyle/>
+          <a:p>
+            <a:r>
+              <a:rPr sz="1100">
+                <a:solidFill>
+                  <a:srgbClr val="CADCFC"/>
+                </a:solidFill>
+                <a:latin typeface="Calibri"/>
+              </a:rPr>
+              <a:t>Nearest-neighbor graph computed once and shared across both UMAP projections (15d clustering + 2d visualization), halving UMAP time.</a:t>
+            </a:r>
+          </a:p>
+        </p:txBody>
+      </p:sp>
+      <p:sp>
+        <p:nvSpPr>
+          <p:cNvPr id="18" name="TextBox 17"/>
+          <p:cNvSpPr txBox="1"/>
+          <p:nvPr/>
+        </p:nvSpPr>
+        <p:spPr>
+          <a:xfrm>
+            <a:off x="457200" y="4572000"/>
+            <a:ext cx="8229600" cy="320040"/>
+          </a:xfrm>
+          <a:prstGeom prst="rect">
+            <a:avLst/>
+          </a:prstGeom>
+          <a:noFill/>
+        </p:spPr>
+        <p:txBody>
+          <a:bodyPr wrap="square">
+            <a:spAutoFit/>
+          </a:bodyPr>
+          <a:lstStyle/>
+          <a:p>
+            <a:r>
+              <a:rPr sz="1100">
+                <a:solidFill>
+                  <a:srgbClr val="94A3B8"/>
+                </a:solidFill>
+                <a:latin typeface="Calibri"/>
+              </a:rPr>
+              <a:t>Also: cosine distance for centroid sampling | async LLM labeling | global random seeds | reusable scatter helper</a:t>
+            </a:r>
+          </a:p>
+        </p:txBody>
+      </p:sp>
+    </p:spTree>
+  </p:cSld>
+  <p:clrMapOvr>
+    <a:masterClrMapping/>
+  </p:clrMapOvr>
+</p:sld>
+</file>
+
+<file path=ppt/slides/slide18.xml><?xml version="1.0" encoding="utf-8"?>
+<p:sld xmlns:a="http://schemas.openxmlformats.org/drawingml/2006/main" xmlns:p="http://schemas.openxmlformats.org/presentationml/2006/main" xmlns:r="http://schemas.openxmlformats.org/officeDocument/2006/relationships">
+  <p:cSld>
+    <p:bg>
+      <p:bgPr>
+        <a:solidFill>
+          <a:srgbClr val="0F172A"/>
+        </a:solidFill>
+        <a:effectLst/>
+      </p:bgPr>
+    </p:bg>
+    <p:spTree>
+      <p:nvGrpSpPr>
+        <p:cNvPr id="1" name=""/>
+        <p:cNvGrpSpPr/>
+        <p:nvPr/>
+      </p:nvGrpSpPr>
+      <p:grpSpPr/>
+      <p:sp>
+        <p:nvSpPr>
+          <p:cNvPr id="2" name="Rectangle 1"/>
+          <p:cNvSpPr/>
+          <p:nvPr/>
+        </p:nvSpPr>
+        <p:spPr>
+          <a:xfrm>
+            <a:off x="0" y="0"/>
+            <a:ext cx="9144000" cy="54864"/>
+          </a:xfrm>
+          <a:prstGeom prst="rect">
+            <a:avLst/>
+          </a:prstGeom>
+          <a:solidFill>
+            <a:srgbClr val="7C3AED"/>
+          </a:solidFill>
+          <a:ln>
+            <a:noFill/>
+          </a:ln>
+        </p:spPr>
+        <p:style>
+          <a:lnRef idx="1">
+            <a:schemeClr val="accent1"/>
+          </a:lnRef>
+          <a:fillRef idx="3">
+            <a:schemeClr val="accent1"/>
+          </a:fillRef>
+          <a:effectRef idx="2">
+            <a:schemeClr val="accent1"/>
+          </a:effectRef>
+          <a:fontRef idx="minor">
+            <a:schemeClr val="lt1"/>
+          </a:fontRef>
+        </p:style>
+        <p:txBody>
+          <a:bodyPr rtlCol="0" anchor="ctr"/>
+          <a:lstStyle/>
+          <a:p>
+            <a:pPr algn="ctr"/>
+          </a:p>
+        </p:txBody>
+      </p:sp>
+      <p:sp>
+        <p:nvSpPr>
+          <p:cNvPr id="3" name="TextBox 2"/>
+          <p:cNvSpPr txBox="1"/>
+          <p:nvPr/>
+        </p:nvSpPr>
+        <p:spPr>
+          <a:xfrm>
+            <a:off x="457200" y="182880"/>
+            <a:ext cx="8229600" cy="457200"/>
+          </a:xfrm>
+          <a:prstGeom prst="rect">
+            <a:avLst/>
+          </a:prstGeom>
+          <a:noFill/>
+        </p:spPr>
+        <p:txBody>
+          <a:bodyPr wrap="square">
+            <a:spAutoFit/>
+          </a:bodyPr>
+          <a:lstStyle/>
+          <a:p>
+            <a:r>
+              <a:rPr sz="2800" b="0">
+                <a:solidFill>
+                  <a:srgbClr val="FFFFFF"/>
+                </a:solidFill>
+                <a:latin typeface="Arial Black"/>
+              </a:rPr>
+              <a:t>DBCV: Density-Based Clustering Validation</a:t>
+            </a:r>
+          </a:p>
+        </p:txBody>
+      </p:sp>
+      <p:sp>
+        <p:nvSpPr>
+          <p:cNvPr id="4" name="TextBox 3"/>
+          <p:cNvSpPr txBox="1"/>
+          <p:nvPr/>
+        </p:nvSpPr>
+        <p:spPr>
+          <a:xfrm>
+            <a:off x="457200" y="640080"/>
+            <a:ext cx="8229600" cy="320040"/>
+          </a:xfrm>
+          <a:prstGeom prst="rect">
+            <a:avLst/>
+          </a:prstGeom>
+          <a:noFill/>
+        </p:spPr>
+        <p:txBody>
+          <a:bodyPr wrap="square">
+            <a:spAutoFit/>
+          </a:bodyPr>
+          <a:lstStyle/>
+          <a:p>
+            <a:r>
+              <a:rPr sz="1300">
+                <a:solidFill>
+                  <a:srgbClr val="94A3B8"/>
+                </a:solidFill>
+                <a:latin typeface="Calibri"/>
+              </a:rPr>
+              <a:t>An internal validity metric designed for density-based clustering (Moulavi et al., 2014)</a:t>
+            </a:r>
+          </a:p>
+        </p:txBody>
+      </p:sp>
+      <p:sp>
+        <p:nvSpPr>
+          <p:cNvPr id="5" name="Rounded Rectangle 4"/>
+          <p:cNvSpPr/>
+          <p:nvPr/>
+        </p:nvSpPr>
+        <p:spPr>
+          <a:xfrm>
+            <a:off x="274320" y="1005840"/>
+            <a:ext cx="4206240" cy="2651760"/>
+          </a:xfrm>
+          <a:prstGeom prst="roundRect">
+            <a:avLst/>
+          </a:prstGeom>
+          <a:solidFill>
+            <a:srgbClr val="1E293B"/>
+          </a:solidFill>
+          <a:ln>
+            <a:noFill/>
+          </a:ln>
+        </p:spPr>
+        <p:style>
+          <a:lnRef idx="1">
+            <a:schemeClr val="accent1"/>
+          </a:lnRef>
+          <a:fillRef idx="3">
+            <a:schemeClr val="accent1"/>
+          </a:fillRef>
+          <a:effectRef idx="2">
+            <a:schemeClr val="accent1"/>
+          </a:effectRef>
+          <a:fontRef idx="minor">
+            <a:schemeClr val="lt1"/>
+          </a:fontRef>
+        </p:style>
+        <p:txBody>
+          <a:bodyPr rtlCol="0" anchor="ctr"/>
+          <a:lstStyle/>
+          <a:p>
+            <a:pPr algn="ctr"/>
+          </a:p>
+        </p:txBody>
+      </p:sp>
+      <p:sp>
+        <p:nvSpPr>
+          <p:cNvPr id="6" name="TextBox 5"/>
+          <p:cNvSpPr txBox="1"/>
+          <p:nvPr/>
+        </p:nvSpPr>
+        <p:spPr>
+          <a:xfrm>
+            <a:off x="365760" y="1074420"/>
+            <a:ext cx="4023360" cy="228600"/>
+          </a:xfrm>
+          <a:prstGeom prst="rect">
+            <a:avLst/>
+          </a:prstGeom>
+          <a:noFill/>
+        </p:spPr>
+        <p:txBody>
+          <a:bodyPr wrap="square">
+            <a:spAutoFit/>
+          </a:bodyPr>
+          <a:lstStyle/>
+          <a:p>
+            <a:r>
+              <a:rPr sz="1400" b="0">
+                <a:solidFill>
+                  <a:srgbClr val="7C3AED"/>
+                </a:solidFill>
+                <a:latin typeface="Arial Black"/>
+              </a:rPr>
+              <a:t>How DBCV Works</a:t>
+            </a:r>
+          </a:p>
+        </p:txBody>
+      </p:sp>
+      <p:sp>
+        <p:nvSpPr>
+          <p:cNvPr id="7" name="TextBox 6"/>
+          <p:cNvSpPr txBox="1"/>
+          <p:nvPr/>
+        </p:nvSpPr>
+        <p:spPr>
+          <a:xfrm>
+            <a:off x="365760" y="1280160"/>
+            <a:ext cx="4023360" cy="2308860"/>
+          </a:xfrm>
+          <a:prstGeom prst="rect">
+            <a:avLst/>
+          </a:prstGeom>
+          <a:noFill/>
+        </p:spPr>
+        <p:txBody>
+          <a:bodyPr wrap="square">
+            <a:spAutoFit/>
+          </a:bodyPr>
+          <a:lstStyle/>
+          <a:p>
+            <a:r>
+              <a:rPr sz="1100">
+                <a:solidFill>
+                  <a:srgbClr val="CADCFC"/>
+                </a:solidFill>
+                <a:latin typeface="Calibri"/>
+              </a:rPr>
+              <a:t>1. Build a minimum spanning tree within each cluster using mutual reachability distance (density-aware).
+2. Measure intra-cluster density (how tight) vs inter-cluster density (how separated).
+3. Per-cluster score: (separation - compactness) / max(both)
+4. Global score: density-weighted average across all clusters.</a:t>
+            </a:r>
+          </a:p>
+        </p:txBody>
+      </p:sp>
+      <p:sp>
+        <p:nvSpPr>
+          <p:cNvPr id="8" name="Rounded Rectangle 7"/>
+          <p:cNvSpPr/>
+          <p:nvPr/>
+        </p:nvSpPr>
+        <p:spPr>
+          <a:xfrm>
+            <a:off x="4663440" y="1005840"/>
+            <a:ext cx="4206240" cy="2651760"/>
+          </a:xfrm>
+          <a:prstGeom prst="roundRect">
+            <a:avLst/>
+          </a:prstGeom>
+          <a:solidFill>
+            <a:srgbClr val="1E293B"/>
+          </a:solidFill>
+          <a:ln>
+            <a:noFill/>
+          </a:ln>
+        </p:spPr>
+        <p:style>
+          <a:lnRef idx="1">
+            <a:schemeClr val="accent1"/>
+          </a:lnRef>
+          <a:fillRef idx="3">
+            <a:schemeClr val="accent1"/>
+          </a:fillRef>
+          <a:effectRef idx="2">
+            <a:schemeClr val="accent1"/>
+          </a:effectRef>
+          <a:fontRef idx="minor">
+            <a:schemeClr val="lt1"/>
+          </a:fontRef>
+        </p:style>
+        <p:txBody>
+          <a:bodyPr rtlCol="0" anchor="ctr"/>
+          <a:lstStyle/>
+          <a:p>
+            <a:pPr algn="ctr"/>
+          </a:p>
+        </p:txBody>
+      </p:sp>
+      <p:sp>
+        <p:nvSpPr>
+          <p:cNvPr id="9" name="TextBox 8"/>
+          <p:cNvSpPr txBox="1"/>
+          <p:nvPr/>
+        </p:nvSpPr>
+        <p:spPr>
+          <a:xfrm>
+            <a:off x="4754880" y="1074420"/>
+            <a:ext cx="4023360" cy="228600"/>
+          </a:xfrm>
+          <a:prstGeom prst="rect">
+            <a:avLst/>
+          </a:prstGeom>
+          <a:noFill/>
+        </p:spPr>
+        <p:txBody>
+          <a:bodyPr wrap="square">
+            <a:spAutoFit/>
+          </a:bodyPr>
+          <a:lstStyle/>
+          <a:p>
+            <a:r>
+              <a:rPr sz="1400" b="0">
+                <a:solidFill>
+                  <a:srgbClr val="EC4899"/>
+                </a:solidFill>
+                <a:latin typeface="Arial Black"/>
+              </a:rPr>
+              <a:t>Why DBCV Is Needed</a:t>
+            </a:r>
+          </a:p>
+        </p:txBody>
+      </p:sp>
+      <p:sp>
+        <p:nvSpPr>
+          <p:cNvPr id="10" name="TextBox 9"/>
+          <p:cNvSpPr txBox="1"/>
+          <p:nvPr/>
+        </p:nvSpPr>
+        <p:spPr>
+          <a:xfrm>
+            <a:off x="4754880" y="1280160"/>
+            <a:ext cx="4023360" cy="2308860"/>
+          </a:xfrm>
+          <a:prstGeom prst="rect">
+            <a:avLst/>
+          </a:prstGeom>
+          <a:noFill/>
+        </p:spPr>
+        <p:txBody>
+          <a:bodyPr wrap="square">
+            <a:spAutoFit/>
+          </a:bodyPr>
+          <a:lstStyle/>
+          <a:p>
+            <a:r>
+              <a:rPr sz="1100">
+                <a:solidFill>
+                  <a:srgbClr val="CADCFC"/>
+                </a:solidFill>
+                <a:latin typeface="Calibri"/>
+              </a:rPr>
+              <a:t>Circular evaluation: Selecting HDBSCAN parameters by ARI (ground-truth labels) is cheating — those labels won't exist in production.
+Shape assumptions: Silhouette Score assumes convex clusters. HDBSCAN discovers arbitrary shapes.
+Noise-aware: DBCV works with HDBSCAN's noise model; standard metrics don't handle noise points.</a:t>
+            </a:r>
+          </a:p>
+        </p:txBody>
+      </p:sp>
+      <p:graphicFrame>
+        <p:nvGraphicFramePr>
+          <p:cNvPr id="11" name="Table 10"/>
+          <p:cNvGraphicFramePr>
+            <a:graphicFrameLocks noGrp="1"/>
+          </p:cNvGraphicFramePr>
+          <p:nvPr/>
+        </p:nvGraphicFramePr>
+        <p:xfrm>
+          <a:off x="1828800" y="3840480"/>
+          <a:ext cx="5486400" cy="1371600"/>
+        </p:xfrm>
+        <a:graphic>
+          <a:graphicData uri="http://schemas.openxmlformats.org/drawingml/2006/table">
+            <a:tbl>
+              <a:tblPr firstRow="1" bandRow="1">
+                <a:tableStyleId>{5C22544A-7EE6-4342-B048-85BDC9FD1C3A}</a:tableStyleId>
+              </a:tblPr>
+              <a:tblGrid>
+                <a:gridCol w="1828800"/>
+                <a:gridCol w="3657600"/>
+              </a:tblGrid>
+              <a:tr h="274320">
+                <a:tc>
+                  <a:txBody>
+                    <a:bodyPr/>
+                    <a:lstStyle/>
+                    <a:p>
+                      <a:r>
+                        <a:rPr sz="1000" b="1">
+                          <a:solidFill>
+                            <a:srgbClr val="FFFFFF"/>
+                          </a:solidFill>
+                          <a:latin typeface="Calibri"/>
+                        </a:rPr>
+                        <a:t>DBCV Range</a:t>
+                      </a:r>
+                    </a:p>
+                  </a:txBody>
+                  <a:tcPr>
+                    <a:solidFill>
+                      <a:srgbClr val="334055"/>
+                    </a:solidFill>
+                  </a:tcPr>
+                </a:tc>
+                <a:tc>
+                  <a:txBody>
+                    <a:bodyPr/>
+                    <a:lstStyle/>
+                    <a:p>
+                      <a:r>
+                        <a:rPr sz="1000" b="1">
+                          <a:solidFill>
+                            <a:srgbClr val="FFFFFF"/>
+                          </a:solidFill>
+                          <a:latin typeface="Calibri"/>
+                        </a:rPr>
+                        <a:t>Interpretation</a:t>
+                      </a:r>
+                    </a:p>
+                  </a:txBody>
+                  <a:tcPr>
+                    <a:solidFill>
+                      <a:srgbClr val="334055"/>
+                    </a:solidFill>
+                  </a:tcPr>
+                </a:tc>
+              </a:tr>
+              <a:tr h="274320">
+                <a:tc>
+                  <a:txBody>
+                    <a:bodyPr/>
+                    <a:lstStyle/>
+                    <a:p>
+                      <a:r>
+                        <a:rPr sz="1000">
+                          <a:solidFill>
+                            <a:srgbClr val="CADCFC"/>
+                          </a:solidFill>
+                          <a:latin typeface="Calibri"/>
+                        </a:rPr>
+                        <a:t>0.75 – 1.0</a:t>
+                      </a:r>
+                    </a:p>
+                  </a:txBody>
+                  <a:tcPr>
+                    <a:solidFill>
+                      <a:srgbClr val="162133"/>
+                    </a:solidFill>
+                  </a:tcPr>
+                </a:tc>
+                <a:tc>
+                  <a:txBody>
+                    <a:bodyPr/>
+                    <a:lstStyle/>
+                    <a:p>
+                      <a:r>
+                        <a:rPr sz="1000">
+                          <a:solidFill>
+                            <a:srgbClr val="CADCFC"/>
+                          </a:solidFill>
+                          <a:latin typeface="Calibri"/>
+                        </a:rPr>
+                        <a:t>Excellent — dense, well-separated clusters</a:t>
+                      </a:r>
+                    </a:p>
+                  </a:txBody>
+                  <a:tcPr>
+                    <a:solidFill>
+                      <a:srgbClr val="162133"/>
+                    </a:solidFill>
+                  </a:tcPr>
+                </a:tc>
+              </a:tr>
+              <a:tr h="274320">
+                <a:tc>
+                  <a:txBody>
+                    <a:bodyPr/>
+                    <a:lstStyle/>
+                    <a:p>
+                      <a:r>
+                        <a:rPr sz="1000">
+                          <a:solidFill>
+                            <a:srgbClr val="CADCFC"/>
+                          </a:solidFill>
+                          <a:latin typeface="Calibri"/>
+                        </a:rPr>
+                        <a:t>0.50 – 0.75</a:t>
+                      </a:r>
+                    </a:p>
+                  </a:txBody>
+                  <a:tcPr>
+                    <a:solidFill>
+                      <a:srgbClr val="1E293B"/>
+                    </a:solidFill>
+                  </a:tcPr>
+                </a:tc>
+                <a:tc>
+                  <a:txBody>
+                    <a:bodyPr/>
+                    <a:lstStyle/>
+                    <a:p>
+                      <a:r>
+                        <a:rPr sz="1000">
+                          <a:solidFill>
+                            <a:srgbClr val="CADCFC"/>
+                          </a:solidFill>
+                          <a:latin typeface="Calibri"/>
+                        </a:rPr>
+                        <a:t>Good — clear density structure</a:t>
+                      </a:r>
+                    </a:p>
+                  </a:txBody>
+                  <a:tcPr>
+                    <a:solidFill>
+                      <a:srgbClr val="1E293B"/>
+                    </a:solidFill>
+                  </a:tcPr>
+                </a:tc>
+              </a:tr>
+              <a:tr h="274320">
+                <a:tc>
+                  <a:txBody>
+                    <a:bodyPr/>
+                    <a:lstStyle/>
+                    <a:p>
+                      <a:r>
+                        <a:rPr sz="1000">
+                          <a:solidFill>
+                            <a:srgbClr val="CADCFC"/>
+                          </a:solidFill>
+                          <a:latin typeface="Calibri"/>
+                        </a:rPr>
+                        <a:t>0.25 – 0.50</a:t>
+                      </a:r>
+                    </a:p>
+                  </a:txBody>
+                  <a:tcPr>
+                    <a:solidFill>
+                      <a:srgbClr val="162133"/>
+                    </a:solidFill>
+                  </a:tcPr>
+                </a:tc>
+                <a:tc>
+                  <a:txBody>
+                    <a:bodyPr/>
+                    <a:lstStyle/>
+                    <a:p>
+                      <a:r>
+                        <a:rPr sz="1000">
+                          <a:solidFill>
+                            <a:srgbClr val="CADCFC"/>
+                          </a:solidFill>
+                          <a:latin typeface="Calibri"/>
+                        </a:rPr>
+                        <a:t>Moderate — some cluster overlap</a:t>
+                      </a:r>
+                    </a:p>
+                  </a:txBody>
+                  <a:tcPr>
+                    <a:solidFill>
+                      <a:srgbClr val="162133"/>
+                    </a:solidFill>
+                  </a:tcPr>
+                </a:tc>
+              </a:tr>
+              <a:tr h="274320">
+                <a:tc>
+                  <a:txBody>
+                    <a:bodyPr/>
+                    <a:lstStyle/>
+                    <a:p>
+                      <a:r>
+                        <a:rPr sz="1000">
+                          <a:solidFill>
+                            <a:srgbClr val="CADCFC"/>
+                          </a:solidFill>
+                          <a:latin typeface="Calibri"/>
+                        </a:rPr>
+                        <a:t>&lt; 0.25</a:t>
+                      </a:r>
+                    </a:p>
+                  </a:txBody>
+                  <a:tcPr>
+                    <a:solidFill>
+                      <a:srgbClr val="1E293B"/>
+                    </a:solidFill>
+                  </a:tcPr>
+                </a:tc>
+                <a:tc>
+                  <a:txBody>
+                    <a:bodyPr/>
+                    <a:lstStyle/>
+                    <a:p>
+                      <a:r>
+                        <a:rPr sz="1000">
+                          <a:solidFill>
+                            <a:srgbClr val="CADCFC"/>
+                          </a:solidFill>
+                          <a:latin typeface="Calibri"/>
+                        </a:rPr>
+                        <a:t>Weak to poor — clusters not well-defined</a:t>
+                      </a:r>
+                    </a:p>
+                  </a:txBody>
+                  <a:tcPr>
+                    <a:solidFill>
+                      <a:srgbClr val="1E293B"/>
+                    </a:solidFill>
+                  </a:tcPr>
+                </a:tc>
+              </a:tr>
+            </a:tbl>
+          </a:graphicData>
+        </a:graphic>
+      </p:graphicFrame>
+    </p:spTree>
+  </p:cSld>
+  <p:clrMapOvr>
+    <a:masterClrMapping/>
+  </p:clrMapOvr>
+</p:sld>
+</file>
+
+<file path=ppt/slides/slide19.xml><?xml version="1.0" encoding="utf-8"?>
+<p:sld xmlns:a="http://schemas.openxmlformats.org/drawingml/2006/main" xmlns:p="http://schemas.openxmlformats.org/presentationml/2006/main" xmlns:r="http://schemas.openxmlformats.org/officeDocument/2006/relationships">
+  <p:cSld>
+    <p:bg>
+      <p:bgPr>
+        <a:solidFill>
+          <a:srgbClr val="0F172A"/>
+        </a:solidFill>
+        <a:effectLst/>
+      </p:bgPr>
+    </p:bg>
+    <p:spTree>
+      <p:nvGrpSpPr>
+        <p:cNvPr id="1" name=""/>
+        <p:cNvGrpSpPr/>
+        <p:nvPr/>
+      </p:nvGrpSpPr>
+      <p:grpSpPr/>
+      <p:sp>
+        <p:nvSpPr>
+          <p:cNvPr id="2" name="Rectangle 1"/>
+          <p:cNvSpPr/>
+          <p:nvPr/>
+        </p:nvSpPr>
+        <p:spPr>
+          <a:xfrm>
+            <a:off x="0" y="0"/>
+            <a:ext cx="9144000" cy="54864"/>
+          </a:xfrm>
+          <a:prstGeom prst="rect">
+            <a:avLst/>
+          </a:prstGeom>
+          <a:solidFill>
+            <a:srgbClr val="F97316"/>
+          </a:solidFill>
+          <a:ln>
+            <a:noFill/>
+          </a:ln>
+        </p:spPr>
+        <p:style>
+          <a:lnRef idx="1">
+            <a:schemeClr val="accent1"/>
+          </a:lnRef>
+          <a:fillRef idx="3">
+            <a:schemeClr val="accent1"/>
+          </a:fillRef>
+          <a:effectRef idx="2">
+            <a:schemeClr val="accent1"/>
+          </a:effectRef>
+          <a:fontRef idx="minor">
+            <a:schemeClr val="lt1"/>
+          </a:fontRef>
+        </p:style>
+        <p:txBody>
+          <a:bodyPr rtlCol="0" anchor="ctr"/>
+          <a:lstStyle/>
+          <a:p>
+            <a:pPr algn="ctr"/>
+          </a:p>
+        </p:txBody>
+      </p:sp>
+      <p:sp>
+        <p:nvSpPr>
+          <p:cNvPr id="3" name="Rounded Rectangle 2"/>
+          <p:cNvSpPr/>
+          <p:nvPr/>
+        </p:nvSpPr>
+        <p:spPr>
+          <a:xfrm>
+            <a:off x="457200" y="182880"/>
+            <a:ext cx="640080" cy="457200"/>
+          </a:xfrm>
+          <a:prstGeom prst="roundRect">
+            <a:avLst/>
+          </a:prstGeom>
+          <a:solidFill>
+            <a:srgbClr val="F97316"/>
+          </a:solidFill>
+          <a:ln>
+            <a:noFill/>
+          </a:ln>
+        </p:spPr>
+        <p:style>
+          <a:lnRef idx="1">
+            <a:schemeClr val="accent1"/>
+          </a:lnRef>
+          <a:fillRef idx="3">
+            <a:schemeClr val="accent1"/>
+          </a:fillRef>
+          <a:effectRef idx="2">
+            <a:schemeClr val="accent1"/>
+          </a:effectRef>
+          <a:fontRef idx="minor">
+            <a:schemeClr val="lt1"/>
+          </a:fontRef>
+        </p:style>
+        <p:txBody>
+          <a:bodyPr rtlCol="0" anchor="ctr" wrap="square"/>
+          <a:lstStyle/>
+          <a:p>
+            <a:pPr algn="ctr"/>
+            <a:r>
+              <a:rPr sz="2000">
+                <a:solidFill>
+                  <a:srgbClr val="FFFFFF"/>
+                </a:solidFill>
+                <a:latin typeface="Arial Black"/>
+              </a:rPr>
+              <a:t>FT</a:t>
+            </a:r>
+          </a:p>
+        </p:txBody>
+      </p:sp>
+      <p:sp>
+        <p:nvSpPr>
+          <p:cNvPr id="4" name="TextBox 3"/>
+          <p:cNvSpPr txBox="1"/>
+          <p:nvPr/>
+        </p:nvSpPr>
+        <p:spPr>
+          <a:xfrm>
+            <a:off x="1280160" y="182880"/>
+            <a:ext cx="7315200" cy="457200"/>
+          </a:xfrm>
+          <a:prstGeom prst="rect">
+            <a:avLst/>
+          </a:prstGeom>
+          <a:noFill/>
+        </p:spPr>
+        <p:txBody>
+          <a:bodyPr wrap="square">
+            <a:spAutoFit/>
+          </a:bodyPr>
+          <a:lstStyle/>
+          <a:p>
+            <a:r>
+              <a:rPr sz="2800" b="0">
+                <a:solidFill>
+                  <a:srgbClr val="FFFFFF"/>
+                </a:solidFill>
+                <a:latin typeface="Arial Black"/>
+              </a:rPr>
+              <a:t>Fine-Tuning Results (v2 Pipeline)</a:t>
+            </a:r>
+          </a:p>
+        </p:txBody>
+      </p:sp>
+      <p:sp>
+        <p:nvSpPr>
+          <p:cNvPr id="5" name="TextBox 4"/>
+          <p:cNvSpPr txBox="1"/>
+          <p:nvPr/>
+        </p:nvSpPr>
+        <p:spPr>
+          <a:xfrm>
+            <a:off x="1280160" y="640080"/>
+            <a:ext cx="7315200" cy="320040"/>
+          </a:xfrm>
+          <a:prstGeom prst="rect">
+            <a:avLst/>
+          </a:prstGeom>
+          <a:noFill/>
+        </p:spPr>
+        <p:txBody>
+          <a:bodyPr wrap="square">
+            <a:spAutoFit/>
+          </a:bodyPr>
+          <a:lstStyle/>
+          <a:p>
+            <a:r>
+              <a:rPr sz="1300">
+                <a:solidFill>
+                  <a:srgbClr val="94A3B8"/>
+                </a:solidFill>
+                <a:latin typeface="Calibri"/>
+              </a:rPr>
+              <a:t>Base all-MiniLM-L6-v2 vs fine-tuned model — each with its own DBCV-optimal HDBSCAN parameters</a:t>
+            </a:r>
+          </a:p>
+        </p:txBody>
+      </p:sp>
+      <p:graphicFrame>
+        <p:nvGraphicFramePr>
+          <p:cNvPr id="6" name="Table 5"/>
+          <p:cNvGraphicFramePr>
+            <a:graphicFrameLocks noGrp="1"/>
+          </p:cNvGraphicFramePr>
+          <p:nvPr/>
+        </p:nvGraphicFramePr>
+        <p:xfrm>
+          <a:off x="457200" y="1005840"/>
+          <a:ext cx="8229600" cy="2468880"/>
+        </p:xfrm>
+        <a:graphic>
+          <a:graphicData uri="http://schemas.openxmlformats.org/drawingml/2006/table">
+            <a:tbl>
+              <a:tblPr firstRow="1" bandRow="1">
+                <a:tableStyleId>{5C22544A-7EE6-4342-B048-85BDC9FD1C3A}</a:tableStyleId>
+              </a:tblPr>
+              <a:tblGrid>
+                <a:gridCol w="3200400"/>
+                <a:gridCol w="1676400"/>
+                <a:gridCol w="1676400"/>
+                <a:gridCol w="1676400"/>
+              </a:tblGrid>
+              <a:tr h="274320">
+                <a:tc>
+                  <a:txBody>
+                    <a:bodyPr/>
+                    <a:lstStyle/>
+                    <a:p>
+                      <a:r>
+                        <a:rPr sz="1000" b="1">
+                          <a:solidFill>
+                            <a:srgbClr val="FFFFFF"/>
+                          </a:solidFill>
+                          <a:latin typeface="Calibri"/>
+                        </a:rPr>
+                        <a:t>Metric</a:t>
+                      </a:r>
+                    </a:p>
+                  </a:txBody>
+                  <a:tcPr>
+                    <a:solidFill>
+                      <a:srgbClr val="334055"/>
+                    </a:solidFill>
+                  </a:tcPr>
+                </a:tc>
+                <a:tc>
+                  <a:txBody>
+                    <a:bodyPr/>
+                    <a:lstStyle/>
+                    <a:p>
+                      <a:r>
+                        <a:rPr sz="1000" b="1">
+                          <a:solidFill>
+                            <a:srgbClr val="FFFFFF"/>
+                          </a:solidFill>
+                          <a:latin typeface="Calibri"/>
+                        </a:rPr>
+                        <a:t>Base Model</a:t>
+                      </a:r>
+                    </a:p>
+                  </a:txBody>
+                  <a:tcPr>
+                    <a:solidFill>
+                      <a:srgbClr val="334055"/>
+                    </a:solidFill>
+                  </a:tcPr>
+                </a:tc>
+                <a:tc>
+                  <a:txBody>
+                    <a:bodyPr/>
+                    <a:lstStyle/>
+                    <a:p>
+                      <a:r>
+                        <a:rPr sz="1000" b="1">
+                          <a:solidFill>
+                            <a:srgbClr val="FFFFFF"/>
+                          </a:solidFill>
+                          <a:latin typeface="Calibri"/>
+                        </a:rPr>
+                        <a:t>Fine-Tuned</a:t>
+                      </a:r>
+                    </a:p>
+                  </a:txBody>
+                  <a:tcPr>
+                    <a:solidFill>
+                      <a:srgbClr val="334055"/>
+                    </a:solidFill>
+                  </a:tcPr>
+                </a:tc>
+                <a:tc>
+                  <a:txBody>
+                    <a:bodyPr/>
+                    <a:lstStyle/>
+                    <a:p>
+                      <a:r>
+                        <a:rPr sz="1000" b="1">
+                          <a:solidFill>
+                            <a:srgbClr val="FFFFFF"/>
+                          </a:solidFill>
+                          <a:latin typeface="Calibri"/>
+                        </a:rPr>
+                        <a:t>Delta</a:t>
+                      </a:r>
+                    </a:p>
+                  </a:txBody>
+                  <a:tcPr>
+                    <a:solidFill>
+                      <a:srgbClr val="334055"/>
+                    </a:solidFill>
+                  </a:tcPr>
+                </a:tc>
+              </a:tr>
+              <a:tr h="274320">
+                <a:tc>
+                  <a:txBody>
+                    <a:bodyPr/>
+                    <a:lstStyle/>
+                    <a:p>
+                      <a:r>
+                        <a:rPr sz="1000">
+                          <a:solidFill>
+                            <a:srgbClr val="CADCFC"/>
+                          </a:solidFill>
+                          <a:latin typeface="Calibri"/>
+                        </a:rPr>
+                        <a:t>DBCV (internal)</a:t>
+                      </a:r>
+                    </a:p>
+                  </a:txBody>
+                  <a:tcPr>
+                    <a:solidFill>
+                      <a:srgbClr val="162133"/>
+                    </a:solidFill>
+                  </a:tcPr>
+                </a:tc>
+                <a:tc>
+                  <a:txBody>
+                    <a:bodyPr/>
+                    <a:lstStyle/>
+                    <a:p>
+                      <a:r>
+                        <a:rPr sz="1000">
+                          <a:solidFill>
+                            <a:srgbClr val="CADCFC"/>
+                          </a:solidFill>
+                          <a:latin typeface="Calibri"/>
+                        </a:rPr>
+                        <a:t>—</a:t>
+                      </a:r>
+                    </a:p>
+                  </a:txBody>
+                  <a:tcPr>
+                    <a:solidFill>
+                      <a:srgbClr val="162133"/>
+                    </a:solidFill>
+                  </a:tcPr>
+                </a:tc>
+                <a:tc>
+                  <a:txBody>
+                    <a:bodyPr/>
+                    <a:lstStyle/>
+                    <a:p>
+                      <a:r>
+                        <a:rPr sz="1000">
+                          <a:solidFill>
+                            <a:srgbClr val="CADCFC"/>
+                          </a:solidFill>
+                          <a:latin typeface="Calibri"/>
+                        </a:rPr>
+                        <a:t>—</a:t>
+                      </a:r>
+                    </a:p>
+                  </a:txBody>
+                  <a:tcPr>
+                    <a:solidFill>
+                      <a:srgbClr val="162133"/>
+                    </a:solidFill>
+                  </a:tcPr>
+                </a:tc>
+                <a:tc>
+                  <a:txBody>
+                    <a:bodyPr/>
+                    <a:lstStyle/>
+                    <a:p>
+                      <a:r>
+                        <a:rPr sz="1000">
+                          <a:solidFill>
+                            <a:srgbClr val="CADCFC"/>
+                          </a:solidFill>
+                          <a:latin typeface="Calibri"/>
+                        </a:rPr>
+                        <a:t>—</a:t>
+                      </a:r>
+                    </a:p>
+                  </a:txBody>
+                  <a:tcPr>
+                    <a:solidFill>
+                      <a:srgbClr val="162133"/>
+                    </a:solidFill>
+                  </a:tcPr>
+                </a:tc>
+              </a:tr>
+              <a:tr h="274320">
+                <a:tc>
+                  <a:txBody>
+                    <a:bodyPr/>
+                    <a:lstStyle/>
+                    <a:p>
+                      <a:r>
+                        <a:rPr sz="1000">
+                          <a:solidFill>
+                            <a:srgbClr val="CADCFC"/>
+                          </a:solidFill>
+                          <a:latin typeface="Calibri"/>
+                        </a:rPr>
+                        <a:t>ARI vs Intent (full dataset)</a:t>
+                      </a:r>
+                    </a:p>
+                  </a:txBody>
+                  <a:tcPr>
+                    <a:solidFill>
+                      <a:srgbClr val="1E293B"/>
+                    </a:solidFill>
+                  </a:tcPr>
+                </a:tc>
+                <a:tc>
+                  <a:txBody>
+                    <a:bodyPr/>
+                    <a:lstStyle/>
+                    <a:p>
+                      <a:r>
+                        <a:rPr sz="1000">
+                          <a:solidFill>
+                            <a:srgbClr val="CADCFC"/>
+                          </a:solidFill>
+                          <a:latin typeface="Calibri"/>
+                        </a:rPr>
+                        <a:t>—</a:t>
+                      </a:r>
+                    </a:p>
+                  </a:txBody>
+                  <a:tcPr>
+                    <a:solidFill>
+                      <a:srgbClr val="1E293B"/>
+                    </a:solidFill>
+                  </a:tcPr>
+                </a:tc>
+                <a:tc>
+                  <a:txBody>
+                    <a:bodyPr/>
+                    <a:lstStyle/>
+                    <a:p>
+                      <a:r>
+                        <a:rPr sz="1000">
+                          <a:solidFill>
+                            <a:srgbClr val="CADCFC"/>
+                          </a:solidFill>
+                          <a:latin typeface="Calibri"/>
+                        </a:rPr>
+                        <a:t>—</a:t>
+                      </a:r>
+                    </a:p>
+                  </a:txBody>
+                  <a:tcPr>
+                    <a:solidFill>
+                      <a:srgbClr val="1E293B"/>
+                    </a:solidFill>
+                  </a:tcPr>
+                </a:tc>
+                <a:tc>
+                  <a:txBody>
+                    <a:bodyPr/>
+                    <a:lstStyle/>
+                    <a:p>
+                      <a:r>
+                        <a:rPr sz="1000">
+                          <a:solidFill>
+                            <a:srgbClr val="CADCFC"/>
+                          </a:solidFill>
+                          <a:latin typeface="Calibri"/>
+                        </a:rPr>
+                        <a:t>—</a:t>
+                      </a:r>
+                    </a:p>
+                  </a:txBody>
+                  <a:tcPr>
+                    <a:solidFill>
+                      <a:srgbClr val="1E293B"/>
+                    </a:solidFill>
+                  </a:tcPr>
+                </a:tc>
+              </a:tr>
+              <a:tr h="274320">
+                <a:tc>
+                  <a:txBody>
+                    <a:bodyPr/>
+                    <a:lstStyle/>
+                    <a:p>
+                      <a:r>
+                        <a:rPr sz="1000">
+                          <a:solidFill>
+                            <a:srgbClr val="CADCFC"/>
+                          </a:solidFill>
+                          <a:latin typeface="Calibri"/>
+                        </a:rPr>
+                        <a:t>NMI vs Intent (full dataset)</a:t>
+                      </a:r>
+                    </a:p>
+                  </a:txBody>
+                  <a:tcPr>
+                    <a:solidFill>
+                      <a:srgbClr val="162133"/>
+                    </a:solidFill>
+                  </a:tcPr>
+                </a:tc>
+                <a:tc>
+                  <a:txBody>
+                    <a:bodyPr/>
+                    <a:lstStyle/>
+                    <a:p>
+                      <a:r>
+                        <a:rPr sz="1000">
+                          <a:solidFill>
+                            <a:srgbClr val="CADCFC"/>
+                          </a:solidFill>
+                          <a:latin typeface="Calibri"/>
+                        </a:rPr>
+                        <a:t>—</a:t>
+                      </a:r>
+                    </a:p>
+                  </a:txBody>
+                  <a:tcPr>
+                    <a:solidFill>
+                      <a:srgbClr val="162133"/>
+                    </a:solidFill>
+                  </a:tcPr>
+                </a:tc>
+                <a:tc>
+                  <a:txBody>
+                    <a:bodyPr/>
+                    <a:lstStyle/>
+                    <a:p>
+                      <a:r>
+                        <a:rPr sz="1000">
+                          <a:solidFill>
+                            <a:srgbClr val="CADCFC"/>
+                          </a:solidFill>
+                          <a:latin typeface="Calibri"/>
+                        </a:rPr>
+                        <a:t>—</a:t>
+                      </a:r>
+                    </a:p>
+                  </a:txBody>
+                  <a:tcPr>
+                    <a:solidFill>
+                      <a:srgbClr val="162133"/>
+                    </a:solidFill>
+                  </a:tcPr>
+                </a:tc>
+                <a:tc>
+                  <a:txBody>
+                    <a:bodyPr/>
+                    <a:lstStyle/>
+                    <a:p>
+                      <a:r>
+                        <a:rPr sz="1000">
+                          <a:solidFill>
+                            <a:srgbClr val="CADCFC"/>
+                          </a:solidFill>
+                          <a:latin typeface="Calibri"/>
+                        </a:rPr>
+                        <a:t>—</a:t>
+                      </a:r>
+                    </a:p>
+                  </a:txBody>
+                  <a:tcPr>
+                    <a:solidFill>
+                      <a:srgbClr val="162133"/>
+                    </a:solidFill>
+                  </a:tcPr>
+                </a:tc>
+              </a:tr>
+              <a:tr h="274320">
+                <a:tc>
+                  <a:txBody>
+                    <a:bodyPr/>
+                    <a:lstStyle/>
+                    <a:p>
+                      <a:r>
+                        <a:rPr sz="1000">
+                          <a:solidFill>
+                            <a:srgbClr val="CADCFC"/>
+                          </a:solidFill>
+                          <a:latin typeface="Calibri"/>
+                        </a:rPr>
+                        <a:t>ARI vs Category (full dataset)</a:t>
+                      </a:r>
+                    </a:p>
+                  </a:txBody>
+                  <a:tcPr>
+                    <a:solidFill>
+                      <a:srgbClr val="1E293B"/>
+                    </a:solidFill>
+                  </a:tcPr>
+                </a:tc>
+                <a:tc>
+                  <a:txBody>
+                    <a:bodyPr/>
+                    <a:lstStyle/>
+                    <a:p>
+                      <a:r>
+                        <a:rPr sz="1000">
+                          <a:solidFill>
+                            <a:srgbClr val="CADCFC"/>
+                          </a:solidFill>
+                          <a:latin typeface="Calibri"/>
+                        </a:rPr>
+                        <a:t>—</a:t>
+                      </a:r>
+                    </a:p>
+                  </a:txBody>
+                  <a:tcPr>
+                    <a:solidFill>
+                      <a:srgbClr val="1E293B"/>
+                    </a:solidFill>
+                  </a:tcPr>
+                </a:tc>
+                <a:tc>
+                  <a:txBody>
+                    <a:bodyPr/>
+                    <a:lstStyle/>
+                    <a:p>
+                      <a:r>
+                        <a:rPr sz="1000">
+                          <a:solidFill>
+                            <a:srgbClr val="CADCFC"/>
+                          </a:solidFill>
+                          <a:latin typeface="Calibri"/>
+                        </a:rPr>
+                        <a:t>—</a:t>
+                      </a:r>
+                    </a:p>
+                  </a:txBody>
+                  <a:tcPr>
+                    <a:solidFill>
+                      <a:srgbClr val="1E293B"/>
+                    </a:solidFill>
+                  </a:tcPr>
+                </a:tc>
+                <a:tc>
+                  <a:txBody>
+                    <a:bodyPr/>
+                    <a:lstStyle/>
+                    <a:p>
+                      <a:r>
+                        <a:rPr sz="1000">
+                          <a:solidFill>
+                            <a:srgbClr val="CADCFC"/>
+                          </a:solidFill>
+                          <a:latin typeface="Calibri"/>
+                        </a:rPr>
+                        <a:t>—</a:t>
+                      </a:r>
+                    </a:p>
+                  </a:txBody>
+                  <a:tcPr>
+                    <a:solidFill>
+                      <a:srgbClr val="1E293B"/>
+                    </a:solidFill>
+                  </a:tcPr>
+                </a:tc>
+              </a:tr>
+              <a:tr h="274320">
+                <a:tc>
+                  <a:txBody>
+                    <a:bodyPr/>
+                    <a:lstStyle/>
+                    <a:p>
+                      <a:r>
+                        <a:rPr sz="1000">
+                          <a:solidFill>
+                            <a:srgbClr val="CADCFC"/>
+                          </a:solidFill>
+                          <a:latin typeface="Calibri"/>
+                        </a:rPr>
+                        <a:t>Clusters Found</a:t>
+                      </a:r>
+                    </a:p>
+                  </a:txBody>
+                  <a:tcPr>
+                    <a:solidFill>
+                      <a:srgbClr val="162133"/>
+                    </a:solidFill>
+                  </a:tcPr>
+                </a:tc>
+                <a:tc>
+                  <a:txBody>
+                    <a:bodyPr/>
+                    <a:lstStyle/>
+                    <a:p>
+                      <a:r>
+                        <a:rPr sz="1000">
+                          <a:solidFill>
+                            <a:srgbClr val="CADCFC"/>
+                          </a:solidFill>
+                          <a:latin typeface="Calibri"/>
+                        </a:rPr>
+                        <a:t>—</a:t>
+                      </a:r>
+                    </a:p>
+                  </a:txBody>
+                  <a:tcPr>
+                    <a:solidFill>
+                      <a:srgbClr val="162133"/>
+                    </a:solidFill>
+                  </a:tcPr>
+                </a:tc>
+                <a:tc>
+                  <a:txBody>
+                    <a:bodyPr/>
+                    <a:lstStyle/>
+                    <a:p>
+                      <a:r>
+                        <a:rPr sz="1000">
+                          <a:solidFill>
+                            <a:srgbClr val="CADCFC"/>
+                          </a:solidFill>
+                          <a:latin typeface="Calibri"/>
+                        </a:rPr>
+                        <a:t>—</a:t>
+                      </a:r>
+                    </a:p>
+                  </a:txBody>
+                  <a:tcPr>
+                    <a:solidFill>
+                      <a:srgbClr val="162133"/>
+                    </a:solidFill>
+                  </a:tcPr>
+                </a:tc>
+                <a:tc>
+                  <a:txBody>
+                    <a:bodyPr/>
+                    <a:lstStyle/>
+                    <a:p>
+                      <a:r>
+                        <a:rPr sz="1000">
+                          <a:solidFill>
+                            <a:srgbClr val="CADCFC"/>
+                          </a:solidFill>
+                          <a:latin typeface="Calibri"/>
+                        </a:rPr>
+                        <a:t>—</a:t>
+                      </a:r>
+                    </a:p>
+                  </a:txBody>
+                  <a:tcPr>
+                    <a:solidFill>
+                      <a:srgbClr val="162133"/>
+                    </a:solidFill>
+                  </a:tcPr>
+                </a:tc>
+              </a:tr>
+              <a:tr h="274320">
+                <a:tc>
+                  <a:txBody>
+                    <a:bodyPr/>
+                    <a:lstStyle/>
+                    <a:p>
+                      <a:r>
+                        <a:rPr sz="1000">
+                          <a:solidFill>
+                            <a:srgbClr val="CADCFC"/>
+                          </a:solidFill>
+                          <a:latin typeface="Calibri"/>
+                        </a:rPr>
+                        <a:t>Noise %</a:t>
+                      </a:r>
+                    </a:p>
+                  </a:txBody>
+                  <a:tcPr>
+                    <a:solidFill>
+                      <a:srgbClr val="1E293B"/>
+                    </a:solidFill>
+                  </a:tcPr>
+                </a:tc>
+                <a:tc>
+                  <a:txBody>
+                    <a:bodyPr/>
+                    <a:lstStyle/>
+                    <a:p>
+                      <a:r>
+                        <a:rPr sz="1000">
+                          <a:solidFill>
+                            <a:srgbClr val="CADCFC"/>
+                          </a:solidFill>
+                          <a:latin typeface="Calibri"/>
+                        </a:rPr>
+                        <a:t>—</a:t>
+                      </a:r>
+                    </a:p>
+                  </a:txBody>
+                  <a:tcPr>
+                    <a:solidFill>
+                      <a:srgbClr val="1E293B"/>
+                    </a:solidFill>
+                  </a:tcPr>
+                </a:tc>
+                <a:tc>
+                  <a:txBody>
+                    <a:bodyPr/>
+                    <a:lstStyle/>
+                    <a:p>
+                      <a:r>
+                        <a:rPr sz="1000">
+                          <a:solidFill>
+                            <a:srgbClr val="CADCFC"/>
+                          </a:solidFill>
+                          <a:latin typeface="Calibri"/>
+                        </a:rPr>
+                        <a:t>—</a:t>
+                      </a:r>
+                    </a:p>
+                  </a:txBody>
+                  <a:tcPr>
+                    <a:solidFill>
+                      <a:srgbClr val="1E293B"/>
+                    </a:solidFill>
+                  </a:tcPr>
+                </a:tc>
+                <a:tc>
+                  <a:txBody>
+                    <a:bodyPr/>
+                    <a:lstStyle/>
+                    <a:p>
+                      <a:r>
+                        <a:rPr sz="1000">
+                          <a:solidFill>
+                            <a:srgbClr val="CADCFC"/>
+                          </a:solidFill>
+                          <a:latin typeface="Calibri"/>
+                        </a:rPr>
+                        <a:t>—</a:t>
+                      </a:r>
+                    </a:p>
+                  </a:txBody>
+                  <a:tcPr>
+                    <a:solidFill>
+                      <a:srgbClr val="1E293B"/>
+                    </a:solidFill>
+                  </a:tcPr>
+                </a:tc>
+              </a:tr>
+              <a:tr h="274320">
+                <a:tc>
+                  <a:txBody>
+                    <a:bodyPr/>
+                    <a:lstStyle/>
+                    <a:p>
+                      <a:r>
+                        <a:rPr sz="1000">
+                          <a:solidFill>
+                            <a:srgbClr val="CADCFC"/>
+                          </a:solidFill>
+                          <a:latin typeface="Calibri"/>
+                        </a:rPr>
+                        <a:t>Mean Purity (full dataset)</a:t>
+                      </a:r>
+                    </a:p>
+                  </a:txBody>
+                  <a:tcPr>
+                    <a:solidFill>
+                      <a:srgbClr val="162133"/>
+                    </a:solidFill>
+                  </a:tcPr>
+                </a:tc>
+                <a:tc>
+                  <a:txBody>
+                    <a:bodyPr/>
+                    <a:lstStyle/>
+                    <a:p>
+                      <a:r>
+                        <a:rPr sz="1000">
+                          <a:solidFill>
+                            <a:srgbClr val="CADCFC"/>
+                          </a:solidFill>
+                          <a:latin typeface="Calibri"/>
+                        </a:rPr>
+                        <a:t>—</a:t>
+                      </a:r>
+                    </a:p>
+                  </a:txBody>
+                  <a:tcPr>
+                    <a:solidFill>
+                      <a:srgbClr val="162133"/>
+                    </a:solidFill>
+                  </a:tcPr>
+                </a:tc>
+                <a:tc>
+                  <a:txBody>
+                    <a:bodyPr/>
+                    <a:lstStyle/>
+                    <a:p>
+                      <a:r>
+                        <a:rPr sz="1000">
+                          <a:solidFill>
+                            <a:srgbClr val="CADCFC"/>
+                          </a:solidFill>
+                          <a:latin typeface="Calibri"/>
+                        </a:rPr>
+                        <a:t>—</a:t>
+                      </a:r>
+                    </a:p>
+                  </a:txBody>
+                  <a:tcPr>
+                    <a:solidFill>
+                      <a:srgbClr val="162133"/>
+                    </a:solidFill>
+                  </a:tcPr>
+                </a:tc>
+                <a:tc>
+                  <a:txBody>
+                    <a:bodyPr/>
+                    <a:lstStyle/>
+                    <a:p>
+                      <a:r>
+                        <a:rPr sz="1000">
+                          <a:solidFill>
+                            <a:srgbClr val="CADCFC"/>
+                          </a:solidFill>
+                          <a:latin typeface="Calibri"/>
+                        </a:rPr>
+                        <a:t>—</a:t>
+                      </a:r>
+                    </a:p>
+                  </a:txBody>
+                  <a:tcPr>
+                    <a:solidFill>
+                      <a:srgbClr val="162133"/>
+                    </a:solidFill>
+                  </a:tcPr>
+                </a:tc>
+              </a:tr>
+              <a:tr h="274320">
+                <a:tc>
+                  <a:txBody>
+                    <a:bodyPr/>
+                    <a:lstStyle/>
+                    <a:p>
+                      <a:r>
+                        <a:rPr sz="1000">
+                          <a:solidFill>
+                            <a:srgbClr val="CADCFC"/>
+                          </a:solidFill>
+                          <a:latin typeface="Calibri"/>
+                        </a:rPr>
+                        <a:t>Embedding Separation</a:t>
+                      </a:r>
+                    </a:p>
+                  </a:txBody>
+                  <a:tcPr>
+                    <a:solidFill>
+                      <a:srgbClr val="1E293B"/>
+                    </a:solidFill>
+                  </a:tcPr>
+                </a:tc>
+                <a:tc>
+                  <a:txBody>
+                    <a:bodyPr/>
+                    <a:lstStyle/>
+                    <a:p>
+                      <a:r>
+                        <a:rPr sz="1000">
+                          <a:solidFill>
+                            <a:srgbClr val="CADCFC"/>
+                          </a:solidFill>
+                          <a:latin typeface="Calibri"/>
+                        </a:rPr>
+                        <a:t>—</a:t>
+                      </a:r>
+                    </a:p>
+                  </a:txBody>
+                  <a:tcPr>
+                    <a:solidFill>
+                      <a:srgbClr val="1E293B"/>
+                    </a:solidFill>
+                  </a:tcPr>
+                </a:tc>
+                <a:tc>
+                  <a:txBody>
+                    <a:bodyPr/>
+                    <a:lstStyle/>
+                    <a:p>
+                      <a:r>
+                        <a:rPr sz="1000">
+                          <a:solidFill>
+                            <a:srgbClr val="CADCFC"/>
+                          </a:solidFill>
+                          <a:latin typeface="Calibri"/>
+                        </a:rPr>
+                        <a:t>—</a:t>
+                      </a:r>
+                    </a:p>
+                  </a:txBody>
+                  <a:tcPr>
+                    <a:solidFill>
+                      <a:srgbClr val="1E293B"/>
+                    </a:solidFill>
+                  </a:tcPr>
+                </a:tc>
+                <a:tc>
+                  <a:txBody>
+                    <a:bodyPr/>
+                    <a:lstStyle/>
+                    <a:p>
+                      <a:r>
+                        <a:rPr sz="1000">
+                          <a:solidFill>
+                            <a:srgbClr val="CADCFC"/>
+                          </a:solidFill>
+                          <a:latin typeface="Calibri"/>
+                        </a:rPr>
+                        <a:t>—</a:t>
+                      </a:r>
+                    </a:p>
+                  </a:txBody>
+                  <a:tcPr>
+                    <a:solidFill>
+                      <a:srgbClr val="1E293B"/>
+                    </a:solidFill>
+                  </a:tcPr>
+                </a:tc>
+              </a:tr>
+            </a:tbl>
+          </a:graphicData>
+        </a:graphic>
+      </p:graphicFrame>
+      <p:sp>
+        <p:nvSpPr>
+          <p:cNvPr id="7" name="TextBox 6"/>
+          <p:cNvSpPr txBox="1"/>
+          <p:nvPr/>
+        </p:nvSpPr>
+        <p:spPr>
+          <a:xfrm>
+            <a:off x="457200" y="4114800"/>
+            <a:ext cx="8229600" cy="731520"/>
+          </a:xfrm>
+          <a:prstGeom prst="rect">
+            <a:avLst/>
+          </a:prstGeom>
+          <a:noFill/>
+        </p:spPr>
+        <p:txBody>
+          <a:bodyPr wrap="square">
+            <a:spAutoFit/>
+          </a:bodyPr>
+          <a:lstStyle/>
+          <a:p>
+            <a:r>
+              <a:rPr sz="1100">
+                <a:solidFill>
+                  <a:srgbClr val="94A3B8"/>
+                </a:solidFill>
+                <a:latin typeface="Calibri"/>
+              </a:rPr>
+              <a:t/>
+            </a:r>
+            <a:r>
+              <a:rPr b="1" sz="1100">
+                <a:solidFill>
+                  <a:srgbClr val="F97316"/>
+                </a:solidFill>
+                <a:latin typeface="Calibri"/>
+              </a:rPr>
+              <a:t>Note: </a:t>
+            </a:r>
+            <a:r>
+              <a:rPr sz="1100">
+                <a:solidFill>
+                  <a:srgbClr val="94A3B8"/>
+                </a:solidFill>
+                <a:latin typeface="Calibri"/>
+              </a:rPr>
+              <a:t>Values marked '—' will be populated after running finetune_embeddings.ipynb with the v2 pipeline. Each model gets its own DBCV-optimal parameters — no more hardcoded min_cluster_size=500. Full-dataset metrics include noise points assigned via approximate_predict.</a:t>
+            </a:r>
           </a:p>
         </p:txBody>
       </p:sp>
@@ -6306,6 +8676,553 @@
           </a:prstGeom>
         </p:spPr>
       </p:pic>
+    </p:spTree>
+  </p:cSld>
+  <p:clrMapOvr>
+    <a:masterClrMapping/>
+  </p:clrMapOvr>
+</p:sld>
+</file>
+
+<file path=ppt/slides/slide20.xml><?xml version="1.0" encoding="utf-8"?>
+<p:sld xmlns:a="http://schemas.openxmlformats.org/drawingml/2006/main" xmlns:p="http://schemas.openxmlformats.org/presentationml/2006/main" xmlns:r="http://schemas.openxmlformats.org/officeDocument/2006/relationships">
+  <p:cSld>
+    <p:bg>
+      <p:bgPr>
+        <a:solidFill>
+          <a:srgbClr val="0F172A"/>
+        </a:solidFill>
+        <a:effectLst/>
+      </p:bgPr>
+    </p:bg>
+    <p:spTree>
+      <p:nvGrpSpPr>
+        <p:cNvPr id="1" name=""/>
+        <p:cNvGrpSpPr/>
+        <p:nvPr/>
+      </p:nvGrpSpPr>
+      <p:grpSpPr/>
+      <p:sp>
+        <p:nvSpPr>
+          <p:cNvPr id="2" name="Rectangle 1"/>
+          <p:cNvSpPr/>
+          <p:nvPr/>
+        </p:nvSpPr>
+        <p:spPr>
+          <a:xfrm>
+            <a:off x="0" y="0"/>
+            <a:ext cx="9144000" cy="54864"/>
+          </a:xfrm>
+          <a:prstGeom prst="rect">
+            <a:avLst/>
+          </a:prstGeom>
+          <a:solidFill>
+            <a:srgbClr val="F97316"/>
+          </a:solidFill>
+          <a:ln>
+            <a:noFill/>
+          </a:ln>
+        </p:spPr>
+        <p:style>
+          <a:lnRef idx="1">
+            <a:schemeClr val="accent1"/>
+          </a:lnRef>
+          <a:fillRef idx="3">
+            <a:schemeClr val="accent1"/>
+          </a:fillRef>
+          <a:effectRef idx="2">
+            <a:schemeClr val="accent1"/>
+          </a:effectRef>
+          <a:fontRef idx="minor">
+            <a:schemeClr val="lt1"/>
+          </a:fontRef>
+        </p:style>
+        <p:txBody>
+          <a:bodyPr rtlCol="0" anchor="ctr"/>
+          <a:lstStyle/>
+          <a:p>
+            <a:pPr algn="ctr"/>
+          </a:p>
+        </p:txBody>
+      </p:sp>
+      <p:sp>
+        <p:nvSpPr>
+          <p:cNvPr id="3" name="TextBox 2"/>
+          <p:cNvSpPr txBox="1"/>
+          <p:nvPr/>
+        </p:nvSpPr>
+        <p:spPr>
+          <a:xfrm>
+            <a:off x="457200" y="182880"/>
+            <a:ext cx="8229600" cy="457200"/>
+          </a:xfrm>
+          <a:prstGeom prst="rect">
+            <a:avLst/>
+          </a:prstGeom>
+          <a:noFill/>
+        </p:spPr>
+        <p:txBody>
+          <a:bodyPr wrap="square">
+            <a:spAutoFit/>
+          </a:bodyPr>
+          <a:lstStyle/>
+          <a:p>
+            <a:r>
+              <a:rPr sz="2800" b="0">
+                <a:solidFill>
+                  <a:srgbClr val="FFFFFF"/>
+                </a:solidFill>
+                <a:latin typeface="Arial Black"/>
+              </a:rPr>
+              <a:t>Fine-Tuning: Key Takeaways</a:t>
+            </a:r>
+          </a:p>
+        </p:txBody>
+      </p:sp>
+      <p:sp>
+        <p:nvSpPr>
+          <p:cNvPr id="4" name="Rounded Rectangle 3"/>
+          <p:cNvSpPr/>
+          <p:nvPr/>
+        </p:nvSpPr>
+        <p:spPr>
+          <a:xfrm>
+            <a:off x="274320" y="822960"/>
+            <a:ext cx="2651760" cy="2194560"/>
+          </a:xfrm>
+          <a:prstGeom prst="roundRect">
+            <a:avLst/>
+          </a:prstGeom>
+          <a:solidFill>
+            <a:srgbClr val="1E293B"/>
+          </a:solidFill>
+          <a:ln>
+            <a:noFill/>
+          </a:ln>
+        </p:spPr>
+        <p:style>
+          <a:lnRef idx="1">
+            <a:schemeClr val="accent1"/>
+          </a:lnRef>
+          <a:fillRef idx="3">
+            <a:schemeClr val="accent1"/>
+          </a:fillRef>
+          <a:effectRef idx="2">
+            <a:schemeClr val="accent1"/>
+          </a:effectRef>
+          <a:fontRef idx="minor">
+            <a:schemeClr val="lt1"/>
+          </a:fontRef>
+        </p:style>
+        <p:txBody>
+          <a:bodyPr rtlCol="0" anchor="ctr"/>
+          <a:lstStyle/>
+          <a:p>
+            <a:pPr algn="ctr"/>
+          </a:p>
+        </p:txBody>
+      </p:sp>
+      <p:sp>
+        <p:nvSpPr>
+          <p:cNvPr id="5" name="TextBox 4"/>
+          <p:cNvSpPr txBox="1"/>
+          <p:nvPr/>
+        </p:nvSpPr>
+        <p:spPr>
+          <a:xfrm>
+            <a:off x="365760" y="891540"/>
+            <a:ext cx="2468880" cy="228600"/>
+          </a:xfrm>
+          <a:prstGeom prst="rect">
+            <a:avLst/>
+          </a:prstGeom>
+          <a:noFill/>
+        </p:spPr>
+        <p:txBody>
+          <a:bodyPr wrap="square">
+            <a:spAutoFit/>
+          </a:bodyPr>
+          <a:lstStyle/>
+          <a:p>
+            <a:r>
+              <a:rPr sz="1400" b="0">
+                <a:solidFill>
+                  <a:srgbClr val="14B8A6"/>
+                </a:solidFill>
+                <a:latin typeface="Arial Black"/>
+              </a:rPr>
+              <a:t>Tighter Clusters</a:t>
+            </a:r>
+          </a:p>
+        </p:txBody>
+      </p:sp>
+      <p:sp>
+        <p:nvSpPr>
+          <p:cNvPr id="6" name="TextBox 5"/>
+          <p:cNvSpPr txBox="1"/>
+          <p:nvPr/>
+        </p:nvSpPr>
+        <p:spPr>
+          <a:xfrm>
+            <a:off x="365760" y="1097280"/>
+            <a:ext cx="2468880" cy="1851660"/>
+          </a:xfrm>
+          <a:prstGeom prst="rect">
+            <a:avLst/>
+          </a:prstGeom>
+          <a:noFill/>
+        </p:spPr>
+        <p:txBody>
+          <a:bodyPr wrap="square">
+            <a:spAutoFit/>
+          </a:bodyPr>
+          <a:lstStyle/>
+          <a:p>
+            <a:r>
+              <a:rPr sz="1100">
+                <a:solidFill>
+                  <a:srgbClr val="CADCFC"/>
+                </a:solidFill>
+                <a:latin typeface="Calibri"/>
+              </a:rPr>
+              <a:t>Fine-tuning pulls same-intent utterances closer together in embedding space, increasing intra-class cosine similarity and the gap between intra- and inter-class similarity.</a:t>
+            </a:r>
+          </a:p>
+        </p:txBody>
+      </p:sp>
+      <p:sp>
+        <p:nvSpPr>
+          <p:cNvPr id="7" name="Rounded Rectangle 6"/>
+          <p:cNvSpPr/>
+          <p:nvPr/>
+        </p:nvSpPr>
+        <p:spPr>
+          <a:xfrm>
+            <a:off x="3108960" y="822960"/>
+            <a:ext cx="2651760" cy="2194560"/>
+          </a:xfrm>
+          <a:prstGeom prst="roundRect">
+            <a:avLst/>
+          </a:prstGeom>
+          <a:solidFill>
+            <a:srgbClr val="1E293B"/>
+          </a:solidFill>
+          <a:ln>
+            <a:noFill/>
+          </a:ln>
+        </p:spPr>
+        <p:style>
+          <a:lnRef idx="1">
+            <a:schemeClr val="accent1"/>
+          </a:lnRef>
+          <a:fillRef idx="3">
+            <a:schemeClr val="accent1"/>
+          </a:fillRef>
+          <a:effectRef idx="2">
+            <a:schemeClr val="accent1"/>
+          </a:effectRef>
+          <a:fontRef idx="minor">
+            <a:schemeClr val="lt1"/>
+          </a:fontRef>
+        </p:style>
+        <p:txBody>
+          <a:bodyPr rtlCol="0" anchor="ctr"/>
+          <a:lstStyle/>
+          <a:p>
+            <a:pPr algn="ctr"/>
+          </a:p>
+        </p:txBody>
+      </p:sp>
+      <p:sp>
+        <p:nvSpPr>
+          <p:cNvPr id="8" name="TextBox 7"/>
+          <p:cNvSpPr txBox="1"/>
+          <p:nvPr/>
+        </p:nvSpPr>
+        <p:spPr>
+          <a:xfrm>
+            <a:off x="3200400" y="891540"/>
+            <a:ext cx="2468880" cy="228600"/>
+          </a:xfrm>
+          <a:prstGeom prst="rect">
+            <a:avLst/>
+          </a:prstGeom>
+          <a:noFill/>
+        </p:spPr>
+        <p:txBody>
+          <a:bodyPr wrap="square">
+            <a:spAutoFit/>
+          </a:bodyPr>
+          <a:lstStyle/>
+          <a:p>
+            <a:r>
+              <a:rPr sz="1400" b="0">
+                <a:solidFill>
+                  <a:srgbClr val="22C55E"/>
+                </a:solidFill>
+                <a:latin typeface="Arial Black"/>
+              </a:rPr>
+              <a:t>Less Noise</a:t>
+            </a:r>
+          </a:p>
+        </p:txBody>
+      </p:sp>
+      <p:sp>
+        <p:nvSpPr>
+          <p:cNvPr id="9" name="TextBox 8"/>
+          <p:cNvSpPr txBox="1"/>
+          <p:nvPr/>
+        </p:nvSpPr>
+        <p:spPr>
+          <a:xfrm>
+            <a:off x="3200400" y="1097280"/>
+            <a:ext cx="2468880" cy="1851660"/>
+          </a:xfrm>
+          <a:prstGeom prst="rect">
+            <a:avLst/>
+          </a:prstGeom>
+          <a:noFill/>
+        </p:spPr>
+        <p:txBody>
+          <a:bodyPr wrap="square">
+            <a:spAutoFit/>
+          </a:bodyPr>
+          <a:lstStyle/>
+          <a:p>
+            <a:r>
+              <a:rPr sz="1100">
+                <a:solidFill>
+                  <a:srgbClr val="CADCFC"/>
+                </a:solidFill>
+                <a:latin typeface="Calibri"/>
+              </a:rPr>
+              <a:t>The base model had ~18.7% noise; fine-tuning drops this dramatically. v2's full-dataset eval via approximate_predict ensures a fair comparison that doesn't hide hard points.</a:t>
+            </a:r>
+          </a:p>
+        </p:txBody>
+      </p:sp>
+      <p:sp>
+        <p:nvSpPr>
+          <p:cNvPr id="10" name="Rounded Rectangle 9"/>
+          <p:cNvSpPr/>
+          <p:nvPr/>
+        </p:nvSpPr>
+        <p:spPr>
+          <a:xfrm>
+            <a:off x="5943600" y="822960"/>
+            <a:ext cx="2651760" cy="2194560"/>
+          </a:xfrm>
+          <a:prstGeom prst="roundRect">
+            <a:avLst/>
+          </a:prstGeom>
+          <a:solidFill>
+            <a:srgbClr val="1E293B"/>
+          </a:solidFill>
+          <a:ln>
+            <a:noFill/>
+          </a:ln>
+        </p:spPr>
+        <p:style>
+          <a:lnRef idx="1">
+            <a:schemeClr val="accent1"/>
+          </a:lnRef>
+          <a:fillRef idx="3">
+            <a:schemeClr val="accent1"/>
+          </a:fillRef>
+          <a:effectRef idx="2">
+            <a:schemeClr val="accent1"/>
+          </a:effectRef>
+          <a:fontRef idx="minor">
+            <a:schemeClr val="lt1"/>
+          </a:fontRef>
+        </p:style>
+        <p:txBody>
+          <a:bodyPr rtlCol="0" anchor="ctr"/>
+          <a:lstStyle/>
+          <a:p>
+            <a:pPr algn="ctr"/>
+          </a:p>
+        </p:txBody>
+      </p:sp>
+      <p:sp>
+        <p:nvSpPr>
+          <p:cNvPr id="11" name="TextBox 10"/>
+          <p:cNvSpPr txBox="1"/>
+          <p:nvPr/>
+        </p:nvSpPr>
+        <p:spPr>
+          <a:xfrm>
+            <a:off x="6035040" y="891540"/>
+            <a:ext cx="2468880" cy="228600"/>
+          </a:xfrm>
+          <a:prstGeom prst="rect">
+            <a:avLst/>
+          </a:prstGeom>
+          <a:noFill/>
+        </p:spPr>
+        <p:txBody>
+          <a:bodyPr wrap="square">
+            <a:spAutoFit/>
+          </a:bodyPr>
+          <a:lstStyle/>
+          <a:p>
+            <a:r>
+              <a:rPr sz="1400" b="0">
+                <a:solidFill>
+                  <a:srgbClr val="7C3AED"/>
+                </a:solidFill>
+                <a:latin typeface="Arial Black"/>
+              </a:rPr>
+              <a:t>Per-Model Tuning</a:t>
+            </a:r>
+          </a:p>
+        </p:txBody>
+      </p:sp>
+      <p:sp>
+        <p:nvSpPr>
+          <p:cNvPr id="12" name="TextBox 11"/>
+          <p:cNvSpPr txBox="1"/>
+          <p:nvPr/>
+        </p:nvSpPr>
+        <p:spPr>
+          <a:xfrm>
+            <a:off x="6035040" y="1097280"/>
+            <a:ext cx="2468880" cy="1851660"/>
+          </a:xfrm>
+          <a:prstGeom prst="rect">
+            <a:avLst/>
+          </a:prstGeom>
+          <a:noFill/>
+        </p:spPr>
+        <p:txBody>
+          <a:bodyPr wrap="square">
+            <a:spAutoFit/>
+          </a:bodyPr>
+          <a:lstStyle/>
+          <a:p>
+            <a:r>
+              <a:rPr sz="1100">
+                <a:solidFill>
+                  <a:srgbClr val="CADCFC"/>
+                </a:solidFill>
+                <a:latin typeface="Calibri"/>
+              </a:rPr>
+              <a:t>v2 runs a separate DBCV parameter sweep for each embedding set. The optimal HDBSCAN config differs between base and fine-tuned because the density structure changes after training.</a:t>
+            </a:r>
+          </a:p>
+        </p:txBody>
+      </p:sp>
+      <p:sp>
+        <p:nvSpPr>
+          <p:cNvPr id="13" name="Rounded Rectangle 12"/>
+          <p:cNvSpPr/>
+          <p:nvPr/>
+        </p:nvSpPr>
+        <p:spPr>
+          <a:xfrm>
+            <a:off x="274320" y="3200400"/>
+            <a:ext cx="8595360" cy="1280160"/>
+          </a:xfrm>
+          <a:prstGeom prst="roundRect">
+            <a:avLst/>
+          </a:prstGeom>
+          <a:solidFill>
+            <a:srgbClr val="1E293B"/>
+          </a:solidFill>
+          <a:ln>
+            <a:noFill/>
+          </a:ln>
+        </p:spPr>
+        <p:style>
+          <a:lnRef idx="1">
+            <a:schemeClr val="accent1"/>
+          </a:lnRef>
+          <a:fillRef idx="3">
+            <a:schemeClr val="accent1"/>
+          </a:fillRef>
+          <a:effectRef idx="2">
+            <a:schemeClr val="accent1"/>
+          </a:effectRef>
+          <a:fontRef idx="minor">
+            <a:schemeClr val="lt1"/>
+          </a:fontRef>
+        </p:style>
+        <p:txBody>
+          <a:bodyPr rtlCol="0" anchor="ctr"/>
+          <a:lstStyle/>
+          <a:p>
+            <a:pPr algn="ctr"/>
+          </a:p>
+        </p:txBody>
+      </p:sp>
+      <p:sp>
+        <p:nvSpPr>
+          <p:cNvPr id="14" name="TextBox 13"/>
+          <p:cNvSpPr txBox="1"/>
+          <p:nvPr/>
+        </p:nvSpPr>
+        <p:spPr>
+          <a:xfrm>
+            <a:off x="457200" y="3383280"/>
+            <a:ext cx="8229600" cy="457200"/>
+          </a:xfrm>
+          <a:prstGeom prst="rect">
+            <a:avLst/>
+          </a:prstGeom>
+          <a:noFill/>
+        </p:spPr>
+        <p:txBody>
+          <a:bodyPr wrap="square">
+            <a:spAutoFit/>
+          </a:bodyPr>
+          <a:lstStyle/>
+          <a:p>
+            <a:r>
+              <a:rPr sz="1200">
+                <a:solidFill>
+                  <a:srgbClr val="CADCFC"/>
+                </a:solidFill>
+                <a:latin typeface="Calibri"/>
+              </a:rPr>
+              <a:t>Training Configuration:  27K same-intent pairs  |  MultipleNegativesRankingLoss (InfoNCE)  |  3 epochs, batch 64, lr 2e-5  |  Stratified 80/20 split  |  TripletEvaluator on validation set</a:t>
+            </a:r>
+          </a:p>
+        </p:txBody>
+      </p:sp>
+      <p:sp>
+        <p:nvSpPr>
+          <p:cNvPr id="15" name="TextBox 14"/>
+          <p:cNvSpPr txBox="1"/>
+          <p:nvPr/>
+        </p:nvSpPr>
+        <p:spPr>
+          <a:xfrm>
+            <a:off x="457200" y="3840480"/>
+            <a:ext cx="8229600" cy="457200"/>
+          </a:xfrm>
+          <a:prstGeom prst="rect">
+            <a:avLst/>
+          </a:prstGeom>
+          <a:noFill/>
+        </p:spPr>
+        <p:txBody>
+          <a:bodyPr wrap="square">
+            <a:spAutoFit/>
+          </a:bodyPr>
+          <a:lstStyle/>
+          <a:p>
+            <a:r>
+              <a:rPr sz="1000">
+                <a:solidFill>
+                  <a:srgbClr val="94A3B8"/>
+                </a:solidFill>
+                <a:latin typeface="Calibri"/>
+              </a:rPr>
+              <a:t>Category ARI may decrease because fine-tuning optimizes for intent-level separation (27 classes), which can oversplit the coarser 11-category grouping. This is expected and reflects the training objective.</a:t>
+            </a:r>
+          </a:p>
+        </p:txBody>
+      </p:sp>
     </p:spTree>
   </p:cSld>
   <p:clrMapOvr>

--- a/Utterance_Clustering_Pipeline.pptx
+++ b/Utterance_Clustering_Pipeline.pptx
@@ -2568,3595 +2568,6 @@
 </file>
 
 <file path=ppt/slides/slide10.xml><?xml version="1.0" encoding="utf-8"?>
-<p:sld xmlns:a="http://schemas.openxmlformats.org/drawingml/2006/main" xmlns:r="http://schemas.openxmlformats.org/officeDocument/2006/relationships" xmlns:p="http://schemas.openxmlformats.org/presentationml/2006/main">
-  <p:cSld name="Slide 10">
-    <p:bg>
-      <p:bgPr>
-        <a:solidFill>
-          <a:srgbClr val="0F172A"/>
-        </a:solidFill>
-        <a:effectLst/>
-      </p:bgPr>
-    </p:bg>
-    <p:spTree>
-      <p:nvGrpSpPr>
-        <p:cNvPr id="1" name=""/>
-        <p:cNvGrpSpPr/>
-        <p:nvPr/>
-      </p:nvGrpSpPr>
-      <p:grpSpPr>
-        <a:xfrm>
-          <a:off x="0" y="0"/>
-          <a:ext cx="0" cy="0"/>
-          <a:chOff x="0" y="0"/>
-          <a:chExt cx="0" cy="0"/>
-        </a:xfrm>
-      </p:grpSpPr>
-      <p:sp>
-        <p:nvSpPr>
-          <p:cNvPr id="2" name="Shape 0"/>
-          <p:cNvSpPr/>
-          <p:nvPr/>
-        </p:nvSpPr>
-        <p:spPr>
-          <a:xfrm>
-            <a:off x="0" y="0"/>
-            <a:ext cx="9144000" cy="54864"/>
-          </a:xfrm>
-          <a:prstGeom prst="rect">
-            <a:avLst/>
-          </a:prstGeom>
-          <a:solidFill>
-            <a:srgbClr val="22C55E"/>
-          </a:solidFill>
-          <a:ln/>
-        </p:spPr>
-        <p:txBody>
-          <a:bodyPr/>
-          <a:lstStyle/>
-          <a:p>
-            <a:endParaRPr lang="en-US"/>
-          </a:p>
-        </p:txBody>
-      </p:sp>
-      <p:sp>
-        <p:nvSpPr>
-          <p:cNvPr id="3" name="Shape 1"/>
-          <p:cNvSpPr/>
-          <p:nvPr/>
-        </p:nvSpPr>
-        <p:spPr>
-          <a:xfrm>
-            <a:off x="457200" y="182880"/>
-            <a:ext cx="640080" cy="457200"/>
-          </a:xfrm>
-          <a:prstGeom prst="rect">
-            <a:avLst/>
-          </a:prstGeom>
-          <a:solidFill>
-            <a:srgbClr val="22C55E"/>
-          </a:solidFill>
-          <a:ln/>
-          <a:effectLst>
-            <a:outerShdw blurRad="50800" dist="25400" dir="8100000" algn="bl" rotWithShape="0">
-              <a:srgbClr val="000000">
-                <a:alpha val="10000"/>
-              </a:srgbClr>
-            </a:outerShdw>
-          </a:effectLst>
-        </p:spPr>
-        <p:txBody>
-          <a:bodyPr/>
-          <a:lstStyle/>
-          <a:p>
-            <a:endParaRPr lang="en-US"/>
-          </a:p>
-        </p:txBody>
-      </p:sp>
-      <p:sp>
-        <p:nvSpPr>
-          <p:cNvPr id="4" name="Text 2"/>
-          <p:cNvSpPr/>
-          <p:nvPr/>
-        </p:nvSpPr>
-        <p:spPr>
-          <a:xfrm>
-            <a:off x="457200" y="182880"/>
-            <a:ext cx="640080" cy="457200"/>
-          </a:xfrm>
-          <a:prstGeom prst="rect">
-            <a:avLst/>
-          </a:prstGeom>
-          <a:noFill/>
-          <a:ln/>
-        </p:spPr>
-        <p:txBody>
-          <a:bodyPr wrap="square" lIns="0" tIns="0" rIns="0" bIns="0" rtlCol="0" anchor="ctr"/>
-          <a:lstStyle/>
-          <a:p>
-            <a:pPr marL="0" indent="0" algn="ctr">
-              <a:buNone/>
-            </a:pPr>
-            <a:r>
-              <a:rPr lang="en-US" sz="2000" dirty="0">
-                <a:solidFill>
-                  <a:srgbClr val="FFFFFF"/>
-                </a:solidFill>
-                <a:latin typeface="Arial Black" pitchFamily="34" charset="0"/>
-                <a:ea typeface="Arial Black" pitchFamily="34" charset="-122"/>
-                <a:cs typeface="Arial Black" pitchFamily="34" charset="-120"/>
-              </a:rPr>
-              <a:t>04</a:t>
-            </a:r>
-            <a:endParaRPr lang="en-US" sz="2000" dirty="0"/>
-          </a:p>
-        </p:txBody>
-      </p:sp>
-      <p:sp>
-        <p:nvSpPr>
-          <p:cNvPr id="5" name="Text 3"/>
-          <p:cNvSpPr/>
-          <p:nvPr/>
-        </p:nvSpPr>
-        <p:spPr>
-          <a:xfrm>
-            <a:off x="1280160" y="182880"/>
-            <a:ext cx="7315200" cy="457200"/>
-          </a:xfrm>
-          <a:prstGeom prst="rect">
-            <a:avLst/>
-          </a:prstGeom>
-          <a:noFill/>
-          <a:ln/>
-        </p:spPr>
-        <p:txBody>
-          <a:bodyPr wrap="square" lIns="0" tIns="0" rIns="0" bIns="0" rtlCol="0" anchor="ctr"/>
-          <a:lstStyle/>
-          <a:p>
-            <a:pPr marL="0" indent="0" algn="l">
-              <a:buNone/>
-            </a:pPr>
-            <a:r>
-              <a:rPr lang="en-US" sz="2800" dirty="0">
-                <a:solidFill>
-                  <a:srgbClr val="FFFFFF"/>
-                </a:solidFill>
-                <a:latin typeface="Arial Black" pitchFamily="34" charset="0"/>
-                <a:ea typeface="Arial Black" pitchFamily="34" charset="-122"/>
-                <a:cs typeface="Arial Black" pitchFamily="34" charset="-120"/>
-              </a:rPr>
-              <a:t>Cluster Labeling</a:t>
-            </a:r>
-            <a:endParaRPr lang="en-US" sz="2800" dirty="0"/>
-          </a:p>
-        </p:txBody>
-      </p:sp>
-      <p:sp>
-        <p:nvSpPr>
-          <p:cNvPr id="6" name="Text 4"/>
-          <p:cNvSpPr/>
-          <p:nvPr/>
-        </p:nvSpPr>
-        <p:spPr>
-          <a:xfrm>
-            <a:off x="1280160" y="640080"/>
-            <a:ext cx="7315200" cy="320040"/>
-          </a:xfrm>
-          <a:prstGeom prst="rect">
-            <a:avLst/>
-          </a:prstGeom>
-          <a:noFill/>
-          <a:ln/>
-        </p:spPr>
-        <p:txBody>
-          <a:bodyPr wrap="square" lIns="0" tIns="0" rIns="0" bIns="0" rtlCol="0" anchor="ctr"/>
-          <a:lstStyle/>
-          <a:p>
-            <a:pPr marL="0" indent="0" algn="l">
-              <a:buNone/>
-            </a:pPr>
-            <a:r>
-              <a:rPr lang="en-US" sz="1300" dirty="0">
-                <a:solidFill>
-                  <a:srgbClr val="94A3B8"/>
-                </a:solidFill>
-                <a:latin typeface="Calibri" pitchFamily="34" charset="0"/>
-                <a:ea typeface="Calibri" pitchFamily="34" charset="-122"/>
-                <a:cs typeface="Calibri" pitchFamily="34" charset="-120"/>
-              </a:rPr>
-              <a:t>Turning anonymous cluster IDs into meaningful, human-readable intent names</a:t>
-            </a:r>
-            <a:endParaRPr lang="en-US" sz="1300" dirty="0"/>
-          </a:p>
-        </p:txBody>
-      </p:sp>
-      <p:pic>
-        <p:nvPicPr>
-          <p:cNvPr id="7" name="Image 0" descr="preencoded.png"/>
-          <p:cNvPicPr>
-            <a:picLocks noChangeAspect="1"/>
-          </p:cNvPicPr>
-          <p:nvPr/>
-        </p:nvPicPr>
-        <p:blipFill>
-          <a:blip r:embed="rId3"/>
-          <a:stretch>
-            <a:fillRect/>
-          </a:stretch>
-        </p:blipFill>
-        <p:spPr>
-          <a:xfrm>
-            <a:off x="274320" y="1051560"/>
-            <a:ext cx="8595360" cy="3931920"/>
-          </a:xfrm>
-          <a:prstGeom prst="rect">
-            <a:avLst/>
-          </a:prstGeom>
-        </p:spPr>
-      </p:pic>
-    </p:spTree>
-  </p:cSld>
-  <p:clrMapOvr>
-    <a:masterClrMapping/>
-  </p:clrMapOvr>
-</p:sld>
-</file>
-
-<file path=ppt/slides/slide11.xml><?xml version="1.0" encoding="utf-8"?>
-<p:sld xmlns:a="http://schemas.openxmlformats.org/drawingml/2006/main" xmlns:r="http://schemas.openxmlformats.org/officeDocument/2006/relationships" xmlns:p="http://schemas.openxmlformats.org/presentationml/2006/main">
-  <p:cSld name="Slide 11">
-    <p:bg>
-      <p:bgPr>
-        <a:solidFill>
-          <a:srgbClr val="0F172A"/>
-        </a:solidFill>
-        <a:effectLst/>
-      </p:bgPr>
-    </p:bg>
-    <p:spTree>
-      <p:nvGrpSpPr>
-        <p:cNvPr id="1" name=""/>
-        <p:cNvGrpSpPr/>
-        <p:nvPr/>
-      </p:nvGrpSpPr>
-      <p:grpSpPr>
-        <a:xfrm>
-          <a:off x="0" y="0"/>
-          <a:ext cx="0" cy="0"/>
-          <a:chOff x="0" y="0"/>
-          <a:chExt cx="0" cy="0"/>
-        </a:xfrm>
-      </p:grpSpPr>
-      <p:sp>
-        <p:nvSpPr>
-          <p:cNvPr id="2" name="Shape 0"/>
-          <p:cNvSpPr/>
-          <p:nvPr/>
-        </p:nvSpPr>
-        <p:spPr>
-          <a:xfrm>
-            <a:off x="0" y="0"/>
-            <a:ext cx="9144000" cy="54864"/>
-          </a:xfrm>
-          <a:prstGeom prst="rect">
-            <a:avLst/>
-          </a:prstGeom>
-          <a:solidFill>
-            <a:srgbClr val="F97316"/>
-          </a:solidFill>
-          <a:ln/>
-        </p:spPr>
-        <p:txBody>
-          <a:bodyPr/>
-          <a:lstStyle/>
-          <a:p>
-            <a:endParaRPr lang="en-US"/>
-          </a:p>
-        </p:txBody>
-      </p:sp>
-      <p:sp>
-        <p:nvSpPr>
-          <p:cNvPr id="3" name="Text 1"/>
-          <p:cNvSpPr/>
-          <p:nvPr/>
-        </p:nvSpPr>
-        <p:spPr>
-          <a:xfrm>
-            <a:off x="457200" y="182880"/>
-            <a:ext cx="8229600" cy="457200"/>
-          </a:xfrm>
-          <a:prstGeom prst="rect">
-            <a:avLst/>
-          </a:prstGeom>
-          <a:noFill/>
-          <a:ln/>
-        </p:spPr>
-        <p:txBody>
-          <a:bodyPr wrap="square" lIns="0" tIns="0" rIns="0" bIns="0" rtlCol="0" anchor="ctr"/>
-          <a:lstStyle/>
-          <a:p>
-            <a:pPr marL="0" indent="0" algn="l">
-              <a:buNone/>
-            </a:pPr>
-            <a:r>
-              <a:rPr lang="en-US" sz="2800" dirty="0">
-                <a:solidFill>
-                  <a:srgbClr val="FFFFFF"/>
-                </a:solidFill>
-                <a:latin typeface="Arial Black" pitchFamily="34" charset="0"/>
-                <a:ea typeface="Arial Black" pitchFamily="34" charset="-122"/>
-                <a:cs typeface="Arial Black" pitchFamily="34" charset="-120"/>
-              </a:rPr>
-              <a:t>Python Implementation</a:t>
-            </a:r>
-            <a:endParaRPr lang="en-US" sz="2800" dirty="0"/>
-          </a:p>
-        </p:txBody>
-      </p:sp>
-      <p:sp>
-        <p:nvSpPr>
-          <p:cNvPr id="4" name="Text 2"/>
-          <p:cNvSpPr/>
-          <p:nvPr/>
-        </p:nvSpPr>
-        <p:spPr>
-          <a:xfrm>
-            <a:off x="457200" y="594360"/>
-            <a:ext cx="8229600" cy="274320"/>
-          </a:xfrm>
-          <a:prstGeom prst="rect">
-            <a:avLst/>
-          </a:prstGeom>
-          <a:noFill/>
-          <a:ln/>
-        </p:spPr>
-        <p:txBody>
-          <a:bodyPr wrap="square" lIns="0" tIns="0" rIns="0" bIns="0" rtlCol="0" anchor="ctr"/>
-          <a:lstStyle/>
-          <a:p>
-            <a:pPr marL="0" indent="0" algn="l">
-              <a:buNone/>
-            </a:pPr>
-            <a:r>
-              <a:rPr lang="en-US" sz="1300" dirty="0">
-                <a:solidFill>
-                  <a:srgbClr val="94A3B8"/>
-                </a:solidFill>
-                <a:latin typeface="Calibri" pitchFamily="34" charset="0"/>
-                <a:ea typeface="Calibri" pitchFamily="34" charset="-122"/>
-                <a:cs typeface="Calibri" pitchFamily="34" charset="-120"/>
-              </a:rPr>
-              <a:t>Complete pipeline in ~20 lines of Python</a:t>
-            </a:r>
-            <a:endParaRPr lang="en-US" sz="1300" dirty="0"/>
-          </a:p>
-        </p:txBody>
-      </p:sp>
-      <p:sp>
-        <p:nvSpPr>
-          <p:cNvPr id="5" name="Shape 3"/>
-          <p:cNvSpPr/>
-          <p:nvPr/>
-        </p:nvSpPr>
-        <p:spPr>
-          <a:xfrm>
-            <a:off x="365760" y="960120"/>
-            <a:ext cx="5303520" cy="3931920"/>
-          </a:xfrm>
-          <a:prstGeom prst="rect">
-            <a:avLst/>
-          </a:prstGeom>
-          <a:solidFill>
-            <a:srgbClr val="1A1A2E"/>
-          </a:solidFill>
-          <a:ln/>
-          <a:effectLst>
-            <a:outerShdw blurRad="101600" dist="38100" dir="8100000" algn="bl" rotWithShape="0">
-              <a:srgbClr val="000000">
-                <a:alpha val="20000"/>
-              </a:srgbClr>
-            </a:outerShdw>
-          </a:effectLst>
-        </p:spPr>
-        <p:txBody>
-          <a:bodyPr/>
-          <a:lstStyle/>
-          <a:p>
-            <a:endParaRPr lang="en-US"/>
-          </a:p>
-        </p:txBody>
-      </p:sp>
-      <p:sp>
-        <p:nvSpPr>
-          <p:cNvPr id="6" name="Text 4"/>
-          <p:cNvSpPr/>
-          <p:nvPr/>
-        </p:nvSpPr>
-        <p:spPr>
-          <a:xfrm>
-            <a:off x="594360" y="1051560"/>
-            <a:ext cx="4846320" cy="3749040"/>
-          </a:xfrm>
-          <a:prstGeom prst="rect">
-            <a:avLst/>
-          </a:prstGeom>
-          <a:noFill/>
-          <a:ln/>
-        </p:spPr>
-        <p:txBody>
-          <a:bodyPr wrap="square" lIns="0" tIns="0" rIns="0" bIns="0" rtlCol="0" anchor="t"/>
-          <a:lstStyle/>
-          <a:p>
-            <a:pPr marL="0" indent="0">
-              <a:spcAft>
-                <a:spcPts val="200"/>
-              </a:spcAft>
-              <a:buNone/>
-            </a:pPr>
-            <a:r>
-              <a:rPr lang="en-US" sz="900" dirty="0">
-                <a:solidFill>
-                  <a:srgbClr val="CADCFC"/>
-                </a:solidFill>
-                <a:latin typeface="Consolas" pitchFamily="34" charset="0"/>
-                <a:ea typeface="Consolas" pitchFamily="34" charset="-122"/>
-                <a:cs typeface="Consolas" pitchFamily="34" charset="-120"/>
-              </a:rPr>
-              <a:t># 1. Embed utterances</a:t>
-            </a:r>
-            <a:endParaRPr lang="en-US" sz="900" dirty="0"/>
-          </a:p>
-          <a:p>
-            <a:pPr marL="0" indent="0">
-              <a:spcAft>
-                <a:spcPts val="200"/>
-              </a:spcAft>
-              <a:buNone/>
-            </a:pPr>
-            <a:r>
-              <a:rPr lang="en-US" sz="900" dirty="0">
-                <a:solidFill>
-                  <a:srgbClr val="CADCFC"/>
-                </a:solidFill>
-                <a:latin typeface="Consolas" pitchFamily="34" charset="0"/>
-                <a:ea typeface="Consolas" pitchFamily="34" charset="-122"/>
-                <a:cs typeface="Consolas" pitchFamily="34" charset="-120"/>
-              </a:rPr>
-              <a:t>from sentence_transformers import SentenceTransformer</a:t>
-            </a:r>
-            <a:endParaRPr lang="en-US" sz="900" dirty="0"/>
-          </a:p>
-          <a:p>
-            <a:pPr marL="0" indent="0">
-              <a:spcAft>
-                <a:spcPts val="200"/>
-              </a:spcAft>
-              <a:buNone/>
-            </a:pPr>
-            <a:r>
-              <a:rPr lang="en-US" sz="900" dirty="0">
-                <a:solidFill>
-                  <a:srgbClr val="CADCFC"/>
-                </a:solidFill>
-                <a:latin typeface="Consolas" pitchFamily="34" charset="0"/>
-                <a:ea typeface="Consolas" pitchFamily="34" charset="-122"/>
-                <a:cs typeface="Consolas" pitchFamily="34" charset="-120"/>
-              </a:rPr>
-              <a:t>model = SentenceTransformer('all-MiniLM-L6-v2')</a:t>
-            </a:r>
-            <a:endParaRPr lang="en-US" sz="900" dirty="0"/>
-          </a:p>
-          <a:p>
-            <a:pPr marL="0" indent="0">
-              <a:spcAft>
-                <a:spcPts val="200"/>
-              </a:spcAft>
-              <a:buNone/>
-            </a:pPr>
-            <a:r>
-              <a:rPr lang="en-US" sz="900" dirty="0">
-                <a:solidFill>
-                  <a:srgbClr val="CADCFC"/>
-                </a:solidFill>
-                <a:latin typeface="Consolas" pitchFamily="34" charset="0"/>
-                <a:ea typeface="Consolas" pitchFamily="34" charset="-122"/>
-                <a:cs typeface="Consolas" pitchFamily="34" charset="-120"/>
-              </a:rPr>
-              <a:t>embeddings = model.encode(utterances)</a:t>
-            </a:r>
-            <a:endParaRPr lang="en-US" sz="900" dirty="0"/>
-          </a:p>
-          <a:p>
-            <a:pPr marL="0" indent="0">
-              <a:spcAft>
-                <a:spcPts val="200"/>
-              </a:spcAft>
-              <a:buNone/>
-            </a:pPr>
-            <a:endParaRPr lang="en-US" sz="900" dirty="0"/>
-          </a:p>
-          <a:p>
-            <a:pPr marL="0" indent="0">
-              <a:spcAft>
-                <a:spcPts val="200"/>
-              </a:spcAft>
-              <a:buNone/>
-            </a:pPr>
-            <a:r>
-              <a:rPr lang="en-US" sz="900" dirty="0">
-                <a:solidFill>
-                  <a:srgbClr val="CADCFC"/>
-                </a:solidFill>
-                <a:latin typeface="Consolas" pitchFamily="34" charset="0"/>
-                <a:ea typeface="Consolas" pitchFamily="34" charset="-122"/>
-                <a:cs typeface="Consolas" pitchFamily="34" charset="-120"/>
-              </a:rPr>
-              <a:t># 2. Reduce dimensions (optional)</a:t>
-            </a:r>
-            <a:endParaRPr lang="en-US" sz="900" dirty="0"/>
-          </a:p>
-          <a:p>
-            <a:pPr marL="0" indent="0">
-              <a:spcAft>
-                <a:spcPts val="200"/>
-              </a:spcAft>
-              <a:buNone/>
-            </a:pPr>
-            <a:r>
-              <a:rPr lang="en-US" sz="900" dirty="0">
-                <a:solidFill>
-                  <a:srgbClr val="CADCFC"/>
-                </a:solidFill>
-                <a:latin typeface="Consolas" pitchFamily="34" charset="0"/>
-                <a:ea typeface="Consolas" pitchFamily="34" charset="-122"/>
-                <a:cs typeface="Consolas" pitchFamily="34" charset="-120"/>
-              </a:rPr>
-              <a:t>import umap</a:t>
-            </a:r>
-            <a:endParaRPr lang="en-US" sz="900" dirty="0"/>
-          </a:p>
-          <a:p>
-            <a:pPr marL="0" indent="0">
-              <a:spcAft>
-                <a:spcPts val="200"/>
-              </a:spcAft>
-              <a:buNone/>
-            </a:pPr>
-            <a:r>
-              <a:rPr lang="en-US" sz="900" dirty="0">
-                <a:solidFill>
-                  <a:srgbClr val="CADCFC"/>
-                </a:solidFill>
-                <a:latin typeface="Consolas" pitchFamily="34" charset="0"/>
-                <a:ea typeface="Consolas" pitchFamily="34" charset="-122"/>
-                <a:cs typeface="Consolas" pitchFamily="34" charset="-120"/>
-              </a:rPr>
-              <a:t>reduced = umap.UMAP(n_components=50).fit_transform(embeddings)</a:t>
-            </a:r>
-            <a:endParaRPr lang="en-US" sz="900" dirty="0"/>
-          </a:p>
-          <a:p>
-            <a:pPr marL="0" indent="0">
-              <a:spcAft>
-                <a:spcPts val="200"/>
-              </a:spcAft>
-              <a:buNone/>
-            </a:pPr>
-            <a:endParaRPr lang="en-US" sz="900" dirty="0"/>
-          </a:p>
-          <a:p>
-            <a:pPr marL="0" indent="0">
-              <a:spcAft>
-                <a:spcPts val="200"/>
-              </a:spcAft>
-              <a:buNone/>
-            </a:pPr>
-            <a:r>
-              <a:rPr lang="en-US" sz="900" dirty="0">
-                <a:solidFill>
-                  <a:srgbClr val="CADCFC"/>
-                </a:solidFill>
-                <a:latin typeface="Consolas" pitchFamily="34" charset="0"/>
-                <a:ea typeface="Consolas" pitchFamily="34" charset="-122"/>
-                <a:cs typeface="Consolas" pitchFamily="34" charset="-120"/>
-              </a:rPr>
-              <a:t># 3. Cluster with HDBSCAN</a:t>
-            </a:r>
-            <a:endParaRPr lang="en-US" sz="900" dirty="0"/>
-          </a:p>
-          <a:p>
-            <a:pPr marL="0" indent="0">
-              <a:spcAft>
-                <a:spcPts val="200"/>
-              </a:spcAft>
-              <a:buNone/>
-            </a:pPr>
-            <a:r>
-              <a:rPr lang="en-US" sz="900" dirty="0">
-                <a:solidFill>
-                  <a:srgbClr val="CADCFC"/>
-                </a:solidFill>
-                <a:latin typeface="Consolas" pitchFamily="34" charset="0"/>
-                <a:ea typeface="Consolas" pitchFamily="34" charset="-122"/>
-                <a:cs typeface="Consolas" pitchFamily="34" charset="-120"/>
-              </a:rPr>
-              <a:t>import hdbscan</a:t>
-            </a:r>
-            <a:endParaRPr lang="en-US" sz="900" dirty="0"/>
-          </a:p>
-          <a:p>
-            <a:pPr marL="0" indent="0">
-              <a:spcAft>
-                <a:spcPts val="200"/>
-              </a:spcAft>
-              <a:buNone/>
-            </a:pPr>
-            <a:r>
-              <a:rPr lang="en-US" sz="900" dirty="0">
-                <a:solidFill>
-                  <a:srgbClr val="CADCFC"/>
-                </a:solidFill>
-                <a:latin typeface="Consolas" pitchFamily="34" charset="0"/>
-                <a:ea typeface="Consolas" pitchFamily="34" charset="-122"/>
-                <a:cs typeface="Consolas" pitchFamily="34" charset="-120"/>
-              </a:rPr>
-              <a:t>labels = hdbscan.HDBSCAN(min_cluster_size=15).fit_predict(reduced)</a:t>
-            </a:r>
-            <a:endParaRPr lang="en-US" sz="900" dirty="0"/>
-          </a:p>
-          <a:p>
-            <a:pPr marL="0" indent="0">
-              <a:spcAft>
-                <a:spcPts val="200"/>
-              </a:spcAft>
-              <a:buNone/>
-            </a:pPr>
-            <a:endParaRPr lang="en-US" sz="900" dirty="0"/>
-          </a:p>
-          <a:p>
-            <a:pPr marL="0" indent="0">
-              <a:spcAft>
-                <a:spcPts val="200"/>
-              </a:spcAft>
-              <a:buNone/>
-            </a:pPr>
-            <a:r>
-              <a:rPr lang="en-US" sz="900" dirty="0">
-                <a:solidFill>
-                  <a:srgbClr val="CADCFC"/>
-                </a:solidFill>
-                <a:latin typeface="Consolas" pitchFamily="34" charset="0"/>
-                <a:ea typeface="Consolas" pitchFamily="34" charset="-122"/>
-                <a:cs typeface="Consolas" pitchFamily="34" charset="-120"/>
-              </a:rPr>
-              <a:t># 4. Evaluate</a:t>
-            </a:r>
-            <a:endParaRPr lang="en-US" sz="900" dirty="0"/>
-          </a:p>
-          <a:p>
-            <a:pPr marL="0" indent="0">
-              <a:spcAft>
-                <a:spcPts val="200"/>
-              </a:spcAft>
-              <a:buNone/>
-            </a:pPr>
-            <a:r>
-              <a:rPr lang="en-US" sz="900" dirty="0">
-                <a:solidFill>
-                  <a:srgbClr val="CADCFC"/>
-                </a:solidFill>
-                <a:latin typeface="Consolas" pitchFamily="34" charset="0"/>
-                <a:ea typeface="Consolas" pitchFamily="34" charset="-122"/>
-                <a:cs typeface="Consolas" pitchFamily="34" charset="-120"/>
-              </a:rPr>
-              <a:t>from sklearn.metrics import adjusted_rand_score, normalized_mutual_info_score</a:t>
-            </a:r>
-            <a:endParaRPr lang="en-US" sz="900" dirty="0"/>
-          </a:p>
-          <a:p>
-            <a:pPr marL="0" indent="0">
-              <a:spcAft>
-                <a:spcPts val="200"/>
-              </a:spcAft>
-              <a:buNone/>
-            </a:pPr>
-            <a:r>
-              <a:rPr lang="en-US" sz="900" dirty="0">
-                <a:solidFill>
-                  <a:srgbClr val="CADCFC"/>
-                </a:solidFill>
-                <a:latin typeface="Consolas" pitchFamily="34" charset="0"/>
-                <a:ea typeface="Consolas" pitchFamily="34" charset="-122"/>
-                <a:cs typeface="Consolas" pitchFamily="34" charset="-120"/>
-              </a:rPr>
-              <a:t>ari = adjusted_rand_score(gt_labels, labels)</a:t>
-            </a:r>
-            <a:endParaRPr lang="en-US" sz="900" dirty="0"/>
-          </a:p>
-          <a:p>
-            <a:pPr marL="0" indent="0">
-              <a:spcAft>
-                <a:spcPts val="200"/>
-              </a:spcAft>
-              <a:buNone/>
-            </a:pPr>
-            <a:r>
-              <a:rPr lang="en-US" sz="900" dirty="0">
-                <a:solidFill>
-                  <a:srgbClr val="CADCFC"/>
-                </a:solidFill>
-                <a:latin typeface="Consolas" pitchFamily="34" charset="0"/>
-                <a:ea typeface="Consolas" pitchFamily="34" charset="-122"/>
-                <a:cs typeface="Consolas" pitchFamily="34" charset="-120"/>
-              </a:rPr>
-              <a:t>nmi = normalized_mutual_info_score(gt_labels, labels)</a:t>
-            </a:r>
-            <a:endParaRPr lang="en-US" sz="900" dirty="0"/>
-          </a:p>
-        </p:txBody>
-      </p:sp>
-      <p:sp>
-        <p:nvSpPr>
-          <p:cNvPr id="7" name="Shape 5"/>
-          <p:cNvSpPr/>
-          <p:nvPr/>
-        </p:nvSpPr>
-        <p:spPr>
-          <a:xfrm>
-            <a:off x="5943600" y="960120"/>
-            <a:ext cx="2926080" cy="3931920"/>
-          </a:xfrm>
-          <a:prstGeom prst="rect">
-            <a:avLst/>
-          </a:prstGeom>
-          <a:solidFill>
-            <a:srgbClr val="1E293B"/>
-          </a:solidFill>
-          <a:ln/>
-          <a:effectLst>
-            <a:outerShdw blurRad="101600" dist="38100" dir="8100000" algn="bl" rotWithShape="0">
-              <a:srgbClr val="000000">
-                <a:alpha val="20000"/>
-              </a:srgbClr>
-            </a:outerShdw>
-          </a:effectLst>
-        </p:spPr>
-        <p:txBody>
-          <a:bodyPr/>
-          <a:lstStyle/>
-          <a:p>
-            <a:endParaRPr lang="en-US"/>
-          </a:p>
-        </p:txBody>
-      </p:sp>
-      <p:sp>
-        <p:nvSpPr>
-          <p:cNvPr id="8" name="Text 6"/>
-          <p:cNvSpPr/>
-          <p:nvPr/>
-        </p:nvSpPr>
-        <p:spPr>
-          <a:xfrm>
-            <a:off x="6126480" y="1051560"/>
-            <a:ext cx="2560320" cy="365760"/>
-          </a:xfrm>
-          <a:prstGeom prst="rect">
-            <a:avLst/>
-          </a:prstGeom>
-          <a:noFill/>
-          <a:ln/>
-        </p:spPr>
-        <p:txBody>
-          <a:bodyPr wrap="square" lIns="0" tIns="0" rIns="0" bIns="0" rtlCol="0" anchor="ctr"/>
-          <a:lstStyle/>
-          <a:p>
-            <a:pPr marL="0" indent="0" algn="l">
-              <a:buNone/>
-            </a:pPr>
-            <a:r>
-              <a:rPr lang="en-US" sz="1600" dirty="0">
-                <a:solidFill>
-                  <a:srgbClr val="14B8A6"/>
-                </a:solidFill>
-                <a:latin typeface="Arial Black" pitchFamily="34" charset="0"/>
-                <a:ea typeface="Arial Black" pitchFamily="34" charset="-122"/>
-                <a:cs typeface="Arial Black" pitchFamily="34" charset="-120"/>
-              </a:rPr>
-              <a:t>Key Libraries</a:t>
-            </a:r>
-            <a:endParaRPr lang="en-US" sz="1600" dirty="0"/>
-          </a:p>
-        </p:txBody>
-      </p:sp>
-      <p:sp>
-        <p:nvSpPr>
-          <p:cNvPr id="9" name="Text 7"/>
-          <p:cNvSpPr/>
-          <p:nvPr/>
-        </p:nvSpPr>
-        <p:spPr>
-          <a:xfrm>
-            <a:off x="6126480" y="1463040"/>
-            <a:ext cx="2560320" cy="3291840"/>
-          </a:xfrm>
-          <a:prstGeom prst="rect">
-            <a:avLst/>
-          </a:prstGeom>
-          <a:noFill/>
-          <a:ln/>
-        </p:spPr>
-        <p:txBody>
-          <a:bodyPr wrap="square" lIns="0" tIns="0" rIns="0" bIns="0" rtlCol="0" anchor="t"/>
-          <a:lstStyle/>
-          <a:p>
-            <a:pPr marL="0" indent="0">
-              <a:buNone/>
-            </a:pPr>
-            <a:r>
-              <a:rPr lang="en-US" sz="1100" b="1" dirty="0">
-                <a:solidFill>
-                  <a:srgbClr val="FFFFFF"/>
-                </a:solidFill>
-              </a:rPr>
-              <a:t>sentence-transformers</a:t>
-            </a:r>
-            <a:endParaRPr lang="en-US" sz="1100" dirty="0"/>
-          </a:p>
-          <a:p>
-            <a:pPr marL="0" indent="0">
-              <a:buNone/>
-            </a:pPr>
-            <a:r>
-              <a:rPr lang="en-US" sz="900" dirty="0">
-                <a:solidFill>
-                  <a:srgbClr val="94A3B8"/>
-                </a:solidFill>
-              </a:rPr>
-              <a:t>HuggingFace-based embedding
-</a:t>
-            </a:r>
-            <a:endParaRPr lang="en-US" sz="1100" dirty="0"/>
-          </a:p>
-          <a:p>
-            <a:pPr marL="0" indent="0">
-              <a:buNone/>
-            </a:pPr>
-            <a:r>
-              <a:rPr lang="en-US" sz="1100" b="1" dirty="0">
-                <a:solidFill>
-                  <a:srgbClr val="FFFFFF"/>
-                </a:solidFill>
-              </a:rPr>
-              <a:t>hdbscan</a:t>
-            </a:r>
-            <a:endParaRPr lang="en-US" sz="1100" dirty="0"/>
-          </a:p>
-          <a:p>
-            <a:pPr marL="0" indent="0">
-              <a:buNone/>
-            </a:pPr>
-            <a:r>
-              <a:rPr lang="en-US" sz="900" dirty="0">
-                <a:solidFill>
-                  <a:srgbClr val="94A3B8"/>
-                </a:solidFill>
-              </a:rPr>
-              <a:t>Density-based clustering
-</a:t>
-            </a:r>
-            <a:endParaRPr lang="en-US" sz="1100" dirty="0"/>
-          </a:p>
-          <a:p>
-            <a:pPr marL="0" indent="0">
-              <a:buNone/>
-            </a:pPr>
-            <a:r>
-              <a:rPr lang="en-US" sz="1100" b="1" dirty="0">
-                <a:solidFill>
-                  <a:srgbClr val="FFFFFF"/>
-                </a:solidFill>
-              </a:rPr>
-              <a:t>umap-learn</a:t>
-            </a:r>
-            <a:endParaRPr lang="en-US" sz="1100" dirty="0"/>
-          </a:p>
-          <a:p>
-            <a:pPr marL="0" indent="0">
-              <a:buNone/>
-            </a:pPr>
-            <a:r>
-              <a:rPr lang="en-US" sz="900" dirty="0">
-                <a:solidFill>
-                  <a:srgbClr val="94A3B8"/>
-                </a:solidFill>
-              </a:rPr>
-              <a:t>Dimensionality reduction
-</a:t>
-            </a:r>
-            <a:endParaRPr lang="en-US" sz="1100" dirty="0"/>
-          </a:p>
-          <a:p>
-            <a:pPr marL="0" indent="0">
-              <a:buNone/>
-            </a:pPr>
-            <a:r>
-              <a:rPr lang="en-US" sz="1100" b="1" dirty="0">
-                <a:solidFill>
-                  <a:srgbClr val="FFFFFF"/>
-                </a:solidFill>
-              </a:rPr>
-              <a:t>scikit-learn</a:t>
-            </a:r>
-            <a:endParaRPr lang="en-US" sz="1100" dirty="0"/>
-          </a:p>
-          <a:p>
-            <a:pPr marL="0" indent="0">
-              <a:buNone/>
-            </a:pPr>
-            <a:r>
-              <a:rPr lang="en-US" sz="900" dirty="0">
-                <a:solidFill>
-                  <a:srgbClr val="94A3B8"/>
-                </a:solidFill>
-              </a:rPr>
-              <a:t>Metrics (ARI, NMI, Silhouette)
-</a:t>
-            </a:r>
-            <a:endParaRPr lang="en-US" sz="1100" dirty="0"/>
-          </a:p>
-          <a:p>
-            <a:pPr marL="0" indent="0">
-              <a:buNone/>
-            </a:pPr>
-            <a:r>
-              <a:rPr lang="en-US" sz="1100" b="1" dirty="0">
-                <a:solidFill>
-                  <a:srgbClr val="F97316"/>
-                </a:solidFill>
-              </a:rPr>
-              <a:t>pip install</a:t>
-            </a:r>
-            <a:endParaRPr lang="en-US" sz="1100" dirty="0"/>
-          </a:p>
-          <a:p>
-            <a:pPr marL="0" indent="0">
-              <a:buNone/>
-            </a:pPr>
-            <a:r>
-              <a:rPr lang="en-US" sz="900" dirty="0">
-                <a:solidFill>
-                  <a:srgbClr val="CADCFC"/>
-                </a:solidFill>
-              </a:rPr>
-              <a:t>sentence-transformers hdbscan umap-learn scikit-learn</a:t>
-            </a:r>
-            <a:endParaRPr lang="en-US" sz="1100" dirty="0"/>
-          </a:p>
-        </p:txBody>
-      </p:sp>
-    </p:spTree>
-  </p:cSld>
-  <p:clrMapOvr>
-    <a:masterClrMapping/>
-  </p:clrMapOvr>
-</p:sld>
-</file>
-
-<file path=ppt/slides/slide12.xml><?xml version="1.0" encoding="utf-8"?>
-<p:sld xmlns:a="http://schemas.openxmlformats.org/drawingml/2006/main" xmlns:r="http://schemas.openxmlformats.org/officeDocument/2006/relationships" xmlns:p="http://schemas.openxmlformats.org/presentationml/2006/main">
-  <p:cSld name="Slide 12">
-    <p:bg>
-      <p:bgPr>
-        <a:solidFill>
-          <a:srgbClr val="0F172A"/>
-        </a:solidFill>
-        <a:effectLst/>
-      </p:bgPr>
-    </p:bg>
-    <p:spTree>
-      <p:nvGrpSpPr>
-        <p:cNvPr id="1" name=""/>
-        <p:cNvGrpSpPr/>
-        <p:nvPr/>
-      </p:nvGrpSpPr>
-      <p:grpSpPr>
-        <a:xfrm>
-          <a:off x="0" y="0"/>
-          <a:ext cx="0" cy="0"/>
-          <a:chOff x="0" y="0"/>
-          <a:chExt cx="0" cy="0"/>
-        </a:xfrm>
-      </p:grpSpPr>
-      <p:sp>
-        <p:nvSpPr>
-          <p:cNvPr id="2" name="Shape 0"/>
-          <p:cNvSpPr/>
-          <p:nvPr/>
-        </p:nvSpPr>
-        <p:spPr>
-          <a:xfrm>
-            <a:off x="0" y="0"/>
-            <a:ext cx="9144000" cy="54864"/>
-          </a:xfrm>
-          <a:prstGeom prst="rect">
-            <a:avLst/>
-          </a:prstGeom>
-          <a:solidFill>
-            <a:srgbClr val="F97316"/>
-          </a:solidFill>
-          <a:ln/>
-        </p:spPr>
-        <p:txBody>
-          <a:bodyPr/>
-          <a:lstStyle/>
-          <a:p>
-            <a:endParaRPr lang="en-US"/>
-          </a:p>
-        </p:txBody>
-      </p:sp>
-      <p:sp>
-        <p:nvSpPr>
-          <p:cNvPr id="3" name="Shape 1"/>
-          <p:cNvSpPr/>
-          <p:nvPr/>
-        </p:nvSpPr>
-        <p:spPr>
-          <a:xfrm>
-            <a:off x="457200" y="182880"/>
-            <a:ext cx="640080" cy="457200"/>
-          </a:xfrm>
-          <a:prstGeom prst="rect">
-            <a:avLst/>
-          </a:prstGeom>
-          <a:solidFill>
-            <a:srgbClr val="F97316"/>
-          </a:solidFill>
-          <a:ln/>
-          <a:effectLst>
-            <a:outerShdw blurRad="50800" dist="25400" dir="8100000" algn="bl" rotWithShape="0">
-              <a:srgbClr val="000000">
-                <a:alpha val="10000"/>
-              </a:srgbClr>
-            </a:outerShdw>
-          </a:effectLst>
-        </p:spPr>
-        <p:txBody>
-          <a:bodyPr/>
-          <a:lstStyle/>
-          <a:p>
-            <a:endParaRPr lang="en-US"/>
-          </a:p>
-        </p:txBody>
-      </p:sp>
-      <p:sp>
-        <p:nvSpPr>
-          <p:cNvPr id="4" name="Text 2"/>
-          <p:cNvSpPr/>
-          <p:nvPr/>
-        </p:nvSpPr>
-        <p:spPr>
-          <a:xfrm>
-            <a:off x="457200" y="182880"/>
-            <a:ext cx="640080" cy="457200"/>
-          </a:xfrm>
-          <a:prstGeom prst="rect">
-            <a:avLst/>
-          </a:prstGeom>
-          <a:noFill/>
-          <a:ln/>
-        </p:spPr>
-        <p:txBody>
-          <a:bodyPr wrap="square" lIns="0" tIns="0" rIns="0" bIns="0" rtlCol="0" anchor="ctr"/>
-          <a:lstStyle/>
-          <a:p>
-            <a:pPr marL="0" indent="0" algn="ctr">
-              <a:buNone/>
-            </a:pPr>
-            <a:r>
-              <a:rPr lang="en-US" sz="2000" dirty="0">
-                <a:solidFill>
-                  <a:srgbClr val="FFFFFF"/>
-                </a:solidFill>
-                <a:latin typeface="Arial Black" pitchFamily="34" charset="0"/>
-                <a:ea typeface="Arial Black" pitchFamily="34" charset="-122"/>
-                <a:cs typeface="Arial Black" pitchFamily="34" charset="-120"/>
-              </a:rPr>
-              <a:t>FT</a:t>
-            </a:r>
-            <a:endParaRPr lang="en-US" sz="2000" dirty="0"/>
-          </a:p>
-        </p:txBody>
-      </p:sp>
-      <p:sp>
-        <p:nvSpPr>
-          <p:cNvPr id="5" name="Text 3"/>
-          <p:cNvSpPr/>
-          <p:nvPr/>
-        </p:nvSpPr>
-        <p:spPr>
-          <a:xfrm>
-            <a:off x="1280160" y="182880"/>
-            <a:ext cx="7315200" cy="457200"/>
-          </a:xfrm>
-          <a:prstGeom prst="rect">
-            <a:avLst/>
-          </a:prstGeom>
-          <a:noFill/>
-          <a:ln/>
-        </p:spPr>
-        <p:txBody>
-          <a:bodyPr wrap="square" lIns="0" tIns="0" rIns="0" bIns="0" rtlCol="0" anchor="ctr"/>
-          <a:lstStyle/>
-          <a:p>
-            <a:pPr marL="0" indent="0" algn="l">
-              <a:buNone/>
-            </a:pPr>
-            <a:r>
-              <a:rPr lang="en-US" sz="2800" dirty="0">
-                <a:solidFill>
-                  <a:srgbClr val="FFFFFF"/>
-                </a:solidFill>
-                <a:latin typeface="Arial Black" pitchFamily="34" charset="0"/>
-                <a:ea typeface="Arial Black" pitchFamily="34" charset="-122"/>
-                <a:cs typeface="Arial Black" pitchFamily="34" charset="-120"/>
-              </a:rPr>
-              <a:t>Fine-Tuning: Why &amp; How</a:t>
-            </a:r>
-            <a:endParaRPr lang="en-US" sz="2800" dirty="0"/>
-          </a:p>
-        </p:txBody>
-      </p:sp>
-      <p:sp>
-        <p:nvSpPr>
-          <p:cNvPr id="6" name="Text 4"/>
-          <p:cNvSpPr/>
-          <p:nvPr/>
-        </p:nvSpPr>
-        <p:spPr>
-          <a:xfrm>
-            <a:off x="1280160" y="640080"/>
-            <a:ext cx="7315200" cy="320040"/>
-          </a:xfrm>
-          <a:prstGeom prst="rect">
-            <a:avLst/>
-          </a:prstGeom>
-          <a:noFill/>
-          <a:ln/>
-        </p:spPr>
-        <p:txBody>
-          <a:bodyPr wrap="square" lIns="0" tIns="0" rIns="0" bIns="0" rtlCol="0" anchor="ctr"/>
-          <a:lstStyle/>
-          <a:p>
-            <a:pPr marL="0" indent="0" algn="l">
-              <a:buNone/>
-            </a:pPr>
-            <a:r>
-              <a:rPr lang="en-US" sz="1300" dirty="0">
-                <a:solidFill>
-                  <a:srgbClr val="94A3B8"/>
-                </a:solidFill>
-                <a:latin typeface="Calibri" pitchFamily="34" charset="0"/>
-                <a:ea typeface="Calibri" pitchFamily="34" charset="-122"/>
-                <a:cs typeface="Calibri" pitchFamily="34" charset="-120"/>
-              </a:rPr>
-              <a:t>Adapting a pre-trained sentence transformer to your domain dramatically improves cluster quality</a:t>
-            </a:r>
-            <a:endParaRPr lang="en-US" sz="1300" dirty="0"/>
-          </a:p>
-        </p:txBody>
-      </p:sp>
-      <p:pic>
-        <p:nvPicPr>
-          <p:cNvPr id="7" name="Image 0" descr="preencoded.png"/>
-          <p:cNvPicPr>
-            <a:picLocks noChangeAspect="1"/>
-          </p:cNvPicPr>
-          <p:nvPr/>
-        </p:nvPicPr>
-        <p:blipFill>
-          <a:blip r:embed="rId3"/>
-          <a:stretch>
-            <a:fillRect/>
-          </a:stretch>
-        </p:blipFill>
-        <p:spPr>
-          <a:xfrm>
-            <a:off x="274320" y="1051560"/>
-            <a:ext cx="8595360" cy="3931920"/>
-          </a:xfrm>
-          <a:prstGeom prst="rect">
-            <a:avLst/>
-          </a:prstGeom>
-        </p:spPr>
-      </p:pic>
-    </p:spTree>
-  </p:cSld>
-  <p:clrMapOvr>
-    <a:masterClrMapping/>
-  </p:clrMapOvr>
-</p:sld>
-</file>
-
-<file path=ppt/slides/slide13.xml><?xml version="1.0" encoding="utf-8"?>
-<p:sld xmlns:a="http://schemas.openxmlformats.org/drawingml/2006/main" xmlns:r="http://schemas.openxmlformats.org/officeDocument/2006/relationships" xmlns:p="http://schemas.openxmlformats.org/presentationml/2006/main">
-  <p:cSld name="Slide 13">
-    <p:bg>
-      <p:bgPr>
-        <a:solidFill>
-          <a:srgbClr val="0F172A"/>
-        </a:solidFill>
-        <a:effectLst/>
-      </p:bgPr>
-    </p:bg>
-    <p:spTree>
-      <p:nvGrpSpPr>
-        <p:cNvPr id="1" name=""/>
-        <p:cNvGrpSpPr/>
-        <p:nvPr/>
-      </p:nvGrpSpPr>
-      <p:grpSpPr>
-        <a:xfrm>
-          <a:off x="0" y="0"/>
-          <a:ext cx="0" cy="0"/>
-          <a:chOff x="0" y="0"/>
-          <a:chExt cx="0" cy="0"/>
-        </a:xfrm>
-      </p:grpSpPr>
-      <p:sp>
-        <p:nvSpPr>
-          <p:cNvPr id="2" name="Shape 0"/>
-          <p:cNvSpPr/>
-          <p:nvPr/>
-        </p:nvSpPr>
-        <p:spPr>
-          <a:xfrm>
-            <a:off x="0" y="0"/>
-            <a:ext cx="9144000" cy="54864"/>
-          </a:xfrm>
-          <a:prstGeom prst="rect">
-            <a:avLst/>
-          </a:prstGeom>
-          <a:solidFill>
-            <a:srgbClr val="F97316"/>
-          </a:solidFill>
-          <a:ln/>
-        </p:spPr>
-        <p:txBody>
-          <a:bodyPr/>
-          <a:lstStyle/>
-          <a:p>
-            <a:endParaRPr lang="en-US"/>
-          </a:p>
-        </p:txBody>
-      </p:sp>
-      <p:sp>
-        <p:nvSpPr>
-          <p:cNvPr id="3" name="Shape 1"/>
-          <p:cNvSpPr/>
-          <p:nvPr/>
-        </p:nvSpPr>
-        <p:spPr>
-          <a:xfrm>
-            <a:off x="457200" y="182880"/>
-            <a:ext cx="640080" cy="457200"/>
-          </a:xfrm>
-          <a:prstGeom prst="rect">
-            <a:avLst/>
-          </a:prstGeom>
-          <a:solidFill>
-            <a:srgbClr val="F97316"/>
-          </a:solidFill>
-          <a:ln/>
-          <a:effectLst>
-            <a:outerShdw blurRad="50800" dist="25400" dir="8100000" algn="bl" rotWithShape="0">
-              <a:srgbClr val="000000">
-                <a:alpha val="10000"/>
-              </a:srgbClr>
-            </a:outerShdw>
-          </a:effectLst>
-        </p:spPr>
-        <p:txBody>
-          <a:bodyPr/>
-          <a:lstStyle/>
-          <a:p>
-            <a:endParaRPr lang="en-US"/>
-          </a:p>
-        </p:txBody>
-      </p:sp>
-      <p:sp>
-        <p:nvSpPr>
-          <p:cNvPr id="4" name="Text 2"/>
-          <p:cNvSpPr/>
-          <p:nvPr/>
-        </p:nvSpPr>
-        <p:spPr>
-          <a:xfrm>
-            <a:off x="457200" y="182880"/>
-            <a:ext cx="640080" cy="457200"/>
-          </a:xfrm>
-          <a:prstGeom prst="rect">
-            <a:avLst/>
-          </a:prstGeom>
-          <a:noFill/>
-          <a:ln/>
-        </p:spPr>
-        <p:txBody>
-          <a:bodyPr wrap="square" lIns="0" tIns="0" rIns="0" bIns="0" rtlCol="0" anchor="ctr"/>
-          <a:lstStyle/>
-          <a:p>
-            <a:pPr marL="0" indent="0" algn="ctr">
-              <a:buNone/>
-            </a:pPr>
-            <a:r>
-              <a:rPr lang="en-US" sz="2000" dirty="0">
-                <a:solidFill>
-                  <a:srgbClr val="FFFFFF"/>
-                </a:solidFill>
-                <a:latin typeface="Arial Black" pitchFamily="34" charset="0"/>
-                <a:ea typeface="Arial Black" pitchFamily="34" charset="-122"/>
-                <a:cs typeface="Arial Black" pitchFamily="34" charset="-120"/>
-              </a:rPr>
-              <a:t>FT</a:t>
-            </a:r>
-            <a:endParaRPr lang="en-US" sz="2000" dirty="0"/>
-          </a:p>
-        </p:txBody>
-      </p:sp>
-      <p:sp>
-        <p:nvSpPr>
-          <p:cNvPr id="5" name="Text 3"/>
-          <p:cNvSpPr/>
-          <p:nvPr/>
-        </p:nvSpPr>
-        <p:spPr>
-          <a:xfrm>
-            <a:off x="1280160" y="182880"/>
-            <a:ext cx="7315200" cy="457200"/>
-          </a:xfrm>
-          <a:prstGeom prst="rect">
-            <a:avLst/>
-          </a:prstGeom>
-          <a:noFill/>
-          <a:ln/>
-        </p:spPr>
-        <p:txBody>
-          <a:bodyPr wrap="square" lIns="0" tIns="0" rIns="0" bIns="0" rtlCol="0" anchor="ctr"/>
-          <a:lstStyle/>
-          <a:p>
-            <a:pPr marL="0" indent="0" algn="l">
-              <a:buNone/>
-            </a:pPr>
-            <a:r>
-              <a:rPr lang="en-US" sz="2800" dirty="0">
-                <a:solidFill>
-                  <a:srgbClr val="FFFFFF"/>
-                </a:solidFill>
-                <a:latin typeface="Arial Black" pitchFamily="34" charset="0"/>
-                <a:ea typeface="Arial Black" pitchFamily="34" charset="-122"/>
-                <a:cs typeface="Arial Black" pitchFamily="34" charset="-120"/>
-              </a:rPr>
-              <a:t>Constructing Training Pairs</a:t>
-            </a:r>
-            <a:endParaRPr lang="en-US" sz="2800" dirty="0"/>
-          </a:p>
-        </p:txBody>
-      </p:sp>
-      <p:sp>
-        <p:nvSpPr>
-          <p:cNvPr id="6" name="Text 4"/>
-          <p:cNvSpPr/>
-          <p:nvPr/>
-        </p:nvSpPr>
-        <p:spPr>
-          <a:xfrm>
-            <a:off x="1280160" y="640080"/>
-            <a:ext cx="7315200" cy="320040"/>
-          </a:xfrm>
-          <a:prstGeom prst="rect">
-            <a:avLst/>
-          </a:prstGeom>
-          <a:noFill/>
-          <a:ln/>
-        </p:spPr>
-        <p:txBody>
-          <a:bodyPr wrap="square" lIns="0" tIns="0" rIns="0" bIns="0" rtlCol="0" anchor="ctr"/>
-          <a:lstStyle/>
-          <a:p>
-            <a:pPr marL="0" indent="0" algn="l">
-              <a:buNone/>
-            </a:pPr>
-            <a:r>
-              <a:rPr lang="en-US" sz="1300" dirty="0">
-                <a:solidFill>
-                  <a:srgbClr val="94A3B8"/>
-                </a:solidFill>
-                <a:latin typeface="Calibri" pitchFamily="34" charset="0"/>
-                <a:ea typeface="Calibri" pitchFamily="34" charset="-122"/>
-                <a:cs typeface="Calibri" pitchFamily="34" charset="-120"/>
-              </a:rPr>
-              <a:t>Three strategies for building (anchor, positive) pairs from your labeled data</a:t>
-            </a:r>
-            <a:endParaRPr lang="en-US" sz="1300" dirty="0"/>
-          </a:p>
-        </p:txBody>
-      </p:sp>
-      <p:pic>
-        <p:nvPicPr>
-          <p:cNvPr id="7" name="Image 0" descr="preencoded.png"/>
-          <p:cNvPicPr>
-            <a:picLocks noChangeAspect="1"/>
-          </p:cNvPicPr>
-          <p:nvPr/>
-        </p:nvPicPr>
-        <p:blipFill>
-          <a:blip r:embed="rId3"/>
-          <a:stretch>
-            <a:fillRect/>
-          </a:stretch>
-        </p:blipFill>
-        <p:spPr>
-          <a:xfrm>
-            <a:off x="274320" y="1051560"/>
-            <a:ext cx="8595360" cy="3931920"/>
-          </a:xfrm>
-          <a:prstGeom prst="rect">
-            <a:avLst/>
-          </a:prstGeom>
-        </p:spPr>
-      </p:pic>
-    </p:spTree>
-  </p:cSld>
-  <p:clrMapOvr>
-    <a:masterClrMapping/>
-  </p:clrMapOvr>
-</p:sld>
-</file>
-
-<file path=ppt/slides/slide14.xml><?xml version="1.0" encoding="utf-8"?>
-<p:sld xmlns:a="http://schemas.openxmlformats.org/drawingml/2006/main" xmlns:r="http://schemas.openxmlformats.org/officeDocument/2006/relationships" xmlns:p="http://schemas.openxmlformats.org/presentationml/2006/main">
-  <p:cSld name="Slide 14">
-    <p:bg>
-      <p:bgPr>
-        <a:solidFill>
-          <a:srgbClr val="0F172A"/>
-        </a:solidFill>
-        <a:effectLst/>
-      </p:bgPr>
-    </p:bg>
-    <p:spTree>
-      <p:nvGrpSpPr>
-        <p:cNvPr id="1" name=""/>
-        <p:cNvGrpSpPr/>
-        <p:nvPr/>
-      </p:nvGrpSpPr>
-      <p:grpSpPr>
-        <a:xfrm>
-          <a:off x="0" y="0"/>
-          <a:ext cx="0" cy="0"/>
-          <a:chOff x="0" y="0"/>
-          <a:chExt cx="0" cy="0"/>
-        </a:xfrm>
-      </p:grpSpPr>
-      <p:sp>
-        <p:nvSpPr>
-          <p:cNvPr id="2" name="Shape 0"/>
-          <p:cNvSpPr/>
-          <p:nvPr/>
-        </p:nvSpPr>
-        <p:spPr>
-          <a:xfrm>
-            <a:off x="0" y="0"/>
-            <a:ext cx="9144000" cy="54864"/>
-          </a:xfrm>
-          <a:prstGeom prst="rect">
-            <a:avLst/>
-          </a:prstGeom>
-          <a:solidFill>
-            <a:srgbClr val="F97316"/>
-          </a:solidFill>
-          <a:ln/>
-        </p:spPr>
-        <p:txBody>
-          <a:bodyPr/>
-          <a:lstStyle/>
-          <a:p>
-            <a:endParaRPr lang="en-US"/>
-          </a:p>
-        </p:txBody>
-      </p:sp>
-      <p:sp>
-        <p:nvSpPr>
-          <p:cNvPr id="3" name="Shape 1"/>
-          <p:cNvSpPr/>
-          <p:nvPr/>
-        </p:nvSpPr>
-        <p:spPr>
-          <a:xfrm>
-            <a:off x="457200" y="182880"/>
-            <a:ext cx="640080" cy="457200"/>
-          </a:xfrm>
-          <a:prstGeom prst="rect">
-            <a:avLst/>
-          </a:prstGeom>
-          <a:solidFill>
-            <a:srgbClr val="F97316"/>
-          </a:solidFill>
-          <a:ln/>
-          <a:effectLst>
-            <a:outerShdw blurRad="50800" dist="25400" dir="8100000" algn="bl" rotWithShape="0">
-              <a:srgbClr val="000000">
-                <a:alpha val="10000"/>
-              </a:srgbClr>
-            </a:outerShdw>
-          </a:effectLst>
-        </p:spPr>
-        <p:txBody>
-          <a:bodyPr/>
-          <a:lstStyle/>
-          <a:p>
-            <a:endParaRPr lang="en-US"/>
-          </a:p>
-        </p:txBody>
-      </p:sp>
-      <p:sp>
-        <p:nvSpPr>
-          <p:cNvPr id="4" name="Text 2"/>
-          <p:cNvSpPr/>
-          <p:nvPr/>
-        </p:nvSpPr>
-        <p:spPr>
-          <a:xfrm>
-            <a:off x="457200" y="182880"/>
-            <a:ext cx="640080" cy="457200"/>
-          </a:xfrm>
-          <a:prstGeom prst="rect">
-            <a:avLst/>
-          </a:prstGeom>
-          <a:noFill/>
-          <a:ln/>
-        </p:spPr>
-        <p:txBody>
-          <a:bodyPr wrap="square" lIns="0" tIns="0" rIns="0" bIns="0" rtlCol="0" anchor="ctr"/>
-          <a:lstStyle/>
-          <a:p>
-            <a:pPr marL="0" indent="0" algn="ctr">
-              <a:buNone/>
-            </a:pPr>
-            <a:r>
-              <a:rPr lang="en-US" sz="2000" dirty="0">
-                <a:solidFill>
-                  <a:srgbClr val="FFFFFF"/>
-                </a:solidFill>
-                <a:latin typeface="Arial Black" pitchFamily="34" charset="0"/>
-                <a:ea typeface="Arial Black" pitchFamily="34" charset="-122"/>
-                <a:cs typeface="Arial Black" pitchFamily="34" charset="-120"/>
-              </a:rPr>
-              <a:t>FT</a:t>
-            </a:r>
-            <a:endParaRPr lang="en-US" sz="2000" dirty="0"/>
-          </a:p>
-        </p:txBody>
-      </p:sp>
-      <p:sp>
-        <p:nvSpPr>
-          <p:cNvPr id="5" name="Text 3"/>
-          <p:cNvSpPr/>
-          <p:nvPr/>
-        </p:nvSpPr>
-        <p:spPr>
-          <a:xfrm>
-            <a:off x="1280160" y="182880"/>
-            <a:ext cx="7315200" cy="457200"/>
-          </a:xfrm>
-          <a:prstGeom prst="rect">
-            <a:avLst/>
-          </a:prstGeom>
-          <a:noFill/>
-          <a:ln/>
-        </p:spPr>
-        <p:txBody>
-          <a:bodyPr wrap="square" lIns="0" tIns="0" rIns="0" bIns="0" rtlCol="0" anchor="ctr"/>
-          <a:lstStyle/>
-          <a:p>
-            <a:pPr marL="0" indent="0" algn="l">
-              <a:buNone/>
-            </a:pPr>
-            <a:r>
-              <a:rPr lang="en-US" sz="2600" dirty="0">
-                <a:solidFill>
-                  <a:srgbClr val="FFFFFF"/>
-                </a:solidFill>
-                <a:latin typeface="Arial Black" pitchFamily="34" charset="0"/>
-                <a:ea typeface="Arial Black" pitchFamily="34" charset="-122"/>
-                <a:cs typeface="Arial Black" pitchFamily="34" charset="-120"/>
-              </a:rPr>
-              <a:t>MultipleNegativesRankingLoss</a:t>
-            </a:r>
-            <a:endParaRPr lang="en-US" sz="2600" dirty="0"/>
-          </a:p>
-        </p:txBody>
-      </p:sp>
-      <p:sp>
-        <p:nvSpPr>
-          <p:cNvPr id="6" name="Text 4"/>
-          <p:cNvSpPr/>
-          <p:nvPr/>
-        </p:nvSpPr>
-        <p:spPr>
-          <a:xfrm>
-            <a:off x="1280160" y="640080"/>
-            <a:ext cx="7315200" cy="320040"/>
-          </a:xfrm>
-          <a:prstGeom prst="rect">
-            <a:avLst/>
-          </a:prstGeom>
-          <a:noFill/>
-          <a:ln/>
-        </p:spPr>
-        <p:txBody>
-          <a:bodyPr wrap="square" lIns="0" tIns="0" rIns="0" bIns="0" rtlCol="0" anchor="ctr"/>
-          <a:lstStyle/>
-          <a:p>
-            <a:pPr marL="0" indent="0" algn="l">
-              <a:buNone/>
-            </a:pPr>
-            <a:r>
-              <a:rPr lang="en-US" sz="1300" dirty="0">
-                <a:solidFill>
-                  <a:srgbClr val="94A3B8"/>
-                </a:solidFill>
-                <a:latin typeface="Calibri" pitchFamily="34" charset="0"/>
-                <a:ea typeface="Calibri" pitchFamily="34" charset="-122"/>
-                <a:cs typeface="Calibri" pitchFamily="34" charset="-120"/>
-              </a:rPr>
-              <a:t>The go-to contrastive loss for sentence transformer fine-tuning — free negatives from each batch</a:t>
-            </a:r>
-            <a:endParaRPr lang="en-US" sz="1300" dirty="0"/>
-          </a:p>
-        </p:txBody>
-      </p:sp>
-      <p:pic>
-        <p:nvPicPr>
-          <p:cNvPr id="7" name="Image 0" descr="preencoded.png"/>
-          <p:cNvPicPr>
-            <a:picLocks noChangeAspect="1"/>
-          </p:cNvPicPr>
-          <p:nvPr/>
-        </p:nvPicPr>
-        <p:blipFill>
-          <a:blip r:embed="rId3"/>
-          <a:stretch>
-            <a:fillRect/>
-          </a:stretch>
-        </p:blipFill>
-        <p:spPr>
-          <a:xfrm>
-            <a:off x="274320" y="1051560"/>
-            <a:ext cx="8595360" cy="3931920"/>
-          </a:xfrm>
-          <a:prstGeom prst="rect">
-            <a:avLst/>
-          </a:prstGeom>
-        </p:spPr>
-      </p:pic>
-    </p:spTree>
-  </p:cSld>
-  <p:clrMapOvr>
-    <a:masterClrMapping/>
-  </p:clrMapOvr>
-</p:sld>
-</file>
-
-<file path=ppt/slides/slide15.xml><?xml version="1.0" encoding="utf-8"?>
-<p:sld xmlns:a="http://schemas.openxmlformats.org/drawingml/2006/main" xmlns:r="http://schemas.openxmlformats.org/officeDocument/2006/relationships" xmlns:p="http://schemas.openxmlformats.org/presentationml/2006/main">
-  <p:cSld name="Slide 15">
-    <p:bg>
-      <p:bgPr>
-        <a:solidFill>
-          <a:srgbClr val="0F172A"/>
-        </a:solidFill>
-        <a:effectLst/>
-      </p:bgPr>
-    </p:bg>
-    <p:spTree>
-      <p:nvGrpSpPr>
-        <p:cNvPr id="1" name=""/>
-        <p:cNvGrpSpPr/>
-        <p:nvPr/>
-      </p:nvGrpSpPr>
-      <p:grpSpPr>
-        <a:xfrm>
-          <a:off x="0" y="0"/>
-          <a:ext cx="0" cy="0"/>
-          <a:chOff x="0" y="0"/>
-          <a:chExt cx="0" cy="0"/>
-        </a:xfrm>
-      </p:grpSpPr>
-      <p:sp>
-        <p:nvSpPr>
-          <p:cNvPr id="2" name="Shape 0"/>
-          <p:cNvSpPr/>
-          <p:nvPr/>
-        </p:nvSpPr>
-        <p:spPr>
-          <a:xfrm>
-            <a:off x="0" y="0"/>
-            <a:ext cx="9144000" cy="54864"/>
-          </a:xfrm>
-          <a:prstGeom prst="rect">
-            <a:avLst/>
-          </a:prstGeom>
-          <a:solidFill>
-            <a:srgbClr val="F97316"/>
-          </a:solidFill>
-          <a:ln/>
-        </p:spPr>
-        <p:txBody>
-          <a:bodyPr/>
-          <a:lstStyle/>
-          <a:p>
-            <a:endParaRPr lang="en-US"/>
-          </a:p>
-        </p:txBody>
-      </p:sp>
-      <p:sp>
-        <p:nvSpPr>
-          <p:cNvPr id="3" name="Text 1"/>
-          <p:cNvSpPr/>
-          <p:nvPr/>
-        </p:nvSpPr>
-        <p:spPr>
-          <a:xfrm>
-            <a:off x="457200" y="182880"/>
-            <a:ext cx="8229600" cy="457200"/>
-          </a:xfrm>
-          <a:prstGeom prst="rect">
-            <a:avLst/>
-          </a:prstGeom>
-          <a:noFill/>
-          <a:ln/>
-        </p:spPr>
-        <p:txBody>
-          <a:bodyPr wrap="square" lIns="0" tIns="0" rIns="0" bIns="0" rtlCol="0" anchor="ctr"/>
-          <a:lstStyle/>
-          <a:p>
-            <a:pPr marL="0" indent="0" algn="l">
-              <a:buNone/>
-            </a:pPr>
-            <a:r>
-              <a:rPr lang="en-US" sz="2800" dirty="0">
-                <a:solidFill>
-                  <a:srgbClr val="FFFFFF"/>
-                </a:solidFill>
-                <a:latin typeface="Arial Black" pitchFamily="34" charset="0"/>
-                <a:ea typeface="Arial Black" pitchFamily="34" charset="-122"/>
-                <a:cs typeface="Arial Black" pitchFamily="34" charset="-120"/>
-              </a:rPr>
-              <a:t>Fine-Tuning: Python Code</a:t>
-            </a:r>
-            <a:endParaRPr lang="en-US" sz="2800" dirty="0"/>
-          </a:p>
-        </p:txBody>
-      </p:sp>
-      <p:sp>
-        <p:nvSpPr>
-          <p:cNvPr id="4" name="Text 2"/>
-          <p:cNvSpPr/>
-          <p:nvPr/>
-        </p:nvSpPr>
-        <p:spPr>
-          <a:xfrm>
-            <a:off x="457200" y="594360"/>
-            <a:ext cx="8229600" cy="274320"/>
-          </a:xfrm>
-          <a:prstGeom prst="rect">
-            <a:avLst/>
-          </a:prstGeom>
-          <a:noFill/>
-          <a:ln/>
-        </p:spPr>
-        <p:txBody>
-          <a:bodyPr wrap="square" lIns="0" tIns="0" rIns="0" bIns="0" rtlCol="0" anchor="ctr"/>
-          <a:lstStyle/>
-          <a:p>
-            <a:pPr marL="0" indent="0" algn="l">
-              <a:buNone/>
-            </a:pPr>
-            <a:r>
-              <a:rPr lang="en-US" sz="1300" dirty="0">
-                <a:solidFill>
-                  <a:srgbClr val="94A3B8"/>
-                </a:solidFill>
-                <a:latin typeface="Calibri" pitchFamily="34" charset="0"/>
-                <a:ea typeface="Calibri" pitchFamily="34" charset="-122"/>
-                <a:cs typeface="Calibri" pitchFamily="34" charset="-120"/>
-              </a:rPr>
-              <a:t>Complete fine-tuning setup with sentence-transformers</a:t>
-            </a:r>
-            <a:endParaRPr lang="en-US" sz="1300" dirty="0"/>
-          </a:p>
-        </p:txBody>
-      </p:sp>
-      <p:sp>
-        <p:nvSpPr>
-          <p:cNvPr id="5" name="Shape 3"/>
-          <p:cNvSpPr/>
-          <p:nvPr/>
-        </p:nvSpPr>
-        <p:spPr>
-          <a:xfrm>
-            <a:off x="365760" y="960120"/>
-            <a:ext cx="5303520" cy="3931920"/>
-          </a:xfrm>
-          <a:prstGeom prst="rect">
-            <a:avLst/>
-          </a:prstGeom>
-          <a:solidFill>
-            <a:srgbClr val="1A1A2E"/>
-          </a:solidFill>
-          <a:ln/>
-          <a:effectLst>
-            <a:outerShdw blurRad="101600" dist="38100" dir="8100000" algn="bl" rotWithShape="0">
-              <a:srgbClr val="000000">
-                <a:alpha val="20000"/>
-              </a:srgbClr>
-            </a:outerShdw>
-          </a:effectLst>
-        </p:spPr>
-        <p:txBody>
-          <a:bodyPr/>
-          <a:lstStyle/>
-          <a:p>
-            <a:endParaRPr lang="en-US"/>
-          </a:p>
-        </p:txBody>
-      </p:sp>
-      <p:sp>
-        <p:nvSpPr>
-          <p:cNvPr id="6" name="Text 4"/>
-          <p:cNvSpPr/>
-          <p:nvPr/>
-        </p:nvSpPr>
-        <p:spPr>
-          <a:xfrm>
-            <a:off x="594360" y="1051560"/>
-            <a:ext cx="4846320" cy="3749040"/>
-          </a:xfrm>
-          <a:prstGeom prst="rect">
-            <a:avLst/>
-          </a:prstGeom>
-          <a:noFill/>
-          <a:ln/>
-        </p:spPr>
-        <p:txBody>
-          <a:bodyPr wrap="square" lIns="0" tIns="0" rIns="0" bIns="0" rtlCol="0" anchor="t"/>
-          <a:lstStyle/>
-          <a:p>
-            <a:pPr marL="0" indent="0">
-              <a:spcAft>
-                <a:spcPts val="200"/>
-              </a:spcAft>
-              <a:buNone/>
-            </a:pPr>
-            <a:r>
-              <a:rPr lang="en-US" sz="850" dirty="0">
-                <a:solidFill>
-                  <a:srgbClr val="CADCFC"/>
-                </a:solidFill>
-                <a:latin typeface="Consolas" pitchFamily="34" charset="0"/>
-                <a:ea typeface="Consolas" pitchFamily="34" charset="-122"/>
-                <a:cs typeface="Consolas" pitchFamily="34" charset="-120"/>
-              </a:rPr>
-              <a:t># 1. Build training pairs from labeled data</a:t>
-            </a:r>
-            <a:endParaRPr lang="en-US" sz="850" dirty="0"/>
-          </a:p>
-          <a:p>
-            <a:pPr marL="0" indent="0">
-              <a:spcAft>
-                <a:spcPts val="200"/>
-              </a:spcAft>
-              <a:buNone/>
-            </a:pPr>
-            <a:r>
-              <a:rPr lang="en-US" sz="850" dirty="0">
-                <a:solidFill>
-                  <a:srgbClr val="CADCFC"/>
-                </a:solidFill>
-                <a:latin typeface="Consolas" pitchFamily="34" charset="0"/>
-                <a:ea typeface="Consolas" pitchFamily="34" charset="-122"/>
-                <a:cs typeface="Consolas" pitchFamily="34" charset="-120"/>
-              </a:rPr>
-              <a:t>from sentence_transformers import (</a:t>
-            </a:r>
-            <a:endParaRPr lang="en-US" sz="850" dirty="0"/>
-          </a:p>
-          <a:p>
-            <a:pPr marL="0" indent="0">
-              <a:spcAft>
-                <a:spcPts val="200"/>
-              </a:spcAft>
-              <a:buNone/>
-            </a:pPr>
-            <a:r>
-              <a:rPr lang="en-US" sz="850" dirty="0">
-                <a:solidFill>
-                  <a:srgbClr val="CADCFC"/>
-                </a:solidFill>
-                <a:latin typeface="Consolas" pitchFamily="34" charset="0"/>
-                <a:ea typeface="Consolas" pitchFamily="34" charset="-122"/>
-                <a:cs typeface="Consolas" pitchFamily="34" charset="-120"/>
-              </a:rPr>
-              <a:t>  SentenceTransformer, InputExample, losses</a:t>
-            </a:r>
-            <a:endParaRPr lang="en-US" sz="850" dirty="0"/>
-          </a:p>
-          <a:p>
-            <a:pPr marL="0" indent="0">
-              <a:spcAft>
-                <a:spcPts val="200"/>
-              </a:spcAft>
-              <a:buNone/>
-            </a:pPr>
-            <a:r>
-              <a:rPr lang="en-US" sz="850" dirty="0">
-                <a:solidFill>
-                  <a:srgbClr val="CADCFC"/>
-                </a:solidFill>
-                <a:latin typeface="Consolas" pitchFamily="34" charset="0"/>
-                <a:ea typeface="Consolas" pitchFamily="34" charset="-122"/>
-                <a:cs typeface="Consolas" pitchFamily="34" charset="-120"/>
-              </a:rPr>
-              <a:t>)</a:t>
-            </a:r>
-            <a:endParaRPr lang="en-US" sz="850" dirty="0"/>
-          </a:p>
-          <a:p>
-            <a:pPr marL="0" indent="0">
-              <a:spcAft>
-                <a:spcPts val="200"/>
-              </a:spcAft>
-              <a:buNone/>
-            </a:pPr>
-            <a:r>
-              <a:rPr lang="en-US" sz="850" dirty="0">
-                <a:solidFill>
-                  <a:srgbClr val="CADCFC"/>
-                </a:solidFill>
-                <a:latin typeface="Consolas" pitchFamily="34" charset="0"/>
-                <a:ea typeface="Consolas" pitchFamily="34" charset="-122"/>
-                <a:cs typeface="Consolas" pitchFamily="34" charset="-120"/>
-              </a:rPr>
-              <a:t>from torch.utils.data import DataLoader</a:t>
-            </a:r>
-            <a:endParaRPr lang="en-US" sz="850" dirty="0"/>
-          </a:p>
-          <a:p>
-            <a:pPr marL="0" indent="0">
-              <a:spcAft>
-                <a:spcPts val="200"/>
-              </a:spcAft>
-              <a:buNone/>
-            </a:pPr>
-            <a:endParaRPr lang="en-US" sz="850" dirty="0"/>
-          </a:p>
-          <a:p>
-            <a:pPr marL="0" indent="0">
-              <a:spcAft>
-                <a:spcPts val="200"/>
-              </a:spcAft>
-              <a:buNone/>
-            </a:pPr>
-            <a:r>
-              <a:rPr lang="en-US" sz="850" dirty="0">
-                <a:solidFill>
-                  <a:srgbClr val="CADCFC"/>
-                </a:solidFill>
-                <a:latin typeface="Consolas" pitchFamily="34" charset="0"/>
-                <a:ea typeface="Consolas" pitchFamily="34" charset="-122"/>
-                <a:cs typeface="Consolas" pitchFamily="34" charset="-120"/>
-              </a:rPr>
-              <a:t>pairs = []</a:t>
-            </a:r>
-            <a:endParaRPr lang="en-US" sz="850" dirty="0"/>
-          </a:p>
-          <a:p>
-            <a:pPr marL="0" indent="0">
-              <a:spcAft>
-                <a:spcPts val="200"/>
-              </a:spcAft>
-              <a:buNone/>
-            </a:pPr>
-            <a:r>
-              <a:rPr lang="en-US" sz="850" dirty="0">
-                <a:solidFill>
-                  <a:srgbClr val="CADCFC"/>
-                </a:solidFill>
-                <a:latin typeface="Consolas" pitchFamily="34" charset="0"/>
-                <a:ea typeface="Consolas" pitchFamily="34" charset="-122"/>
-                <a:cs typeface="Consolas" pitchFamily="34" charset="-120"/>
-              </a:rPr>
-              <a:t>for intent, utts in grouped_by_intent.items():</a:t>
-            </a:r>
-            <a:endParaRPr lang="en-US" sz="850" dirty="0"/>
-          </a:p>
-          <a:p>
-            <a:pPr marL="0" indent="0">
-              <a:spcAft>
-                <a:spcPts val="200"/>
-              </a:spcAft>
-              <a:buNone/>
-            </a:pPr>
-            <a:r>
-              <a:rPr lang="en-US" sz="850" dirty="0">
-                <a:solidFill>
-                  <a:srgbClr val="CADCFC"/>
-                </a:solidFill>
-                <a:latin typeface="Consolas" pitchFamily="34" charset="0"/>
-                <a:ea typeface="Consolas" pitchFamily="34" charset="-122"/>
-                <a:cs typeface="Consolas" pitchFamily="34" charset="-120"/>
-              </a:rPr>
-              <a:t>  for a, b in combinations(utts, 2):</a:t>
-            </a:r>
-            <a:endParaRPr lang="en-US" sz="850" dirty="0"/>
-          </a:p>
-          <a:p>
-            <a:pPr marL="0" indent="0">
-              <a:spcAft>
-                <a:spcPts val="200"/>
-              </a:spcAft>
-              <a:buNone/>
-            </a:pPr>
-            <a:r>
-              <a:rPr lang="en-US" sz="850" dirty="0">
-                <a:solidFill>
-                  <a:srgbClr val="CADCFC"/>
-                </a:solidFill>
-                <a:latin typeface="Consolas" pitchFamily="34" charset="0"/>
-                <a:ea typeface="Consolas" pitchFamily="34" charset="-122"/>
-                <a:cs typeface="Consolas" pitchFamily="34" charset="-120"/>
-              </a:rPr>
-              <a:t>    pairs.append(InputExample(texts=[a, b]))</a:t>
-            </a:r>
-            <a:endParaRPr lang="en-US" sz="850" dirty="0"/>
-          </a:p>
-          <a:p>
-            <a:pPr marL="0" indent="0">
-              <a:spcAft>
-                <a:spcPts val="200"/>
-              </a:spcAft>
-              <a:buNone/>
-            </a:pPr>
-            <a:endParaRPr lang="en-US" sz="850" dirty="0"/>
-          </a:p>
-          <a:p>
-            <a:pPr marL="0" indent="0">
-              <a:spcAft>
-                <a:spcPts val="200"/>
-              </a:spcAft>
-              <a:buNone/>
-            </a:pPr>
-            <a:r>
-              <a:rPr lang="en-US" sz="850" dirty="0">
-                <a:solidFill>
-                  <a:srgbClr val="CADCFC"/>
-                </a:solidFill>
-                <a:latin typeface="Consolas" pitchFamily="34" charset="0"/>
-                <a:ea typeface="Consolas" pitchFamily="34" charset="-122"/>
-                <a:cs typeface="Consolas" pitchFamily="34" charset="-120"/>
-              </a:rPr>
-              <a:t>loader = DataLoader(pairs, batch_size=128, shuffle=True)</a:t>
-            </a:r>
-            <a:endParaRPr lang="en-US" sz="850" dirty="0"/>
-          </a:p>
-          <a:p>
-            <a:pPr marL="0" indent="0">
-              <a:spcAft>
-                <a:spcPts val="200"/>
-              </a:spcAft>
-              <a:buNone/>
-            </a:pPr>
-            <a:endParaRPr lang="en-US" sz="850" dirty="0"/>
-          </a:p>
-          <a:p>
-            <a:pPr marL="0" indent="0">
-              <a:spcAft>
-                <a:spcPts val="200"/>
-              </a:spcAft>
-              <a:buNone/>
-            </a:pPr>
-            <a:r>
-              <a:rPr lang="en-US" sz="850" dirty="0">
-                <a:solidFill>
-                  <a:srgbClr val="CADCFC"/>
-                </a:solidFill>
-                <a:latin typeface="Consolas" pitchFamily="34" charset="0"/>
-                <a:ea typeface="Consolas" pitchFamily="34" charset="-122"/>
-                <a:cs typeface="Consolas" pitchFamily="34" charset="-120"/>
-              </a:rPr>
-              <a:t># 2. Load base model + MNR loss</a:t>
-            </a:r>
-            <a:endParaRPr lang="en-US" sz="850" dirty="0"/>
-          </a:p>
-          <a:p>
-            <a:pPr marL="0" indent="0">
-              <a:spcAft>
-                <a:spcPts val="200"/>
-              </a:spcAft>
-              <a:buNone/>
-            </a:pPr>
-            <a:r>
-              <a:rPr lang="en-US" sz="850" dirty="0">
-                <a:solidFill>
-                  <a:srgbClr val="CADCFC"/>
-                </a:solidFill>
-                <a:latin typeface="Consolas" pitchFamily="34" charset="0"/>
-                <a:ea typeface="Consolas" pitchFamily="34" charset="-122"/>
-                <a:cs typeface="Consolas" pitchFamily="34" charset="-120"/>
-              </a:rPr>
-              <a:t>model = SentenceTransformer('all-MiniLM-L6-v2')</a:t>
-            </a:r>
-            <a:endParaRPr lang="en-US" sz="850" dirty="0"/>
-          </a:p>
-          <a:p>
-            <a:pPr marL="0" indent="0">
-              <a:spcAft>
-                <a:spcPts val="200"/>
-              </a:spcAft>
-              <a:buNone/>
-            </a:pPr>
-            <a:r>
-              <a:rPr lang="en-US" sz="850" dirty="0">
-                <a:solidFill>
-                  <a:srgbClr val="CADCFC"/>
-                </a:solidFill>
-                <a:latin typeface="Consolas" pitchFamily="34" charset="0"/>
-                <a:ea typeface="Consolas" pitchFamily="34" charset="-122"/>
-                <a:cs typeface="Consolas" pitchFamily="34" charset="-120"/>
-              </a:rPr>
-              <a:t>loss = losses.MultipleNegativesRankingLoss(model)</a:t>
-            </a:r>
-            <a:endParaRPr lang="en-US" sz="850" dirty="0"/>
-          </a:p>
-          <a:p>
-            <a:pPr marL="0" indent="0">
-              <a:spcAft>
-                <a:spcPts val="200"/>
-              </a:spcAft>
-              <a:buNone/>
-            </a:pPr>
-            <a:endParaRPr lang="en-US" sz="850" dirty="0"/>
-          </a:p>
-          <a:p>
-            <a:pPr marL="0" indent="0">
-              <a:spcAft>
-                <a:spcPts val="200"/>
-              </a:spcAft>
-              <a:buNone/>
-            </a:pPr>
-            <a:r>
-              <a:rPr lang="en-US" sz="850" dirty="0">
-                <a:solidFill>
-                  <a:srgbClr val="CADCFC"/>
-                </a:solidFill>
-                <a:latin typeface="Consolas" pitchFamily="34" charset="0"/>
-                <a:ea typeface="Consolas" pitchFamily="34" charset="-122"/>
-                <a:cs typeface="Consolas" pitchFamily="34" charset="-120"/>
-              </a:rPr>
-              <a:t># 3. Fine-tune</a:t>
-            </a:r>
-            <a:endParaRPr lang="en-US" sz="850" dirty="0"/>
-          </a:p>
-          <a:p>
-            <a:pPr marL="0" indent="0">
-              <a:spcAft>
-                <a:spcPts val="200"/>
-              </a:spcAft>
-              <a:buNone/>
-            </a:pPr>
-            <a:r>
-              <a:rPr lang="en-US" sz="850" dirty="0">
-                <a:solidFill>
-                  <a:srgbClr val="CADCFC"/>
-                </a:solidFill>
-                <a:latin typeface="Consolas" pitchFamily="34" charset="0"/>
-                <a:ea typeface="Consolas" pitchFamily="34" charset="-122"/>
-                <a:cs typeface="Consolas" pitchFamily="34" charset="-120"/>
-              </a:rPr>
-              <a:t>model.fit(</a:t>
-            </a:r>
-            <a:endParaRPr lang="en-US" sz="850" dirty="0"/>
-          </a:p>
-          <a:p>
-            <a:pPr marL="0" indent="0">
-              <a:spcAft>
-                <a:spcPts val="200"/>
-              </a:spcAft>
-              <a:buNone/>
-            </a:pPr>
-            <a:r>
-              <a:rPr lang="en-US" sz="850" dirty="0">
-                <a:solidFill>
-                  <a:srgbClr val="CADCFC"/>
-                </a:solidFill>
-                <a:latin typeface="Consolas" pitchFamily="34" charset="0"/>
-                <a:ea typeface="Consolas" pitchFamily="34" charset="-122"/>
-                <a:cs typeface="Consolas" pitchFamily="34" charset="-120"/>
-              </a:rPr>
-              <a:t>  train_objectives=[(loader, loss)],</a:t>
-            </a:r>
-            <a:endParaRPr lang="en-US" sz="850" dirty="0"/>
-          </a:p>
-          <a:p>
-            <a:pPr marL="0" indent="0">
-              <a:spcAft>
-                <a:spcPts val="200"/>
-              </a:spcAft>
-              <a:buNone/>
-            </a:pPr>
-            <a:r>
-              <a:rPr lang="en-US" sz="850" dirty="0">
-                <a:solidFill>
-                  <a:srgbClr val="CADCFC"/>
-                </a:solidFill>
-                <a:latin typeface="Consolas" pitchFamily="34" charset="0"/>
-                <a:ea typeface="Consolas" pitchFamily="34" charset="-122"/>
-                <a:cs typeface="Consolas" pitchFamily="34" charset="-120"/>
-              </a:rPr>
-              <a:t>  epochs=3,</a:t>
-            </a:r>
-            <a:endParaRPr lang="en-US" sz="850" dirty="0"/>
-          </a:p>
-          <a:p>
-            <a:pPr marL="0" indent="0">
-              <a:spcAft>
-                <a:spcPts val="200"/>
-              </a:spcAft>
-              <a:buNone/>
-            </a:pPr>
-            <a:r>
-              <a:rPr lang="en-US" sz="850" dirty="0">
-                <a:solidFill>
-                  <a:srgbClr val="CADCFC"/>
-                </a:solidFill>
-                <a:latin typeface="Consolas" pitchFamily="34" charset="0"/>
-                <a:ea typeface="Consolas" pitchFamily="34" charset="-122"/>
-                <a:cs typeface="Consolas" pitchFamily="34" charset="-120"/>
-              </a:rPr>
-              <a:t>  warmup_steps=100</a:t>
-            </a:r>
-            <a:endParaRPr lang="en-US" sz="850" dirty="0"/>
-          </a:p>
-          <a:p>
-            <a:pPr marL="0" indent="0">
-              <a:spcAft>
-                <a:spcPts val="200"/>
-              </a:spcAft>
-              <a:buNone/>
-            </a:pPr>
-            <a:r>
-              <a:rPr lang="en-US" sz="850" dirty="0">
-                <a:solidFill>
-                  <a:srgbClr val="CADCFC"/>
-                </a:solidFill>
-                <a:latin typeface="Consolas" pitchFamily="34" charset="0"/>
-                <a:ea typeface="Consolas" pitchFamily="34" charset="-122"/>
-                <a:cs typeface="Consolas" pitchFamily="34" charset="-120"/>
-              </a:rPr>
-              <a:t>)</a:t>
-            </a:r>
-            <a:endParaRPr lang="en-US" sz="850" dirty="0"/>
-          </a:p>
-          <a:p>
-            <a:pPr marL="0" indent="0">
-              <a:spcAft>
-                <a:spcPts val="200"/>
-              </a:spcAft>
-              <a:buNone/>
-            </a:pPr>
-            <a:r>
-              <a:rPr lang="en-US" sz="850" dirty="0">
-                <a:solidFill>
-                  <a:srgbClr val="CADCFC"/>
-                </a:solidFill>
-                <a:latin typeface="Consolas" pitchFamily="34" charset="0"/>
-                <a:ea typeface="Consolas" pitchFamily="34" charset="-122"/>
-                <a:cs typeface="Consolas" pitchFamily="34" charset="-120"/>
-              </a:rPr>
-              <a:t>model.save("finetuned-model")</a:t>
-            </a:r>
-            <a:endParaRPr lang="en-US" sz="850" dirty="0"/>
-          </a:p>
-        </p:txBody>
-      </p:sp>
-      <p:sp>
-        <p:nvSpPr>
-          <p:cNvPr id="7" name="Shape 5"/>
-          <p:cNvSpPr/>
-          <p:nvPr/>
-        </p:nvSpPr>
-        <p:spPr>
-          <a:xfrm>
-            <a:off x="5943600" y="960120"/>
-            <a:ext cx="2926080" cy="3931920"/>
-          </a:xfrm>
-          <a:prstGeom prst="rect">
-            <a:avLst/>
-          </a:prstGeom>
-          <a:solidFill>
-            <a:srgbClr val="1E293B"/>
-          </a:solidFill>
-          <a:ln/>
-          <a:effectLst>
-            <a:outerShdw blurRad="101600" dist="38100" dir="8100000" algn="bl" rotWithShape="0">
-              <a:srgbClr val="000000">
-                <a:alpha val="20000"/>
-              </a:srgbClr>
-            </a:outerShdw>
-          </a:effectLst>
-        </p:spPr>
-        <p:txBody>
-          <a:bodyPr/>
-          <a:lstStyle/>
-          <a:p>
-            <a:endParaRPr lang="en-US"/>
-          </a:p>
-        </p:txBody>
-      </p:sp>
-      <p:sp>
-        <p:nvSpPr>
-          <p:cNvPr id="8" name="Text 6"/>
-          <p:cNvSpPr/>
-          <p:nvPr/>
-        </p:nvSpPr>
-        <p:spPr>
-          <a:xfrm>
-            <a:off x="6126480" y="1051560"/>
-            <a:ext cx="2560320" cy="365760"/>
-          </a:xfrm>
-          <a:prstGeom prst="rect">
-            <a:avLst/>
-          </a:prstGeom>
-          <a:noFill/>
-          <a:ln/>
-        </p:spPr>
-        <p:txBody>
-          <a:bodyPr wrap="square" lIns="0" tIns="0" rIns="0" bIns="0" rtlCol="0" anchor="ctr"/>
-          <a:lstStyle/>
-          <a:p>
-            <a:pPr marL="0" indent="0" algn="l">
-              <a:buNone/>
-            </a:pPr>
-            <a:r>
-              <a:rPr lang="en-US" sz="1600" dirty="0">
-                <a:solidFill>
-                  <a:srgbClr val="F97316"/>
-                </a:solidFill>
-                <a:latin typeface="Arial Black" pitchFamily="34" charset="0"/>
-                <a:ea typeface="Arial Black" pitchFamily="34" charset="-122"/>
-                <a:cs typeface="Arial Black" pitchFamily="34" charset="-120"/>
-              </a:rPr>
-              <a:t>How It Works</a:t>
-            </a:r>
-            <a:endParaRPr lang="en-US" sz="1600" dirty="0"/>
-          </a:p>
-        </p:txBody>
-      </p:sp>
-      <p:sp>
-        <p:nvSpPr>
-          <p:cNvPr id="9" name="Text 7"/>
-          <p:cNvSpPr/>
-          <p:nvPr/>
-        </p:nvSpPr>
-        <p:spPr>
-          <a:xfrm>
-            <a:off x="6126480" y="1463040"/>
-            <a:ext cx="2560320" cy="3291840"/>
-          </a:xfrm>
-          <a:prstGeom prst="rect">
-            <a:avLst/>
-          </a:prstGeom>
-          <a:noFill/>
-          <a:ln/>
-        </p:spPr>
-        <p:txBody>
-          <a:bodyPr wrap="square" lIns="0" tIns="0" rIns="0" bIns="0" rtlCol="0" anchor="t"/>
-          <a:lstStyle/>
-          <a:p>
-            <a:pPr marL="0" indent="0">
-              <a:buNone/>
-            </a:pPr>
-            <a:r>
-              <a:rPr lang="en-US" sz="1100" b="1" dirty="0">
-                <a:solidFill>
-                  <a:srgbClr val="FFFFFF"/>
-                </a:solidFill>
-              </a:rPr>
-              <a:t>Step 1: Pair Mining</a:t>
-            </a:r>
-            <a:endParaRPr lang="en-US" sz="1100" dirty="0"/>
-          </a:p>
-          <a:p>
-            <a:pPr marL="0" indent="0">
-              <a:buNone/>
-            </a:pPr>
-            <a:r>
-              <a:rPr lang="en-US" sz="900" dirty="0">
-                <a:solidFill>
-                  <a:srgbClr val="94A3B8"/>
-                </a:solidFill>
-              </a:rPr>
-              <a:t>Sample all (a, b) from the same intent label using combinations
-</a:t>
-            </a:r>
-            <a:endParaRPr lang="en-US" sz="1100" dirty="0"/>
-          </a:p>
-          <a:p>
-            <a:pPr marL="0" indent="0">
-              <a:buNone/>
-            </a:pPr>
-            <a:r>
-              <a:rPr lang="en-US" sz="1100" b="1" dirty="0">
-                <a:solidFill>
-                  <a:srgbClr val="FFFFFF"/>
-                </a:solidFill>
-              </a:rPr>
-              <a:t>Step 2: Loss Function</a:t>
-            </a:r>
-            <a:endParaRPr lang="en-US" sz="1100" dirty="0"/>
-          </a:p>
-          <a:p>
-            <a:pPr marL="0" indent="0">
-              <a:buNone/>
-            </a:pPr>
-            <a:r>
-              <a:rPr lang="en-US" sz="900" dirty="0">
-                <a:solidFill>
-                  <a:srgbClr val="94A3B8"/>
-                </a:solidFill>
-              </a:rPr>
-              <a:t>MNR Loss treats other pairs in the batch as automatic negatives
-</a:t>
-            </a:r>
-            <a:endParaRPr lang="en-US" sz="1100" dirty="0"/>
-          </a:p>
-          <a:p>
-            <a:pPr marL="0" indent="0">
-              <a:buNone/>
-            </a:pPr>
-            <a:r>
-              <a:rPr lang="en-US" sz="1100" b="1" dirty="0">
-                <a:solidFill>
-                  <a:srgbClr val="FFFFFF"/>
-                </a:solidFill>
-              </a:rPr>
-              <a:t>Step 3: Training</a:t>
-            </a:r>
-            <a:endParaRPr lang="en-US" sz="1100" dirty="0"/>
-          </a:p>
-          <a:p>
-            <a:pPr marL="0" indent="0">
-              <a:buNone/>
-            </a:pPr>
-            <a:r>
-              <a:rPr lang="en-US" sz="900" dirty="0">
-                <a:solidFill>
-                  <a:srgbClr val="94A3B8"/>
-                </a:solidFill>
-              </a:rPr>
-              <a:t>1-3 epochs is usually sufficient; use warmup to stabilize early training
-</a:t>
-            </a:r>
-            <a:endParaRPr lang="en-US" sz="1100" dirty="0"/>
-          </a:p>
-          <a:p>
-            <a:pPr marL="0" indent="0">
-              <a:buNone/>
-            </a:pPr>
-            <a:r>
-              <a:rPr lang="en-US" sz="1100" b="1" dirty="0">
-                <a:solidFill>
-                  <a:srgbClr val="F97316"/>
-                </a:solidFill>
-              </a:rPr>
-              <a:t>Batch size matters!</a:t>
-            </a:r>
-            <a:endParaRPr lang="en-US" sz="1100" dirty="0"/>
-          </a:p>
-          <a:p>
-            <a:pPr marL="0" indent="0">
-              <a:buNone/>
-            </a:pPr>
-            <a:r>
-              <a:rPr lang="en-US" sz="900" dirty="0">
-                <a:solidFill>
-                  <a:srgbClr val="CADCFC"/>
-                </a:solidFill>
-              </a:rPr>
-              <a:t>Larger batch = more in-batch negatives = better contrastive signal. Use 128+ if GPU memory allows.</a:t>
-            </a:r>
-            <a:endParaRPr lang="en-US" sz="1100" dirty="0"/>
-          </a:p>
-        </p:txBody>
-      </p:sp>
-    </p:spTree>
-  </p:cSld>
-  <p:clrMapOvr>
-    <a:masterClrMapping/>
-  </p:clrMapOvr>
-</p:sld>
-</file>
-
-<file path=ppt/slides/slide16.xml><?xml version="1.0" encoding="utf-8"?>
-<p:sld xmlns:a="http://schemas.openxmlformats.org/drawingml/2006/main" xmlns:r="http://schemas.openxmlformats.org/officeDocument/2006/relationships" xmlns:p="http://schemas.openxmlformats.org/presentationml/2006/main">
-  <p:cSld name="Slide 16">
-    <p:bg>
-      <p:bgPr>
-        <a:solidFill>
-          <a:srgbClr val="0F172A"/>
-        </a:solidFill>
-        <a:effectLst/>
-      </p:bgPr>
-    </p:bg>
-    <p:spTree>
-      <p:nvGrpSpPr>
-        <p:cNvPr id="1" name=""/>
-        <p:cNvGrpSpPr/>
-        <p:nvPr/>
-      </p:nvGrpSpPr>
-      <p:grpSpPr>
-        <a:xfrm>
-          <a:off x="0" y="0"/>
-          <a:ext cx="0" cy="0"/>
-          <a:chOff x="0" y="0"/>
-          <a:chExt cx="0" cy="0"/>
-        </a:xfrm>
-      </p:grpSpPr>
-      <p:sp>
-        <p:nvSpPr>
-          <p:cNvPr id="2" name="Shape 0"/>
-          <p:cNvSpPr/>
-          <p:nvPr/>
-        </p:nvSpPr>
-        <p:spPr>
-          <a:xfrm>
-            <a:off x="0" y="0"/>
-            <a:ext cx="9144000" cy="54864"/>
-          </a:xfrm>
-          <a:prstGeom prst="rect">
-            <a:avLst/>
-          </a:prstGeom>
-          <a:solidFill>
-            <a:srgbClr val="14B8A6"/>
-          </a:solidFill>
-          <a:ln/>
-        </p:spPr>
-        <p:txBody>
-          <a:bodyPr/>
-          <a:lstStyle/>
-          <a:p>
-            <a:endParaRPr lang="en-US"/>
-          </a:p>
-        </p:txBody>
-      </p:sp>
-      <p:sp>
-        <p:nvSpPr>
-          <p:cNvPr id="3" name="Text 1"/>
-          <p:cNvSpPr/>
-          <p:nvPr/>
-        </p:nvSpPr>
-        <p:spPr>
-          <a:xfrm>
-            <a:off x="457200" y="182880"/>
-            <a:ext cx="8229600" cy="548640"/>
-          </a:xfrm>
-          <a:prstGeom prst="rect">
-            <a:avLst/>
-          </a:prstGeom>
-          <a:noFill/>
-          <a:ln/>
-        </p:spPr>
-        <p:txBody>
-          <a:bodyPr wrap="square" lIns="0" tIns="0" rIns="0" bIns="0" rtlCol="0" anchor="ctr"/>
-          <a:lstStyle/>
-          <a:p>
-            <a:pPr marL="0" indent="0" algn="l">
-              <a:buNone/>
-            </a:pPr>
-            <a:r>
-              <a:rPr lang="en-US" sz="3400" dirty="0">
-                <a:solidFill>
-                  <a:srgbClr val="FFFFFF"/>
-                </a:solidFill>
-                <a:latin typeface="Arial Black" pitchFamily="34" charset="0"/>
-                <a:ea typeface="Arial Black" pitchFamily="34" charset="-122"/>
-                <a:cs typeface="Arial Black" pitchFamily="34" charset="-120"/>
-              </a:rPr>
-              <a:t>Summary &amp; Next Steps</a:t>
-            </a:r>
-            <a:endParaRPr lang="en-US" sz="3400" dirty="0"/>
-          </a:p>
-        </p:txBody>
-      </p:sp>
-      <p:sp>
-        <p:nvSpPr>
-          <p:cNvPr id="4" name="Shape 2"/>
-          <p:cNvSpPr/>
-          <p:nvPr/>
-        </p:nvSpPr>
-        <p:spPr>
-          <a:xfrm>
-            <a:off x="457200" y="822960"/>
-            <a:ext cx="8229600" cy="685800"/>
-          </a:xfrm>
-          <a:prstGeom prst="rect">
-            <a:avLst/>
-          </a:prstGeom>
-          <a:solidFill>
-            <a:srgbClr val="1E293B"/>
-          </a:solidFill>
-          <a:ln/>
-          <a:effectLst>
-            <a:outerShdw blurRad="50800" dist="25400" dir="8100000" algn="bl" rotWithShape="0">
-              <a:srgbClr val="000000">
-                <a:alpha val="10000"/>
-              </a:srgbClr>
-            </a:outerShdw>
-          </a:effectLst>
-        </p:spPr>
-        <p:txBody>
-          <a:bodyPr/>
-          <a:lstStyle/>
-          <a:p>
-            <a:endParaRPr lang="en-US"/>
-          </a:p>
-        </p:txBody>
-      </p:sp>
-      <p:sp>
-        <p:nvSpPr>
-          <p:cNvPr id="5" name="Shape 3"/>
-          <p:cNvSpPr/>
-          <p:nvPr/>
-        </p:nvSpPr>
-        <p:spPr>
-          <a:xfrm>
-            <a:off x="457200" y="822960"/>
-            <a:ext cx="685800" cy="685800"/>
-          </a:xfrm>
-          <a:prstGeom prst="rect">
-            <a:avLst/>
-          </a:prstGeom>
-          <a:solidFill>
-            <a:srgbClr val="14B8A6"/>
-          </a:solidFill>
-          <a:ln/>
-        </p:spPr>
-        <p:txBody>
-          <a:bodyPr/>
-          <a:lstStyle/>
-          <a:p>
-            <a:endParaRPr lang="en-US"/>
-          </a:p>
-        </p:txBody>
-      </p:sp>
-      <p:sp>
-        <p:nvSpPr>
-          <p:cNvPr id="6" name="Text 4"/>
-          <p:cNvSpPr/>
-          <p:nvPr/>
-        </p:nvSpPr>
-        <p:spPr>
-          <a:xfrm>
-            <a:off x="457200" y="822960"/>
-            <a:ext cx="685800" cy="685800"/>
-          </a:xfrm>
-          <a:prstGeom prst="rect">
-            <a:avLst/>
-          </a:prstGeom>
-          <a:noFill/>
-          <a:ln/>
-        </p:spPr>
-        <p:txBody>
-          <a:bodyPr wrap="square" lIns="0" tIns="0" rIns="0" bIns="0" rtlCol="0" anchor="ctr"/>
-          <a:lstStyle/>
-          <a:p>
-            <a:pPr marL="0" indent="0" algn="ctr">
-              <a:buNone/>
-            </a:pPr>
-            <a:r>
-              <a:rPr lang="en-US" sz="2200" dirty="0">
-                <a:solidFill>
-                  <a:srgbClr val="FFFFFF"/>
-                </a:solidFill>
-                <a:latin typeface="Arial Black" pitchFamily="34" charset="0"/>
-                <a:ea typeface="Arial Black" pitchFamily="34" charset="-122"/>
-                <a:cs typeface="Arial Black" pitchFamily="34" charset="-120"/>
-              </a:rPr>
-              <a:t>01</a:t>
-            </a:r>
-            <a:endParaRPr lang="en-US" sz="2200" dirty="0"/>
-          </a:p>
-        </p:txBody>
-      </p:sp>
-      <p:sp>
-        <p:nvSpPr>
-          <p:cNvPr id="7" name="Text 5"/>
-          <p:cNvSpPr/>
-          <p:nvPr/>
-        </p:nvSpPr>
-        <p:spPr>
-          <a:xfrm>
-            <a:off x="1371600" y="822960"/>
-            <a:ext cx="1463040" cy="685800"/>
-          </a:xfrm>
-          <a:prstGeom prst="rect">
-            <a:avLst/>
-          </a:prstGeom>
-          <a:noFill/>
-          <a:ln/>
-        </p:spPr>
-        <p:txBody>
-          <a:bodyPr wrap="square" lIns="0" tIns="0" rIns="0" bIns="0" rtlCol="0" anchor="ctr"/>
-          <a:lstStyle/>
-          <a:p>
-            <a:pPr marL="0" indent="0" algn="l">
-              <a:buNone/>
-            </a:pPr>
-            <a:r>
-              <a:rPr lang="en-US" sz="1800" dirty="0">
-                <a:solidFill>
-                  <a:srgbClr val="14B8A6"/>
-                </a:solidFill>
-                <a:latin typeface="Arial Black" pitchFamily="34" charset="0"/>
-                <a:ea typeface="Arial Black" pitchFamily="34" charset="-122"/>
-                <a:cs typeface="Arial Black" pitchFamily="34" charset="-120"/>
-              </a:rPr>
-              <a:t>Embed</a:t>
-            </a:r>
-            <a:endParaRPr lang="en-US" sz="1800" dirty="0"/>
-          </a:p>
-        </p:txBody>
-      </p:sp>
-      <p:sp>
-        <p:nvSpPr>
-          <p:cNvPr id="8" name="Text 6"/>
-          <p:cNvSpPr/>
-          <p:nvPr/>
-        </p:nvSpPr>
-        <p:spPr>
-          <a:xfrm>
-            <a:off x="2834640" y="822960"/>
-            <a:ext cx="5669280" cy="685800"/>
-          </a:xfrm>
-          <a:prstGeom prst="rect">
-            <a:avLst/>
-          </a:prstGeom>
-          <a:noFill/>
-          <a:ln/>
-        </p:spPr>
-        <p:txBody>
-          <a:bodyPr wrap="square" lIns="0" tIns="0" rIns="0" bIns="0" rtlCol="0" anchor="ctr"/>
-          <a:lstStyle/>
-          <a:p>
-            <a:pPr marL="0" indent="0" algn="l">
-              <a:buNone/>
-            </a:pPr>
-            <a:r>
-              <a:rPr lang="en-US" sz="1300" dirty="0">
-                <a:solidFill>
-                  <a:srgbClr val="CADCFC"/>
-                </a:solidFill>
-                <a:latin typeface="Calibri" pitchFamily="34" charset="0"/>
-                <a:ea typeface="Calibri" pitchFamily="34" charset="-122"/>
-                <a:cs typeface="Calibri" pitchFamily="34" charset="-120"/>
-              </a:rPr>
-              <a:t>Sentence transformers capture semantic meaning in 384-dim vectors</a:t>
-            </a:r>
-            <a:endParaRPr lang="en-US" sz="1300" dirty="0"/>
-          </a:p>
-        </p:txBody>
-      </p:sp>
-      <p:sp>
-        <p:nvSpPr>
-          <p:cNvPr id="9" name="Shape 7"/>
-          <p:cNvSpPr/>
-          <p:nvPr/>
-        </p:nvSpPr>
-        <p:spPr>
-          <a:xfrm>
-            <a:off x="457200" y="1481328"/>
-            <a:ext cx="8229600" cy="685800"/>
-          </a:xfrm>
-          <a:prstGeom prst="rect">
-            <a:avLst/>
-          </a:prstGeom>
-          <a:solidFill>
-            <a:srgbClr val="1E293B"/>
-          </a:solidFill>
-          <a:ln/>
-          <a:effectLst>
-            <a:outerShdw blurRad="50800" dist="25400" dir="8100000" algn="bl" rotWithShape="0">
-              <a:srgbClr val="000000">
-                <a:alpha val="10000"/>
-              </a:srgbClr>
-            </a:outerShdw>
-          </a:effectLst>
-        </p:spPr>
-        <p:txBody>
-          <a:bodyPr/>
-          <a:lstStyle/>
-          <a:p>
-            <a:endParaRPr lang="en-US"/>
-          </a:p>
-        </p:txBody>
-      </p:sp>
-      <p:sp>
-        <p:nvSpPr>
-          <p:cNvPr id="10" name="Shape 8"/>
-          <p:cNvSpPr/>
-          <p:nvPr/>
-        </p:nvSpPr>
-        <p:spPr>
-          <a:xfrm>
-            <a:off x="457200" y="1481328"/>
-            <a:ext cx="685800" cy="685800"/>
-          </a:xfrm>
-          <a:prstGeom prst="rect">
-            <a:avLst/>
-          </a:prstGeom>
-          <a:solidFill>
-            <a:srgbClr val="7C3AED"/>
-          </a:solidFill>
-          <a:ln/>
-        </p:spPr>
-        <p:txBody>
-          <a:bodyPr/>
-          <a:lstStyle/>
-          <a:p>
-            <a:endParaRPr lang="en-US"/>
-          </a:p>
-        </p:txBody>
-      </p:sp>
-      <p:sp>
-        <p:nvSpPr>
-          <p:cNvPr id="11" name="Text 9"/>
-          <p:cNvSpPr/>
-          <p:nvPr/>
-        </p:nvSpPr>
-        <p:spPr>
-          <a:xfrm>
-            <a:off x="457200" y="1481328"/>
-            <a:ext cx="685800" cy="685800"/>
-          </a:xfrm>
-          <a:prstGeom prst="rect">
-            <a:avLst/>
-          </a:prstGeom>
-          <a:noFill/>
-          <a:ln/>
-        </p:spPr>
-        <p:txBody>
-          <a:bodyPr wrap="square" lIns="0" tIns="0" rIns="0" bIns="0" rtlCol="0" anchor="ctr"/>
-          <a:lstStyle/>
-          <a:p>
-            <a:pPr marL="0" indent="0" algn="ctr">
-              <a:buNone/>
-            </a:pPr>
-            <a:r>
-              <a:rPr lang="en-US" sz="2200" dirty="0">
-                <a:solidFill>
-                  <a:srgbClr val="FFFFFF"/>
-                </a:solidFill>
-                <a:latin typeface="Arial Black" pitchFamily="34" charset="0"/>
-                <a:ea typeface="Arial Black" pitchFamily="34" charset="-122"/>
-                <a:cs typeface="Arial Black" pitchFamily="34" charset="-120"/>
-              </a:rPr>
-              <a:t>02</a:t>
-            </a:r>
-            <a:endParaRPr lang="en-US" sz="2200" dirty="0"/>
-          </a:p>
-        </p:txBody>
-      </p:sp>
-      <p:sp>
-        <p:nvSpPr>
-          <p:cNvPr id="12" name="Text 10"/>
-          <p:cNvSpPr/>
-          <p:nvPr/>
-        </p:nvSpPr>
-        <p:spPr>
-          <a:xfrm>
-            <a:off x="1371600" y="1481328"/>
-            <a:ext cx="1463040" cy="685800"/>
-          </a:xfrm>
-          <a:prstGeom prst="rect">
-            <a:avLst/>
-          </a:prstGeom>
-          <a:noFill/>
-          <a:ln/>
-        </p:spPr>
-        <p:txBody>
-          <a:bodyPr wrap="square" lIns="0" tIns="0" rIns="0" bIns="0" rtlCol="0" anchor="ctr"/>
-          <a:lstStyle/>
-          <a:p>
-            <a:pPr marL="0" indent="0" algn="l">
-              <a:buNone/>
-            </a:pPr>
-            <a:r>
-              <a:rPr lang="en-US" sz="1800" dirty="0">
-                <a:solidFill>
-                  <a:srgbClr val="7C3AED"/>
-                </a:solidFill>
-                <a:latin typeface="Arial Black" pitchFamily="34" charset="0"/>
-                <a:ea typeface="Arial Black" pitchFamily="34" charset="-122"/>
-                <a:cs typeface="Arial Black" pitchFamily="34" charset="-120"/>
-              </a:rPr>
-              <a:t>Cluster</a:t>
-            </a:r>
-            <a:endParaRPr lang="en-US" sz="1800" dirty="0"/>
-          </a:p>
-        </p:txBody>
-      </p:sp>
-      <p:sp>
-        <p:nvSpPr>
-          <p:cNvPr id="13" name="Text 11"/>
-          <p:cNvSpPr/>
-          <p:nvPr/>
-        </p:nvSpPr>
-        <p:spPr>
-          <a:xfrm>
-            <a:off x="2834640" y="1481328"/>
-            <a:ext cx="5669280" cy="685800"/>
-          </a:xfrm>
-          <a:prstGeom prst="rect">
-            <a:avLst/>
-          </a:prstGeom>
-          <a:noFill/>
-          <a:ln/>
-        </p:spPr>
-        <p:txBody>
-          <a:bodyPr wrap="square" lIns="0" tIns="0" rIns="0" bIns="0" rtlCol="0" anchor="ctr"/>
-          <a:lstStyle/>
-          <a:p>
-            <a:pPr marL="0" indent="0" algn="l">
-              <a:buNone/>
-            </a:pPr>
-            <a:r>
-              <a:rPr lang="en-US" sz="1300" dirty="0">
-                <a:solidFill>
-                  <a:srgbClr val="CADCFC"/>
-                </a:solidFill>
-                <a:latin typeface="Calibri" pitchFamily="34" charset="0"/>
-                <a:ea typeface="Calibri" pitchFamily="34" charset="-122"/>
-                <a:cs typeface="Calibri" pitchFamily="34" charset="-120"/>
-              </a:rPr>
-              <a:t>HDBSCAN + DBCV-based parameter sweep; ≤30 cluster constraint</a:t>
-            </a:r>
-            <a:endParaRPr lang="en-US" sz="1300" dirty="0"/>
-          </a:p>
-        </p:txBody>
-      </p:sp>
-      <p:sp>
-        <p:nvSpPr>
-          <p:cNvPr id="14" name="Shape 12"/>
-          <p:cNvSpPr/>
-          <p:nvPr/>
-        </p:nvSpPr>
-        <p:spPr>
-          <a:xfrm>
-            <a:off x="457200" y="2139696"/>
-            <a:ext cx="8229600" cy="685800"/>
-          </a:xfrm>
-          <a:prstGeom prst="rect">
-            <a:avLst/>
-          </a:prstGeom>
-          <a:solidFill>
-            <a:srgbClr val="1E293B"/>
-          </a:solidFill>
-          <a:ln/>
-          <a:effectLst>
-            <a:outerShdw blurRad="50800" dist="25400" dir="8100000" algn="bl" rotWithShape="0">
-              <a:srgbClr val="000000">
-                <a:alpha val="10000"/>
-              </a:srgbClr>
-            </a:outerShdw>
-          </a:effectLst>
-        </p:spPr>
-        <p:txBody>
-          <a:bodyPr/>
-          <a:lstStyle/>
-          <a:p>
-            <a:endParaRPr lang="en-US"/>
-          </a:p>
-        </p:txBody>
-      </p:sp>
-      <p:sp>
-        <p:nvSpPr>
-          <p:cNvPr id="15" name="Shape 13"/>
-          <p:cNvSpPr/>
-          <p:nvPr/>
-        </p:nvSpPr>
-        <p:spPr>
-          <a:xfrm>
-            <a:off x="457200" y="2139696"/>
-            <a:ext cx="685800" cy="685800"/>
-          </a:xfrm>
-          <a:prstGeom prst="rect">
-            <a:avLst/>
-          </a:prstGeom>
-          <a:solidFill>
-            <a:srgbClr val="EC4899"/>
-          </a:solidFill>
-          <a:ln/>
-        </p:spPr>
-        <p:txBody>
-          <a:bodyPr/>
-          <a:lstStyle/>
-          <a:p>
-            <a:endParaRPr lang="en-US"/>
-          </a:p>
-        </p:txBody>
-      </p:sp>
-      <p:sp>
-        <p:nvSpPr>
-          <p:cNvPr id="16" name="Text 14"/>
-          <p:cNvSpPr/>
-          <p:nvPr/>
-        </p:nvSpPr>
-        <p:spPr>
-          <a:xfrm>
-            <a:off x="457200" y="2139696"/>
-            <a:ext cx="685800" cy="685800"/>
-          </a:xfrm>
-          <a:prstGeom prst="rect">
-            <a:avLst/>
-          </a:prstGeom>
-          <a:noFill/>
-          <a:ln/>
-        </p:spPr>
-        <p:txBody>
-          <a:bodyPr wrap="square" lIns="0" tIns="0" rIns="0" bIns="0" rtlCol="0" anchor="ctr"/>
-          <a:lstStyle/>
-          <a:p>
-            <a:pPr marL="0" indent="0" algn="ctr">
-              <a:buNone/>
-            </a:pPr>
-            <a:r>
-              <a:rPr lang="en-US" sz="2200" dirty="0">
-                <a:solidFill>
-                  <a:srgbClr val="FFFFFF"/>
-                </a:solidFill>
-                <a:latin typeface="Arial Black" pitchFamily="34" charset="0"/>
-                <a:ea typeface="Arial Black" pitchFamily="34" charset="-122"/>
-                <a:cs typeface="Arial Black" pitchFamily="34" charset="-120"/>
-              </a:rPr>
-              <a:t>03</a:t>
-            </a:r>
-            <a:endParaRPr lang="en-US" sz="2200" dirty="0"/>
-          </a:p>
-        </p:txBody>
-      </p:sp>
-      <p:sp>
-        <p:nvSpPr>
-          <p:cNvPr id="17" name="Text 15"/>
-          <p:cNvSpPr/>
-          <p:nvPr/>
-        </p:nvSpPr>
-        <p:spPr>
-          <a:xfrm>
-            <a:off x="1371600" y="2139696"/>
-            <a:ext cx="1463040" cy="685800"/>
-          </a:xfrm>
-          <a:prstGeom prst="rect">
-            <a:avLst/>
-          </a:prstGeom>
-          <a:noFill/>
-          <a:ln/>
-        </p:spPr>
-        <p:txBody>
-          <a:bodyPr wrap="square" lIns="0" tIns="0" rIns="0" bIns="0" rtlCol="0" anchor="ctr"/>
-          <a:lstStyle/>
-          <a:p>
-            <a:pPr marL="0" indent="0" algn="l">
-              <a:buNone/>
-            </a:pPr>
-            <a:r>
-              <a:rPr lang="en-US" sz="1800" dirty="0">
-                <a:solidFill>
-                  <a:srgbClr val="EC4899"/>
-                </a:solidFill>
-                <a:latin typeface="Arial Black" pitchFamily="34" charset="0"/>
-                <a:ea typeface="Arial Black" pitchFamily="34" charset="-122"/>
-                <a:cs typeface="Arial Black" pitchFamily="34" charset="-120"/>
-              </a:rPr>
-              <a:t>Evaluate</a:t>
-            </a:r>
-            <a:endParaRPr lang="en-US" sz="1800" dirty="0"/>
-          </a:p>
-        </p:txBody>
-      </p:sp>
-      <p:sp>
-        <p:nvSpPr>
-          <p:cNvPr id="18" name="Text 16"/>
-          <p:cNvSpPr/>
-          <p:nvPr/>
-        </p:nvSpPr>
-        <p:spPr>
-          <a:xfrm>
-            <a:off x="2834640" y="2139696"/>
-            <a:ext cx="5669280" cy="685800"/>
-          </a:xfrm>
-          <a:prstGeom prst="rect">
-            <a:avLst/>
-          </a:prstGeom>
-          <a:noFill/>
-          <a:ln/>
-        </p:spPr>
-        <p:txBody>
-          <a:bodyPr wrap="square" lIns="0" tIns="0" rIns="0" bIns="0" rtlCol="0" anchor="ctr"/>
-          <a:lstStyle/>
-          <a:p>
-            <a:pPr marL="0" indent="0" algn="l">
-              <a:buNone/>
-            </a:pPr>
-            <a:r>
-              <a:rPr lang="en-US" sz="1300" dirty="0">
-                <a:solidFill>
-                  <a:srgbClr val="CADCFC"/>
-                </a:solidFill>
-                <a:latin typeface="Calibri" pitchFamily="34" charset="0"/>
-                <a:ea typeface="Calibri" pitchFamily="34" charset="-122"/>
-                <a:cs typeface="Calibri" pitchFamily="34" charset="-120"/>
-              </a:rPr>
-              <a:t>DBCV (internal) + ARI/NMI on full dataset via approximate_predict</a:t>
-            </a:r>
-            <a:endParaRPr lang="en-US" sz="1300" dirty="0"/>
-          </a:p>
-        </p:txBody>
-      </p:sp>
-      <p:sp>
-        <p:nvSpPr>
-          <p:cNvPr id="19" name="Shape 17"/>
-          <p:cNvSpPr/>
-          <p:nvPr/>
-        </p:nvSpPr>
-        <p:spPr>
-          <a:xfrm>
-            <a:off x="457200" y="2798064"/>
-            <a:ext cx="8229600" cy="685800"/>
-          </a:xfrm>
-          <a:prstGeom prst="rect">
-            <a:avLst/>
-          </a:prstGeom>
-          <a:solidFill>
-            <a:srgbClr val="1E293B"/>
-          </a:solidFill>
-          <a:ln/>
-          <a:effectLst>
-            <a:outerShdw blurRad="50800" dist="25400" dir="8100000" algn="bl" rotWithShape="0">
-              <a:srgbClr val="000000">
-                <a:alpha val="10000"/>
-              </a:srgbClr>
-            </a:outerShdw>
-          </a:effectLst>
-        </p:spPr>
-        <p:txBody>
-          <a:bodyPr/>
-          <a:lstStyle/>
-          <a:p>
-            <a:endParaRPr lang="en-US"/>
-          </a:p>
-        </p:txBody>
-      </p:sp>
-      <p:sp>
-        <p:nvSpPr>
-          <p:cNvPr id="20" name="Shape 18"/>
-          <p:cNvSpPr/>
-          <p:nvPr/>
-        </p:nvSpPr>
-        <p:spPr>
-          <a:xfrm>
-            <a:off x="457200" y="2798064"/>
-            <a:ext cx="685800" cy="685800"/>
-          </a:xfrm>
-          <a:prstGeom prst="rect">
-            <a:avLst/>
-          </a:prstGeom>
-          <a:solidFill>
-            <a:srgbClr val="22C55E"/>
-          </a:solidFill>
-          <a:ln/>
-        </p:spPr>
-        <p:txBody>
-          <a:bodyPr/>
-          <a:lstStyle/>
-          <a:p>
-            <a:endParaRPr lang="en-US"/>
-          </a:p>
-        </p:txBody>
-      </p:sp>
-      <p:sp>
-        <p:nvSpPr>
-          <p:cNvPr id="21" name="Text 19"/>
-          <p:cNvSpPr/>
-          <p:nvPr/>
-        </p:nvSpPr>
-        <p:spPr>
-          <a:xfrm>
-            <a:off x="457200" y="2798064"/>
-            <a:ext cx="685800" cy="685800"/>
-          </a:xfrm>
-          <a:prstGeom prst="rect">
-            <a:avLst/>
-          </a:prstGeom>
-          <a:noFill/>
-          <a:ln/>
-        </p:spPr>
-        <p:txBody>
-          <a:bodyPr wrap="square" lIns="0" tIns="0" rIns="0" bIns="0" rtlCol="0" anchor="ctr"/>
-          <a:lstStyle/>
-          <a:p>
-            <a:pPr marL="0" indent="0" algn="ctr">
-              <a:buNone/>
-            </a:pPr>
-            <a:r>
-              <a:rPr lang="en-US" sz="2200" dirty="0">
-                <a:solidFill>
-                  <a:srgbClr val="FFFFFF"/>
-                </a:solidFill>
-                <a:latin typeface="Arial Black" pitchFamily="34" charset="0"/>
-                <a:ea typeface="Arial Black" pitchFamily="34" charset="-122"/>
-                <a:cs typeface="Arial Black" pitchFamily="34" charset="-120"/>
-              </a:rPr>
-              <a:t>04</a:t>
-            </a:r>
-            <a:endParaRPr lang="en-US" sz="2200" dirty="0"/>
-          </a:p>
-        </p:txBody>
-      </p:sp>
-      <p:sp>
-        <p:nvSpPr>
-          <p:cNvPr id="22" name="Text 20"/>
-          <p:cNvSpPr/>
-          <p:nvPr/>
-        </p:nvSpPr>
-        <p:spPr>
-          <a:xfrm>
-            <a:off x="1371600" y="2798064"/>
-            <a:ext cx="1463040" cy="685800"/>
-          </a:xfrm>
-          <a:prstGeom prst="rect">
-            <a:avLst/>
-          </a:prstGeom>
-          <a:noFill/>
-          <a:ln/>
-        </p:spPr>
-        <p:txBody>
-          <a:bodyPr wrap="square" lIns="0" tIns="0" rIns="0" bIns="0" rtlCol="0" anchor="ctr"/>
-          <a:lstStyle/>
-          <a:p>
-            <a:pPr marL="0" indent="0" algn="l">
-              <a:buNone/>
-            </a:pPr>
-            <a:r>
-              <a:rPr lang="en-US" sz="1800" dirty="0">
-                <a:solidFill>
-                  <a:srgbClr val="22C55E"/>
-                </a:solidFill>
-                <a:latin typeface="Arial Black" pitchFamily="34" charset="0"/>
-                <a:ea typeface="Arial Black" pitchFamily="34" charset="-122"/>
-                <a:cs typeface="Arial Black" pitchFamily="34" charset="-120"/>
-              </a:rPr>
-              <a:t>Label</a:t>
-            </a:r>
-            <a:endParaRPr lang="en-US" sz="1800" dirty="0"/>
-          </a:p>
-        </p:txBody>
-      </p:sp>
-      <p:sp>
-        <p:nvSpPr>
-          <p:cNvPr id="23" name="Text 21"/>
-          <p:cNvSpPr/>
-          <p:nvPr/>
-        </p:nvSpPr>
-        <p:spPr>
-          <a:xfrm>
-            <a:off x="2834640" y="2798064"/>
-            <a:ext cx="5669280" cy="685800"/>
-          </a:xfrm>
-          <a:prstGeom prst="rect">
-            <a:avLst/>
-          </a:prstGeom>
-          <a:noFill/>
-          <a:ln/>
-        </p:spPr>
-        <p:txBody>
-          <a:bodyPr wrap="square" lIns="0" tIns="0" rIns="0" bIns="0" rtlCol="0" anchor="ctr"/>
-          <a:lstStyle/>
-          <a:p>
-            <a:pPr marL="0" indent="0" algn="l">
-              <a:buNone/>
-            </a:pPr>
-            <a:r>
-              <a:rPr lang="en-US" sz="1300" dirty="0">
-                <a:solidFill>
-                  <a:srgbClr val="CADCFC"/>
-                </a:solidFill>
-                <a:latin typeface="Calibri" pitchFamily="34" charset="0"/>
-                <a:ea typeface="Calibri" pitchFamily="34" charset="-122"/>
-                <a:cs typeface="Calibri" pitchFamily="34" charset="-120"/>
-              </a:rPr>
-              <a:t>TF-IDF for fast keyword labels; LLM prompting for richer descriptions</a:t>
-            </a:r>
-            <a:endParaRPr lang="en-US" sz="1300" dirty="0"/>
-          </a:p>
-        </p:txBody>
-      </p:sp>
-      <p:sp>
-        <p:nvSpPr>
-          <p:cNvPr id="24" name="Shape 22"/>
-          <p:cNvSpPr/>
-          <p:nvPr/>
-        </p:nvSpPr>
-        <p:spPr>
-          <a:xfrm>
-            <a:off x="457200" y="3456432"/>
-            <a:ext cx="8229600" cy="685800"/>
-          </a:xfrm>
-          <a:prstGeom prst="rect">
-            <a:avLst/>
-          </a:prstGeom>
-          <a:solidFill>
-            <a:srgbClr val="1E293B"/>
-          </a:solidFill>
-          <a:ln/>
-          <a:effectLst>
-            <a:outerShdw blurRad="50800" dist="25400" dir="8100000" algn="bl" rotWithShape="0">
-              <a:srgbClr val="000000">
-                <a:alpha val="10000"/>
-              </a:srgbClr>
-            </a:outerShdw>
-          </a:effectLst>
-        </p:spPr>
-        <p:txBody>
-          <a:bodyPr/>
-          <a:lstStyle/>
-          <a:p>
-            <a:endParaRPr lang="en-US"/>
-          </a:p>
-        </p:txBody>
-      </p:sp>
-      <p:sp>
-        <p:nvSpPr>
-          <p:cNvPr id="25" name="Shape 23"/>
-          <p:cNvSpPr/>
-          <p:nvPr/>
-        </p:nvSpPr>
-        <p:spPr>
-          <a:xfrm>
-            <a:off x="457200" y="3456432"/>
-            <a:ext cx="685800" cy="685800"/>
-          </a:xfrm>
-          <a:prstGeom prst="rect">
-            <a:avLst/>
-          </a:prstGeom>
-          <a:solidFill>
-            <a:srgbClr val="F97316"/>
-          </a:solidFill>
-          <a:ln/>
-        </p:spPr>
-        <p:txBody>
-          <a:bodyPr/>
-          <a:lstStyle/>
-          <a:p>
-            <a:endParaRPr lang="en-US"/>
-          </a:p>
-        </p:txBody>
-      </p:sp>
-      <p:sp>
-        <p:nvSpPr>
-          <p:cNvPr id="26" name="Text 24"/>
-          <p:cNvSpPr/>
-          <p:nvPr/>
-        </p:nvSpPr>
-        <p:spPr>
-          <a:xfrm>
-            <a:off x="457200" y="3456432"/>
-            <a:ext cx="685800" cy="685800"/>
-          </a:xfrm>
-          <a:prstGeom prst="rect">
-            <a:avLst/>
-          </a:prstGeom>
-          <a:noFill/>
-          <a:ln/>
-        </p:spPr>
-        <p:txBody>
-          <a:bodyPr wrap="square" lIns="0" tIns="0" rIns="0" bIns="0" rtlCol="0" anchor="ctr"/>
-          <a:lstStyle/>
-          <a:p>
-            <a:pPr marL="0" indent="0" algn="ctr">
-              <a:buNone/>
-            </a:pPr>
-            <a:r>
-              <a:rPr lang="en-US" sz="2200" dirty="0">
-                <a:solidFill>
-                  <a:srgbClr val="FFFFFF"/>
-                </a:solidFill>
-                <a:latin typeface="Arial Black" pitchFamily="34" charset="0"/>
-                <a:ea typeface="Arial Black" pitchFamily="34" charset="-122"/>
-                <a:cs typeface="Arial Black" pitchFamily="34" charset="-120"/>
-              </a:rPr>
-              <a:t>FT</a:t>
-            </a:r>
-            <a:endParaRPr lang="en-US" sz="2200" dirty="0"/>
-          </a:p>
-        </p:txBody>
-      </p:sp>
-      <p:sp>
-        <p:nvSpPr>
-          <p:cNvPr id="27" name="Text 25"/>
-          <p:cNvSpPr/>
-          <p:nvPr/>
-        </p:nvSpPr>
-        <p:spPr>
-          <a:xfrm>
-            <a:off x="1371600" y="3456432"/>
-            <a:ext cx="1463040" cy="685800"/>
-          </a:xfrm>
-          <a:prstGeom prst="rect">
-            <a:avLst/>
-          </a:prstGeom>
-          <a:noFill/>
-          <a:ln/>
-        </p:spPr>
-        <p:txBody>
-          <a:bodyPr wrap="square" lIns="0" tIns="0" rIns="0" bIns="0" rtlCol="0" anchor="ctr"/>
-          <a:lstStyle/>
-          <a:p>
-            <a:pPr marL="0" indent="0" algn="l">
-              <a:buNone/>
-            </a:pPr>
-            <a:r>
-              <a:rPr lang="en-US" sz="1800" dirty="0">
-                <a:solidFill>
-                  <a:srgbClr val="F97316"/>
-                </a:solidFill>
-                <a:latin typeface="Arial Black" pitchFamily="34" charset="0"/>
-                <a:ea typeface="Arial Black" pitchFamily="34" charset="-122"/>
-                <a:cs typeface="Arial Black" pitchFamily="34" charset="-120"/>
-              </a:rPr>
-              <a:t>Fine-Tune</a:t>
-            </a:r>
-            <a:endParaRPr lang="en-US" sz="1800" dirty="0"/>
-          </a:p>
-        </p:txBody>
-      </p:sp>
-      <p:sp>
-        <p:nvSpPr>
-          <p:cNvPr id="28" name="Text 26"/>
-          <p:cNvSpPr/>
-          <p:nvPr/>
-        </p:nvSpPr>
-        <p:spPr>
-          <a:xfrm>
-            <a:off x="2834640" y="3456432"/>
-            <a:ext cx="5669280" cy="685800"/>
-          </a:xfrm>
-          <a:prstGeom prst="rect">
-            <a:avLst/>
-          </a:prstGeom>
-          <a:noFill/>
-          <a:ln/>
-        </p:spPr>
-        <p:txBody>
-          <a:bodyPr wrap="square" lIns="0" tIns="0" rIns="0" bIns="0" rtlCol="0" anchor="ctr"/>
-          <a:lstStyle/>
-          <a:p>
-            <a:pPr marL="0" indent="0" algn="l">
-              <a:buNone/>
-            </a:pPr>
-            <a:r>
-              <a:rPr lang="en-US" sz="1300" dirty="0">
-                <a:solidFill>
-                  <a:srgbClr val="CADCFC"/>
-                </a:solidFill>
-                <a:latin typeface="Calibri" pitchFamily="34" charset="0"/>
-                <a:ea typeface="Calibri" pitchFamily="34" charset="-122"/>
-                <a:cs typeface="Calibri" pitchFamily="34" charset="-120"/>
-              </a:rPr>
-              <a:t>MNR Loss + per-model DBCV sweep; fairer base vs fine-tuned comparison</a:t>
-            </a:r>
-            <a:endParaRPr lang="en-US" sz="1300" dirty="0"/>
-          </a:p>
-        </p:txBody>
-      </p:sp>
-      <p:sp>
-        <p:nvSpPr>
-          <p:cNvPr id="29" name="Shape 27"/>
-          <p:cNvSpPr/>
-          <p:nvPr/>
-        </p:nvSpPr>
-        <p:spPr>
-          <a:xfrm>
-            <a:off x="457200" y="4206240"/>
-            <a:ext cx="8229600" cy="594360"/>
-          </a:xfrm>
-          <a:prstGeom prst="rect">
-            <a:avLst/>
-          </a:prstGeom>
-          <a:solidFill>
-            <a:srgbClr val="14B8A6">
-              <a:alpha val="15000"/>
-            </a:srgbClr>
-          </a:solidFill>
-          <a:ln/>
-          <a:effectLst>
-            <a:outerShdw blurRad="50800" dist="25400" dir="8100000" algn="bl" rotWithShape="0">
-              <a:srgbClr val="000000">
-                <a:alpha val="10000"/>
-              </a:srgbClr>
-            </a:outerShdw>
-          </a:effectLst>
-        </p:spPr>
-        <p:txBody>
-          <a:bodyPr/>
-          <a:lstStyle/>
-          <a:p>
-            <a:endParaRPr lang="en-US"/>
-          </a:p>
-        </p:txBody>
-      </p:sp>
-      <p:sp>
-        <p:nvSpPr>
-          <p:cNvPr id="30" name="Text 28"/>
-          <p:cNvSpPr/>
-          <p:nvPr/>
-        </p:nvSpPr>
-        <p:spPr>
-          <a:xfrm>
-            <a:off x="731520" y="4206240"/>
-            <a:ext cx="7680960" cy="594360"/>
-          </a:xfrm>
-          <a:prstGeom prst="rect">
-            <a:avLst/>
-          </a:prstGeom>
-          <a:noFill/>
-          <a:ln/>
-        </p:spPr>
-        <p:txBody>
-          <a:bodyPr wrap="square" lIns="0" tIns="0" rIns="0" bIns="0" rtlCol="0" anchor="ctr"/>
-          <a:lstStyle/>
-          <a:p>
-            <a:pPr marL="0" indent="0">
-              <a:buNone/>
-            </a:pPr>
-            <a:r>
-              <a:rPr lang="en-US" sz="1400" b="1" dirty="0">
-                <a:solidFill>
-                  <a:srgbClr val="14B8A6"/>
-                </a:solidFill>
-              </a:rPr>
-              <a:t>Ready to build?  </a:t>
-            </a:r>
-            <a:r>
-              <a:rPr lang="en-US" sz="1200" dirty="0">
-                <a:solidFill>
-                  <a:srgbClr val="CADCFC"/>
-                </a:solidFill>
-              </a:rPr>
-              <a:t>Upload your dataset and we can run the full pipeline — embedding, fine-tuning, clustering, and visualization.</a:t>
-            </a:r>
-            <a:endParaRPr lang="en-US" sz="1400" dirty="0"/>
-          </a:p>
-        </p:txBody>
-      </p:sp>
-    </p:spTree>
-  </p:cSld>
-  <p:clrMapOvr>
-    <a:masterClrMapping/>
-  </p:clrMapOvr>
-</p:sld>
-</file>
-
-<file path=ppt/slides/slide17.xml><?xml version="1.0" encoding="utf-8"?>
 <p:sld xmlns:a="http://schemas.openxmlformats.org/drawingml/2006/main" xmlns:p="http://schemas.openxmlformats.org/presentationml/2006/main" xmlns:r="http://schemas.openxmlformats.org/officeDocument/2006/relationships">
   <p:cSld>
     <p:bg>
@@ -6823,7 +3234,7 @@
 </p:sld>
 </file>
 
-<file path=ppt/slides/slide18.xml><?xml version="1.0" encoding="utf-8"?>
+<file path=ppt/slides/slide11.xml><?xml version="1.0" encoding="utf-8"?>
 <p:sld xmlns:a="http://schemas.openxmlformats.org/drawingml/2006/main" xmlns:p="http://schemas.openxmlformats.org/presentationml/2006/main" xmlns:r="http://schemas.openxmlformats.org/officeDocument/2006/relationships">
   <p:cSld>
     <p:bg>
@@ -7443,7 +3854,2527 @@
 </p:sld>
 </file>
 
-<file path=ppt/slides/slide19.xml><?xml version="1.0" encoding="utf-8"?>
+<file path=ppt/slides/slide12.xml><?xml version="1.0" encoding="utf-8"?>
+<p:sld xmlns:a="http://schemas.openxmlformats.org/drawingml/2006/main" xmlns:r="http://schemas.openxmlformats.org/officeDocument/2006/relationships" xmlns:p="http://schemas.openxmlformats.org/presentationml/2006/main">
+  <p:cSld name="Slide 10">
+    <p:bg>
+      <p:bgPr>
+        <a:solidFill>
+          <a:srgbClr val="0F172A"/>
+        </a:solidFill>
+        <a:effectLst/>
+      </p:bgPr>
+    </p:bg>
+    <p:spTree>
+      <p:nvGrpSpPr>
+        <p:cNvPr id="1" name=""/>
+        <p:cNvGrpSpPr/>
+        <p:nvPr/>
+      </p:nvGrpSpPr>
+      <p:grpSpPr>
+        <a:xfrm>
+          <a:off x="0" y="0"/>
+          <a:ext cx="0" cy="0"/>
+          <a:chOff x="0" y="0"/>
+          <a:chExt cx="0" cy="0"/>
+        </a:xfrm>
+      </p:grpSpPr>
+      <p:sp>
+        <p:nvSpPr>
+          <p:cNvPr id="2" name="Shape 0"/>
+          <p:cNvSpPr/>
+          <p:nvPr/>
+        </p:nvSpPr>
+        <p:spPr>
+          <a:xfrm>
+            <a:off x="0" y="0"/>
+            <a:ext cx="9144000" cy="54864"/>
+          </a:xfrm>
+          <a:prstGeom prst="rect">
+            <a:avLst/>
+          </a:prstGeom>
+          <a:solidFill>
+            <a:srgbClr val="22C55E"/>
+          </a:solidFill>
+          <a:ln/>
+        </p:spPr>
+        <p:txBody>
+          <a:bodyPr/>
+          <a:lstStyle/>
+          <a:p>
+            <a:endParaRPr lang="en-US"/>
+          </a:p>
+        </p:txBody>
+      </p:sp>
+      <p:sp>
+        <p:nvSpPr>
+          <p:cNvPr id="3" name="Shape 1"/>
+          <p:cNvSpPr/>
+          <p:nvPr/>
+        </p:nvSpPr>
+        <p:spPr>
+          <a:xfrm>
+            <a:off x="457200" y="182880"/>
+            <a:ext cx="640080" cy="457200"/>
+          </a:xfrm>
+          <a:prstGeom prst="rect">
+            <a:avLst/>
+          </a:prstGeom>
+          <a:solidFill>
+            <a:srgbClr val="22C55E"/>
+          </a:solidFill>
+          <a:ln/>
+          <a:effectLst>
+            <a:outerShdw blurRad="50800" dist="25400" dir="8100000" algn="bl" rotWithShape="0">
+              <a:srgbClr val="000000">
+                <a:alpha val="10000"/>
+              </a:srgbClr>
+            </a:outerShdw>
+          </a:effectLst>
+        </p:spPr>
+        <p:txBody>
+          <a:bodyPr/>
+          <a:lstStyle/>
+          <a:p>
+            <a:endParaRPr lang="en-US"/>
+          </a:p>
+        </p:txBody>
+      </p:sp>
+      <p:sp>
+        <p:nvSpPr>
+          <p:cNvPr id="4" name="Text 2"/>
+          <p:cNvSpPr/>
+          <p:nvPr/>
+        </p:nvSpPr>
+        <p:spPr>
+          <a:xfrm>
+            <a:off x="457200" y="182880"/>
+            <a:ext cx="640080" cy="457200"/>
+          </a:xfrm>
+          <a:prstGeom prst="rect">
+            <a:avLst/>
+          </a:prstGeom>
+          <a:noFill/>
+          <a:ln/>
+        </p:spPr>
+        <p:txBody>
+          <a:bodyPr wrap="square" lIns="0" tIns="0" rIns="0" bIns="0" rtlCol="0" anchor="ctr"/>
+          <a:lstStyle/>
+          <a:p>
+            <a:pPr marL="0" indent="0" algn="ctr">
+              <a:buNone/>
+            </a:pPr>
+            <a:r>
+              <a:rPr lang="en-US" sz="2000" dirty="0">
+                <a:solidFill>
+                  <a:srgbClr val="FFFFFF"/>
+                </a:solidFill>
+                <a:latin typeface="Arial Black" pitchFamily="34" charset="0"/>
+                <a:ea typeface="Arial Black" pitchFamily="34" charset="-122"/>
+                <a:cs typeface="Arial Black" pitchFamily="34" charset="-120"/>
+              </a:rPr>
+              <a:t>04</a:t>
+            </a:r>
+            <a:endParaRPr lang="en-US" sz="2000" dirty="0"/>
+          </a:p>
+        </p:txBody>
+      </p:sp>
+      <p:sp>
+        <p:nvSpPr>
+          <p:cNvPr id="5" name="Text 3"/>
+          <p:cNvSpPr/>
+          <p:nvPr/>
+        </p:nvSpPr>
+        <p:spPr>
+          <a:xfrm>
+            <a:off x="1280160" y="182880"/>
+            <a:ext cx="7315200" cy="457200"/>
+          </a:xfrm>
+          <a:prstGeom prst="rect">
+            <a:avLst/>
+          </a:prstGeom>
+          <a:noFill/>
+          <a:ln/>
+        </p:spPr>
+        <p:txBody>
+          <a:bodyPr wrap="square" lIns="0" tIns="0" rIns="0" bIns="0" rtlCol="0" anchor="ctr"/>
+          <a:lstStyle/>
+          <a:p>
+            <a:pPr marL="0" indent="0" algn="l">
+              <a:buNone/>
+            </a:pPr>
+            <a:r>
+              <a:rPr lang="en-US" sz="2800" dirty="0">
+                <a:solidFill>
+                  <a:srgbClr val="FFFFFF"/>
+                </a:solidFill>
+                <a:latin typeface="Arial Black" pitchFamily="34" charset="0"/>
+                <a:ea typeface="Arial Black" pitchFamily="34" charset="-122"/>
+                <a:cs typeface="Arial Black" pitchFamily="34" charset="-120"/>
+              </a:rPr>
+              <a:t>Cluster Labeling</a:t>
+            </a:r>
+            <a:endParaRPr lang="en-US" sz="2800" dirty="0"/>
+          </a:p>
+        </p:txBody>
+      </p:sp>
+      <p:sp>
+        <p:nvSpPr>
+          <p:cNvPr id="6" name="Text 4"/>
+          <p:cNvSpPr/>
+          <p:nvPr/>
+        </p:nvSpPr>
+        <p:spPr>
+          <a:xfrm>
+            <a:off x="1280160" y="640080"/>
+            <a:ext cx="7315200" cy="320040"/>
+          </a:xfrm>
+          <a:prstGeom prst="rect">
+            <a:avLst/>
+          </a:prstGeom>
+          <a:noFill/>
+          <a:ln/>
+        </p:spPr>
+        <p:txBody>
+          <a:bodyPr wrap="square" lIns="0" tIns="0" rIns="0" bIns="0" rtlCol="0" anchor="ctr"/>
+          <a:lstStyle/>
+          <a:p>
+            <a:pPr marL="0" indent="0" algn="l">
+              <a:buNone/>
+            </a:pPr>
+            <a:r>
+              <a:rPr lang="en-US" sz="1300" dirty="0">
+                <a:solidFill>
+                  <a:srgbClr val="94A3B8"/>
+                </a:solidFill>
+                <a:latin typeface="Calibri" pitchFamily="34" charset="0"/>
+                <a:ea typeface="Calibri" pitchFamily="34" charset="-122"/>
+                <a:cs typeface="Calibri" pitchFamily="34" charset="-120"/>
+              </a:rPr>
+              <a:t>Turning anonymous cluster IDs into meaningful, human-readable intent names</a:t>
+            </a:r>
+            <a:endParaRPr lang="en-US" sz="1300" dirty="0"/>
+          </a:p>
+        </p:txBody>
+      </p:sp>
+      <p:pic>
+        <p:nvPicPr>
+          <p:cNvPr id="7" name="Image 0" descr="preencoded.png"/>
+          <p:cNvPicPr>
+            <a:picLocks noChangeAspect="1"/>
+          </p:cNvPicPr>
+          <p:nvPr/>
+        </p:nvPicPr>
+        <p:blipFill>
+          <a:blip r:embed="rId3"/>
+          <a:stretch>
+            <a:fillRect/>
+          </a:stretch>
+        </p:blipFill>
+        <p:spPr>
+          <a:xfrm>
+            <a:off x="274320" y="1051560"/>
+            <a:ext cx="8595360" cy="3931920"/>
+          </a:xfrm>
+          <a:prstGeom prst="rect">
+            <a:avLst/>
+          </a:prstGeom>
+        </p:spPr>
+      </p:pic>
+    </p:spTree>
+  </p:cSld>
+  <p:clrMapOvr>
+    <a:masterClrMapping/>
+  </p:clrMapOvr>
+</p:sld>
+</file>
+
+<file path=ppt/slides/slide13.xml><?xml version="1.0" encoding="utf-8"?>
+<p:sld xmlns:a="http://schemas.openxmlformats.org/drawingml/2006/main" xmlns:r="http://schemas.openxmlformats.org/officeDocument/2006/relationships" xmlns:p="http://schemas.openxmlformats.org/presentationml/2006/main">
+  <p:cSld name="Slide 11">
+    <p:bg>
+      <p:bgPr>
+        <a:solidFill>
+          <a:srgbClr val="0F172A"/>
+        </a:solidFill>
+        <a:effectLst/>
+      </p:bgPr>
+    </p:bg>
+    <p:spTree>
+      <p:nvGrpSpPr>
+        <p:cNvPr id="1" name=""/>
+        <p:cNvGrpSpPr/>
+        <p:nvPr/>
+      </p:nvGrpSpPr>
+      <p:grpSpPr>
+        <a:xfrm>
+          <a:off x="0" y="0"/>
+          <a:ext cx="0" cy="0"/>
+          <a:chOff x="0" y="0"/>
+          <a:chExt cx="0" cy="0"/>
+        </a:xfrm>
+      </p:grpSpPr>
+      <p:sp>
+        <p:nvSpPr>
+          <p:cNvPr id="2" name="Shape 0"/>
+          <p:cNvSpPr/>
+          <p:nvPr/>
+        </p:nvSpPr>
+        <p:spPr>
+          <a:xfrm>
+            <a:off x="0" y="0"/>
+            <a:ext cx="9144000" cy="54864"/>
+          </a:xfrm>
+          <a:prstGeom prst="rect">
+            <a:avLst/>
+          </a:prstGeom>
+          <a:solidFill>
+            <a:srgbClr val="F97316"/>
+          </a:solidFill>
+          <a:ln/>
+        </p:spPr>
+        <p:txBody>
+          <a:bodyPr/>
+          <a:lstStyle/>
+          <a:p>
+            <a:endParaRPr lang="en-US"/>
+          </a:p>
+        </p:txBody>
+      </p:sp>
+      <p:sp>
+        <p:nvSpPr>
+          <p:cNvPr id="3" name="Text 1"/>
+          <p:cNvSpPr/>
+          <p:nvPr/>
+        </p:nvSpPr>
+        <p:spPr>
+          <a:xfrm>
+            <a:off x="457200" y="182880"/>
+            <a:ext cx="8229600" cy="457200"/>
+          </a:xfrm>
+          <a:prstGeom prst="rect">
+            <a:avLst/>
+          </a:prstGeom>
+          <a:noFill/>
+          <a:ln/>
+        </p:spPr>
+        <p:txBody>
+          <a:bodyPr wrap="square" lIns="0" tIns="0" rIns="0" bIns="0" rtlCol="0" anchor="ctr"/>
+          <a:lstStyle/>
+          <a:p>
+            <a:pPr marL="0" indent="0" algn="l">
+              <a:buNone/>
+            </a:pPr>
+            <a:r>
+              <a:rPr lang="en-US" sz="2800" dirty="0">
+                <a:solidFill>
+                  <a:srgbClr val="FFFFFF"/>
+                </a:solidFill>
+                <a:latin typeface="Arial Black" pitchFamily="34" charset="0"/>
+                <a:ea typeface="Arial Black" pitchFamily="34" charset="-122"/>
+                <a:cs typeface="Arial Black" pitchFamily="34" charset="-120"/>
+              </a:rPr>
+              <a:t>Python Implementation</a:t>
+            </a:r>
+            <a:endParaRPr lang="en-US" sz="2800" dirty="0"/>
+          </a:p>
+        </p:txBody>
+      </p:sp>
+      <p:sp>
+        <p:nvSpPr>
+          <p:cNvPr id="4" name="Text 2"/>
+          <p:cNvSpPr/>
+          <p:nvPr/>
+        </p:nvSpPr>
+        <p:spPr>
+          <a:xfrm>
+            <a:off x="457200" y="594360"/>
+            <a:ext cx="8229600" cy="274320"/>
+          </a:xfrm>
+          <a:prstGeom prst="rect">
+            <a:avLst/>
+          </a:prstGeom>
+          <a:noFill/>
+          <a:ln/>
+        </p:spPr>
+        <p:txBody>
+          <a:bodyPr wrap="square" lIns="0" tIns="0" rIns="0" bIns="0" rtlCol="0" anchor="ctr"/>
+          <a:lstStyle/>
+          <a:p>
+            <a:pPr marL="0" indent="0" algn="l">
+              <a:buNone/>
+            </a:pPr>
+            <a:r>
+              <a:rPr lang="en-US" sz="1300" dirty="0">
+                <a:solidFill>
+                  <a:srgbClr val="94A3B8"/>
+                </a:solidFill>
+                <a:latin typeface="Calibri" pitchFamily="34" charset="0"/>
+                <a:ea typeface="Calibri" pitchFamily="34" charset="-122"/>
+                <a:cs typeface="Calibri" pitchFamily="34" charset="-120"/>
+              </a:rPr>
+              <a:t>Complete pipeline in ~20 lines of Python</a:t>
+            </a:r>
+            <a:endParaRPr lang="en-US" sz="1300" dirty="0"/>
+          </a:p>
+        </p:txBody>
+      </p:sp>
+      <p:sp>
+        <p:nvSpPr>
+          <p:cNvPr id="5" name="Shape 3"/>
+          <p:cNvSpPr/>
+          <p:nvPr/>
+        </p:nvSpPr>
+        <p:spPr>
+          <a:xfrm>
+            <a:off x="365760" y="960120"/>
+            <a:ext cx="5303520" cy="3931920"/>
+          </a:xfrm>
+          <a:prstGeom prst="rect">
+            <a:avLst/>
+          </a:prstGeom>
+          <a:solidFill>
+            <a:srgbClr val="1A1A2E"/>
+          </a:solidFill>
+          <a:ln/>
+          <a:effectLst>
+            <a:outerShdw blurRad="101600" dist="38100" dir="8100000" algn="bl" rotWithShape="0">
+              <a:srgbClr val="000000">
+                <a:alpha val="20000"/>
+              </a:srgbClr>
+            </a:outerShdw>
+          </a:effectLst>
+        </p:spPr>
+        <p:txBody>
+          <a:bodyPr/>
+          <a:lstStyle/>
+          <a:p>
+            <a:endParaRPr lang="en-US"/>
+          </a:p>
+        </p:txBody>
+      </p:sp>
+      <p:sp>
+        <p:nvSpPr>
+          <p:cNvPr id="6" name="Text 4"/>
+          <p:cNvSpPr/>
+          <p:nvPr/>
+        </p:nvSpPr>
+        <p:spPr>
+          <a:xfrm>
+            <a:off x="594360" y="1051560"/>
+            <a:ext cx="4846320" cy="3749040"/>
+          </a:xfrm>
+          <a:prstGeom prst="rect">
+            <a:avLst/>
+          </a:prstGeom>
+          <a:noFill/>
+          <a:ln/>
+        </p:spPr>
+        <p:txBody>
+          <a:bodyPr wrap="square" lIns="0" tIns="0" rIns="0" bIns="0" rtlCol="0" anchor="t"/>
+          <a:lstStyle/>
+          <a:p>
+            <a:pPr marL="0" indent="0">
+              <a:spcAft>
+                <a:spcPts val="200"/>
+              </a:spcAft>
+              <a:buNone/>
+            </a:pPr>
+            <a:r>
+              <a:rPr lang="en-US" sz="900" dirty="0">
+                <a:solidFill>
+                  <a:srgbClr val="CADCFC"/>
+                </a:solidFill>
+                <a:latin typeface="Consolas" pitchFamily="34" charset="0"/>
+                <a:ea typeface="Consolas" pitchFamily="34" charset="-122"/>
+                <a:cs typeface="Consolas" pitchFamily="34" charset="-120"/>
+              </a:rPr>
+              <a:t># 1. Embed utterances</a:t>
+            </a:r>
+            <a:endParaRPr lang="en-US" sz="900" dirty="0"/>
+          </a:p>
+          <a:p>
+            <a:pPr marL="0" indent="0">
+              <a:spcAft>
+                <a:spcPts val="200"/>
+              </a:spcAft>
+              <a:buNone/>
+            </a:pPr>
+            <a:r>
+              <a:rPr lang="en-US" sz="900" dirty="0">
+                <a:solidFill>
+                  <a:srgbClr val="CADCFC"/>
+                </a:solidFill>
+                <a:latin typeface="Consolas" pitchFamily="34" charset="0"/>
+                <a:ea typeface="Consolas" pitchFamily="34" charset="-122"/>
+                <a:cs typeface="Consolas" pitchFamily="34" charset="-120"/>
+              </a:rPr>
+              <a:t>from sentence_transformers import SentenceTransformer</a:t>
+            </a:r>
+            <a:endParaRPr lang="en-US" sz="900" dirty="0"/>
+          </a:p>
+          <a:p>
+            <a:pPr marL="0" indent="0">
+              <a:spcAft>
+                <a:spcPts val="200"/>
+              </a:spcAft>
+              <a:buNone/>
+            </a:pPr>
+            <a:r>
+              <a:rPr lang="en-US" sz="900" dirty="0">
+                <a:solidFill>
+                  <a:srgbClr val="CADCFC"/>
+                </a:solidFill>
+                <a:latin typeface="Consolas" pitchFamily="34" charset="0"/>
+                <a:ea typeface="Consolas" pitchFamily="34" charset="-122"/>
+                <a:cs typeface="Consolas" pitchFamily="34" charset="-120"/>
+              </a:rPr>
+              <a:t>model = SentenceTransformer('all-MiniLM-L6-v2')</a:t>
+            </a:r>
+            <a:endParaRPr lang="en-US" sz="900" dirty="0"/>
+          </a:p>
+          <a:p>
+            <a:pPr marL="0" indent="0">
+              <a:spcAft>
+                <a:spcPts val="200"/>
+              </a:spcAft>
+              <a:buNone/>
+            </a:pPr>
+            <a:r>
+              <a:rPr lang="en-US" sz="900" dirty="0">
+                <a:solidFill>
+                  <a:srgbClr val="CADCFC"/>
+                </a:solidFill>
+                <a:latin typeface="Consolas" pitchFamily="34" charset="0"/>
+                <a:ea typeface="Consolas" pitchFamily="34" charset="-122"/>
+                <a:cs typeface="Consolas" pitchFamily="34" charset="-120"/>
+              </a:rPr>
+              <a:t>embeddings = model.encode(utterances)</a:t>
+            </a:r>
+            <a:endParaRPr lang="en-US" sz="900" dirty="0"/>
+          </a:p>
+          <a:p>
+            <a:pPr marL="0" indent="0">
+              <a:spcAft>
+                <a:spcPts val="200"/>
+              </a:spcAft>
+              <a:buNone/>
+            </a:pPr>
+            <a:endParaRPr lang="en-US" sz="900" dirty="0"/>
+          </a:p>
+          <a:p>
+            <a:pPr marL="0" indent="0">
+              <a:spcAft>
+                <a:spcPts val="200"/>
+              </a:spcAft>
+              <a:buNone/>
+            </a:pPr>
+            <a:r>
+              <a:rPr lang="en-US" sz="900" dirty="0">
+                <a:solidFill>
+                  <a:srgbClr val="CADCFC"/>
+                </a:solidFill>
+                <a:latin typeface="Consolas" pitchFamily="34" charset="0"/>
+                <a:ea typeface="Consolas" pitchFamily="34" charset="-122"/>
+                <a:cs typeface="Consolas" pitchFamily="34" charset="-120"/>
+              </a:rPr>
+              <a:t># 2. Reduce dimensions (optional)</a:t>
+            </a:r>
+            <a:endParaRPr lang="en-US" sz="900" dirty="0"/>
+          </a:p>
+          <a:p>
+            <a:pPr marL="0" indent="0">
+              <a:spcAft>
+                <a:spcPts val="200"/>
+              </a:spcAft>
+              <a:buNone/>
+            </a:pPr>
+            <a:r>
+              <a:rPr lang="en-US" sz="900" dirty="0">
+                <a:solidFill>
+                  <a:srgbClr val="CADCFC"/>
+                </a:solidFill>
+                <a:latin typeface="Consolas" pitchFamily="34" charset="0"/>
+                <a:ea typeface="Consolas" pitchFamily="34" charset="-122"/>
+                <a:cs typeface="Consolas" pitchFamily="34" charset="-120"/>
+              </a:rPr>
+              <a:t>import umap</a:t>
+            </a:r>
+            <a:endParaRPr lang="en-US" sz="900" dirty="0"/>
+          </a:p>
+          <a:p>
+            <a:pPr marL="0" indent="0">
+              <a:spcAft>
+                <a:spcPts val="200"/>
+              </a:spcAft>
+              <a:buNone/>
+            </a:pPr>
+            <a:r>
+              <a:rPr lang="en-US" sz="900" dirty="0">
+                <a:solidFill>
+                  <a:srgbClr val="CADCFC"/>
+                </a:solidFill>
+                <a:latin typeface="Consolas" pitchFamily="34" charset="0"/>
+                <a:ea typeface="Consolas" pitchFamily="34" charset="-122"/>
+                <a:cs typeface="Consolas" pitchFamily="34" charset="-120"/>
+              </a:rPr>
+              <a:t>reduced = umap.UMAP(n_components=50).fit_transform(embeddings)</a:t>
+            </a:r>
+            <a:endParaRPr lang="en-US" sz="900" dirty="0"/>
+          </a:p>
+          <a:p>
+            <a:pPr marL="0" indent="0">
+              <a:spcAft>
+                <a:spcPts val="200"/>
+              </a:spcAft>
+              <a:buNone/>
+            </a:pPr>
+            <a:endParaRPr lang="en-US" sz="900" dirty="0"/>
+          </a:p>
+          <a:p>
+            <a:pPr marL="0" indent="0">
+              <a:spcAft>
+                <a:spcPts val="200"/>
+              </a:spcAft>
+              <a:buNone/>
+            </a:pPr>
+            <a:r>
+              <a:rPr lang="en-US" sz="900" dirty="0">
+                <a:solidFill>
+                  <a:srgbClr val="CADCFC"/>
+                </a:solidFill>
+                <a:latin typeface="Consolas" pitchFamily="34" charset="0"/>
+                <a:ea typeface="Consolas" pitchFamily="34" charset="-122"/>
+                <a:cs typeface="Consolas" pitchFamily="34" charset="-120"/>
+              </a:rPr>
+              <a:t># 3. Cluster with HDBSCAN</a:t>
+            </a:r>
+            <a:endParaRPr lang="en-US" sz="900" dirty="0"/>
+          </a:p>
+          <a:p>
+            <a:pPr marL="0" indent="0">
+              <a:spcAft>
+                <a:spcPts val="200"/>
+              </a:spcAft>
+              <a:buNone/>
+            </a:pPr>
+            <a:r>
+              <a:rPr lang="en-US" sz="900" dirty="0">
+                <a:solidFill>
+                  <a:srgbClr val="CADCFC"/>
+                </a:solidFill>
+                <a:latin typeface="Consolas" pitchFamily="34" charset="0"/>
+                <a:ea typeface="Consolas" pitchFamily="34" charset="-122"/>
+                <a:cs typeface="Consolas" pitchFamily="34" charset="-120"/>
+              </a:rPr>
+              <a:t>import hdbscan</a:t>
+            </a:r>
+            <a:endParaRPr lang="en-US" sz="900" dirty="0"/>
+          </a:p>
+          <a:p>
+            <a:pPr marL="0" indent="0">
+              <a:spcAft>
+                <a:spcPts val="200"/>
+              </a:spcAft>
+              <a:buNone/>
+            </a:pPr>
+            <a:r>
+              <a:rPr lang="en-US" sz="900" dirty="0">
+                <a:solidFill>
+                  <a:srgbClr val="CADCFC"/>
+                </a:solidFill>
+                <a:latin typeface="Consolas" pitchFamily="34" charset="0"/>
+                <a:ea typeface="Consolas" pitchFamily="34" charset="-122"/>
+                <a:cs typeface="Consolas" pitchFamily="34" charset="-120"/>
+              </a:rPr>
+              <a:t>labels = hdbscan.HDBSCAN(min_cluster_size=15).fit_predict(reduced)</a:t>
+            </a:r>
+            <a:endParaRPr lang="en-US" sz="900" dirty="0"/>
+          </a:p>
+          <a:p>
+            <a:pPr marL="0" indent="0">
+              <a:spcAft>
+                <a:spcPts val="200"/>
+              </a:spcAft>
+              <a:buNone/>
+            </a:pPr>
+            <a:endParaRPr lang="en-US" sz="900" dirty="0"/>
+          </a:p>
+          <a:p>
+            <a:pPr marL="0" indent="0">
+              <a:spcAft>
+                <a:spcPts val="200"/>
+              </a:spcAft>
+              <a:buNone/>
+            </a:pPr>
+            <a:r>
+              <a:rPr lang="en-US" sz="900" dirty="0">
+                <a:solidFill>
+                  <a:srgbClr val="CADCFC"/>
+                </a:solidFill>
+                <a:latin typeface="Consolas" pitchFamily="34" charset="0"/>
+                <a:ea typeface="Consolas" pitchFamily="34" charset="-122"/>
+                <a:cs typeface="Consolas" pitchFamily="34" charset="-120"/>
+              </a:rPr>
+              <a:t># 4. Evaluate</a:t>
+            </a:r>
+            <a:endParaRPr lang="en-US" sz="900" dirty="0"/>
+          </a:p>
+          <a:p>
+            <a:pPr marL="0" indent="0">
+              <a:spcAft>
+                <a:spcPts val="200"/>
+              </a:spcAft>
+              <a:buNone/>
+            </a:pPr>
+            <a:r>
+              <a:rPr lang="en-US" sz="900" dirty="0">
+                <a:solidFill>
+                  <a:srgbClr val="CADCFC"/>
+                </a:solidFill>
+                <a:latin typeface="Consolas" pitchFamily="34" charset="0"/>
+                <a:ea typeface="Consolas" pitchFamily="34" charset="-122"/>
+                <a:cs typeface="Consolas" pitchFamily="34" charset="-120"/>
+              </a:rPr>
+              <a:t>from sklearn.metrics import adjusted_rand_score, normalized_mutual_info_score</a:t>
+            </a:r>
+            <a:endParaRPr lang="en-US" sz="900" dirty="0"/>
+          </a:p>
+          <a:p>
+            <a:pPr marL="0" indent="0">
+              <a:spcAft>
+                <a:spcPts val="200"/>
+              </a:spcAft>
+              <a:buNone/>
+            </a:pPr>
+            <a:r>
+              <a:rPr lang="en-US" sz="900" dirty="0">
+                <a:solidFill>
+                  <a:srgbClr val="CADCFC"/>
+                </a:solidFill>
+                <a:latin typeface="Consolas" pitchFamily="34" charset="0"/>
+                <a:ea typeface="Consolas" pitchFamily="34" charset="-122"/>
+                <a:cs typeface="Consolas" pitchFamily="34" charset="-120"/>
+              </a:rPr>
+              <a:t>ari = adjusted_rand_score(gt_labels, labels)</a:t>
+            </a:r>
+            <a:endParaRPr lang="en-US" sz="900" dirty="0"/>
+          </a:p>
+          <a:p>
+            <a:pPr marL="0" indent="0">
+              <a:spcAft>
+                <a:spcPts val="200"/>
+              </a:spcAft>
+              <a:buNone/>
+            </a:pPr>
+            <a:r>
+              <a:rPr lang="en-US" sz="900" dirty="0">
+                <a:solidFill>
+                  <a:srgbClr val="CADCFC"/>
+                </a:solidFill>
+                <a:latin typeface="Consolas" pitchFamily="34" charset="0"/>
+                <a:ea typeface="Consolas" pitchFamily="34" charset="-122"/>
+                <a:cs typeface="Consolas" pitchFamily="34" charset="-120"/>
+              </a:rPr>
+              <a:t>nmi = normalized_mutual_info_score(gt_labels, labels)</a:t>
+            </a:r>
+            <a:endParaRPr lang="en-US" sz="900" dirty="0"/>
+          </a:p>
+        </p:txBody>
+      </p:sp>
+      <p:sp>
+        <p:nvSpPr>
+          <p:cNvPr id="7" name="Shape 5"/>
+          <p:cNvSpPr/>
+          <p:nvPr/>
+        </p:nvSpPr>
+        <p:spPr>
+          <a:xfrm>
+            <a:off x="5943600" y="960120"/>
+            <a:ext cx="2926080" cy="3931920"/>
+          </a:xfrm>
+          <a:prstGeom prst="rect">
+            <a:avLst/>
+          </a:prstGeom>
+          <a:solidFill>
+            <a:srgbClr val="1E293B"/>
+          </a:solidFill>
+          <a:ln/>
+          <a:effectLst>
+            <a:outerShdw blurRad="101600" dist="38100" dir="8100000" algn="bl" rotWithShape="0">
+              <a:srgbClr val="000000">
+                <a:alpha val="20000"/>
+              </a:srgbClr>
+            </a:outerShdw>
+          </a:effectLst>
+        </p:spPr>
+        <p:txBody>
+          <a:bodyPr/>
+          <a:lstStyle/>
+          <a:p>
+            <a:endParaRPr lang="en-US"/>
+          </a:p>
+        </p:txBody>
+      </p:sp>
+      <p:sp>
+        <p:nvSpPr>
+          <p:cNvPr id="8" name="Text 6"/>
+          <p:cNvSpPr/>
+          <p:nvPr/>
+        </p:nvSpPr>
+        <p:spPr>
+          <a:xfrm>
+            <a:off x="6126480" y="1051560"/>
+            <a:ext cx="2560320" cy="365760"/>
+          </a:xfrm>
+          <a:prstGeom prst="rect">
+            <a:avLst/>
+          </a:prstGeom>
+          <a:noFill/>
+          <a:ln/>
+        </p:spPr>
+        <p:txBody>
+          <a:bodyPr wrap="square" lIns="0" tIns="0" rIns="0" bIns="0" rtlCol="0" anchor="ctr"/>
+          <a:lstStyle/>
+          <a:p>
+            <a:pPr marL="0" indent="0" algn="l">
+              <a:buNone/>
+            </a:pPr>
+            <a:r>
+              <a:rPr lang="en-US" sz="1600" dirty="0">
+                <a:solidFill>
+                  <a:srgbClr val="14B8A6"/>
+                </a:solidFill>
+                <a:latin typeface="Arial Black" pitchFamily="34" charset="0"/>
+                <a:ea typeface="Arial Black" pitchFamily="34" charset="-122"/>
+                <a:cs typeface="Arial Black" pitchFamily="34" charset="-120"/>
+              </a:rPr>
+              <a:t>Key Libraries</a:t>
+            </a:r>
+            <a:endParaRPr lang="en-US" sz="1600" dirty="0"/>
+          </a:p>
+        </p:txBody>
+      </p:sp>
+      <p:sp>
+        <p:nvSpPr>
+          <p:cNvPr id="9" name="Text 7"/>
+          <p:cNvSpPr/>
+          <p:nvPr/>
+        </p:nvSpPr>
+        <p:spPr>
+          <a:xfrm>
+            <a:off x="6126480" y="1463040"/>
+            <a:ext cx="2560320" cy="3291840"/>
+          </a:xfrm>
+          <a:prstGeom prst="rect">
+            <a:avLst/>
+          </a:prstGeom>
+          <a:noFill/>
+          <a:ln/>
+        </p:spPr>
+        <p:txBody>
+          <a:bodyPr wrap="square" lIns="0" tIns="0" rIns="0" bIns="0" rtlCol="0" anchor="t"/>
+          <a:lstStyle/>
+          <a:p>
+            <a:pPr marL="0" indent="0">
+              <a:buNone/>
+            </a:pPr>
+            <a:r>
+              <a:rPr lang="en-US" sz="1100" b="1" dirty="0">
+                <a:solidFill>
+                  <a:srgbClr val="FFFFFF"/>
+                </a:solidFill>
+              </a:rPr>
+              <a:t>sentence-transformers</a:t>
+            </a:r>
+            <a:endParaRPr lang="en-US" sz="1100" dirty="0"/>
+          </a:p>
+          <a:p>
+            <a:pPr marL="0" indent="0">
+              <a:buNone/>
+            </a:pPr>
+            <a:r>
+              <a:rPr lang="en-US" sz="900" dirty="0">
+                <a:solidFill>
+                  <a:srgbClr val="94A3B8"/>
+                </a:solidFill>
+              </a:rPr>
+              <a:t>HuggingFace-based embedding
+</a:t>
+            </a:r>
+            <a:endParaRPr lang="en-US" sz="1100" dirty="0"/>
+          </a:p>
+          <a:p>
+            <a:pPr marL="0" indent="0">
+              <a:buNone/>
+            </a:pPr>
+            <a:r>
+              <a:rPr lang="en-US" sz="1100" b="1" dirty="0">
+                <a:solidFill>
+                  <a:srgbClr val="FFFFFF"/>
+                </a:solidFill>
+              </a:rPr>
+              <a:t>hdbscan</a:t>
+            </a:r>
+            <a:endParaRPr lang="en-US" sz="1100" dirty="0"/>
+          </a:p>
+          <a:p>
+            <a:pPr marL="0" indent="0">
+              <a:buNone/>
+            </a:pPr>
+            <a:r>
+              <a:rPr lang="en-US" sz="900" dirty="0">
+                <a:solidFill>
+                  <a:srgbClr val="94A3B8"/>
+                </a:solidFill>
+              </a:rPr>
+              <a:t>Density-based clustering
+</a:t>
+            </a:r>
+            <a:endParaRPr lang="en-US" sz="1100" dirty="0"/>
+          </a:p>
+          <a:p>
+            <a:pPr marL="0" indent="0">
+              <a:buNone/>
+            </a:pPr>
+            <a:r>
+              <a:rPr lang="en-US" sz="1100" b="1" dirty="0">
+                <a:solidFill>
+                  <a:srgbClr val="FFFFFF"/>
+                </a:solidFill>
+              </a:rPr>
+              <a:t>umap-learn</a:t>
+            </a:r>
+            <a:endParaRPr lang="en-US" sz="1100" dirty="0"/>
+          </a:p>
+          <a:p>
+            <a:pPr marL="0" indent="0">
+              <a:buNone/>
+            </a:pPr>
+            <a:r>
+              <a:rPr lang="en-US" sz="900" dirty="0">
+                <a:solidFill>
+                  <a:srgbClr val="94A3B8"/>
+                </a:solidFill>
+              </a:rPr>
+              <a:t>Dimensionality reduction
+</a:t>
+            </a:r>
+            <a:endParaRPr lang="en-US" sz="1100" dirty="0"/>
+          </a:p>
+          <a:p>
+            <a:pPr marL="0" indent="0">
+              <a:buNone/>
+            </a:pPr>
+            <a:r>
+              <a:rPr lang="en-US" sz="1100" b="1" dirty="0">
+                <a:solidFill>
+                  <a:srgbClr val="FFFFFF"/>
+                </a:solidFill>
+              </a:rPr>
+              <a:t>scikit-learn</a:t>
+            </a:r>
+            <a:endParaRPr lang="en-US" sz="1100" dirty="0"/>
+          </a:p>
+          <a:p>
+            <a:pPr marL="0" indent="0">
+              <a:buNone/>
+            </a:pPr>
+            <a:r>
+              <a:rPr lang="en-US" sz="900" dirty="0">
+                <a:solidFill>
+                  <a:srgbClr val="94A3B8"/>
+                </a:solidFill>
+              </a:rPr>
+              <a:t>Metrics (ARI, NMI, Silhouette)
+</a:t>
+            </a:r>
+            <a:endParaRPr lang="en-US" sz="1100" dirty="0"/>
+          </a:p>
+          <a:p>
+            <a:pPr marL="0" indent="0">
+              <a:buNone/>
+            </a:pPr>
+            <a:r>
+              <a:rPr lang="en-US" sz="1100" b="1" dirty="0">
+                <a:solidFill>
+                  <a:srgbClr val="F97316"/>
+                </a:solidFill>
+              </a:rPr>
+              <a:t>pip install</a:t>
+            </a:r>
+            <a:endParaRPr lang="en-US" sz="1100" dirty="0"/>
+          </a:p>
+          <a:p>
+            <a:pPr marL="0" indent="0">
+              <a:buNone/>
+            </a:pPr>
+            <a:r>
+              <a:rPr lang="en-US" sz="900" dirty="0">
+                <a:solidFill>
+                  <a:srgbClr val="CADCFC"/>
+                </a:solidFill>
+              </a:rPr>
+              <a:t>sentence-transformers hdbscan umap-learn scikit-learn</a:t>
+            </a:r>
+            <a:endParaRPr lang="en-US" sz="1100" dirty="0"/>
+          </a:p>
+        </p:txBody>
+      </p:sp>
+    </p:spTree>
+  </p:cSld>
+  <p:clrMapOvr>
+    <a:masterClrMapping/>
+  </p:clrMapOvr>
+</p:sld>
+</file>
+
+<file path=ppt/slides/slide14.xml><?xml version="1.0" encoding="utf-8"?>
+<p:sld xmlns:a="http://schemas.openxmlformats.org/drawingml/2006/main" xmlns:r="http://schemas.openxmlformats.org/officeDocument/2006/relationships" xmlns:p="http://schemas.openxmlformats.org/presentationml/2006/main">
+  <p:cSld name="Slide 12">
+    <p:bg>
+      <p:bgPr>
+        <a:solidFill>
+          <a:srgbClr val="0F172A"/>
+        </a:solidFill>
+        <a:effectLst/>
+      </p:bgPr>
+    </p:bg>
+    <p:spTree>
+      <p:nvGrpSpPr>
+        <p:cNvPr id="1" name=""/>
+        <p:cNvGrpSpPr/>
+        <p:nvPr/>
+      </p:nvGrpSpPr>
+      <p:grpSpPr>
+        <a:xfrm>
+          <a:off x="0" y="0"/>
+          <a:ext cx="0" cy="0"/>
+          <a:chOff x="0" y="0"/>
+          <a:chExt cx="0" cy="0"/>
+        </a:xfrm>
+      </p:grpSpPr>
+      <p:sp>
+        <p:nvSpPr>
+          <p:cNvPr id="2" name="Shape 0"/>
+          <p:cNvSpPr/>
+          <p:nvPr/>
+        </p:nvSpPr>
+        <p:spPr>
+          <a:xfrm>
+            <a:off x="0" y="0"/>
+            <a:ext cx="9144000" cy="54864"/>
+          </a:xfrm>
+          <a:prstGeom prst="rect">
+            <a:avLst/>
+          </a:prstGeom>
+          <a:solidFill>
+            <a:srgbClr val="F97316"/>
+          </a:solidFill>
+          <a:ln/>
+        </p:spPr>
+        <p:txBody>
+          <a:bodyPr/>
+          <a:lstStyle/>
+          <a:p>
+            <a:endParaRPr lang="en-US"/>
+          </a:p>
+        </p:txBody>
+      </p:sp>
+      <p:sp>
+        <p:nvSpPr>
+          <p:cNvPr id="3" name="Shape 1"/>
+          <p:cNvSpPr/>
+          <p:nvPr/>
+        </p:nvSpPr>
+        <p:spPr>
+          <a:xfrm>
+            <a:off x="457200" y="182880"/>
+            <a:ext cx="640080" cy="457200"/>
+          </a:xfrm>
+          <a:prstGeom prst="rect">
+            <a:avLst/>
+          </a:prstGeom>
+          <a:solidFill>
+            <a:srgbClr val="F97316"/>
+          </a:solidFill>
+          <a:ln/>
+          <a:effectLst>
+            <a:outerShdw blurRad="50800" dist="25400" dir="8100000" algn="bl" rotWithShape="0">
+              <a:srgbClr val="000000">
+                <a:alpha val="10000"/>
+              </a:srgbClr>
+            </a:outerShdw>
+          </a:effectLst>
+        </p:spPr>
+        <p:txBody>
+          <a:bodyPr/>
+          <a:lstStyle/>
+          <a:p>
+            <a:endParaRPr lang="en-US"/>
+          </a:p>
+        </p:txBody>
+      </p:sp>
+      <p:sp>
+        <p:nvSpPr>
+          <p:cNvPr id="4" name="Text 2"/>
+          <p:cNvSpPr/>
+          <p:nvPr/>
+        </p:nvSpPr>
+        <p:spPr>
+          <a:xfrm>
+            <a:off x="457200" y="182880"/>
+            <a:ext cx="640080" cy="457200"/>
+          </a:xfrm>
+          <a:prstGeom prst="rect">
+            <a:avLst/>
+          </a:prstGeom>
+          <a:noFill/>
+          <a:ln/>
+        </p:spPr>
+        <p:txBody>
+          <a:bodyPr wrap="square" lIns="0" tIns="0" rIns="0" bIns="0" rtlCol="0" anchor="ctr"/>
+          <a:lstStyle/>
+          <a:p>
+            <a:pPr marL="0" indent="0" algn="ctr">
+              <a:buNone/>
+            </a:pPr>
+            <a:r>
+              <a:rPr lang="en-US" sz="2000" dirty="0">
+                <a:solidFill>
+                  <a:srgbClr val="FFFFFF"/>
+                </a:solidFill>
+                <a:latin typeface="Arial Black" pitchFamily="34" charset="0"/>
+                <a:ea typeface="Arial Black" pitchFamily="34" charset="-122"/>
+                <a:cs typeface="Arial Black" pitchFamily="34" charset="-120"/>
+              </a:rPr>
+              <a:t>FT</a:t>
+            </a:r>
+            <a:endParaRPr lang="en-US" sz="2000" dirty="0"/>
+          </a:p>
+        </p:txBody>
+      </p:sp>
+      <p:sp>
+        <p:nvSpPr>
+          <p:cNvPr id="5" name="Text 3"/>
+          <p:cNvSpPr/>
+          <p:nvPr/>
+        </p:nvSpPr>
+        <p:spPr>
+          <a:xfrm>
+            <a:off x="1280160" y="182880"/>
+            <a:ext cx="7315200" cy="457200"/>
+          </a:xfrm>
+          <a:prstGeom prst="rect">
+            <a:avLst/>
+          </a:prstGeom>
+          <a:noFill/>
+          <a:ln/>
+        </p:spPr>
+        <p:txBody>
+          <a:bodyPr wrap="square" lIns="0" tIns="0" rIns="0" bIns="0" rtlCol="0" anchor="ctr"/>
+          <a:lstStyle/>
+          <a:p>
+            <a:pPr marL="0" indent="0" algn="l">
+              <a:buNone/>
+            </a:pPr>
+            <a:r>
+              <a:rPr lang="en-US" sz="2800" dirty="0">
+                <a:solidFill>
+                  <a:srgbClr val="FFFFFF"/>
+                </a:solidFill>
+                <a:latin typeface="Arial Black" pitchFamily="34" charset="0"/>
+                <a:ea typeface="Arial Black" pitchFamily="34" charset="-122"/>
+                <a:cs typeface="Arial Black" pitchFamily="34" charset="-120"/>
+              </a:rPr>
+              <a:t>Fine-Tuning: Why &amp; How</a:t>
+            </a:r>
+            <a:endParaRPr lang="en-US" sz="2800" dirty="0"/>
+          </a:p>
+        </p:txBody>
+      </p:sp>
+      <p:sp>
+        <p:nvSpPr>
+          <p:cNvPr id="6" name="Text 4"/>
+          <p:cNvSpPr/>
+          <p:nvPr/>
+        </p:nvSpPr>
+        <p:spPr>
+          <a:xfrm>
+            <a:off x="1280160" y="640080"/>
+            <a:ext cx="7315200" cy="320040"/>
+          </a:xfrm>
+          <a:prstGeom prst="rect">
+            <a:avLst/>
+          </a:prstGeom>
+          <a:noFill/>
+          <a:ln/>
+        </p:spPr>
+        <p:txBody>
+          <a:bodyPr wrap="square" lIns="0" tIns="0" rIns="0" bIns="0" rtlCol="0" anchor="ctr"/>
+          <a:lstStyle/>
+          <a:p>
+            <a:pPr marL="0" indent="0" algn="l">
+              <a:buNone/>
+            </a:pPr>
+            <a:r>
+              <a:rPr lang="en-US" sz="1300" dirty="0">
+                <a:solidFill>
+                  <a:srgbClr val="94A3B8"/>
+                </a:solidFill>
+                <a:latin typeface="Calibri" pitchFamily="34" charset="0"/>
+                <a:ea typeface="Calibri" pitchFamily="34" charset="-122"/>
+                <a:cs typeface="Calibri" pitchFamily="34" charset="-120"/>
+              </a:rPr>
+              <a:t>Adapting a pre-trained sentence transformer to your domain dramatically improves cluster quality</a:t>
+            </a:r>
+            <a:endParaRPr lang="en-US" sz="1300" dirty="0"/>
+          </a:p>
+        </p:txBody>
+      </p:sp>
+      <p:pic>
+        <p:nvPicPr>
+          <p:cNvPr id="7" name="Image 0" descr="preencoded.png"/>
+          <p:cNvPicPr>
+            <a:picLocks noChangeAspect="1"/>
+          </p:cNvPicPr>
+          <p:nvPr/>
+        </p:nvPicPr>
+        <p:blipFill>
+          <a:blip r:embed="rId3"/>
+          <a:stretch>
+            <a:fillRect/>
+          </a:stretch>
+        </p:blipFill>
+        <p:spPr>
+          <a:xfrm>
+            <a:off x="274320" y="1051560"/>
+            <a:ext cx="8595360" cy="3931920"/>
+          </a:xfrm>
+          <a:prstGeom prst="rect">
+            <a:avLst/>
+          </a:prstGeom>
+        </p:spPr>
+      </p:pic>
+    </p:spTree>
+  </p:cSld>
+  <p:clrMapOvr>
+    <a:masterClrMapping/>
+  </p:clrMapOvr>
+</p:sld>
+</file>
+
+<file path=ppt/slides/slide15.xml><?xml version="1.0" encoding="utf-8"?>
+<p:sld xmlns:a="http://schemas.openxmlformats.org/drawingml/2006/main" xmlns:r="http://schemas.openxmlformats.org/officeDocument/2006/relationships" xmlns:p="http://schemas.openxmlformats.org/presentationml/2006/main">
+  <p:cSld name="Slide 13">
+    <p:bg>
+      <p:bgPr>
+        <a:solidFill>
+          <a:srgbClr val="0F172A"/>
+        </a:solidFill>
+        <a:effectLst/>
+      </p:bgPr>
+    </p:bg>
+    <p:spTree>
+      <p:nvGrpSpPr>
+        <p:cNvPr id="1" name=""/>
+        <p:cNvGrpSpPr/>
+        <p:nvPr/>
+      </p:nvGrpSpPr>
+      <p:grpSpPr>
+        <a:xfrm>
+          <a:off x="0" y="0"/>
+          <a:ext cx="0" cy="0"/>
+          <a:chOff x="0" y="0"/>
+          <a:chExt cx="0" cy="0"/>
+        </a:xfrm>
+      </p:grpSpPr>
+      <p:sp>
+        <p:nvSpPr>
+          <p:cNvPr id="2" name="Shape 0"/>
+          <p:cNvSpPr/>
+          <p:nvPr/>
+        </p:nvSpPr>
+        <p:spPr>
+          <a:xfrm>
+            <a:off x="0" y="0"/>
+            <a:ext cx="9144000" cy="54864"/>
+          </a:xfrm>
+          <a:prstGeom prst="rect">
+            <a:avLst/>
+          </a:prstGeom>
+          <a:solidFill>
+            <a:srgbClr val="F97316"/>
+          </a:solidFill>
+          <a:ln/>
+        </p:spPr>
+        <p:txBody>
+          <a:bodyPr/>
+          <a:lstStyle/>
+          <a:p>
+            <a:endParaRPr lang="en-US"/>
+          </a:p>
+        </p:txBody>
+      </p:sp>
+      <p:sp>
+        <p:nvSpPr>
+          <p:cNvPr id="3" name="Shape 1"/>
+          <p:cNvSpPr/>
+          <p:nvPr/>
+        </p:nvSpPr>
+        <p:spPr>
+          <a:xfrm>
+            <a:off x="457200" y="182880"/>
+            <a:ext cx="640080" cy="457200"/>
+          </a:xfrm>
+          <a:prstGeom prst="rect">
+            <a:avLst/>
+          </a:prstGeom>
+          <a:solidFill>
+            <a:srgbClr val="F97316"/>
+          </a:solidFill>
+          <a:ln/>
+          <a:effectLst>
+            <a:outerShdw blurRad="50800" dist="25400" dir="8100000" algn="bl" rotWithShape="0">
+              <a:srgbClr val="000000">
+                <a:alpha val="10000"/>
+              </a:srgbClr>
+            </a:outerShdw>
+          </a:effectLst>
+        </p:spPr>
+        <p:txBody>
+          <a:bodyPr/>
+          <a:lstStyle/>
+          <a:p>
+            <a:endParaRPr lang="en-US"/>
+          </a:p>
+        </p:txBody>
+      </p:sp>
+      <p:sp>
+        <p:nvSpPr>
+          <p:cNvPr id="4" name="Text 2"/>
+          <p:cNvSpPr/>
+          <p:nvPr/>
+        </p:nvSpPr>
+        <p:spPr>
+          <a:xfrm>
+            <a:off x="457200" y="182880"/>
+            <a:ext cx="640080" cy="457200"/>
+          </a:xfrm>
+          <a:prstGeom prst="rect">
+            <a:avLst/>
+          </a:prstGeom>
+          <a:noFill/>
+          <a:ln/>
+        </p:spPr>
+        <p:txBody>
+          <a:bodyPr wrap="square" lIns="0" tIns="0" rIns="0" bIns="0" rtlCol="0" anchor="ctr"/>
+          <a:lstStyle/>
+          <a:p>
+            <a:pPr marL="0" indent="0" algn="ctr">
+              <a:buNone/>
+            </a:pPr>
+            <a:r>
+              <a:rPr lang="en-US" sz="2000" dirty="0">
+                <a:solidFill>
+                  <a:srgbClr val="FFFFFF"/>
+                </a:solidFill>
+                <a:latin typeface="Arial Black" pitchFamily="34" charset="0"/>
+                <a:ea typeface="Arial Black" pitchFamily="34" charset="-122"/>
+                <a:cs typeface="Arial Black" pitchFamily="34" charset="-120"/>
+              </a:rPr>
+              <a:t>FT</a:t>
+            </a:r>
+            <a:endParaRPr lang="en-US" sz="2000" dirty="0"/>
+          </a:p>
+        </p:txBody>
+      </p:sp>
+      <p:sp>
+        <p:nvSpPr>
+          <p:cNvPr id="5" name="Text 3"/>
+          <p:cNvSpPr/>
+          <p:nvPr/>
+        </p:nvSpPr>
+        <p:spPr>
+          <a:xfrm>
+            <a:off x="1280160" y="182880"/>
+            <a:ext cx="7315200" cy="457200"/>
+          </a:xfrm>
+          <a:prstGeom prst="rect">
+            <a:avLst/>
+          </a:prstGeom>
+          <a:noFill/>
+          <a:ln/>
+        </p:spPr>
+        <p:txBody>
+          <a:bodyPr wrap="square" lIns="0" tIns="0" rIns="0" bIns="0" rtlCol="0" anchor="ctr"/>
+          <a:lstStyle/>
+          <a:p>
+            <a:pPr marL="0" indent="0" algn="l">
+              <a:buNone/>
+            </a:pPr>
+            <a:r>
+              <a:rPr lang="en-US" sz="2800" dirty="0">
+                <a:solidFill>
+                  <a:srgbClr val="FFFFFF"/>
+                </a:solidFill>
+                <a:latin typeface="Arial Black" pitchFamily="34" charset="0"/>
+                <a:ea typeface="Arial Black" pitchFamily="34" charset="-122"/>
+                <a:cs typeface="Arial Black" pitchFamily="34" charset="-120"/>
+              </a:rPr>
+              <a:t>Constructing Training Pairs</a:t>
+            </a:r>
+            <a:endParaRPr lang="en-US" sz="2800" dirty="0"/>
+          </a:p>
+        </p:txBody>
+      </p:sp>
+      <p:sp>
+        <p:nvSpPr>
+          <p:cNvPr id="6" name="Text 4"/>
+          <p:cNvSpPr/>
+          <p:nvPr/>
+        </p:nvSpPr>
+        <p:spPr>
+          <a:xfrm>
+            <a:off x="1280160" y="640080"/>
+            <a:ext cx="7315200" cy="320040"/>
+          </a:xfrm>
+          <a:prstGeom prst="rect">
+            <a:avLst/>
+          </a:prstGeom>
+          <a:noFill/>
+          <a:ln/>
+        </p:spPr>
+        <p:txBody>
+          <a:bodyPr wrap="square" lIns="0" tIns="0" rIns="0" bIns="0" rtlCol="0" anchor="ctr"/>
+          <a:lstStyle/>
+          <a:p>
+            <a:pPr marL="0" indent="0" algn="l">
+              <a:buNone/>
+            </a:pPr>
+            <a:r>
+              <a:rPr lang="en-US" sz="1300" dirty="0">
+                <a:solidFill>
+                  <a:srgbClr val="94A3B8"/>
+                </a:solidFill>
+                <a:latin typeface="Calibri" pitchFamily="34" charset="0"/>
+                <a:ea typeface="Calibri" pitchFamily="34" charset="-122"/>
+                <a:cs typeface="Calibri" pitchFamily="34" charset="-120"/>
+              </a:rPr>
+              <a:t>Three strategies for building (anchor, positive) pairs from your labeled data</a:t>
+            </a:r>
+            <a:endParaRPr lang="en-US" sz="1300" dirty="0"/>
+          </a:p>
+        </p:txBody>
+      </p:sp>
+      <p:pic>
+        <p:nvPicPr>
+          <p:cNvPr id="7" name="Image 0" descr="preencoded.png"/>
+          <p:cNvPicPr>
+            <a:picLocks noChangeAspect="1"/>
+          </p:cNvPicPr>
+          <p:nvPr/>
+        </p:nvPicPr>
+        <p:blipFill>
+          <a:blip r:embed="rId3"/>
+          <a:stretch>
+            <a:fillRect/>
+          </a:stretch>
+        </p:blipFill>
+        <p:spPr>
+          <a:xfrm>
+            <a:off x="274320" y="1051560"/>
+            <a:ext cx="8595360" cy="3931920"/>
+          </a:xfrm>
+          <a:prstGeom prst="rect">
+            <a:avLst/>
+          </a:prstGeom>
+        </p:spPr>
+      </p:pic>
+    </p:spTree>
+  </p:cSld>
+  <p:clrMapOvr>
+    <a:masterClrMapping/>
+  </p:clrMapOvr>
+</p:sld>
+</file>
+
+<file path=ppt/slides/slide16.xml><?xml version="1.0" encoding="utf-8"?>
+<p:sld xmlns:a="http://schemas.openxmlformats.org/drawingml/2006/main" xmlns:r="http://schemas.openxmlformats.org/officeDocument/2006/relationships" xmlns:p="http://schemas.openxmlformats.org/presentationml/2006/main">
+  <p:cSld name="Slide 14">
+    <p:bg>
+      <p:bgPr>
+        <a:solidFill>
+          <a:srgbClr val="0F172A"/>
+        </a:solidFill>
+        <a:effectLst/>
+      </p:bgPr>
+    </p:bg>
+    <p:spTree>
+      <p:nvGrpSpPr>
+        <p:cNvPr id="1" name=""/>
+        <p:cNvGrpSpPr/>
+        <p:nvPr/>
+      </p:nvGrpSpPr>
+      <p:grpSpPr>
+        <a:xfrm>
+          <a:off x="0" y="0"/>
+          <a:ext cx="0" cy="0"/>
+          <a:chOff x="0" y="0"/>
+          <a:chExt cx="0" cy="0"/>
+        </a:xfrm>
+      </p:grpSpPr>
+      <p:sp>
+        <p:nvSpPr>
+          <p:cNvPr id="2" name="Shape 0"/>
+          <p:cNvSpPr/>
+          <p:nvPr/>
+        </p:nvSpPr>
+        <p:spPr>
+          <a:xfrm>
+            <a:off x="0" y="0"/>
+            <a:ext cx="9144000" cy="54864"/>
+          </a:xfrm>
+          <a:prstGeom prst="rect">
+            <a:avLst/>
+          </a:prstGeom>
+          <a:solidFill>
+            <a:srgbClr val="F97316"/>
+          </a:solidFill>
+          <a:ln/>
+        </p:spPr>
+        <p:txBody>
+          <a:bodyPr/>
+          <a:lstStyle/>
+          <a:p>
+            <a:endParaRPr lang="en-US"/>
+          </a:p>
+        </p:txBody>
+      </p:sp>
+      <p:sp>
+        <p:nvSpPr>
+          <p:cNvPr id="3" name="Shape 1"/>
+          <p:cNvSpPr/>
+          <p:nvPr/>
+        </p:nvSpPr>
+        <p:spPr>
+          <a:xfrm>
+            <a:off x="457200" y="182880"/>
+            <a:ext cx="640080" cy="457200"/>
+          </a:xfrm>
+          <a:prstGeom prst="rect">
+            <a:avLst/>
+          </a:prstGeom>
+          <a:solidFill>
+            <a:srgbClr val="F97316"/>
+          </a:solidFill>
+          <a:ln/>
+          <a:effectLst>
+            <a:outerShdw blurRad="50800" dist="25400" dir="8100000" algn="bl" rotWithShape="0">
+              <a:srgbClr val="000000">
+                <a:alpha val="10000"/>
+              </a:srgbClr>
+            </a:outerShdw>
+          </a:effectLst>
+        </p:spPr>
+        <p:txBody>
+          <a:bodyPr/>
+          <a:lstStyle/>
+          <a:p>
+            <a:endParaRPr lang="en-US"/>
+          </a:p>
+        </p:txBody>
+      </p:sp>
+      <p:sp>
+        <p:nvSpPr>
+          <p:cNvPr id="4" name="Text 2"/>
+          <p:cNvSpPr/>
+          <p:nvPr/>
+        </p:nvSpPr>
+        <p:spPr>
+          <a:xfrm>
+            <a:off x="457200" y="182880"/>
+            <a:ext cx="640080" cy="457200"/>
+          </a:xfrm>
+          <a:prstGeom prst="rect">
+            <a:avLst/>
+          </a:prstGeom>
+          <a:noFill/>
+          <a:ln/>
+        </p:spPr>
+        <p:txBody>
+          <a:bodyPr wrap="square" lIns="0" tIns="0" rIns="0" bIns="0" rtlCol="0" anchor="ctr"/>
+          <a:lstStyle/>
+          <a:p>
+            <a:pPr marL="0" indent="0" algn="ctr">
+              <a:buNone/>
+            </a:pPr>
+            <a:r>
+              <a:rPr lang="en-US" sz="2000" dirty="0">
+                <a:solidFill>
+                  <a:srgbClr val="FFFFFF"/>
+                </a:solidFill>
+                <a:latin typeface="Arial Black" pitchFamily="34" charset="0"/>
+                <a:ea typeface="Arial Black" pitchFamily="34" charset="-122"/>
+                <a:cs typeface="Arial Black" pitchFamily="34" charset="-120"/>
+              </a:rPr>
+              <a:t>FT</a:t>
+            </a:r>
+            <a:endParaRPr lang="en-US" sz="2000" dirty="0"/>
+          </a:p>
+        </p:txBody>
+      </p:sp>
+      <p:sp>
+        <p:nvSpPr>
+          <p:cNvPr id="5" name="Text 3"/>
+          <p:cNvSpPr/>
+          <p:nvPr/>
+        </p:nvSpPr>
+        <p:spPr>
+          <a:xfrm>
+            <a:off x="1280160" y="182880"/>
+            <a:ext cx="7315200" cy="457200"/>
+          </a:xfrm>
+          <a:prstGeom prst="rect">
+            <a:avLst/>
+          </a:prstGeom>
+          <a:noFill/>
+          <a:ln/>
+        </p:spPr>
+        <p:txBody>
+          <a:bodyPr wrap="square" lIns="0" tIns="0" rIns="0" bIns="0" rtlCol="0" anchor="ctr"/>
+          <a:lstStyle/>
+          <a:p>
+            <a:pPr marL="0" indent="0" algn="l">
+              <a:buNone/>
+            </a:pPr>
+            <a:r>
+              <a:rPr lang="en-US" sz="2600" dirty="0">
+                <a:solidFill>
+                  <a:srgbClr val="FFFFFF"/>
+                </a:solidFill>
+                <a:latin typeface="Arial Black" pitchFamily="34" charset="0"/>
+                <a:ea typeface="Arial Black" pitchFamily="34" charset="-122"/>
+                <a:cs typeface="Arial Black" pitchFamily="34" charset="-120"/>
+              </a:rPr>
+              <a:t>MultipleNegativesRankingLoss</a:t>
+            </a:r>
+            <a:endParaRPr lang="en-US" sz="2600" dirty="0"/>
+          </a:p>
+        </p:txBody>
+      </p:sp>
+      <p:sp>
+        <p:nvSpPr>
+          <p:cNvPr id="6" name="Text 4"/>
+          <p:cNvSpPr/>
+          <p:nvPr/>
+        </p:nvSpPr>
+        <p:spPr>
+          <a:xfrm>
+            <a:off x="1280160" y="640080"/>
+            <a:ext cx="7315200" cy="320040"/>
+          </a:xfrm>
+          <a:prstGeom prst="rect">
+            <a:avLst/>
+          </a:prstGeom>
+          <a:noFill/>
+          <a:ln/>
+        </p:spPr>
+        <p:txBody>
+          <a:bodyPr wrap="square" lIns="0" tIns="0" rIns="0" bIns="0" rtlCol="0" anchor="ctr"/>
+          <a:lstStyle/>
+          <a:p>
+            <a:pPr marL="0" indent="0" algn="l">
+              <a:buNone/>
+            </a:pPr>
+            <a:r>
+              <a:rPr lang="en-US" sz="1300" dirty="0">
+                <a:solidFill>
+                  <a:srgbClr val="94A3B8"/>
+                </a:solidFill>
+                <a:latin typeface="Calibri" pitchFamily="34" charset="0"/>
+                <a:ea typeface="Calibri" pitchFamily="34" charset="-122"/>
+                <a:cs typeface="Calibri" pitchFamily="34" charset="-120"/>
+              </a:rPr>
+              <a:t>The go-to contrastive loss for sentence transformer fine-tuning — free negatives from each batch</a:t>
+            </a:r>
+            <a:endParaRPr lang="en-US" sz="1300" dirty="0"/>
+          </a:p>
+        </p:txBody>
+      </p:sp>
+      <p:pic>
+        <p:nvPicPr>
+          <p:cNvPr id="7" name="Image 0" descr="preencoded.png"/>
+          <p:cNvPicPr>
+            <a:picLocks noChangeAspect="1"/>
+          </p:cNvPicPr>
+          <p:nvPr/>
+        </p:nvPicPr>
+        <p:blipFill>
+          <a:blip r:embed="rId3"/>
+          <a:stretch>
+            <a:fillRect/>
+          </a:stretch>
+        </p:blipFill>
+        <p:spPr>
+          <a:xfrm>
+            <a:off x="274320" y="1051560"/>
+            <a:ext cx="8595360" cy="3931920"/>
+          </a:xfrm>
+          <a:prstGeom prst="rect">
+            <a:avLst/>
+          </a:prstGeom>
+        </p:spPr>
+      </p:pic>
+    </p:spTree>
+  </p:cSld>
+  <p:clrMapOvr>
+    <a:masterClrMapping/>
+  </p:clrMapOvr>
+</p:sld>
+</file>
+
+<file path=ppt/slides/slide17.xml><?xml version="1.0" encoding="utf-8"?>
+<p:sld xmlns:a="http://schemas.openxmlformats.org/drawingml/2006/main" xmlns:r="http://schemas.openxmlformats.org/officeDocument/2006/relationships" xmlns:p="http://schemas.openxmlformats.org/presentationml/2006/main">
+  <p:cSld name="Slide 15">
+    <p:bg>
+      <p:bgPr>
+        <a:solidFill>
+          <a:srgbClr val="0F172A"/>
+        </a:solidFill>
+        <a:effectLst/>
+      </p:bgPr>
+    </p:bg>
+    <p:spTree>
+      <p:nvGrpSpPr>
+        <p:cNvPr id="1" name=""/>
+        <p:cNvGrpSpPr/>
+        <p:nvPr/>
+      </p:nvGrpSpPr>
+      <p:grpSpPr>
+        <a:xfrm>
+          <a:off x="0" y="0"/>
+          <a:ext cx="0" cy="0"/>
+          <a:chOff x="0" y="0"/>
+          <a:chExt cx="0" cy="0"/>
+        </a:xfrm>
+      </p:grpSpPr>
+      <p:sp>
+        <p:nvSpPr>
+          <p:cNvPr id="2" name="Shape 0"/>
+          <p:cNvSpPr/>
+          <p:nvPr/>
+        </p:nvSpPr>
+        <p:spPr>
+          <a:xfrm>
+            <a:off x="0" y="0"/>
+            <a:ext cx="9144000" cy="54864"/>
+          </a:xfrm>
+          <a:prstGeom prst="rect">
+            <a:avLst/>
+          </a:prstGeom>
+          <a:solidFill>
+            <a:srgbClr val="F97316"/>
+          </a:solidFill>
+          <a:ln/>
+        </p:spPr>
+        <p:txBody>
+          <a:bodyPr/>
+          <a:lstStyle/>
+          <a:p>
+            <a:endParaRPr lang="en-US"/>
+          </a:p>
+        </p:txBody>
+      </p:sp>
+      <p:sp>
+        <p:nvSpPr>
+          <p:cNvPr id="3" name="Text 1"/>
+          <p:cNvSpPr/>
+          <p:nvPr/>
+        </p:nvSpPr>
+        <p:spPr>
+          <a:xfrm>
+            <a:off x="457200" y="182880"/>
+            <a:ext cx="8229600" cy="457200"/>
+          </a:xfrm>
+          <a:prstGeom prst="rect">
+            <a:avLst/>
+          </a:prstGeom>
+          <a:noFill/>
+          <a:ln/>
+        </p:spPr>
+        <p:txBody>
+          <a:bodyPr wrap="square" lIns="0" tIns="0" rIns="0" bIns="0" rtlCol="0" anchor="ctr"/>
+          <a:lstStyle/>
+          <a:p>
+            <a:pPr marL="0" indent="0" algn="l">
+              <a:buNone/>
+            </a:pPr>
+            <a:r>
+              <a:rPr lang="en-US" sz="2800" dirty="0">
+                <a:solidFill>
+                  <a:srgbClr val="FFFFFF"/>
+                </a:solidFill>
+                <a:latin typeface="Arial Black" pitchFamily="34" charset="0"/>
+                <a:ea typeface="Arial Black" pitchFamily="34" charset="-122"/>
+                <a:cs typeface="Arial Black" pitchFamily="34" charset="-120"/>
+              </a:rPr>
+              <a:t>Fine-Tuning: Python Code</a:t>
+            </a:r>
+            <a:endParaRPr lang="en-US" sz="2800" dirty="0"/>
+          </a:p>
+        </p:txBody>
+      </p:sp>
+      <p:sp>
+        <p:nvSpPr>
+          <p:cNvPr id="4" name="Text 2"/>
+          <p:cNvSpPr/>
+          <p:nvPr/>
+        </p:nvSpPr>
+        <p:spPr>
+          <a:xfrm>
+            <a:off x="457200" y="594360"/>
+            <a:ext cx="8229600" cy="274320"/>
+          </a:xfrm>
+          <a:prstGeom prst="rect">
+            <a:avLst/>
+          </a:prstGeom>
+          <a:noFill/>
+          <a:ln/>
+        </p:spPr>
+        <p:txBody>
+          <a:bodyPr wrap="square" lIns="0" tIns="0" rIns="0" bIns="0" rtlCol="0" anchor="ctr"/>
+          <a:lstStyle/>
+          <a:p>
+            <a:pPr marL="0" indent="0" algn="l">
+              <a:buNone/>
+            </a:pPr>
+            <a:r>
+              <a:rPr lang="en-US" sz="1300" dirty="0">
+                <a:solidFill>
+                  <a:srgbClr val="94A3B8"/>
+                </a:solidFill>
+                <a:latin typeface="Calibri" pitchFamily="34" charset="0"/>
+                <a:ea typeface="Calibri" pitchFamily="34" charset="-122"/>
+                <a:cs typeface="Calibri" pitchFamily="34" charset="-120"/>
+              </a:rPr>
+              <a:t>Complete fine-tuning setup with sentence-transformers</a:t>
+            </a:r>
+            <a:endParaRPr lang="en-US" sz="1300" dirty="0"/>
+          </a:p>
+        </p:txBody>
+      </p:sp>
+      <p:sp>
+        <p:nvSpPr>
+          <p:cNvPr id="5" name="Shape 3"/>
+          <p:cNvSpPr/>
+          <p:nvPr/>
+        </p:nvSpPr>
+        <p:spPr>
+          <a:xfrm>
+            <a:off x="365760" y="960120"/>
+            <a:ext cx="5303520" cy="3931920"/>
+          </a:xfrm>
+          <a:prstGeom prst="rect">
+            <a:avLst/>
+          </a:prstGeom>
+          <a:solidFill>
+            <a:srgbClr val="1A1A2E"/>
+          </a:solidFill>
+          <a:ln/>
+          <a:effectLst>
+            <a:outerShdw blurRad="101600" dist="38100" dir="8100000" algn="bl" rotWithShape="0">
+              <a:srgbClr val="000000">
+                <a:alpha val="20000"/>
+              </a:srgbClr>
+            </a:outerShdw>
+          </a:effectLst>
+        </p:spPr>
+        <p:txBody>
+          <a:bodyPr/>
+          <a:lstStyle/>
+          <a:p>
+            <a:endParaRPr lang="en-US"/>
+          </a:p>
+        </p:txBody>
+      </p:sp>
+      <p:sp>
+        <p:nvSpPr>
+          <p:cNvPr id="6" name="Text 4"/>
+          <p:cNvSpPr/>
+          <p:nvPr/>
+        </p:nvSpPr>
+        <p:spPr>
+          <a:xfrm>
+            <a:off x="594360" y="1051560"/>
+            <a:ext cx="4846320" cy="3749040"/>
+          </a:xfrm>
+          <a:prstGeom prst="rect">
+            <a:avLst/>
+          </a:prstGeom>
+          <a:noFill/>
+          <a:ln/>
+        </p:spPr>
+        <p:txBody>
+          <a:bodyPr wrap="square" lIns="0" tIns="0" rIns="0" bIns="0" rtlCol="0" anchor="t"/>
+          <a:lstStyle/>
+          <a:p>
+            <a:pPr marL="0" indent="0">
+              <a:spcAft>
+                <a:spcPts val="200"/>
+              </a:spcAft>
+              <a:buNone/>
+            </a:pPr>
+            <a:r>
+              <a:rPr lang="en-US" sz="850" dirty="0">
+                <a:solidFill>
+                  <a:srgbClr val="CADCFC"/>
+                </a:solidFill>
+                <a:latin typeface="Consolas" pitchFamily="34" charset="0"/>
+                <a:ea typeface="Consolas" pitchFamily="34" charset="-122"/>
+                <a:cs typeface="Consolas" pitchFamily="34" charset="-120"/>
+              </a:rPr>
+              <a:t># 1. Build training pairs from labeled data</a:t>
+            </a:r>
+            <a:endParaRPr lang="en-US" sz="850" dirty="0"/>
+          </a:p>
+          <a:p>
+            <a:pPr marL="0" indent="0">
+              <a:spcAft>
+                <a:spcPts val="200"/>
+              </a:spcAft>
+              <a:buNone/>
+            </a:pPr>
+            <a:r>
+              <a:rPr lang="en-US" sz="850" dirty="0">
+                <a:solidFill>
+                  <a:srgbClr val="CADCFC"/>
+                </a:solidFill>
+                <a:latin typeface="Consolas" pitchFamily="34" charset="0"/>
+                <a:ea typeface="Consolas" pitchFamily="34" charset="-122"/>
+                <a:cs typeface="Consolas" pitchFamily="34" charset="-120"/>
+              </a:rPr>
+              <a:t>from sentence_transformers import (</a:t>
+            </a:r>
+            <a:endParaRPr lang="en-US" sz="850" dirty="0"/>
+          </a:p>
+          <a:p>
+            <a:pPr marL="0" indent="0">
+              <a:spcAft>
+                <a:spcPts val="200"/>
+              </a:spcAft>
+              <a:buNone/>
+            </a:pPr>
+            <a:r>
+              <a:rPr lang="en-US" sz="850" dirty="0">
+                <a:solidFill>
+                  <a:srgbClr val="CADCFC"/>
+                </a:solidFill>
+                <a:latin typeface="Consolas" pitchFamily="34" charset="0"/>
+                <a:ea typeface="Consolas" pitchFamily="34" charset="-122"/>
+                <a:cs typeface="Consolas" pitchFamily="34" charset="-120"/>
+              </a:rPr>
+              <a:t>  SentenceTransformer, InputExample, losses</a:t>
+            </a:r>
+            <a:endParaRPr lang="en-US" sz="850" dirty="0"/>
+          </a:p>
+          <a:p>
+            <a:pPr marL="0" indent="0">
+              <a:spcAft>
+                <a:spcPts val="200"/>
+              </a:spcAft>
+              <a:buNone/>
+            </a:pPr>
+            <a:r>
+              <a:rPr lang="en-US" sz="850" dirty="0">
+                <a:solidFill>
+                  <a:srgbClr val="CADCFC"/>
+                </a:solidFill>
+                <a:latin typeface="Consolas" pitchFamily="34" charset="0"/>
+                <a:ea typeface="Consolas" pitchFamily="34" charset="-122"/>
+                <a:cs typeface="Consolas" pitchFamily="34" charset="-120"/>
+              </a:rPr>
+              <a:t>)</a:t>
+            </a:r>
+            <a:endParaRPr lang="en-US" sz="850" dirty="0"/>
+          </a:p>
+          <a:p>
+            <a:pPr marL="0" indent="0">
+              <a:spcAft>
+                <a:spcPts val="200"/>
+              </a:spcAft>
+              <a:buNone/>
+            </a:pPr>
+            <a:r>
+              <a:rPr lang="en-US" sz="850" dirty="0">
+                <a:solidFill>
+                  <a:srgbClr val="CADCFC"/>
+                </a:solidFill>
+                <a:latin typeface="Consolas" pitchFamily="34" charset="0"/>
+                <a:ea typeface="Consolas" pitchFamily="34" charset="-122"/>
+                <a:cs typeface="Consolas" pitchFamily="34" charset="-120"/>
+              </a:rPr>
+              <a:t>from torch.utils.data import DataLoader</a:t>
+            </a:r>
+            <a:endParaRPr lang="en-US" sz="850" dirty="0"/>
+          </a:p>
+          <a:p>
+            <a:pPr marL="0" indent="0">
+              <a:spcAft>
+                <a:spcPts val="200"/>
+              </a:spcAft>
+              <a:buNone/>
+            </a:pPr>
+            <a:endParaRPr lang="en-US" sz="850" dirty="0"/>
+          </a:p>
+          <a:p>
+            <a:pPr marL="0" indent="0">
+              <a:spcAft>
+                <a:spcPts val="200"/>
+              </a:spcAft>
+              <a:buNone/>
+            </a:pPr>
+            <a:r>
+              <a:rPr lang="en-US" sz="850" dirty="0">
+                <a:solidFill>
+                  <a:srgbClr val="CADCFC"/>
+                </a:solidFill>
+                <a:latin typeface="Consolas" pitchFamily="34" charset="0"/>
+                <a:ea typeface="Consolas" pitchFamily="34" charset="-122"/>
+                <a:cs typeface="Consolas" pitchFamily="34" charset="-120"/>
+              </a:rPr>
+              <a:t>pairs = []</a:t>
+            </a:r>
+            <a:endParaRPr lang="en-US" sz="850" dirty="0"/>
+          </a:p>
+          <a:p>
+            <a:pPr marL="0" indent="0">
+              <a:spcAft>
+                <a:spcPts val="200"/>
+              </a:spcAft>
+              <a:buNone/>
+            </a:pPr>
+            <a:r>
+              <a:rPr lang="en-US" sz="850" dirty="0">
+                <a:solidFill>
+                  <a:srgbClr val="CADCFC"/>
+                </a:solidFill>
+                <a:latin typeface="Consolas" pitchFamily="34" charset="0"/>
+                <a:ea typeface="Consolas" pitchFamily="34" charset="-122"/>
+                <a:cs typeface="Consolas" pitchFamily="34" charset="-120"/>
+              </a:rPr>
+              <a:t>for intent, utts in grouped_by_intent.items():</a:t>
+            </a:r>
+            <a:endParaRPr lang="en-US" sz="850" dirty="0"/>
+          </a:p>
+          <a:p>
+            <a:pPr marL="0" indent="0">
+              <a:spcAft>
+                <a:spcPts val="200"/>
+              </a:spcAft>
+              <a:buNone/>
+            </a:pPr>
+            <a:r>
+              <a:rPr lang="en-US" sz="850" dirty="0">
+                <a:solidFill>
+                  <a:srgbClr val="CADCFC"/>
+                </a:solidFill>
+                <a:latin typeface="Consolas" pitchFamily="34" charset="0"/>
+                <a:ea typeface="Consolas" pitchFamily="34" charset="-122"/>
+                <a:cs typeface="Consolas" pitchFamily="34" charset="-120"/>
+              </a:rPr>
+              <a:t>  for a, b in combinations(utts, 2):</a:t>
+            </a:r>
+            <a:endParaRPr lang="en-US" sz="850" dirty="0"/>
+          </a:p>
+          <a:p>
+            <a:pPr marL="0" indent="0">
+              <a:spcAft>
+                <a:spcPts val="200"/>
+              </a:spcAft>
+              <a:buNone/>
+            </a:pPr>
+            <a:r>
+              <a:rPr lang="en-US" sz="850" dirty="0">
+                <a:solidFill>
+                  <a:srgbClr val="CADCFC"/>
+                </a:solidFill>
+                <a:latin typeface="Consolas" pitchFamily="34" charset="0"/>
+                <a:ea typeface="Consolas" pitchFamily="34" charset="-122"/>
+                <a:cs typeface="Consolas" pitchFamily="34" charset="-120"/>
+              </a:rPr>
+              <a:t>    pairs.append(InputExample(texts=[a, b]))</a:t>
+            </a:r>
+            <a:endParaRPr lang="en-US" sz="850" dirty="0"/>
+          </a:p>
+          <a:p>
+            <a:pPr marL="0" indent="0">
+              <a:spcAft>
+                <a:spcPts val="200"/>
+              </a:spcAft>
+              <a:buNone/>
+            </a:pPr>
+            <a:endParaRPr lang="en-US" sz="850" dirty="0"/>
+          </a:p>
+          <a:p>
+            <a:pPr marL="0" indent="0">
+              <a:spcAft>
+                <a:spcPts val="200"/>
+              </a:spcAft>
+              <a:buNone/>
+            </a:pPr>
+            <a:r>
+              <a:rPr lang="en-US" sz="850" dirty="0">
+                <a:solidFill>
+                  <a:srgbClr val="CADCFC"/>
+                </a:solidFill>
+                <a:latin typeface="Consolas" pitchFamily="34" charset="0"/>
+                <a:ea typeface="Consolas" pitchFamily="34" charset="-122"/>
+                <a:cs typeface="Consolas" pitchFamily="34" charset="-120"/>
+              </a:rPr>
+              <a:t>loader = DataLoader(pairs, batch_size=128, shuffle=True)</a:t>
+            </a:r>
+            <a:endParaRPr lang="en-US" sz="850" dirty="0"/>
+          </a:p>
+          <a:p>
+            <a:pPr marL="0" indent="0">
+              <a:spcAft>
+                <a:spcPts val="200"/>
+              </a:spcAft>
+              <a:buNone/>
+            </a:pPr>
+            <a:endParaRPr lang="en-US" sz="850" dirty="0"/>
+          </a:p>
+          <a:p>
+            <a:pPr marL="0" indent="0">
+              <a:spcAft>
+                <a:spcPts val="200"/>
+              </a:spcAft>
+              <a:buNone/>
+            </a:pPr>
+            <a:r>
+              <a:rPr lang="en-US" sz="850" dirty="0">
+                <a:solidFill>
+                  <a:srgbClr val="CADCFC"/>
+                </a:solidFill>
+                <a:latin typeface="Consolas" pitchFamily="34" charset="0"/>
+                <a:ea typeface="Consolas" pitchFamily="34" charset="-122"/>
+                <a:cs typeface="Consolas" pitchFamily="34" charset="-120"/>
+              </a:rPr>
+              <a:t># 2. Load base model + MNR loss</a:t>
+            </a:r>
+            <a:endParaRPr lang="en-US" sz="850" dirty="0"/>
+          </a:p>
+          <a:p>
+            <a:pPr marL="0" indent="0">
+              <a:spcAft>
+                <a:spcPts val="200"/>
+              </a:spcAft>
+              <a:buNone/>
+            </a:pPr>
+            <a:r>
+              <a:rPr lang="en-US" sz="850" dirty="0">
+                <a:solidFill>
+                  <a:srgbClr val="CADCFC"/>
+                </a:solidFill>
+                <a:latin typeface="Consolas" pitchFamily="34" charset="0"/>
+                <a:ea typeface="Consolas" pitchFamily="34" charset="-122"/>
+                <a:cs typeface="Consolas" pitchFamily="34" charset="-120"/>
+              </a:rPr>
+              <a:t>model = SentenceTransformer('all-MiniLM-L6-v2')</a:t>
+            </a:r>
+            <a:endParaRPr lang="en-US" sz="850" dirty="0"/>
+          </a:p>
+          <a:p>
+            <a:pPr marL="0" indent="0">
+              <a:spcAft>
+                <a:spcPts val="200"/>
+              </a:spcAft>
+              <a:buNone/>
+            </a:pPr>
+            <a:r>
+              <a:rPr lang="en-US" sz="850" dirty="0">
+                <a:solidFill>
+                  <a:srgbClr val="CADCFC"/>
+                </a:solidFill>
+                <a:latin typeface="Consolas" pitchFamily="34" charset="0"/>
+                <a:ea typeface="Consolas" pitchFamily="34" charset="-122"/>
+                <a:cs typeface="Consolas" pitchFamily="34" charset="-120"/>
+              </a:rPr>
+              <a:t>loss = losses.MultipleNegativesRankingLoss(model)</a:t>
+            </a:r>
+            <a:endParaRPr lang="en-US" sz="850" dirty="0"/>
+          </a:p>
+          <a:p>
+            <a:pPr marL="0" indent="0">
+              <a:spcAft>
+                <a:spcPts val="200"/>
+              </a:spcAft>
+              <a:buNone/>
+            </a:pPr>
+            <a:endParaRPr lang="en-US" sz="850" dirty="0"/>
+          </a:p>
+          <a:p>
+            <a:pPr marL="0" indent="0">
+              <a:spcAft>
+                <a:spcPts val="200"/>
+              </a:spcAft>
+              <a:buNone/>
+            </a:pPr>
+            <a:r>
+              <a:rPr lang="en-US" sz="850" dirty="0">
+                <a:solidFill>
+                  <a:srgbClr val="CADCFC"/>
+                </a:solidFill>
+                <a:latin typeface="Consolas" pitchFamily="34" charset="0"/>
+                <a:ea typeface="Consolas" pitchFamily="34" charset="-122"/>
+                <a:cs typeface="Consolas" pitchFamily="34" charset="-120"/>
+              </a:rPr>
+              <a:t># 3. Fine-tune</a:t>
+            </a:r>
+            <a:endParaRPr lang="en-US" sz="850" dirty="0"/>
+          </a:p>
+          <a:p>
+            <a:pPr marL="0" indent="0">
+              <a:spcAft>
+                <a:spcPts val="200"/>
+              </a:spcAft>
+              <a:buNone/>
+            </a:pPr>
+            <a:r>
+              <a:rPr lang="en-US" sz="850" dirty="0">
+                <a:solidFill>
+                  <a:srgbClr val="CADCFC"/>
+                </a:solidFill>
+                <a:latin typeface="Consolas" pitchFamily="34" charset="0"/>
+                <a:ea typeface="Consolas" pitchFamily="34" charset="-122"/>
+                <a:cs typeface="Consolas" pitchFamily="34" charset="-120"/>
+              </a:rPr>
+              <a:t>model.fit(</a:t>
+            </a:r>
+            <a:endParaRPr lang="en-US" sz="850" dirty="0"/>
+          </a:p>
+          <a:p>
+            <a:pPr marL="0" indent="0">
+              <a:spcAft>
+                <a:spcPts val="200"/>
+              </a:spcAft>
+              <a:buNone/>
+            </a:pPr>
+            <a:r>
+              <a:rPr lang="en-US" sz="850" dirty="0">
+                <a:solidFill>
+                  <a:srgbClr val="CADCFC"/>
+                </a:solidFill>
+                <a:latin typeface="Consolas" pitchFamily="34" charset="0"/>
+                <a:ea typeface="Consolas" pitchFamily="34" charset="-122"/>
+                <a:cs typeface="Consolas" pitchFamily="34" charset="-120"/>
+              </a:rPr>
+              <a:t>  train_objectives=[(loader, loss)],</a:t>
+            </a:r>
+            <a:endParaRPr lang="en-US" sz="850" dirty="0"/>
+          </a:p>
+          <a:p>
+            <a:pPr marL="0" indent="0">
+              <a:spcAft>
+                <a:spcPts val="200"/>
+              </a:spcAft>
+              <a:buNone/>
+            </a:pPr>
+            <a:r>
+              <a:rPr lang="en-US" sz="850" dirty="0">
+                <a:solidFill>
+                  <a:srgbClr val="CADCFC"/>
+                </a:solidFill>
+                <a:latin typeface="Consolas" pitchFamily="34" charset="0"/>
+                <a:ea typeface="Consolas" pitchFamily="34" charset="-122"/>
+                <a:cs typeface="Consolas" pitchFamily="34" charset="-120"/>
+              </a:rPr>
+              <a:t>  epochs=3,</a:t>
+            </a:r>
+            <a:endParaRPr lang="en-US" sz="850" dirty="0"/>
+          </a:p>
+          <a:p>
+            <a:pPr marL="0" indent="0">
+              <a:spcAft>
+                <a:spcPts val="200"/>
+              </a:spcAft>
+              <a:buNone/>
+            </a:pPr>
+            <a:r>
+              <a:rPr lang="en-US" sz="850" dirty="0">
+                <a:solidFill>
+                  <a:srgbClr val="CADCFC"/>
+                </a:solidFill>
+                <a:latin typeface="Consolas" pitchFamily="34" charset="0"/>
+                <a:ea typeface="Consolas" pitchFamily="34" charset="-122"/>
+                <a:cs typeface="Consolas" pitchFamily="34" charset="-120"/>
+              </a:rPr>
+              <a:t>  warmup_steps=100</a:t>
+            </a:r>
+            <a:endParaRPr lang="en-US" sz="850" dirty="0"/>
+          </a:p>
+          <a:p>
+            <a:pPr marL="0" indent="0">
+              <a:spcAft>
+                <a:spcPts val="200"/>
+              </a:spcAft>
+              <a:buNone/>
+            </a:pPr>
+            <a:r>
+              <a:rPr lang="en-US" sz="850" dirty="0">
+                <a:solidFill>
+                  <a:srgbClr val="CADCFC"/>
+                </a:solidFill>
+                <a:latin typeface="Consolas" pitchFamily="34" charset="0"/>
+                <a:ea typeface="Consolas" pitchFamily="34" charset="-122"/>
+                <a:cs typeface="Consolas" pitchFamily="34" charset="-120"/>
+              </a:rPr>
+              <a:t>)</a:t>
+            </a:r>
+            <a:endParaRPr lang="en-US" sz="850" dirty="0"/>
+          </a:p>
+          <a:p>
+            <a:pPr marL="0" indent="0">
+              <a:spcAft>
+                <a:spcPts val="200"/>
+              </a:spcAft>
+              <a:buNone/>
+            </a:pPr>
+            <a:r>
+              <a:rPr lang="en-US" sz="850" dirty="0">
+                <a:solidFill>
+                  <a:srgbClr val="CADCFC"/>
+                </a:solidFill>
+                <a:latin typeface="Consolas" pitchFamily="34" charset="0"/>
+                <a:ea typeface="Consolas" pitchFamily="34" charset="-122"/>
+                <a:cs typeface="Consolas" pitchFamily="34" charset="-120"/>
+              </a:rPr>
+              <a:t>model.save("finetuned-model")</a:t>
+            </a:r>
+            <a:endParaRPr lang="en-US" sz="850" dirty="0"/>
+          </a:p>
+        </p:txBody>
+      </p:sp>
+      <p:sp>
+        <p:nvSpPr>
+          <p:cNvPr id="7" name="Shape 5"/>
+          <p:cNvSpPr/>
+          <p:nvPr/>
+        </p:nvSpPr>
+        <p:spPr>
+          <a:xfrm>
+            <a:off x="5943600" y="960120"/>
+            <a:ext cx="2926080" cy="3931920"/>
+          </a:xfrm>
+          <a:prstGeom prst="rect">
+            <a:avLst/>
+          </a:prstGeom>
+          <a:solidFill>
+            <a:srgbClr val="1E293B"/>
+          </a:solidFill>
+          <a:ln/>
+          <a:effectLst>
+            <a:outerShdw blurRad="101600" dist="38100" dir="8100000" algn="bl" rotWithShape="0">
+              <a:srgbClr val="000000">
+                <a:alpha val="20000"/>
+              </a:srgbClr>
+            </a:outerShdw>
+          </a:effectLst>
+        </p:spPr>
+        <p:txBody>
+          <a:bodyPr/>
+          <a:lstStyle/>
+          <a:p>
+            <a:endParaRPr lang="en-US"/>
+          </a:p>
+        </p:txBody>
+      </p:sp>
+      <p:sp>
+        <p:nvSpPr>
+          <p:cNvPr id="8" name="Text 6"/>
+          <p:cNvSpPr/>
+          <p:nvPr/>
+        </p:nvSpPr>
+        <p:spPr>
+          <a:xfrm>
+            <a:off x="6126480" y="1051560"/>
+            <a:ext cx="2560320" cy="365760"/>
+          </a:xfrm>
+          <a:prstGeom prst="rect">
+            <a:avLst/>
+          </a:prstGeom>
+          <a:noFill/>
+          <a:ln/>
+        </p:spPr>
+        <p:txBody>
+          <a:bodyPr wrap="square" lIns="0" tIns="0" rIns="0" bIns="0" rtlCol="0" anchor="ctr"/>
+          <a:lstStyle/>
+          <a:p>
+            <a:pPr marL="0" indent="0" algn="l">
+              <a:buNone/>
+            </a:pPr>
+            <a:r>
+              <a:rPr lang="en-US" sz="1600" dirty="0">
+                <a:solidFill>
+                  <a:srgbClr val="F97316"/>
+                </a:solidFill>
+                <a:latin typeface="Arial Black" pitchFamily="34" charset="0"/>
+                <a:ea typeface="Arial Black" pitchFamily="34" charset="-122"/>
+                <a:cs typeface="Arial Black" pitchFamily="34" charset="-120"/>
+              </a:rPr>
+              <a:t>How It Works</a:t>
+            </a:r>
+            <a:endParaRPr lang="en-US" sz="1600" dirty="0"/>
+          </a:p>
+        </p:txBody>
+      </p:sp>
+      <p:sp>
+        <p:nvSpPr>
+          <p:cNvPr id="9" name="Text 7"/>
+          <p:cNvSpPr/>
+          <p:nvPr/>
+        </p:nvSpPr>
+        <p:spPr>
+          <a:xfrm>
+            <a:off x="6126480" y="1463040"/>
+            <a:ext cx="2560320" cy="3291840"/>
+          </a:xfrm>
+          <a:prstGeom prst="rect">
+            <a:avLst/>
+          </a:prstGeom>
+          <a:noFill/>
+          <a:ln/>
+        </p:spPr>
+        <p:txBody>
+          <a:bodyPr wrap="square" lIns="0" tIns="0" rIns="0" bIns="0" rtlCol="0" anchor="t"/>
+          <a:lstStyle/>
+          <a:p>
+            <a:pPr marL="0" indent="0">
+              <a:buNone/>
+            </a:pPr>
+            <a:r>
+              <a:rPr lang="en-US" sz="1100" b="1" dirty="0">
+                <a:solidFill>
+                  <a:srgbClr val="FFFFFF"/>
+                </a:solidFill>
+              </a:rPr>
+              <a:t>Step 1: Pair Mining</a:t>
+            </a:r>
+            <a:endParaRPr lang="en-US" sz="1100" dirty="0"/>
+          </a:p>
+          <a:p>
+            <a:pPr marL="0" indent="0">
+              <a:buNone/>
+            </a:pPr>
+            <a:r>
+              <a:rPr lang="en-US" sz="900" dirty="0">
+                <a:solidFill>
+                  <a:srgbClr val="94A3B8"/>
+                </a:solidFill>
+              </a:rPr>
+              <a:t>Sample all (a, b) from the same intent label using combinations
+</a:t>
+            </a:r>
+            <a:endParaRPr lang="en-US" sz="1100" dirty="0"/>
+          </a:p>
+          <a:p>
+            <a:pPr marL="0" indent="0">
+              <a:buNone/>
+            </a:pPr>
+            <a:r>
+              <a:rPr lang="en-US" sz="1100" b="1" dirty="0">
+                <a:solidFill>
+                  <a:srgbClr val="FFFFFF"/>
+                </a:solidFill>
+              </a:rPr>
+              <a:t>Step 2: Loss Function</a:t>
+            </a:r>
+            <a:endParaRPr lang="en-US" sz="1100" dirty="0"/>
+          </a:p>
+          <a:p>
+            <a:pPr marL="0" indent="0">
+              <a:buNone/>
+            </a:pPr>
+            <a:r>
+              <a:rPr lang="en-US" sz="900" dirty="0">
+                <a:solidFill>
+                  <a:srgbClr val="94A3B8"/>
+                </a:solidFill>
+              </a:rPr>
+              <a:t>MNR Loss treats other pairs in the batch as automatic negatives
+</a:t>
+            </a:r>
+            <a:endParaRPr lang="en-US" sz="1100" dirty="0"/>
+          </a:p>
+          <a:p>
+            <a:pPr marL="0" indent="0">
+              <a:buNone/>
+            </a:pPr>
+            <a:r>
+              <a:rPr lang="en-US" sz="1100" b="1" dirty="0">
+                <a:solidFill>
+                  <a:srgbClr val="FFFFFF"/>
+                </a:solidFill>
+              </a:rPr>
+              <a:t>Step 3: Training</a:t>
+            </a:r>
+            <a:endParaRPr lang="en-US" sz="1100" dirty="0"/>
+          </a:p>
+          <a:p>
+            <a:pPr marL="0" indent="0">
+              <a:buNone/>
+            </a:pPr>
+            <a:r>
+              <a:rPr lang="en-US" sz="900" dirty="0">
+                <a:solidFill>
+                  <a:srgbClr val="94A3B8"/>
+                </a:solidFill>
+              </a:rPr>
+              <a:t>1-3 epochs is usually sufficient; use warmup to stabilize early training
+</a:t>
+            </a:r>
+            <a:endParaRPr lang="en-US" sz="1100" dirty="0"/>
+          </a:p>
+          <a:p>
+            <a:pPr marL="0" indent="0">
+              <a:buNone/>
+            </a:pPr>
+            <a:r>
+              <a:rPr lang="en-US" sz="1100" b="1" dirty="0">
+                <a:solidFill>
+                  <a:srgbClr val="F97316"/>
+                </a:solidFill>
+              </a:rPr>
+              <a:t>Batch size matters!</a:t>
+            </a:r>
+            <a:endParaRPr lang="en-US" sz="1100" dirty="0"/>
+          </a:p>
+          <a:p>
+            <a:pPr marL="0" indent="0">
+              <a:buNone/>
+            </a:pPr>
+            <a:r>
+              <a:rPr lang="en-US" sz="900" dirty="0">
+                <a:solidFill>
+                  <a:srgbClr val="CADCFC"/>
+                </a:solidFill>
+              </a:rPr>
+              <a:t>Larger batch = more in-batch negatives = better contrastive signal. Use 128+ if GPU memory allows.</a:t>
+            </a:r>
+            <a:endParaRPr lang="en-US" sz="1100" dirty="0"/>
+          </a:p>
+        </p:txBody>
+      </p:sp>
+    </p:spTree>
+  </p:cSld>
+  <p:clrMapOvr>
+    <a:masterClrMapping/>
+  </p:clrMapOvr>
+</p:sld>
+</file>
+
+<file path=ppt/slides/slide18.xml><?xml version="1.0" encoding="utf-8"?>
 <p:sld xmlns:a="http://schemas.openxmlformats.org/drawingml/2006/main" xmlns:p="http://schemas.openxmlformats.org/presentationml/2006/main" xmlns:r="http://schemas.openxmlformats.org/officeDocument/2006/relationships">
   <p:cSld>
     <p:bg>
@@ -7655,12 +6586,6 @@
                     <a:lstStyle/>
                     <a:p>
                       <a:r>
-                        <a:rPr sz="1000" b="1">
-                          <a:solidFill>
-                            <a:srgbClr val="FFFFFF"/>
-                          </a:solidFill>
-                          <a:latin typeface="Calibri"/>
-                        </a:rPr>
                         <a:t>Metric</a:t>
                       </a:r>
                     </a:p>
@@ -7751,7 +6676,7 @@
                           </a:solidFill>
                           <a:latin typeface="Calibri"/>
                         </a:rPr>
-                        <a:t>DBCV (internal)</a:t>
+                        <a:t>ARI vs Intent</a:t>
                       </a:r>
                     </a:p>
                   </a:txBody>
@@ -7769,11 +6694,11 @@
                       <a:r>
                         <a:rPr sz="1000">
                           <a:solidFill>
-                            <a:srgbClr val="CADCFC"/>
+                            <a:srgbClr val="FFFFFF"/>
                           </a:solidFill>
                           <a:latin typeface="Calibri"/>
                         </a:rPr>
-                        <a:t>—</a:t>
+                        <a:t>0.6961</a:t>
                       </a:r>
                     </a:p>
                   </a:txBody>
@@ -7791,11 +6716,11 @@
                       <a:r>
                         <a:rPr sz="1000">
                           <a:solidFill>
-                            <a:srgbClr val="CADCFC"/>
+                            <a:srgbClr val="FFFFFF"/>
                           </a:solidFill>
                           <a:latin typeface="Calibri"/>
                         </a:rPr>
-                        <a:t>—</a:t>
+                        <a:t>0.9203</a:t>
                       </a:r>
                     </a:p>
                   </a:txBody>
@@ -7811,13 +6736,13 @@
                     <a:lstStyle/>
                     <a:p>
                       <a:r>
-                        <a:rPr sz="1000">
+                        <a:rPr sz="1000" b="1">
                           <a:solidFill>
-                            <a:srgbClr val="CADCFC"/>
+                            <a:srgbClr val="22C55E"/>
                           </a:solidFill>
                           <a:latin typeface="Calibri"/>
                         </a:rPr>
-                        <a:t>—</a:t>
+                        <a:t>+0.2242</a:t>
                       </a:r>
                     </a:p>
                   </a:txBody>
@@ -7841,7 +6766,7 @@
                           </a:solidFill>
                           <a:latin typeface="Calibri"/>
                         </a:rPr>
-                        <a:t>ARI vs Intent (full dataset)</a:t>
+                        <a:t>NMI vs Intent</a:t>
                       </a:r>
                     </a:p>
                   </a:txBody>
@@ -7859,11 +6784,11 @@
                       <a:r>
                         <a:rPr sz="1000">
                           <a:solidFill>
-                            <a:srgbClr val="CADCFC"/>
+                            <a:srgbClr val="FFFFFF"/>
                           </a:solidFill>
                           <a:latin typeface="Calibri"/>
                         </a:rPr>
-                        <a:t>—</a:t>
+                        <a:t>0.8751</a:t>
                       </a:r>
                     </a:p>
                   </a:txBody>
@@ -7881,11 +6806,11 @@
                       <a:r>
                         <a:rPr sz="1000">
                           <a:solidFill>
-                            <a:srgbClr val="CADCFC"/>
+                            <a:srgbClr val="FFFFFF"/>
                           </a:solidFill>
                           <a:latin typeface="Calibri"/>
                         </a:rPr>
-                        <a:t>—</a:t>
+                        <a:t>0.9713</a:t>
                       </a:r>
                     </a:p>
                   </a:txBody>
@@ -7901,13 +6826,13 @@
                     <a:lstStyle/>
                     <a:p>
                       <a:r>
-                        <a:rPr sz="1000">
+                        <a:rPr sz="1000" b="1">
                           <a:solidFill>
-                            <a:srgbClr val="CADCFC"/>
+                            <a:srgbClr val="22C55E"/>
                           </a:solidFill>
                           <a:latin typeface="Calibri"/>
                         </a:rPr>
-                        <a:t>—</a:t>
+                        <a:t>+0.0962</a:t>
                       </a:r>
                     </a:p>
                   </a:txBody>
@@ -7931,7 +6856,7 @@
                           </a:solidFill>
                           <a:latin typeface="Calibri"/>
                         </a:rPr>
-                        <a:t>NMI vs Intent (full dataset)</a:t>
+                        <a:t>ARI vs Category</a:t>
                       </a:r>
                     </a:p>
                   </a:txBody>
@@ -7949,11 +6874,11 @@
                       <a:r>
                         <a:rPr sz="1000">
                           <a:solidFill>
-                            <a:srgbClr val="CADCFC"/>
+                            <a:srgbClr val="FFFFFF"/>
                           </a:solidFill>
                           <a:latin typeface="Calibri"/>
                         </a:rPr>
-                        <a:t>—</a:t>
+                        <a:t>0.6317</a:t>
                       </a:r>
                     </a:p>
                   </a:txBody>
@@ -7971,11 +6896,11 @@
                       <a:r>
                         <a:rPr sz="1000">
                           <a:solidFill>
-                            <a:srgbClr val="CADCFC"/>
+                            <a:srgbClr val="FFFFFF"/>
                           </a:solidFill>
                           <a:latin typeface="Calibri"/>
                         </a:rPr>
-                        <a:t>—</a:t>
+                        <a:t>0.4613</a:t>
                       </a:r>
                     </a:p>
                   </a:txBody>
@@ -7991,13 +6916,13 @@
                     <a:lstStyle/>
                     <a:p>
                       <a:r>
-                        <a:rPr sz="1000">
+                        <a:rPr sz="1000" b="1">
                           <a:solidFill>
-                            <a:srgbClr val="CADCFC"/>
+                            <a:srgbClr val="EF4444"/>
                           </a:solidFill>
                           <a:latin typeface="Calibri"/>
                         </a:rPr>
-                        <a:t>—</a:t>
+                        <a:t>-0.1704</a:t>
                       </a:r>
                     </a:p>
                   </a:txBody>
@@ -8021,7 +6946,7 @@
                           </a:solidFill>
                           <a:latin typeface="Calibri"/>
                         </a:rPr>
-                        <a:t>ARI vs Category (full dataset)</a:t>
+                        <a:t>NMI vs Category</a:t>
                       </a:r>
                     </a:p>
                   </a:txBody>
@@ -8039,11 +6964,11 @@
                       <a:r>
                         <a:rPr sz="1000">
                           <a:solidFill>
-                            <a:srgbClr val="CADCFC"/>
+                            <a:srgbClr val="FFFFFF"/>
                           </a:solidFill>
                           <a:latin typeface="Calibri"/>
                         </a:rPr>
-                        <a:t>—</a:t>
+                        <a:t>0.8368</a:t>
                       </a:r>
                     </a:p>
                   </a:txBody>
@@ -8061,11 +6986,11 @@
                       <a:r>
                         <a:rPr sz="1000">
                           <a:solidFill>
-                            <a:srgbClr val="CADCFC"/>
+                            <a:srgbClr val="FFFFFF"/>
                           </a:solidFill>
                           <a:latin typeface="Calibri"/>
                         </a:rPr>
-                        <a:t>—</a:t>
+                        <a:t>0.8110</a:t>
                       </a:r>
                     </a:p>
                   </a:txBody>
@@ -8081,13 +7006,13 @@
                     <a:lstStyle/>
                     <a:p>
                       <a:r>
-                        <a:rPr sz="1000">
+                        <a:rPr sz="1000" b="1">
                           <a:solidFill>
-                            <a:srgbClr val="CADCFC"/>
+                            <a:srgbClr val="EF4444"/>
                           </a:solidFill>
                           <a:latin typeface="Calibri"/>
                         </a:rPr>
-                        <a:t>—</a:t>
+                        <a:t>-0.0258</a:t>
                       </a:r>
                     </a:p>
                   </a:txBody>
@@ -8129,11 +7054,11 @@
                       <a:r>
                         <a:rPr sz="1000">
                           <a:solidFill>
-                            <a:srgbClr val="CADCFC"/>
+                            <a:srgbClr val="FFFFFF"/>
                           </a:solidFill>
                           <a:latin typeface="Calibri"/>
                         </a:rPr>
-                        <a:t>—</a:t>
+                        <a:t>21</a:t>
                       </a:r>
                     </a:p>
                   </a:txBody>
@@ -8151,11 +7076,11 @@
                       <a:r>
                         <a:rPr sz="1000">
                           <a:solidFill>
-                            <a:srgbClr val="CADCFC"/>
+                            <a:srgbClr val="FFFFFF"/>
                           </a:solidFill>
                           <a:latin typeface="Calibri"/>
                         </a:rPr>
-                        <a:t>—</a:t>
+                        <a:t>26</a:t>
                       </a:r>
                     </a:p>
                   </a:txBody>
@@ -8171,13 +7096,13 @@
                     <a:lstStyle/>
                     <a:p>
                       <a:r>
-                        <a:rPr sz="1000">
+                        <a:rPr sz="1000" b="1">
                           <a:solidFill>
-                            <a:srgbClr val="CADCFC"/>
+                            <a:srgbClr val="22C55E"/>
                           </a:solidFill>
                           <a:latin typeface="Calibri"/>
                         </a:rPr>
-                        <a:t>—</a:t>
+                        <a:t>+5</a:t>
                       </a:r>
                     </a:p>
                   </a:txBody>
@@ -8219,11 +7144,11 @@
                       <a:r>
                         <a:rPr sz="1000">
                           <a:solidFill>
-                            <a:srgbClr val="CADCFC"/>
+                            <a:srgbClr val="FFFFFF"/>
                           </a:solidFill>
                           <a:latin typeface="Calibri"/>
                         </a:rPr>
-                        <a:t>—</a:t>
+                        <a:t>18.7%</a:t>
                       </a:r>
                     </a:p>
                   </a:txBody>
@@ -8241,11 +7166,11 @@
                       <a:r>
                         <a:rPr sz="1000">
                           <a:solidFill>
-                            <a:srgbClr val="CADCFC"/>
+                            <a:srgbClr val="FFFFFF"/>
                           </a:solidFill>
                           <a:latin typeface="Calibri"/>
                         </a:rPr>
-                        <a:t>—</a:t>
+                        <a:t>1.7%</a:t>
                       </a:r>
                     </a:p>
                   </a:txBody>
@@ -8261,13 +7186,13 @@
                     <a:lstStyle/>
                     <a:p>
                       <a:r>
-                        <a:rPr sz="1000">
+                        <a:rPr sz="1000" b="1">
                           <a:solidFill>
-                            <a:srgbClr val="CADCFC"/>
+                            <a:srgbClr val="EF4444"/>
                           </a:solidFill>
                           <a:latin typeface="Calibri"/>
                         </a:rPr>
-                        <a:t>—</a:t>
+                        <a:t>-17.0%</a:t>
                       </a:r>
                     </a:p>
                   </a:txBody>
@@ -8291,7 +7216,7 @@
                           </a:solidFill>
                           <a:latin typeface="Calibri"/>
                         </a:rPr>
-                        <a:t>Mean Purity (full dataset)</a:t>
+                        <a:t>Mean Purity</a:t>
                       </a:r>
                     </a:p>
                   </a:txBody>
@@ -8309,11 +7234,11 @@
                       <a:r>
                         <a:rPr sz="1000">
                           <a:solidFill>
-                            <a:srgbClr val="CADCFC"/>
+                            <a:srgbClr val="FFFFFF"/>
                           </a:solidFill>
                           <a:latin typeface="Calibri"/>
                         </a:rPr>
-                        <a:t>—</a:t>
+                        <a:t>0.883</a:t>
                       </a:r>
                     </a:p>
                   </a:txBody>
@@ -8331,11 +7256,11 @@
                       <a:r>
                         <a:rPr sz="1000">
                           <a:solidFill>
-                            <a:srgbClr val="CADCFC"/>
+                            <a:srgbClr val="FFFFFF"/>
                           </a:solidFill>
                           <a:latin typeface="Calibri"/>
                         </a:rPr>
-                        <a:t>—</a:t>
+                        <a:t>0.975</a:t>
                       </a:r>
                     </a:p>
                   </a:txBody>
@@ -8351,13 +7276,13 @@
                     <a:lstStyle/>
                     <a:p>
                       <a:r>
-                        <a:rPr sz="1000">
+                        <a:rPr sz="1000" b="1">
                           <a:solidFill>
-                            <a:srgbClr val="CADCFC"/>
+                            <a:srgbClr val="22C55E"/>
                           </a:solidFill>
                           <a:latin typeface="Calibri"/>
                         </a:rPr>
-                        <a:t>—</a:t>
+                        <a:t>+0.092</a:t>
                       </a:r>
                     </a:p>
                   </a:txBody>
@@ -8399,11 +7324,11 @@
                       <a:r>
                         <a:rPr sz="1000">
                           <a:solidFill>
-                            <a:srgbClr val="CADCFC"/>
+                            <a:srgbClr val="FFFFFF"/>
                           </a:solidFill>
                           <a:latin typeface="Calibri"/>
                         </a:rPr>
-                        <a:t>—</a:t>
+                        <a:t>0.3987</a:t>
                       </a:r>
                     </a:p>
                   </a:txBody>
@@ -8421,11 +7346,11 @@
                       <a:r>
                         <a:rPr sz="1000">
                           <a:solidFill>
-                            <a:srgbClr val="CADCFC"/>
+                            <a:srgbClr val="FFFFFF"/>
                           </a:solidFill>
                           <a:latin typeface="Calibri"/>
                         </a:rPr>
-                        <a:t>—</a:t>
+                        <a:t>0.6471</a:t>
                       </a:r>
                     </a:p>
                   </a:txBody>
@@ -8441,13 +7366,13 @@
                     <a:lstStyle/>
                     <a:p>
                       <a:r>
-                        <a:rPr sz="1000">
+                        <a:rPr sz="1000" b="1">
                           <a:solidFill>
-                            <a:srgbClr val="CADCFC"/>
+                            <a:srgbClr val="22C55E"/>
                           </a:solidFill>
                           <a:latin typeface="Calibri"/>
                         </a:rPr>
-                        <a:t>—</a:t>
+                        <a:t>+0.2484</a:t>
                       </a:r>
                     </a:p>
                   </a:txBody>
@@ -8509,7 +7434,554 @@
                 </a:solidFill>
                 <a:latin typeface="Calibri"/>
               </a:rPr>
-              <a:t>Values marked '—' will be populated after running finetune_embeddings.ipynb with the v2 pipeline. Each model gets its own DBCV-optimal parameters — no more hardcoded min_cluster_size=500. Full-dataset metrics include noise points assigned via approximate_predict.</a:t>
+              <a:t>Results from the baseline pipeline (min_cluster_size=500, min_samples=10). Metrics are excl-noise. Re-run finetune_embeddings.ipynb with the v2 pipeline for DBCV scores and full-dataset metrics via approximate_predict.</a:t>
+            </a:r>
+          </a:p>
+        </p:txBody>
+      </p:sp>
+    </p:spTree>
+  </p:cSld>
+  <p:clrMapOvr>
+    <a:masterClrMapping/>
+  </p:clrMapOvr>
+</p:sld>
+</file>
+
+<file path=ppt/slides/slide19.xml><?xml version="1.0" encoding="utf-8"?>
+<p:sld xmlns:a="http://schemas.openxmlformats.org/drawingml/2006/main" xmlns:p="http://schemas.openxmlformats.org/presentationml/2006/main" xmlns:r="http://schemas.openxmlformats.org/officeDocument/2006/relationships">
+  <p:cSld>
+    <p:bg>
+      <p:bgPr>
+        <a:solidFill>
+          <a:srgbClr val="0F172A"/>
+        </a:solidFill>
+        <a:effectLst/>
+      </p:bgPr>
+    </p:bg>
+    <p:spTree>
+      <p:nvGrpSpPr>
+        <p:cNvPr id="1" name=""/>
+        <p:cNvGrpSpPr/>
+        <p:nvPr/>
+      </p:nvGrpSpPr>
+      <p:grpSpPr/>
+      <p:sp>
+        <p:nvSpPr>
+          <p:cNvPr id="2" name="Rectangle 1"/>
+          <p:cNvSpPr/>
+          <p:nvPr/>
+        </p:nvSpPr>
+        <p:spPr>
+          <a:xfrm>
+            <a:off x="0" y="0"/>
+            <a:ext cx="9144000" cy="54864"/>
+          </a:xfrm>
+          <a:prstGeom prst="rect">
+            <a:avLst/>
+          </a:prstGeom>
+          <a:solidFill>
+            <a:srgbClr val="F97316"/>
+          </a:solidFill>
+          <a:ln>
+            <a:noFill/>
+          </a:ln>
+        </p:spPr>
+        <p:style>
+          <a:lnRef idx="1">
+            <a:schemeClr val="accent1"/>
+          </a:lnRef>
+          <a:fillRef idx="3">
+            <a:schemeClr val="accent1"/>
+          </a:fillRef>
+          <a:effectRef idx="2">
+            <a:schemeClr val="accent1"/>
+          </a:effectRef>
+          <a:fontRef idx="minor">
+            <a:schemeClr val="lt1"/>
+          </a:fontRef>
+        </p:style>
+        <p:txBody>
+          <a:bodyPr rtlCol="0" anchor="ctr"/>
+          <a:lstStyle/>
+          <a:p>
+            <a:pPr algn="ctr"/>
+          </a:p>
+        </p:txBody>
+      </p:sp>
+      <p:sp>
+        <p:nvSpPr>
+          <p:cNvPr id="3" name="TextBox 2"/>
+          <p:cNvSpPr txBox="1"/>
+          <p:nvPr/>
+        </p:nvSpPr>
+        <p:spPr>
+          <a:xfrm>
+            <a:off x="457200" y="182880"/>
+            <a:ext cx="8229600" cy="457200"/>
+          </a:xfrm>
+          <a:prstGeom prst="rect">
+            <a:avLst/>
+          </a:prstGeom>
+          <a:noFill/>
+        </p:spPr>
+        <p:txBody>
+          <a:bodyPr wrap="square">
+            <a:spAutoFit/>
+          </a:bodyPr>
+          <a:lstStyle/>
+          <a:p>
+            <a:r>
+              <a:rPr sz="2800" b="0">
+                <a:solidFill>
+                  <a:srgbClr val="FFFFFF"/>
+                </a:solidFill>
+                <a:latin typeface="Arial Black"/>
+              </a:rPr>
+              <a:t>Fine-Tuning: Key Takeaways</a:t>
+            </a:r>
+          </a:p>
+        </p:txBody>
+      </p:sp>
+      <p:sp>
+        <p:nvSpPr>
+          <p:cNvPr id="4" name="Rounded Rectangle 3"/>
+          <p:cNvSpPr/>
+          <p:nvPr/>
+        </p:nvSpPr>
+        <p:spPr>
+          <a:xfrm>
+            <a:off x="274320" y="822960"/>
+            <a:ext cx="2651760" cy="2194560"/>
+          </a:xfrm>
+          <a:prstGeom prst="roundRect">
+            <a:avLst/>
+          </a:prstGeom>
+          <a:solidFill>
+            <a:srgbClr val="1E293B"/>
+          </a:solidFill>
+          <a:ln>
+            <a:noFill/>
+          </a:ln>
+        </p:spPr>
+        <p:style>
+          <a:lnRef idx="1">
+            <a:schemeClr val="accent1"/>
+          </a:lnRef>
+          <a:fillRef idx="3">
+            <a:schemeClr val="accent1"/>
+          </a:fillRef>
+          <a:effectRef idx="2">
+            <a:schemeClr val="accent1"/>
+          </a:effectRef>
+          <a:fontRef idx="minor">
+            <a:schemeClr val="lt1"/>
+          </a:fontRef>
+        </p:style>
+        <p:txBody>
+          <a:bodyPr rtlCol="0" anchor="ctr"/>
+          <a:lstStyle/>
+          <a:p>
+            <a:pPr algn="ctr"/>
+          </a:p>
+        </p:txBody>
+      </p:sp>
+      <p:sp>
+        <p:nvSpPr>
+          <p:cNvPr id="5" name="TextBox 4"/>
+          <p:cNvSpPr txBox="1"/>
+          <p:nvPr/>
+        </p:nvSpPr>
+        <p:spPr>
+          <a:xfrm>
+            <a:off x="365760" y="891540"/>
+            <a:ext cx="2468880" cy="228600"/>
+          </a:xfrm>
+          <a:prstGeom prst="rect">
+            <a:avLst/>
+          </a:prstGeom>
+          <a:noFill/>
+        </p:spPr>
+        <p:txBody>
+          <a:bodyPr wrap="square">
+            <a:spAutoFit/>
+          </a:bodyPr>
+          <a:lstStyle/>
+          <a:p>
+            <a:r>
+              <a:rPr sz="1400" b="0">
+                <a:solidFill>
+                  <a:srgbClr val="14B8A6"/>
+                </a:solidFill>
+                <a:latin typeface="Arial Black"/>
+              </a:rPr>
+              <a:t>Tighter Clusters</a:t>
+            </a:r>
+          </a:p>
+        </p:txBody>
+      </p:sp>
+      <p:sp>
+        <p:nvSpPr>
+          <p:cNvPr id="6" name="TextBox 5"/>
+          <p:cNvSpPr txBox="1"/>
+          <p:nvPr/>
+        </p:nvSpPr>
+        <p:spPr>
+          <a:xfrm>
+            <a:off x="365760" y="1097280"/>
+            <a:ext cx="2468880" cy="1851660"/>
+          </a:xfrm>
+          <a:prstGeom prst="rect">
+            <a:avLst/>
+          </a:prstGeom>
+          <a:noFill/>
+        </p:spPr>
+        <p:txBody>
+          <a:bodyPr wrap="square">
+            <a:spAutoFit/>
+          </a:bodyPr>
+          <a:lstStyle/>
+          <a:p>
+            <a:r>
+              <a:rPr sz="1100">
+                <a:solidFill>
+                  <a:srgbClr val="CADCFC"/>
+                </a:solidFill>
+                <a:latin typeface="Calibri"/>
+              </a:rPr>
+              <a:t>Fine-tuning pulls same-intent utterances closer together in embedding space, increasing intra-class cosine similarity and the gap between intra- and inter-class similarity.</a:t>
+            </a:r>
+          </a:p>
+        </p:txBody>
+      </p:sp>
+      <p:sp>
+        <p:nvSpPr>
+          <p:cNvPr id="7" name="Rounded Rectangle 6"/>
+          <p:cNvSpPr/>
+          <p:nvPr/>
+        </p:nvSpPr>
+        <p:spPr>
+          <a:xfrm>
+            <a:off x="3108960" y="822960"/>
+            <a:ext cx="2651760" cy="2194560"/>
+          </a:xfrm>
+          <a:prstGeom prst="roundRect">
+            <a:avLst/>
+          </a:prstGeom>
+          <a:solidFill>
+            <a:srgbClr val="1E293B"/>
+          </a:solidFill>
+          <a:ln>
+            <a:noFill/>
+          </a:ln>
+        </p:spPr>
+        <p:style>
+          <a:lnRef idx="1">
+            <a:schemeClr val="accent1"/>
+          </a:lnRef>
+          <a:fillRef idx="3">
+            <a:schemeClr val="accent1"/>
+          </a:fillRef>
+          <a:effectRef idx="2">
+            <a:schemeClr val="accent1"/>
+          </a:effectRef>
+          <a:fontRef idx="minor">
+            <a:schemeClr val="lt1"/>
+          </a:fontRef>
+        </p:style>
+        <p:txBody>
+          <a:bodyPr rtlCol="0" anchor="ctr"/>
+          <a:lstStyle/>
+          <a:p>
+            <a:pPr algn="ctr"/>
+          </a:p>
+        </p:txBody>
+      </p:sp>
+      <p:sp>
+        <p:nvSpPr>
+          <p:cNvPr id="8" name="TextBox 7"/>
+          <p:cNvSpPr txBox="1"/>
+          <p:nvPr/>
+        </p:nvSpPr>
+        <p:spPr>
+          <a:xfrm>
+            <a:off x="3200400" y="891540"/>
+            <a:ext cx="2468880" cy="228600"/>
+          </a:xfrm>
+          <a:prstGeom prst="rect">
+            <a:avLst/>
+          </a:prstGeom>
+          <a:noFill/>
+        </p:spPr>
+        <p:txBody>
+          <a:bodyPr wrap="square">
+            <a:spAutoFit/>
+          </a:bodyPr>
+          <a:lstStyle/>
+          <a:p>
+            <a:r>
+              <a:rPr sz="1400" b="0">
+                <a:solidFill>
+                  <a:srgbClr val="22C55E"/>
+                </a:solidFill>
+                <a:latin typeface="Arial Black"/>
+              </a:rPr>
+              <a:t>Less Noise</a:t>
+            </a:r>
+          </a:p>
+        </p:txBody>
+      </p:sp>
+      <p:sp>
+        <p:nvSpPr>
+          <p:cNvPr id="9" name="TextBox 8"/>
+          <p:cNvSpPr txBox="1"/>
+          <p:nvPr/>
+        </p:nvSpPr>
+        <p:spPr>
+          <a:xfrm>
+            <a:off x="3200400" y="1097280"/>
+            <a:ext cx="2468880" cy="1851660"/>
+          </a:xfrm>
+          <a:prstGeom prst="rect">
+            <a:avLst/>
+          </a:prstGeom>
+          <a:noFill/>
+        </p:spPr>
+        <p:txBody>
+          <a:bodyPr wrap="square">
+            <a:spAutoFit/>
+          </a:bodyPr>
+          <a:lstStyle/>
+          <a:p>
+            <a:r>
+              <a:rPr sz="1100">
+                <a:solidFill>
+                  <a:srgbClr val="CADCFC"/>
+                </a:solidFill>
+                <a:latin typeface="Calibri"/>
+              </a:rPr>
+              <a:t>The base model had ~18.7% noise; fine-tuning drops this dramatically. v2's full-dataset eval via approximate_predict ensures a fair comparison that doesn't hide hard points.</a:t>
+            </a:r>
+          </a:p>
+        </p:txBody>
+      </p:sp>
+      <p:sp>
+        <p:nvSpPr>
+          <p:cNvPr id="10" name="Rounded Rectangle 9"/>
+          <p:cNvSpPr/>
+          <p:nvPr/>
+        </p:nvSpPr>
+        <p:spPr>
+          <a:xfrm>
+            <a:off x="5943600" y="822960"/>
+            <a:ext cx="2651760" cy="2194560"/>
+          </a:xfrm>
+          <a:prstGeom prst="roundRect">
+            <a:avLst/>
+          </a:prstGeom>
+          <a:solidFill>
+            <a:srgbClr val="1E293B"/>
+          </a:solidFill>
+          <a:ln>
+            <a:noFill/>
+          </a:ln>
+        </p:spPr>
+        <p:style>
+          <a:lnRef idx="1">
+            <a:schemeClr val="accent1"/>
+          </a:lnRef>
+          <a:fillRef idx="3">
+            <a:schemeClr val="accent1"/>
+          </a:fillRef>
+          <a:effectRef idx="2">
+            <a:schemeClr val="accent1"/>
+          </a:effectRef>
+          <a:fontRef idx="minor">
+            <a:schemeClr val="lt1"/>
+          </a:fontRef>
+        </p:style>
+        <p:txBody>
+          <a:bodyPr rtlCol="0" anchor="ctr"/>
+          <a:lstStyle/>
+          <a:p>
+            <a:pPr algn="ctr"/>
+          </a:p>
+        </p:txBody>
+      </p:sp>
+      <p:sp>
+        <p:nvSpPr>
+          <p:cNvPr id="11" name="TextBox 10"/>
+          <p:cNvSpPr txBox="1"/>
+          <p:nvPr/>
+        </p:nvSpPr>
+        <p:spPr>
+          <a:xfrm>
+            <a:off x="6035040" y="891540"/>
+            <a:ext cx="2468880" cy="228600"/>
+          </a:xfrm>
+          <a:prstGeom prst="rect">
+            <a:avLst/>
+          </a:prstGeom>
+          <a:noFill/>
+        </p:spPr>
+        <p:txBody>
+          <a:bodyPr wrap="square">
+            <a:spAutoFit/>
+          </a:bodyPr>
+          <a:lstStyle/>
+          <a:p>
+            <a:r>
+              <a:rPr sz="1400" b="0">
+                <a:solidFill>
+                  <a:srgbClr val="7C3AED"/>
+                </a:solidFill>
+                <a:latin typeface="Arial Black"/>
+              </a:rPr>
+              <a:t>Per-Model Tuning</a:t>
+            </a:r>
+          </a:p>
+        </p:txBody>
+      </p:sp>
+      <p:sp>
+        <p:nvSpPr>
+          <p:cNvPr id="12" name="TextBox 11"/>
+          <p:cNvSpPr txBox="1"/>
+          <p:nvPr/>
+        </p:nvSpPr>
+        <p:spPr>
+          <a:xfrm>
+            <a:off x="6035040" y="1097280"/>
+            <a:ext cx="2468880" cy="1851660"/>
+          </a:xfrm>
+          <a:prstGeom prst="rect">
+            <a:avLst/>
+          </a:prstGeom>
+          <a:noFill/>
+        </p:spPr>
+        <p:txBody>
+          <a:bodyPr wrap="square">
+            <a:spAutoFit/>
+          </a:bodyPr>
+          <a:lstStyle/>
+          <a:p>
+            <a:r>
+              <a:rPr sz="1100">
+                <a:solidFill>
+                  <a:srgbClr val="CADCFC"/>
+                </a:solidFill>
+                <a:latin typeface="Calibri"/>
+              </a:rPr>
+              <a:t>v2 runs a separate DBCV parameter sweep for each embedding set. The optimal HDBSCAN config differs between base and fine-tuned because the density structure changes after training.</a:t>
+            </a:r>
+          </a:p>
+        </p:txBody>
+      </p:sp>
+      <p:sp>
+        <p:nvSpPr>
+          <p:cNvPr id="13" name="Rounded Rectangle 12"/>
+          <p:cNvSpPr/>
+          <p:nvPr/>
+        </p:nvSpPr>
+        <p:spPr>
+          <a:xfrm>
+            <a:off x="274320" y="3200400"/>
+            <a:ext cx="8595360" cy="1280160"/>
+          </a:xfrm>
+          <a:prstGeom prst="roundRect">
+            <a:avLst/>
+          </a:prstGeom>
+          <a:solidFill>
+            <a:srgbClr val="1E293B"/>
+          </a:solidFill>
+          <a:ln>
+            <a:noFill/>
+          </a:ln>
+        </p:spPr>
+        <p:style>
+          <a:lnRef idx="1">
+            <a:schemeClr val="accent1"/>
+          </a:lnRef>
+          <a:fillRef idx="3">
+            <a:schemeClr val="accent1"/>
+          </a:fillRef>
+          <a:effectRef idx="2">
+            <a:schemeClr val="accent1"/>
+          </a:effectRef>
+          <a:fontRef idx="minor">
+            <a:schemeClr val="lt1"/>
+          </a:fontRef>
+        </p:style>
+        <p:txBody>
+          <a:bodyPr rtlCol="0" anchor="ctr"/>
+          <a:lstStyle/>
+          <a:p>
+            <a:pPr algn="ctr"/>
+          </a:p>
+        </p:txBody>
+      </p:sp>
+      <p:sp>
+        <p:nvSpPr>
+          <p:cNvPr id="14" name="TextBox 13"/>
+          <p:cNvSpPr txBox="1"/>
+          <p:nvPr/>
+        </p:nvSpPr>
+        <p:spPr>
+          <a:xfrm>
+            <a:off x="457200" y="3383280"/>
+            <a:ext cx="8229600" cy="457200"/>
+          </a:xfrm>
+          <a:prstGeom prst="rect">
+            <a:avLst/>
+          </a:prstGeom>
+          <a:noFill/>
+        </p:spPr>
+        <p:txBody>
+          <a:bodyPr wrap="square">
+            <a:spAutoFit/>
+          </a:bodyPr>
+          <a:lstStyle/>
+          <a:p>
+            <a:r>
+              <a:rPr sz="1200">
+                <a:solidFill>
+                  <a:srgbClr val="CADCFC"/>
+                </a:solidFill>
+                <a:latin typeface="Calibri"/>
+              </a:rPr>
+              <a:t>Training Configuration:  27K same-intent pairs  |  MultipleNegativesRankingLoss (InfoNCE)  |  3 epochs, batch 64, lr 2e-5  |  Stratified 80/20 split  |  TripletEvaluator on validation set</a:t>
+            </a:r>
+          </a:p>
+        </p:txBody>
+      </p:sp>
+      <p:sp>
+        <p:nvSpPr>
+          <p:cNvPr id="15" name="TextBox 14"/>
+          <p:cNvSpPr txBox="1"/>
+          <p:nvPr/>
+        </p:nvSpPr>
+        <p:spPr>
+          <a:xfrm>
+            <a:off x="457200" y="3840480"/>
+            <a:ext cx="8229600" cy="457200"/>
+          </a:xfrm>
+          <a:prstGeom prst="rect">
+            <a:avLst/>
+          </a:prstGeom>
+          <a:noFill/>
+        </p:spPr>
+        <p:txBody>
+          <a:bodyPr wrap="square">
+            <a:spAutoFit/>
+          </a:bodyPr>
+          <a:lstStyle/>
+          <a:p>
+            <a:r>
+              <a:rPr sz="1000">
+                <a:solidFill>
+                  <a:srgbClr val="94A3B8"/>
+                </a:solidFill>
+                <a:latin typeface="Calibri"/>
+              </a:rPr>
+              <a:t>Category ARI may decrease because fine-tuning optimizes for intent-level separation (27 classes), which can oversplit the coarser 11-category grouping. This is expected and reflects the training objective.</a:t>
             </a:r>
           </a:p>
         </p:txBody>
@@ -8685,8 +8157,8 @@
 </file>
 
 <file path=ppt/slides/slide20.xml><?xml version="1.0" encoding="utf-8"?>
-<p:sld xmlns:a="http://schemas.openxmlformats.org/drawingml/2006/main" xmlns:p="http://schemas.openxmlformats.org/presentationml/2006/main" xmlns:r="http://schemas.openxmlformats.org/officeDocument/2006/relationships">
-  <p:cSld>
+<p:sld xmlns:a="http://schemas.openxmlformats.org/drawingml/2006/main" xmlns:r="http://schemas.openxmlformats.org/officeDocument/2006/relationships" xmlns:p="http://schemas.openxmlformats.org/presentationml/2006/main">
+  <p:cSld name="Slide 16">
     <p:bg>
       <p:bgPr>
         <a:solidFill>
@@ -8701,10 +8173,17 @@
         <p:cNvGrpSpPr/>
         <p:nvPr/>
       </p:nvGrpSpPr>
-      <p:grpSpPr/>
-      <p:sp>
-        <p:nvSpPr>
-          <p:cNvPr id="2" name="Rectangle 1"/>
+      <p:grpSpPr>
+        <a:xfrm>
+          <a:off x="0" y="0"/>
+          <a:ext cx="0" cy="0"/>
+          <a:chOff x="0" y="0"/>
+          <a:chExt cx="0" cy="0"/>
+        </a:xfrm>
+      </p:grpSpPr>
+      <p:sp>
+        <p:nvSpPr>
+          <p:cNvPr id="2" name="Shape 0"/>
           <p:cNvSpPr/>
           <p:nvPr/>
         </p:nvSpPr>
@@ -8712,6 +8191,818 @@
           <a:xfrm>
             <a:off x="0" y="0"/>
             <a:ext cx="9144000" cy="54864"/>
+          </a:xfrm>
+          <a:prstGeom prst="rect">
+            <a:avLst/>
+          </a:prstGeom>
+          <a:solidFill>
+            <a:srgbClr val="14B8A6"/>
+          </a:solidFill>
+          <a:ln/>
+        </p:spPr>
+        <p:txBody>
+          <a:bodyPr/>
+          <a:lstStyle/>
+          <a:p>
+            <a:endParaRPr lang="en-US"/>
+          </a:p>
+        </p:txBody>
+      </p:sp>
+      <p:sp>
+        <p:nvSpPr>
+          <p:cNvPr id="3" name="Text 1"/>
+          <p:cNvSpPr/>
+          <p:nvPr/>
+        </p:nvSpPr>
+        <p:spPr>
+          <a:xfrm>
+            <a:off x="457200" y="182880"/>
+            <a:ext cx="8229600" cy="548640"/>
+          </a:xfrm>
+          <a:prstGeom prst="rect">
+            <a:avLst/>
+          </a:prstGeom>
+          <a:noFill/>
+          <a:ln/>
+        </p:spPr>
+        <p:txBody>
+          <a:bodyPr wrap="square" lIns="0" tIns="0" rIns="0" bIns="0" rtlCol="0" anchor="ctr"/>
+          <a:lstStyle/>
+          <a:p>
+            <a:pPr marL="0" indent="0" algn="l">
+              <a:buNone/>
+            </a:pPr>
+            <a:r>
+              <a:rPr lang="en-US" sz="3400" dirty="0">
+                <a:solidFill>
+                  <a:srgbClr val="FFFFFF"/>
+                </a:solidFill>
+                <a:latin typeface="Arial Black" pitchFamily="34" charset="0"/>
+                <a:ea typeface="Arial Black" pitchFamily="34" charset="-122"/>
+                <a:cs typeface="Arial Black" pitchFamily="34" charset="-120"/>
+              </a:rPr>
+              <a:t>Summary &amp; Next Steps</a:t>
+            </a:r>
+            <a:endParaRPr lang="en-US" sz="3400" dirty="0"/>
+          </a:p>
+        </p:txBody>
+      </p:sp>
+      <p:sp>
+        <p:nvSpPr>
+          <p:cNvPr id="4" name="Shape 2"/>
+          <p:cNvSpPr/>
+          <p:nvPr/>
+        </p:nvSpPr>
+        <p:spPr>
+          <a:xfrm>
+            <a:off x="457200" y="822960"/>
+            <a:ext cx="8229600" cy="685800"/>
+          </a:xfrm>
+          <a:prstGeom prst="rect">
+            <a:avLst/>
+          </a:prstGeom>
+          <a:solidFill>
+            <a:srgbClr val="1E293B"/>
+          </a:solidFill>
+          <a:ln/>
+          <a:effectLst>
+            <a:outerShdw blurRad="50800" dist="25400" dir="8100000" algn="bl" rotWithShape="0">
+              <a:srgbClr val="000000">
+                <a:alpha val="10000"/>
+              </a:srgbClr>
+            </a:outerShdw>
+          </a:effectLst>
+        </p:spPr>
+        <p:txBody>
+          <a:bodyPr/>
+          <a:lstStyle/>
+          <a:p>
+            <a:endParaRPr lang="en-US"/>
+          </a:p>
+        </p:txBody>
+      </p:sp>
+      <p:sp>
+        <p:nvSpPr>
+          <p:cNvPr id="5" name="Shape 3"/>
+          <p:cNvSpPr/>
+          <p:nvPr/>
+        </p:nvSpPr>
+        <p:spPr>
+          <a:xfrm>
+            <a:off x="457200" y="822960"/>
+            <a:ext cx="685800" cy="685800"/>
+          </a:xfrm>
+          <a:prstGeom prst="rect">
+            <a:avLst/>
+          </a:prstGeom>
+          <a:solidFill>
+            <a:srgbClr val="14B8A6"/>
+          </a:solidFill>
+          <a:ln/>
+        </p:spPr>
+        <p:txBody>
+          <a:bodyPr/>
+          <a:lstStyle/>
+          <a:p>
+            <a:endParaRPr lang="en-US"/>
+          </a:p>
+        </p:txBody>
+      </p:sp>
+      <p:sp>
+        <p:nvSpPr>
+          <p:cNvPr id="6" name="Text 4"/>
+          <p:cNvSpPr/>
+          <p:nvPr/>
+        </p:nvSpPr>
+        <p:spPr>
+          <a:xfrm>
+            <a:off x="457200" y="822960"/>
+            <a:ext cx="685800" cy="685800"/>
+          </a:xfrm>
+          <a:prstGeom prst="rect">
+            <a:avLst/>
+          </a:prstGeom>
+          <a:noFill/>
+          <a:ln/>
+        </p:spPr>
+        <p:txBody>
+          <a:bodyPr wrap="square" lIns="0" tIns="0" rIns="0" bIns="0" rtlCol="0" anchor="ctr"/>
+          <a:lstStyle/>
+          <a:p>
+            <a:pPr marL="0" indent="0" algn="ctr">
+              <a:buNone/>
+            </a:pPr>
+            <a:r>
+              <a:rPr lang="en-US" sz="2200" dirty="0">
+                <a:solidFill>
+                  <a:srgbClr val="FFFFFF"/>
+                </a:solidFill>
+                <a:latin typeface="Arial Black" pitchFamily="34" charset="0"/>
+                <a:ea typeface="Arial Black" pitchFamily="34" charset="-122"/>
+                <a:cs typeface="Arial Black" pitchFamily="34" charset="-120"/>
+              </a:rPr>
+              <a:t>01</a:t>
+            </a:r>
+            <a:endParaRPr lang="en-US" sz="2200" dirty="0"/>
+          </a:p>
+        </p:txBody>
+      </p:sp>
+      <p:sp>
+        <p:nvSpPr>
+          <p:cNvPr id="7" name="Text 5"/>
+          <p:cNvSpPr/>
+          <p:nvPr/>
+        </p:nvSpPr>
+        <p:spPr>
+          <a:xfrm>
+            <a:off x="1371600" y="822960"/>
+            <a:ext cx="1463040" cy="685800"/>
+          </a:xfrm>
+          <a:prstGeom prst="rect">
+            <a:avLst/>
+          </a:prstGeom>
+          <a:noFill/>
+          <a:ln/>
+        </p:spPr>
+        <p:txBody>
+          <a:bodyPr wrap="square" lIns="0" tIns="0" rIns="0" bIns="0" rtlCol="0" anchor="ctr"/>
+          <a:lstStyle/>
+          <a:p>
+            <a:pPr marL="0" indent="0" algn="l">
+              <a:buNone/>
+            </a:pPr>
+            <a:r>
+              <a:rPr lang="en-US" sz="1800" dirty="0">
+                <a:solidFill>
+                  <a:srgbClr val="14B8A6"/>
+                </a:solidFill>
+                <a:latin typeface="Arial Black" pitchFamily="34" charset="0"/>
+                <a:ea typeface="Arial Black" pitchFamily="34" charset="-122"/>
+                <a:cs typeface="Arial Black" pitchFamily="34" charset="-120"/>
+              </a:rPr>
+              <a:t>Embed</a:t>
+            </a:r>
+            <a:endParaRPr lang="en-US" sz="1800" dirty="0"/>
+          </a:p>
+        </p:txBody>
+      </p:sp>
+      <p:sp>
+        <p:nvSpPr>
+          <p:cNvPr id="8" name="Text 6"/>
+          <p:cNvSpPr/>
+          <p:nvPr/>
+        </p:nvSpPr>
+        <p:spPr>
+          <a:xfrm>
+            <a:off x="2834640" y="822960"/>
+            <a:ext cx="5669280" cy="685800"/>
+          </a:xfrm>
+          <a:prstGeom prst="rect">
+            <a:avLst/>
+          </a:prstGeom>
+          <a:noFill/>
+          <a:ln/>
+        </p:spPr>
+        <p:txBody>
+          <a:bodyPr wrap="square" lIns="0" tIns="0" rIns="0" bIns="0" rtlCol="0" anchor="ctr"/>
+          <a:lstStyle/>
+          <a:p>
+            <a:pPr marL="0" indent="0" algn="l">
+              <a:buNone/>
+            </a:pPr>
+            <a:r>
+              <a:rPr lang="en-US" sz="1300" dirty="0">
+                <a:solidFill>
+                  <a:srgbClr val="CADCFC"/>
+                </a:solidFill>
+                <a:latin typeface="Calibri" pitchFamily="34" charset="0"/>
+                <a:ea typeface="Calibri" pitchFamily="34" charset="-122"/>
+                <a:cs typeface="Calibri" pitchFamily="34" charset="-120"/>
+              </a:rPr>
+              <a:t>Sentence transformers capture semantic meaning in 384-dim vectors</a:t>
+            </a:r>
+            <a:endParaRPr lang="en-US" sz="1300" dirty="0"/>
+          </a:p>
+        </p:txBody>
+      </p:sp>
+      <p:sp>
+        <p:nvSpPr>
+          <p:cNvPr id="9" name="Shape 7"/>
+          <p:cNvSpPr/>
+          <p:nvPr/>
+        </p:nvSpPr>
+        <p:spPr>
+          <a:xfrm>
+            <a:off x="457200" y="1481328"/>
+            <a:ext cx="8229600" cy="685800"/>
+          </a:xfrm>
+          <a:prstGeom prst="rect">
+            <a:avLst/>
+          </a:prstGeom>
+          <a:solidFill>
+            <a:srgbClr val="1E293B"/>
+          </a:solidFill>
+          <a:ln/>
+          <a:effectLst>
+            <a:outerShdw blurRad="50800" dist="25400" dir="8100000" algn="bl" rotWithShape="0">
+              <a:srgbClr val="000000">
+                <a:alpha val="10000"/>
+              </a:srgbClr>
+            </a:outerShdw>
+          </a:effectLst>
+        </p:spPr>
+        <p:txBody>
+          <a:bodyPr/>
+          <a:lstStyle/>
+          <a:p>
+            <a:endParaRPr lang="en-US"/>
+          </a:p>
+        </p:txBody>
+      </p:sp>
+      <p:sp>
+        <p:nvSpPr>
+          <p:cNvPr id="10" name="Shape 8"/>
+          <p:cNvSpPr/>
+          <p:nvPr/>
+        </p:nvSpPr>
+        <p:spPr>
+          <a:xfrm>
+            <a:off x="457200" y="1481328"/>
+            <a:ext cx="685800" cy="685800"/>
+          </a:xfrm>
+          <a:prstGeom prst="rect">
+            <a:avLst/>
+          </a:prstGeom>
+          <a:solidFill>
+            <a:srgbClr val="7C3AED"/>
+          </a:solidFill>
+          <a:ln/>
+        </p:spPr>
+        <p:txBody>
+          <a:bodyPr/>
+          <a:lstStyle/>
+          <a:p>
+            <a:endParaRPr lang="en-US"/>
+          </a:p>
+        </p:txBody>
+      </p:sp>
+      <p:sp>
+        <p:nvSpPr>
+          <p:cNvPr id="11" name="Text 9"/>
+          <p:cNvSpPr/>
+          <p:nvPr/>
+        </p:nvSpPr>
+        <p:spPr>
+          <a:xfrm>
+            <a:off x="457200" y="1481328"/>
+            <a:ext cx="685800" cy="685800"/>
+          </a:xfrm>
+          <a:prstGeom prst="rect">
+            <a:avLst/>
+          </a:prstGeom>
+          <a:noFill/>
+          <a:ln/>
+        </p:spPr>
+        <p:txBody>
+          <a:bodyPr wrap="square" lIns="0" tIns="0" rIns="0" bIns="0" rtlCol="0" anchor="ctr"/>
+          <a:lstStyle/>
+          <a:p>
+            <a:pPr marL="0" indent="0" algn="ctr">
+              <a:buNone/>
+            </a:pPr>
+            <a:r>
+              <a:rPr lang="en-US" sz="2200" dirty="0">
+                <a:solidFill>
+                  <a:srgbClr val="FFFFFF"/>
+                </a:solidFill>
+                <a:latin typeface="Arial Black" pitchFamily="34" charset="0"/>
+                <a:ea typeface="Arial Black" pitchFamily="34" charset="-122"/>
+                <a:cs typeface="Arial Black" pitchFamily="34" charset="-120"/>
+              </a:rPr>
+              <a:t>02</a:t>
+            </a:r>
+            <a:endParaRPr lang="en-US" sz="2200" dirty="0"/>
+          </a:p>
+        </p:txBody>
+      </p:sp>
+      <p:sp>
+        <p:nvSpPr>
+          <p:cNvPr id="12" name="Text 10"/>
+          <p:cNvSpPr/>
+          <p:nvPr/>
+        </p:nvSpPr>
+        <p:spPr>
+          <a:xfrm>
+            <a:off x="1371600" y="1481328"/>
+            <a:ext cx="1463040" cy="685800"/>
+          </a:xfrm>
+          <a:prstGeom prst="rect">
+            <a:avLst/>
+          </a:prstGeom>
+          <a:noFill/>
+          <a:ln/>
+        </p:spPr>
+        <p:txBody>
+          <a:bodyPr wrap="square" lIns="0" tIns="0" rIns="0" bIns="0" rtlCol="0" anchor="ctr"/>
+          <a:lstStyle/>
+          <a:p>
+            <a:pPr marL="0" indent="0" algn="l">
+              <a:buNone/>
+            </a:pPr>
+            <a:r>
+              <a:rPr lang="en-US" sz="1800" dirty="0">
+                <a:solidFill>
+                  <a:srgbClr val="7C3AED"/>
+                </a:solidFill>
+                <a:latin typeface="Arial Black" pitchFamily="34" charset="0"/>
+                <a:ea typeface="Arial Black" pitchFamily="34" charset="-122"/>
+                <a:cs typeface="Arial Black" pitchFamily="34" charset="-120"/>
+              </a:rPr>
+              <a:t>Cluster</a:t>
+            </a:r>
+            <a:endParaRPr lang="en-US" sz="1800" dirty="0"/>
+          </a:p>
+        </p:txBody>
+      </p:sp>
+      <p:sp>
+        <p:nvSpPr>
+          <p:cNvPr id="13" name="Text 11"/>
+          <p:cNvSpPr/>
+          <p:nvPr/>
+        </p:nvSpPr>
+        <p:spPr>
+          <a:xfrm>
+            <a:off x="2834640" y="1481328"/>
+            <a:ext cx="5669280" cy="685800"/>
+          </a:xfrm>
+          <a:prstGeom prst="rect">
+            <a:avLst/>
+          </a:prstGeom>
+          <a:noFill/>
+          <a:ln/>
+        </p:spPr>
+        <p:txBody>
+          <a:bodyPr wrap="square" lIns="0" tIns="0" rIns="0" bIns="0" rtlCol="0" anchor="ctr"/>
+          <a:lstStyle/>
+          <a:p>
+            <a:pPr marL="0" indent="0" algn="l">
+              <a:buNone/>
+            </a:pPr>
+            <a:r>
+              <a:rPr lang="en-US" sz="1300" dirty="0">
+                <a:solidFill>
+                  <a:srgbClr val="CADCFC"/>
+                </a:solidFill>
+                <a:latin typeface="Calibri" pitchFamily="34" charset="0"/>
+                <a:ea typeface="Calibri" pitchFamily="34" charset="-122"/>
+                <a:cs typeface="Calibri" pitchFamily="34" charset="-120"/>
+              </a:rPr>
+              <a:t>HDBSCAN + DBCV-based parameter sweep; ≤30 cluster constraint</a:t>
+            </a:r>
+            <a:endParaRPr lang="en-US" sz="1300" dirty="0"/>
+          </a:p>
+        </p:txBody>
+      </p:sp>
+      <p:sp>
+        <p:nvSpPr>
+          <p:cNvPr id="14" name="Shape 12"/>
+          <p:cNvSpPr/>
+          <p:nvPr/>
+        </p:nvSpPr>
+        <p:spPr>
+          <a:xfrm>
+            <a:off x="457200" y="2139696"/>
+            <a:ext cx="8229600" cy="685800"/>
+          </a:xfrm>
+          <a:prstGeom prst="rect">
+            <a:avLst/>
+          </a:prstGeom>
+          <a:solidFill>
+            <a:srgbClr val="1E293B"/>
+          </a:solidFill>
+          <a:ln/>
+          <a:effectLst>
+            <a:outerShdw blurRad="50800" dist="25400" dir="8100000" algn="bl" rotWithShape="0">
+              <a:srgbClr val="000000">
+                <a:alpha val="10000"/>
+              </a:srgbClr>
+            </a:outerShdw>
+          </a:effectLst>
+        </p:spPr>
+        <p:txBody>
+          <a:bodyPr/>
+          <a:lstStyle/>
+          <a:p>
+            <a:endParaRPr lang="en-US"/>
+          </a:p>
+        </p:txBody>
+      </p:sp>
+      <p:sp>
+        <p:nvSpPr>
+          <p:cNvPr id="15" name="Shape 13"/>
+          <p:cNvSpPr/>
+          <p:nvPr/>
+        </p:nvSpPr>
+        <p:spPr>
+          <a:xfrm>
+            <a:off x="457200" y="2139696"/>
+            <a:ext cx="685800" cy="685800"/>
+          </a:xfrm>
+          <a:prstGeom prst="rect">
+            <a:avLst/>
+          </a:prstGeom>
+          <a:solidFill>
+            <a:srgbClr val="EC4899"/>
+          </a:solidFill>
+          <a:ln/>
+        </p:spPr>
+        <p:txBody>
+          <a:bodyPr/>
+          <a:lstStyle/>
+          <a:p>
+            <a:endParaRPr lang="en-US"/>
+          </a:p>
+        </p:txBody>
+      </p:sp>
+      <p:sp>
+        <p:nvSpPr>
+          <p:cNvPr id="16" name="Text 14"/>
+          <p:cNvSpPr/>
+          <p:nvPr/>
+        </p:nvSpPr>
+        <p:spPr>
+          <a:xfrm>
+            <a:off x="457200" y="2139696"/>
+            <a:ext cx="685800" cy="685800"/>
+          </a:xfrm>
+          <a:prstGeom prst="rect">
+            <a:avLst/>
+          </a:prstGeom>
+          <a:noFill/>
+          <a:ln/>
+        </p:spPr>
+        <p:txBody>
+          <a:bodyPr wrap="square" lIns="0" tIns="0" rIns="0" bIns="0" rtlCol="0" anchor="ctr"/>
+          <a:lstStyle/>
+          <a:p>
+            <a:pPr marL="0" indent="0" algn="ctr">
+              <a:buNone/>
+            </a:pPr>
+            <a:r>
+              <a:rPr lang="en-US" sz="2200" dirty="0">
+                <a:solidFill>
+                  <a:srgbClr val="FFFFFF"/>
+                </a:solidFill>
+                <a:latin typeface="Arial Black" pitchFamily="34" charset="0"/>
+                <a:ea typeface="Arial Black" pitchFamily="34" charset="-122"/>
+                <a:cs typeface="Arial Black" pitchFamily="34" charset="-120"/>
+              </a:rPr>
+              <a:t>03</a:t>
+            </a:r>
+            <a:endParaRPr lang="en-US" sz="2200" dirty="0"/>
+          </a:p>
+        </p:txBody>
+      </p:sp>
+      <p:sp>
+        <p:nvSpPr>
+          <p:cNvPr id="17" name="Text 15"/>
+          <p:cNvSpPr/>
+          <p:nvPr/>
+        </p:nvSpPr>
+        <p:spPr>
+          <a:xfrm>
+            <a:off x="1371600" y="2139696"/>
+            <a:ext cx="1463040" cy="685800"/>
+          </a:xfrm>
+          <a:prstGeom prst="rect">
+            <a:avLst/>
+          </a:prstGeom>
+          <a:noFill/>
+          <a:ln/>
+        </p:spPr>
+        <p:txBody>
+          <a:bodyPr wrap="square" lIns="0" tIns="0" rIns="0" bIns="0" rtlCol="0" anchor="ctr"/>
+          <a:lstStyle/>
+          <a:p>
+            <a:pPr marL="0" indent="0" algn="l">
+              <a:buNone/>
+            </a:pPr>
+            <a:r>
+              <a:rPr lang="en-US" sz="1800" dirty="0">
+                <a:solidFill>
+                  <a:srgbClr val="EC4899"/>
+                </a:solidFill>
+                <a:latin typeface="Arial Black" pitchFamily="34" charset="0"/>
+                <a:ea typeface="Arial Black" pitchFamily="34" charset="-122"/>
+                <a:cs typeface="Arial Black" pitchFamily="34" charset="-120"/>
+              </a:rPr>
+              <a:t>Evaluate</a:t>
+            </a:r>
+            <a:endParaRPr lang="en-US" sz="1800" dirty="0"/>
+          </a:p>
+        </p:txBody>
+      </p:sp>
+      <p:sp>
+        <p:nvSpPr>
+          <p:cNvPr id="18" name="Text 16"/>
+          <p:cNvSpPr/>
+          <p:nvPr/>
+        </p:nvSpPr>
+        <p:spPr>
+          <a:xfrm>
+            <a:off x="2834640" y="2139696"/>
+            <a:ext cx="5669280" cy="685800"/>
+          </a:xfrm>
+          <a:prstGeom prst="rect">
+            <a:avLst/>
+          </a:prstGeom>
+          <a:noFill/>
+          <a:ln/>
+        </p:spPr>
+        <p:txBody>
+          <a:bodyPr wrap="square" lIns="0" tIns="0" rIns="0" bIns="0" rtlCol="0" anchor="ctr"/>
+          <a:lstStyle/>
+          <a:p>
+            <a:pPr marL="0" indent="0" algn="l">
+              <a:buNone/>
+            </a:pPr>
+            <a:r>
+              <a:rPr lang="en-US" sz="1300" dirty="0">
+                <a:solidFill>
+                  <a:srgbClr val="CADCFC"/>
+                </a:solidFill>
+                <a:latin typeface="Calibri" pitchFamily="34" charset="0"/>
+                <a:ea typeface="Calibri" pitchFamily="34" charset="-122"/>
+                <a:cs typeface="Calibri" pitchFamily="34" charset="-120"/>
+              </a:rPr>
+              <a:t>DBCV (internal) + ARI/NMI on full dataset via approximate_predict</a:t>
+            </a:r>
+            <a:endParaRPr lang="en-US" sz="1300" dirty="0"/>
+          </a:p>
+        </p:txBody>
+      </p:sp>
+      <p:sp>
+        <p:nvSpPr>
+          <p:cNvPr id="19" name="Shape 17"/>
+          <p:cNvSpPr/>
+          <p:nvPr/>
+        </p:nvSpPr>
+        <p:spPr>
+          <a:xfrm>
+            <a:off x="457200" y="2798064"/>
+            <a:ext cx="8229600" cy="685800"/>
+          </a:xfrm>
+          <a:prstGeom prst="rect">
+            <a:avLst/>
+          </a:prstGeom>
+          <a:solidFill>
+            <a:srgbClr val="1E293B"/>
+          </a:solidFill>
+          <a:ln/>
+          <a:effectLst>
+            <a:outerShdw blurRad="50800" dist="25400" dir="8100000" algn="bl" rotWithShape="0">
+              <a:srgbClr val="000000">
+                <a:alpha val="10000"/>
+              </a:srgbClr>
+            </a:outerShdw>
+          </a:effectLst>
+        </p:spPr>
+        <p:txBody>
+          <a:bodyPr/>
+          <a:lstStyle/>
+          <a:p>
+            <a:endParaRPr lang="en-US"/>
+          </a:p>
+        </p:txBody>
+      </p:sp>
+      <p:sp>
+        <p:nvSpPr>
+          <p:cNvPr id="20" name="Shape 18"/>
+          <p:cNvSpPr/>
+          <p:nvPr/>
+        </p:nvSpPr>
+        <p:spPr>
+          <a:xfrm>
+            <a:off x="457200" y="2798064"/>
+            <a:ext cx="685800" cy="685800"/>
+          </a:xfrm>
+          <a:prstGeom prst="rect">
+            <a:avLst/>
+          </a:prstGeom>
+          <a:solidFill>
+            <a:srgbClr val="22C55E"/>
+          </a:solidFill>
+          <a:ln/>
+        </p:spPr>
+        <p:txBody>
+          <a:bodyPr/>
+          <a:lstStyle/>
+          <a:p>
+            <a:endParaRPr lang="en-US"/>
+          </a:p>
+        </p:txBody>
+      </p:sp>
+      <p:sp>
+        <p:nvSpPr>
+          <p:cNvPr id="21" name="Text 19"/>
+          <p:cNvSpPr/>
+          <p:nvPr/>
+        </p:nvSpPr>
+        <p:spPr>
+          <a:xfrm>
+            <a:off x="457200" y="2798064"/>
+            <a:ext cx="685800" cy="685800"/>
+          </a:xfrm>
+          <a:prstGeom prst="rect">
+            <a:avLst/>
+          </a:prstGeom>
+          <a:noFill/>
+          <a:ln/>
+        </p:spPr>
+        <p:txBody>
+          <a:bodyPr wrap="square" lIns="0" tIns="0" rIns="0" bIns="0" rtlCol="0" anchor="ctr"/>
+          <a:lstStyle/>
+          <a:p>
+            <a:pPr marL="0" indent="0" algn="ctr">
+              <a:buNone/>
+            </a:pPr>
+            <a:r>
+              <a:rPr lang="en-US" sz="2200" dirty="0">
+                <a:solidFill>
+                  <a:srgbClr val="FFFFFF"/>
+                </a:solidFill>
+                <a:latin typeface="Arial Black" pitchFamily="34" charset="0"/>
+                <a:ea typeface="Arial Black" pitchFamily="34" charset="-122"/>
+                <a:cs typeface="Arial Black" pitchFamily="34" charset="-120"/>
+              </a:rPr>
+              <a:t>04</a:t>
+            </a:r>
+            <a:endParaRPr lang="en-US" sz="2200" dirty="0"/>
+          </a:p>
+        </p:txBody>
+      </p:sp>
+      <p:sp>
+        <p:nvSpPr>
+          <p:cNvPr id="22" name="Text 20"/>
+          <p:cNvSpPr/>
+          <p:nvPr/>
+        </p:nvSpPr>
+        <p:spPr>
+          <a:xfrm>
+            <a:off x="1371600" y="2798064"/>
+            <a:ext cx="1463040" cy="685800"/>
+          </a:xfrm>
+          <a:prstGeom prst="rect">
+            <a:avLst/>
+          </a:prstGeom>
+          <a:noFill/>
+          <a:ln/>
+        </p:spPr>
+        <p:txBody>
+          <a:bodyPr wrap="square" lIns="0" tIns="0" rIns="0" bIns="0" rtlCol="0" anchor="ctr"/>
+          <a:lstStyle/>
+          <a:p>
+            <a:pPr marL="0" indent="0" algn="l">
+              <a:buNone/>
+            </a:pPr>
+            <a:r>
+              <a:rPr lang="en-US" sz="1800" dirty="0">
+                <a:solidFill>
+                  <a:srgbClr val="22C55E"/>
+                </a:solidFill>
+                <a:latin typeface="Arial Black" pitchFamily="34" charset="0"/>
+                <a:ea typeface="Arial Black" pitchFamily="34" charset="-122"/>
+                <a:cs typeface="Arial Black" pitchFamily="34" charset="-120"/>
+              </a:rPr>
+              <a:t>Label</a:t>
+            </a:r>
+            <a:endParaRPr lang="en-US" sz="1800" dirty="0"/>
+          </a:p>
+        </p:txBody>
+      </p:sp>
+      <p:sp>
+        <p:nvSpPr>
+          <p:cNvPr id="23" name="Text 21"/>
+          <p:cNvSpPr/>
+          <p:nvPr/>
+        </p:nvSpPr>
+        <p:spPr>
+          <a:xfrm>
+            <a:off x="2834640" y="2798064"/>
+            <a:ext cx="5669280" cy="685800"/>
+          </a:xfrm>
+          <a:prstGeom prst="rect">
+            <a:avLst/>
+          </a:prstGeom>
+          <a:noFill/>
+          <a:ln/>
+        </p:spPr>
+        <p:txBody>
+          <a:bodyPr wrap="square" lIns="0" tIns="0" rIns="0" bIns="0" rtlCol="0" anchor="ctr"/>
+          <a:lstStyle/>
+          <a:p>
+            <a:pPr marL="0" indent="0" algn="l">
+              <a:buNone/>
+            </a:pPr>
+            <a:r>
+              <a:rPr lang="en-US" sz="1300" dirty="0">
+                <a:solidFill>
+                  <a:srgbClr val="CADCFC"/>
+                </a:solidFill>
+                <a:latin typeface="Calibri" pitchFamily="34" charset="0"/>
+                <a:ea typeface="Calibri" pitchFamily="34" charset="-122"/>
+                <a:cs typeface="Calibri" pitchFamily="34" charset="-120"/>
+              </a:rPr>
+              <a:t>TF-IDF for fast keyword labels; LLM prompting for richer descriptions</a:t>
+            </a:r>
+            <a:endParaRPr lang="en-US" sz="1300" dirty="0"/>
+          </a:p>
+        </p:txBody>
+      </p:sp>
+      <p:sp>
+        <p:nvSpPr>
+          <p:cNvPr id="24" name="Shape 22"/>
+          <p:cNvSpPr/>
+          <p:nvPr/>
+        </p:nvSpPr>
+        <p:spPr>
+          <a:xfrm>
+            <a:off x="457200" y="3456432"/>
+            <a:ext cx="8229600" cy="685800"/>
+          </a:xfrm>
+          <a:prstGeom prst="rect">
+            <a:avLst/>
+          </a:prstGeom>
+          <a:solidFill>
+            <a:srgbClr val="1E293B"/>
+          </a:solidFill>
+          <a:ln/>
+          <a:effectLst>
+            <a:outerShdw blurRad="50800" dist="25400" dir="8100000" algn="bl" rotWithShape="0">
+              <a:srgbClr val="000000">
+                <a:alpha val="10000"/>
+              </a:srgbClr>
+            </a:outerShdw>
+          </a:effectLst>
+        </p:spPr>
+        <p:txBody>
+          <a:bodyPr/>
+          <a:lstStyle/>
+          <a:p>
+            <a:endParaRPr lang="en-US"/>
+          </a:p>
+        </p:txBody>
+      </p:sp>
+      <p:sp>
+        <p:nvSpPr>
+          <p:cNvPr id="25" name="Shape 23"/>
+          <p:cNvSpPr/>
+          <p:nvPr/>
+        </p:nvSpPr>
+        <p:spPr>
+          <a:xfrm>
+            <a:off x="457200" y="3456432"/>
+            <a:ext cx="685800" cy="685800"/>
           </a:xfrm>
           <a:prstGeom prst="rect">
             <a:avLst/>
@@ -8719,507 +9010,210 @@
           <a:solidFill>
             <a:srgbClr val="F97316"/>
           </a:solidFill>
-          <a:ln>
-            <a:noFill/>
-          </a:ln>
-        </p:spPr>
-        <p:style>
-          <a:lnRef idx="1">
-            <a:schemeClr val="accent1"/>
-          </a:lnRef>
-          <a:fillRef idx="3">
-            <a:schemeClr val="accent1"/>
-          </a:fillRef>
-          <a:effectRef idx="2">
-            <a:schemeClr val="accent1"/>
-          </a:effectRef>
-          <a:fontRef idx="minor">
-            <a:schemeClr val="lt1"/>
-          </a:fontRef>
-        </p:style>
-        <p:txBody>
-          <a:bodyPr rtlCol="0" anchor="ctr"/>
-          <a:lstStyle/>
-          <a:p>
-            <a:pPr algn="ctr"/>
-          </a:p>
-        </p:txBody>
-      </p:sp>
-      <p:sp>
-        <p:nvSpPr>
-          <p:cNvPr id="3" name="TextBox 2"/>
-          <p:cNvSpPr txBox="1"/>
-          <p:nvPr/>
-        </p:nvSpPr>
-        <p:spPr>
-          <a:xfrm>
-            <a:off x="457200" y="182880"/>
-            <a:ext cx="8229600" cy="457200"/>
+          <a:ln/>
+        </p:spPr>
+        <p:txBody>
+          <a:bodyPr/>
+          <a:lstStyle/>
+          <a:p>
+            <a:endParaRPr lang="en-US"/>
+          </a:p>
+        </p:txBody>
+      </p:sp>
+      <p:sp>
+        <p:nvSpPr>
+          <p:cNvPr id="26" name="Text 24"/>
+          <p:cNvSpPr/>
+          <p:nvPr/>
+        </p:nvSpPr>
+        <p:spPr>
+          <a:xfrm>
+            <a:off x="457200" y="3456432"/>
+            <a:ext cx="685800" cy="685800"/>
           </a:xfrm>
           <a:prstGeom prst="rect">
             <a:avLst/>
           </a:prstGeom>
           <a:noFill/>
-        </p:spPr>
-        <p:txBody>
-          <a:bodyPr wrap="square">
-            <a:spAutoFit/>
-          </a:bodyPr>
-          <a:lstStyle/>
-          <a:p>
-            <a:r>
-              <a:rPr sz="2800" b="0">
+          <a:ln/>
+        </p:spPr>
+        <p:txBody>
+          <a:bodyPr wrap="square" lIns="0" tIns="0" rIns="0" bIns="0" rtlCol="0" anchor="ctr"/>
+          <a:lstStyle/>
+          <a:p>
+            <a:pPr marL="0" indent="0" algn="ctr">
+              <a:buNone/>
+            </a:pPr>
+            <a:r>
+              <a:rPr lang="en-US" sz="2200" dirty="0">
                 <a:solidFill>
                   <a:srgbClr val="FFFFFF"/>
                 </a:solidFill>
-                <a:latin typeface="Arial Black"/>
-              </a:rPr>
-              <a:t>Fine-Tuning: Key Takeaways</a:t>
-            </a:r>
-          </a:p>
-        </p:txBody>
-      </p:sp>
-      <p:sp>
-        <p:nvSpPr>
-          <p:cNvPr id="4" name="Rounded Rectangle 3"/>
-          <p:cNvSpPr/>
-          <p:nvPr/>
-        </p:nvSpPr>
-        <p:spPr>
-          <a:xfrm>
-            <a:off x="274320" y="822960"/>
-            <a:ext cx="2651760" cy="2194560"/>
-          </a:xfrm>
-          <a:prstGeom prst="roundRect">
+                <a:latin typeface="Arial Black" pitchFamily="34" charset="0"/>
+                <a:ea typeface="Arial Black" pitchFamily="34" charset="-122"/>
+                <a:cs typeface="Arial Black" pitchFamily="34" charset="-120"/>
+              </a:rPr>
+              <a:t>FT</a:t>
+            </a:r>
+            <a:endParaRPr lang="en-US" sz="2200" dirty="0"/>
+          </a:p>
+        </p:txBody>
+      </p:sp>
+      <p:sp>
+        <p:nvSpPr>
+          <p:cNvPr id="27" name="Text 25"/>
+          <p:cNvSpPr/>
+          <p:nvPr/>
+        </p:nvSpPr>
+        <p:spPr>
+          <a:xfrm>
+            <a:off x="1371600" y="3456432"/>
+            <a:ext cx="1463040" cy="685800"/>
+          </a:xfrm>
+          <a:prstGeom prst="rect">
+            <a:avLst/>
+          </a:prstGeom>
+          <a:noFill/>
+          <a:ln/>
+        </p:spPr>
+        <p:txBody>
+          <a:bodyPr wrap="square" lIns="0" tIns="0" rIns="0" bIns="0" rtlCol="0" anchor="ctr"/>
+          <a:lstStyle/>
+          <a:p>
+            <a:pPr marL="0" indent="0" algn="l">
+              <a:buNone/>
+            </a:pPr>
+            <a:r>
+              <a:rPr lang="en-US" sz="1800" dirty="0">
+                <a:solidFill>
+                  <a:srgbClr val="F97316"/>
+                </a:solidFill>
+                <a:latin typeface="Arial Black" pitchFamily="34" charset="0"/>
+                <a:ea typeface="Arial Black" pitchFamily="34" charset="-122"/>
+                <a:cs typeface="Arial Black" pitchFamily="34" charset="-120"/>
+              </a:rPr>
+              <a:t>Fine-Tune</a:t>
+            </a:r>
+            <a:endParaRPr lang="en-US" sz="1800" dirty="0"/>
+          </a:p>
+        </p:txBody>
+      </p:sp>
+      <p:sp>
+        <p:nvSpPr>
+          <p:cNvPr id="28" name="Text 26"/>
+          <p:cNvSpPr/>
+          <p:nvPr/>
+        </p:nvSpPr>
+        <p:spPr>
+          <a:xfrm>
+            <a:off x="2834640" y="3456432"/>
+            <a:ext cx="5669280" cy="685800"/>
+          </a:xfrm>
+          <a:prstGeom prst="rect">
+            <a:avLst/>
+          </a:prstGeom>
+          <a:noFill/>
+          <a:ln/>
+        </p:spPr>
+        <p:txBody>
+          <a:bodyPr wrap="square" lIns="0" tIns="0" rIns="0" bIns="0" rtlCol="0" anchor="ctr"/>
+          <a:lstStyle/>
+          <a:p>
+            <a:pPr marL="0" indent="0" algn="l">
+              <a:buNone/>
+            </a:pPr>
+            <a:r>
+              <a:rPr lang="en-US" sz="1300" dirty="0">
+                <a:solidFill>
+                  <a:srgbClr val="CADCFC"/>
+                </a:solidFill>
+                <a:latin typeface="Calibri" pitchFamily="34" charset="0"/>
+                <a:ea typeface="Calibri" pitchFamily="34" charset="-122"/>
+                <a:cs typeface="Calibri" pitchFamily="34" charset="-120"/>
+              </a:rPr>
+              <a:t>MNR Loss + per-model DBCV sweep; fairer base vs fine-tuned comparison</a:t>
+            </a:r>
+            <a:endParaRPr lang="en-US" sz="1300" dirty="0"/>
+          </a:p>
+        </p:txBody>
+      </p:sp>
+      <p:sp>
+        <p:nvSpPr>
+          <p:cNvPr id="29" name="Shape 27"/>
+          <p:cNvSpPr/>
+          <p:nvPr/>
+        </p:nvSpPr>
+        <p:spPr>
+          <a:xfrm>
+            <a:off x="457200" y="4206240"/>
+            <a:ext cx="8229600" cy="594360"/>
+          </a:xfrm>
+          <a:prstGeom prst="rect">
             <a:avLst/>
           </a:prstGeom>
           <a:solidFill>
-            <a:srgbClr val="1E293B"/>
+            <a:srgbClr val="14B8A6">
+              <a:alpha val="15000"/>
+            </a:srgbClr>
           </a:solidFill>
-          <a:ln>
-            <a:noFill/>
-          </a:ln>
-        </p:spPr>
-        <p:style>
-          <a:lnRef idx="1">
-            <a:schemeClr val="accent1"/>
-          </a:lnRef>
-          <a:fillRef idx="3">
-            <a:schemeClr val="accent1"/>
-          </a:fillRef>
-          <a:effectRef idx="2">
-            <a:schemeClr val="accent1"/>
-          </a:effectRef>
-          <a:fontRef idx="minor">
-            <a:schemeClr val="lt1"/>
-          </a:fontRef>
-        </p:style>
-        <p:txBody>
-          <a:bodyPr rtlCol="0" anchor="ctr"/>
-          <a:lstStyle/>
-          <a:p>
-            <a:pPr algn="ctr"/>
-          </a:p>
-        </p:txBody>
-      </p:sp>
-      <p:sp>
-        <p:nvSpPr>
-          <p:cNvPr id="5" name="TextBox 4"/>
-          <p:cNvSpPr txBox="1"/>
-          <p:nvPr/>
-        </p:nvSpPr>
-        <p:spPr>
-          <a:xfrm>
-            <a:off x="365760" y="891540"/>
-            <a:ext cx="2468880" cy="228600"/>
+          <a:ln/>
+          <a:effectLst>
+            <a:outerShdw blurRad="50800" dist="25400" dir="8100000" algn="bl" rotWithShape="0">
+              <a:srgbClr val="000000">
+                <a:alpha val="10000"/>
+              </a:srgbClr>
+            </a:outerShdw>
+          </a:effectLst>
+        </p:spPr>
+        <p:txBody>
+          <a:bodyPr/>
+          <a:lstStyle/>
+          <a:p>
+            <a:endParaRPr lang="en-US"/>
+          </a:p>
+        </p:txBody>
+      </p:sp>
+      <p:sp>
+        <p:nvSpPr>
+          <p:cNvPr id="30" name="Text 28"/>
+          <p:cNvSpPr/>
+          <p:nvPr/>
+        </p:nvSpPr>
+        <p:spPr>
+          <a:xfrm>
+            <a:off x="731520" y="4206240"/>
+            <a:ext cx="7680960" cy="594360"/>
           </a:xfrm>
           <a:prstGeom prst="rect">
             <a:avLst/>
           </a:prstGeom>
           <a:noFill/>
-        </p:spPr>
-        <p:txBody>
-          <a:bodyPr wrap="square">
-            <a:spAutoFit/>
-          </a:bodyPr>
-          <a:lstStyle/>
-          <a:p>
-            <a:r>
-              <a:rPr sz="1400" b="0">
+          <a:ln/>
+        </p:spPr>
+        <p:txBody>
+          <a:bodyPr wrap="square" lIns="0" tIns="0" rIns="0" bIns="0" rtlCol="0" anchor="ctr"/>
+          <a:lstStyle/>
+          <a:p>
+            <a:pPr marL="0" indent="0">
+              <a:buNone/>
+            </a:pPr>
+            <a:r>
+              <a:rPr lang="en-US" sz="1400" b="1" dirty="0">
                 <a:solidFill>
                   <a:srgbClr val="14B8A6"/>
                 </a:solidFill>
-                <a:latin typeface="Arial Black"/>
-              </a:rPr>
-              <a:t>Tighter Clusters</a:t>
-            </a:r>
-          </a:p>
-        </p:txBody>
-      </p:sp>
-      <p:sp>
-        <p:nvSpPr>
-          <p:cNvPr id="6" name="TextBox 5"/>
-          <p:cNvSpPr txBox="1"/>
-          <p:nvPr/>
-        </p:nvSpPr>
-        <p:spPr>
-          <a:xfrm>
-            <a:off x="365760" y="1097280"/>
-            <a:ext cx="2468880" cy="1851660"/>
-          </a:xfrm>
-          <a:prstGeom prst="rect">
-            <a:avLst/>
-          </a:prstGeom>
-          <a:noFill/>
-        </p:spPr>
-        <p:txBody>
-          <a:bodyPr wrap="square">
-            <a:spAutoFit/>
-          </a:bodyPr>
-          <a:lstStyle/>
-          <a:p>
-            <a:r>
-              <a:rPr sz="1100">
+              </a:rPr>
+              <a:t>Ready to build?  </a:t>
+            </a:r>
+            <a:r>
+              <a:rPr lang="en-US" sz="1200" dirty="0">
                 <a:solidFill>
                   <a:srgbClr val="CADCFC"/>
                 </a:solidFill>
-                <a:latin typeface="Calibri"/>
-              </a:rPr>
-              <a:t>Fine-tuning pulls same-intent utterances closer together in embedding space, increasing intra-class cosine similarity and the gap between intra- and inter-class similarity.</a:t>
-            </a:r>
-          </a:p>
-        </p:txBody>
-      </p:sp>
-      <p:sp>
-        <p:nvSpPr>
-          <p:cNvPr id="7" name="Rounded Rectangle 6"/>
-          <p:cNvSpPr/>
-          <p:nvPr/>
-        </p:nvSpPr>
-        <p:spPr>
-          <a:xfrm>
-            <a:off x="3108960" y="822960"/>
-            <a:ext cx="2651760" cy="2194560"/>
-          </a:xfrm>
-          <a:prstGeom prst="roundRect">
-            <a:avLst/>
-          </a:prstGeom>
-          <a:solidFill>
-            <a:srgbClr val="1E293B"/>
-          </a:solidFill>
-          <a:ln>
-            <a:noFill/>
-          </a:ln>
-        </p:spPr>
-        <p:style>
-          <a:lnRef idx="1">
-            <a:schemeClr val="accent1"/>
-          </a:lnRef>
-          <a:fillRef idx="3">
-            <a:schemeClr val="accent1"/>
-          </a:fillRef>
-          <a:effectRef idx="2">
-            <a:schemeClr val="accent1"/>
-          </a:effectRef>
-          <a:fontRef idx="minor">
-            <a:schemeClr val="lt1"/>
-          </a:fontRef>
-        </p:style>
-        <p:txBody>
-          <a:bodyPr rtlCol="0" anchor="ctr"/>
-          <a:lstStyle/>
-          <a:p>
-            <a:pPr algn="ctr"/>
-          </a:p>
-        </p:txBody>
-      </p:sp>
-      <p:sp>
-        <p:nvSpPr>
-          <p:cNvPr id="8" name="TextBox 7"/>
-          <p:cNvSpPr txBox="1"/>
-          <p:nvPr/>
-        </p:nvSpPr>
-        <p:spPr>
-          <a:xfrm>
-            <a:off x="3200400" y="891540"/>
-            <a:ext cx="2468880" cy="228600"/>
-          </a:xfrm>
-          <a:prstGeom prst="rect">
-            <a:avLst/>
-          </a:prstGeom>
-          <a:noFill/>
-        </p:spPr>
-        <p:txBody>
-          <a:bodyPr wrap="square">
-            <a:spAutoFit/>
-          </a:bodyPr>
-          <a:lstStyle/>
-          <a:p>
-            <a:r>
-              <a:rPr sz="1400" b="0">
-                <a:solidFill>
-                  <a:srgbClr val="22C55E"/>
-                </a:solidFill>
-                <a:latin typeface="Arial Black"/>
-              </a:rPr>
-              <a:t>Less Noise</a:t>
-            </a:r>
-          </a:p>
-        </p:txBody>
-      </p:sp>
-      <p:sp>
-        <p:nvSpPr>
-          <p:cNvPr id="9" name="TextBox 8"/>
-          <p:cNvSpPr txBox="1"/>
-          <p:nvPr/>
-        </p:nvSpPr>
-        <p:spPr>
-          <a:xfrm>
-            <a:off x="3200400" y="1097280"/>
-            <a:ext cx="2468880" cy="1851660"/>
-          </a:xfrm>
-          <a:prstGeom prst="rect">
-            <a:avLst/>
-          </a:prstGeom>
-          <a:noFill/>
-        </p:spPr>
-        <p:txBody>
-          <a:bodyPr wrap="square">
-            <a:spAutoFit/>
-          </a:bodyPr>
-          <a:lstStyle/>
-          <a:p>
-            <a:r>
-              <a:rPr sz="1100">
-                <a:solidFill>
-                  <a:srgbClr val="CADCFC"/>
-                </a:solidFill>
-                <a:latin typeface="Calibri"/>
-              </a:rPr>
-              <a:t>The base model had ~18.7% noise; fine-tuning drops this dramatically. v2's full-dataset eval via approximate_predict ensures a fair comparison that doesn't hide hard points.</a:t>
-            </a:r>
-          </a:p>
-        </p:txBody>
-      </p:sp>
-      <p:sp>
-        <p:nvSpPr>
-          <p:cNvPr id="10" name="Rounded Rectangle 9"/>
-          <p:cNvSpPr/>
-          <p:nvPr/>
-        </p:nvSpPr>
-        <p:spPr>
-          <a:xfrm>
-            <a:off x="5943600" y="822960"/>
-            <a:ext cx="2651760" cy="2194560"/>
-          </a:xfrm>
-          <a:prstGeom prst="roundRect">
-            <a:avLst/>
-          </a:prstGeom>
-          <a:solidFill>
-            <a:srgbClr val="1E293B"/>
-          </a:solidFill>
-          <a:ln>
-            <a:noFill/>
-          </a:ln>
-        </p:spPr>
-        <p:style>
-          <a:lnRef idx="1">
-            <a:schemeClr val="accent1"/>
-          </a:lnRef>
-          <a:fillRef idx="3">
-            <a:schemeClr val="accent1"/>
-          </a:fillRef>
-          <a:effectRef idx="2">
-            <a:schemeClr val="accent1"/>
-          </a:effectRef>
-          <a:fontRef idx="minor">
-            <a:schemeClr val="lt1"/>
-          </a:fontRef>
-        </p:style>
-        <p:txBody>
-          <a:bodyPr rtlCol="0" anchor="ctr"/>
-          <a:lstStyle/>
-          <a:p>
-            <a:pPr algn="ctr"/>
-          </a:p>
-        </p:txBody>
-      </p:sp>
-      <p:sp>
-        <p:nvSpPr>
-          <p:cNvPr id="11" name="TextBox 10"/>
-          <p:cNvSpPr txBox="1"/>
-          <p:nvPr/>
-        </p:nvSpPr>
-        <p:spPr>
-          <a:xfrm>
-            <a:off x="6035040" y="891540"/>
-            <a:ext cx="2468880" cy="228600"/>
-          </a:xfrm>
-          <a:prstGeom prst="rect">
-            <a:avLst/>
-          </a:prstGeom>
-          <a:noFill/>
-        </p:spPr>
-        <p:txBody>
-          <a:bodyPr wrap="square">
-            <a:spAutoFit/>
-          </a:bodyPr>
-          <a:lstStyle/>
-          <a:p>
-            <a:r>
-              <a:rPr sz="1400" b="0">
-                <a:solidFill>
-                  <a:srgbClr val="7C3AED"/>
-                </a:solidFill>
-                <a:latin typeface="Arial Black"/>
-              </a:rPr>
-              <a:t>Per-Model Tuning</a:t>
-            </a:r>
-          </a:p>
-        </p:txBody>
-      </p:sp>
-      <p:sp>
-        <p:nvSpPr>
-          <p:cNvPr id="12" name="TextBox 11"/>
-          <p:cNvSpPr txBox="1"/>
-          <p:nvPr/>
-        </p:nvSpPr>
-        <p:spPr>
-          <a:xfrm>
-            <a:off x="6035040" y="1097280"/>
-            <a:ext cx="2468880" cy="1851660"/>
-          </a:xfrm>
-          <a:prstGeom prst="rect">
-            <a:avLst/>
-          </a:prstGeom>
-          <a:noFill/>
-        </p:spPr>
-        <p:txBody>
-          <a:bodyPr wrap="square">
-            <a:spAutoFit/>
-          </a:bodyPr>
-          <a:lstStyle/>
-          <a:p>
-            <a:r>
-              <a:rPr sz="1100">
-                <a:solidFill>
-                  <a:srgbClr val="CADCFC"/>
-                </a:solidFill>
-                <a:latin typeface="Calibri"/>
-              </a:rPr>
-              <a:t>v2 runs a separate DBCV parameter sweep for each embedding set. The optimal HDBSCAN config differs between base and fine-tuned because the density structure changes after training.</a:t>
-            </a:r>
-          </a:p>
-        </p:txBody>
-      </p:sp>
-      <p:sp>
-        <p:nvSpPr>
-          <p:cNvPr id="13" name="Rounded Rectangle 12"/>
-          <p:cNvSpPr/>
-          <p:nvPr/>
-        </p:nvSpPr>
-        <p:spPr>
-          <a:xfrm>
-            <a:off x="274320" y="3200400"/>
-            <a:ext cx="8595360" cy="1280160"/>
-          </a:xfrm>
-          <a:prstGeom prst="roundRect">
-            <a:avLst/>
-          </a:prstGeom>
-          <a:solidFill>
-            <a:srgbClr val="1E293B"/>
-          </a:solidFill>
-          <a:ln>
-            <a:noFill/>
-          </a:ln>
-        </p:spPr>
-        <p:style>
-          <a:lnRef idx="1">
-            <a:schemeClr val="accent1"/>
-          </a:lnRef>
-          <a:fillRef idx="3">
-            <a:schemeClr val="accent1"/>
-          </a:fillRef>
-          <a:effectRef idx="2">
-            <a:schemeClr val="accent1"/>
-          </a:effectRef>
-          <a:fontRef idx="minor">
-            <a:schemeClr val="lt1"/>
-          </a:fontRef>
-        </p:style>
-        <p:txBody>
-          <a:bodyPr rtlCol="0" anchor="ctr"/>
-          <a:lstStyle/>
-          <a:p>
-            <a:pPr algn="ctr"/>
-          </a:p>
-        </p:txBody>
-      </p:sp>
-      <p:sp>
-        <p:nvSpPr>
-          <p:cNvPr id="14" name="TextBox 13"/>
-          <p:cNvSpPr txBox="1"/>
-          <p:nvPr/>
-        </p:nvSpPr>
-        <p:spPr>
-          <a:xfrm>
-            <a:off x="457200" y="3383280"/>
-            <a:ext cx="8229600" cy="457200"/>
-          </a:xfrm>
-          <a:prstGeom prst="rect">
-            <a:avLst/>
-          </a:prstGeom>
-          <a:noFill/>
-        </p:spPr>
-        <p:txBody>
-          <a:bodyPr wrap="square">
-            <a:spAutoFit/>
-          </a:bodyPr>
-          <a:lstStyle/>
-          <a:p>
-            <a:r>
-              <a:rPr sz="1200">
-                <a:solidFill>
-                  <a:srgbClr val="CADCFC"/>
-                </a:solidFill>
-                <a:latin typeface="Calibri"/>
-              </a:rPr>
-              <a:t>Training Configuration:  27K same-intent pairs  |  MultipleNegativesRankingLoss (InfoNCE)  |  3 epochs, batch 64, lr 2e-5  |  Stratified 80/20 split  |  TripletEvaluator on validation set</a:t>
-            </a:r>
-          </a:p>
-        </p:txBody>
-      </p:sp>
-      <p:sp>
-        <p:nvSpPr>
-          <p:cNvPr id="15" name="TextBox 14"/>
-          <p:cNvSpPr txBox="1"/>
-          <p:nvPr/>
-        </p:nvSpPr>
-        <p:spPr>
-          <a:xfrm>
-            <a:off x="457200" y="3840480"/>
-            <a:ext cx="8229600" cy="457200"/>
-          </a:xfrm>
-          <a:prstGeom prst="rect">
-            <a:avLst/>
-          </a:prstGeom>
-          <a:noFill/>
-        </p:spPr>
-        <p:txBody>
-          <a:bodyPr wrap="square">
-            <a:spAutoFit/>
-          </a:bodyPr>
-          <a:lstStyle/>
-          <a:p>
-            <a:r>
-              <a:rPr sz="1000">
-                <a:solidFill>
-                  <a:srgbClr val="94A3B8"/>
-                </a:solidFill>
-                <a:latin typeface="Calibri"/>
-              </a:rPr>
-              <a:t>Category ARI may decrease because fine-tuning optimizes for intent-level separation (27 classes), which can oversplit the coarser 11-category grouping. This is expected and reflects the training objective.</a:t>
-            </a:r>
+              </a:rPr>
+              <a:t>Upload your dataset and we can run the full pipeline — embedding, fine-tuning, clustering, and visualization.</a:t>
+            </a:r>
+            <a:endParaRPr lang="en-US" sz="1400" dirty="0"/>
           </a:p>
         </p:txBody>
       </p:sp>
